--- a/Asynchronous JavaScript.pptx
+++ b/Asynchronous JavaScript.pptx
@@ -7,21 +7,23 @@
   <p:sldIdLst>
     <p:sldId id="256" r:id="rId2"/>
     <p:sldId id="257" r:id="rId3"/>
-    <p:sldId id="258" r:id="rId4"/>
-    <p:sldId id="259" r:id="rId5"/>
-    <p:sldId id="260" r:id="rId6"/>
-    <p:sldId id="271" r:id="rId7"/>
-    <p:sldId id="272" r:id="rId8"/>
+    <p:sldId id="273" r:id="rId4"/>
+    <p:sldId id="274" r:id="rId5"/>
+    <p:sldId id="275" r:id="rId6"/>
+    <p:sldId id="276" r:id="rId7"/>
+    <p:sldId id="260" r:id="rId8"/>
     <p:sldId id="270" r:id="rId9"/>
     <p:sldId id="261" r:id="rId10"/>
     <p:sldId id="268" r:id="rId11"/>
     <p:sldId id="269" r:id="rId12"/>
-    <p:sldId id="262" r:id="rId13"/>
-    <p:sldId id="263" r:id="rId14"/>
-    <p:sldId id="264" r:id="rId15"/>
-    <p:sldId id="265" r:id="rId16"/>
-    <p:sldId id="266" r:id="rId17"/>
-    <p:sldId id="267" r:id="rId18"/>
+    <p:sldId id="277" r:id="rId13"/>
+    <p:sldId id="278" r:id="rId14"/>
+    <p:sldId id="279" r:id="rId15"/>
+    <p:sldId id="280" r:id="rId16"/>
+    <p:sldId id="262" r:id="rId17"/>
+    <p:sldId id="263" r:id="rId18"/>
+    <p:sldId id="266" r:id="rId19"/>
+    <p:sldId id="267" r:id="rId20"/>
   </p:sldIdLst>
   <p:sldSz cx="12192000" cy="6858000"/>
   <p:notesSz cx="6858000" cy="9144000"/>
@@ -775,7 +777,7 @@
             <a:fld id="{1E700B27-DE4C-4B9E-BB11-B9027034A00F}" type="datetimeFigureOut">
               <a:rPr lang="en-US" dirty="0"/>
               <a:pPr/>
-              <a:t>02-Feb-17</a:t>
+              <a:t>2/12/2017</a:t>
             </a:fld>
             <a:endParaRPr lang="en-US" dirty="0"/>
           </a:p>
@@ -1895,7 +1897,7 @@
           <a:p>
             <a:fld id="{C40F4739-9812-4A9F-890D-2AD6BA5F6EE8}" type="datetimeFigureOut">
               <a:rPr lang="en-US" dirty="0"/>
-              <a:t>02-Feb-17</a:t>
+              <a:t>2/12/2017</a:t>
             </a:fld>
             <a:endParaRPr lang="en-US" dirty="0"/>
           </a:p>
@@ -2906,7 +2908,7 @@
           <a:p>
             <a:fld id="{18845AC5-A3F8-44AA-BA8F-596CDCC976D3}" type="datetimeFigureOut">
               <a:rPr lang="en-US" dirty="0"/>
-              <a:t>02-Feb-17</a:t>
+              <a:t>2/12/2017</a:t>
             </a:fld>
             <a:endParaRPr lang="en-US" dirty="0"/>
           </a:p>
@@ -4076,7 +4078,7 @@
           <a:p>
             <a:fld id="{C873B183-A821-4095-A363-9EC968635539}" type="datetimeFigureOut">
               <a:rPr lang="en-US" dirty="0"/>
-              <a:t>02-Feb-17</a:t>
+              <a:t>2/12/2017</a:t>
             </a:fld>
             <a:endParaRPr lang="en-US" dirty="0"/>
           </a:p>
@@ -5137,7 +5139,7 @@
           <a:p>
             <a:fld id="{174D01B4-0AA5-45E6-B2E6-5FA4078AEBCF}" type="datetimeFigureOut">
               <a:rPr lang="en-US" dirty="0"/>
-              <a:t>02-Feb-17</a:t>
+              <a:t>2/12/2017</a:t>
             </a:fld>
             <a:endParaRPr lang="en-US" dirty="0"/>
           </a:p>
@@ -5783,7 +5785,7 @@
           <a:p>
             <a:fld id="{4147335C-0450-40D7-8612-B3203BED4F28}" type="datetimeFigureOut">
               <a:rPr lang="en-US" dirty="0"/>
-              <a:t>02-Feb-17</a:t>
+              <a:t>2/12/2017</a:t>
             </a:fld>
             <a:endParaRPr lang="en-US" dirty="0"/>
           </a:p>
@@ -6630,7 +6632,7 @@
           <a:p>
             <a:fld id="{D246A105-2A1C-4284-B4EA-07CF89B1A393}" type="datetimeFigureOut">
               <a:rPr lang="en-US" dirty="0"/>
-              <a:t>02-Feb-17</a:t>
+              <a:t>2/12/2017</a:t>
             </a:fld>
             <a:endParaRPr lang="en-US" dirty="0"/>
           </a:p>
@@ -6805,7 +6807,7 @@
           <a:p>
             <a:fld id="{80DBE609-F3F2-45E6-BD6A-E03A8C86C1AE}" type="datetimeFigureOut">
               <a:rPr lang="en-US" dirty="0"/>
-              <a:t>02-Feb-17</a:t>
+              <a:t>2/12/2017</a:t>
             </a:fld>
             <a:endParaRPr lang="en-US" dirty="0"/>
           </a:p>
@@ -7803,7 +7805,7 @@
           <a:p>
             <a:fld id="{7A24AD68-089C-4467-A8F3-EA2BBCA6B44E}" type="datetimeFigureOut">
               <a:rPr lang="en-US" dirty="0"/>
-              <a:t>02-Feb-17</a:t>
+              <a:t>2/12/2017</a:t>
             </a:fld>
             <a:endParaRPr lang="en-US" dirty="0"/>
           </a:p>
@@ -8009,7 +8011,7 @@
           <a:p>
             <a:fld id="{75C51FCE-E4BB-4680-8E50-3C0E348D2609}" type="datetimeFigureOut">
               <a:rPr lang="en-US" dirty="0"/>
-              <a:t>02-Feb-17</a:t>
+              <a:t>2/12/2017</a:t>
             </a:fld>
             <a:endParaRPr lang="en-US" dirty="0"/>
           </a:p>
@@ -9071,7 +9073,7 @@
           <a:p>
             <a:fld id="{8AAA073D-A903-47F8-8D16-77642FB0DF1F}" type="datetimeFigureOut">
               <a:rPr lang="en-US" dirty="0"/>
-              <a:t>02-Feb-17</a:t>
+              <a:t>2/12/2017</a:t>
             </a:fld>
             <a:endParaRPr lang="en-US" dirty="0"/>
           </a:p>
@@ -9343,7 +9345,7 @@
           <a:p>
             <a:fld id="{AB91FA40-626B-4CA1-85D0-7A9016E395BA}" type="datetimeFigureOut">
               <a:rPr lang="en-US" dirty="0"/>
-              <a:t>02-Feb-17</a:t>
+              <a:t>2/12/2017</a:t>
             </a:fld>
             <a:endParaRPr lang="en-US" dirty="0"/>
           </a:p>
@@ -9725,7 +9727,7 @@
           <a:p>
             <a:fld id="{C3F425EA-B9DC-48A7-991E-9A82573B1B21}" type="datetimeFigureOut">
               <a:rPr lang="en-US" dirty="0"/>
-              <a:t>02-Feb-17</a:t>
+              <a:t>2/12/2017</a:t>
             </a:fld>
             <a:endParaRPr lang="en-US" dirty="0"/>
           </a:p>
@@ -9843,7 +9845,7 @@
           <a:p>
             <a:fld id="{66CB97F8-6CEB-469B-AFCC-889F2A2B1D5A}" type="datetimeFigureOut">
               <a:rPr lang="en-US" dirty="0"/>
-              <a:t>02-Feb-17</a:t>
+              <a:t>2/12/2017</a:t>
             </a:fld>
             <a:endParaRPr lang="en-US" dirty="0"/>
           </a:p>
@@ -9938,7 +9940,7 @@
           <a:p>
             <a:fld id="{8FA9179F-009E-4FA5-B091-7EBB82A185BD}" type="datetimeFigureOut">
               <a:rPr lang="en-US" dirty="0"/>
-              <a:t>02-Feb-17</a:t>
+              <a:t>2/12/2017</a:t>
             </a:fld>
             <a:endParaRPr lang="en-US" dirty="0"/>
           </a:p>
@@ -11047,7 +11049,7 @@
           <a:p>
             <a:fld id="{8E665CEB-0076-4E37-B880-BCEA9784DE0A}" type="datetimeFigureOut">
               <a:rPr lang="en-US" dirty="0"/>
-              <a:t>02-Feb-17</a:t>
+              <a:t>2/12/2017</a:t>
             </a:fld>
             <a:endParaRPr lang="en-US" dirty="0"/>
           </a:p>
@@ -12180,7 +12182,7 @@
           <a:p>
             <a:fld id="{A6149E5E-3896-4118-99A7-7B85668F1C5E}" type="datetimeFigureOut">
               <a:rPr lang="en-US" dirty="0"/>
-              <a:t>02-Feb-17</a:t>
+              <a:t>2/12/2017</a:t>
             </a:fld>
             <a:endParaRPr lang="en-US" dirty="0"/>
           </a:p>
@@ -13208,7 +13210,7 @@
           <a:p>
             <a:fld id="{7E0D914D-B099-4142-A885-11F276715148}" type="datetimeFigureOut">
               <a:rPr lang="en-US" dirty="0"/>
-              <a:t>02-Feb-17</a:t>
+              <a:t>2/12/2017</a:t>
             </a:fld>
             <a:endParaRPr lang="en-US" dirty="0"/>
           </a:p>
@@ -15639,32 +15641,6 @@
           </p:spPr>
         </p:sp>
       </p:grpSp>
-      <p:pic>
-        <p:nvPicPr>
-          <p:cNvPr id="5" name="Content Placeholder 4"/>
-          <p:cNvPicPr>
-            <a:picLocks noGrp="1" noChangeAspect="1"/>
-          </p:cNvPicPr>
-          <p:nvPr>
-            <p:ph sz="half" idx="2"/>
-          </p:nvPr>
-        </p:nvPicPr>
-        <p:blipFill>
-          <a:blip r:embed="rId3"/>
-          <a:stretch>
-            <a:fillRect/>
-          </a:stretch>
-        </p:blipFill>
-        <p:spPr>
-          <a:xfrm>
-            <a:off x="5194607" y="906589"/>
-            <a:ext cx="6391533" cy="5044821"/>
-          </a:xfrm>
-          <a:prstGeom prst="rect">
-            <a:avLst/>
-          </a:prstGeom>
-        </p:spPr>
-      </p:pic>
       <p:sp>
         <p:nvSpPr>
           <p:cNvPr id="30" name="Rectangle 29"/>
@@ -15807,6 +15783,35 @@
           </a:p>
         </p:txBody>
       </p:sp>
+      <p:pic>
+        <p:nvPicPr>
+          <p:cNvPr id="6" name="Объект 5"/>
+          <p:cNvPicPr>
+            <a:picLocks noGrp="1" noChangeAspect="1"/>
+          </p:cNvPicPr>
+          <p:nvPr>
+            <p:ph sz="half" idx="2"/>
+          </p:nvPr>
+        </p:nvPicPr>
+        <p:blipFill>
+          <a:blip r:embed="rId3">
+            <a:extLst>
+              <a:ext uri="{28A0092B-C50C-407E-A947-70E740481C1C}">
+                <a14:useLocalDpi xmlns:a14="http://schemas.microsoft.com/office/drawing/2010/main" val="0"/>
+              </a:ext>
+            </a:extLst>
+          </a:blip>
+          <a:stretch>
+            <a:fillRect/>
+          </a:stretch>
+        </p:blipFill>
+        <p:spPr>
+          <a:xfrm>
+            <a:off x="5328965" y="1243924"/>
+            <a:ext cx="5678019" cy="4574600"/>
+          </a:xfrm>
+        </p:spPr>
+      </p:pic>
     </p:spTree>
     <p:extLst>
       <p:ext uri="{BB962C8B-B14F-4D97-AF65-F5344CB8AC3E}">
@@ -17641,32 +17646,6 @@
           </p:spPr>
         </p:sp>
       </p:grpSp>
-      <p:pic>
-        <p:nvPicPr>
-          <p:cNvPr id="6" name="Content Placeholder 5"/>
-          <p:cNvPicPr>
-            <a:picLocks noGrp="1" noChangeAspect="1"/>
-          </p:cNvPicPr>
-          <p:nvPr>
-            <p:ph sz="half" idx="2"/>
-          </p:nvPr>
-        </p:nvPicPr>
-        <p:blipFill>
-          <a:blip r:embed="rId3"/>
-          <a:stretch>
-            <a:fillRect/>
-          </a:stretch>
-        </p:blipFill>
-        <p:spPr>
-          <a:xfrm>
-            <a:off x="5524046" y="166819"/>
-            <a:ext cx="4573512" cy="6524361"/>
-          </a:xfrm>
-          <a:prstGeom prst="rect">
-            <a:avLst/>
-          </a:prstGeom>
-        </p:spPr>
-      </p:pic>
       <p:sp>
         <p:nvSpPr>
           <p:cNvPr id="31" name="Rectangle 30"/>
@@ -17814,6 +17793,35 @@
           </a:p>
         </p:txBody>
       </p:sp>
+      <p:pic>
+        <p:nvPicPr>
+          <p:cNvPr id="32" name="Объект 31"/>
+          <p:cNvPicPr>
+            <a:picLocks noGrp="1" noChangeAspect="1"/>
+          </p:cNvPicPr>
+          <p:nvPr>
+            <p:ph sz="half" idx="2"/>
+          </p:nvPr>
+        </p:nvPicPr>
+        <p:blipFill>
+          <a:blip r:embed="rId3">
+            <a:extLst>
+              <a:ext uri="{28A0092B-C50C-407E-A947-70E740481C1C}">
+                <a14:useLocalDpi xmlns:a14="http://schemas.microsoft.com/office/drawing/2010/main" val="0"/>
+              </a:ext>
+            </a:extLst>
+          </a:blip>
+          <a:stretch>
+            <a:fillRect/>
+          </a:stretch>
+        </p:blipFill>
+        <p:spPr>
+          <a:xfrm>
+            <a:off x="5708635" y="150834"/>
+            <a:ext cx="4281967" cy="6620856"/>
+          </a:xfrm>
+        </p:spPr>
+      </p:pic>
     </p:spTree>
     <p:extLst>
       <p:ext uri="{BB962C8B-B14F-4D97-AF65-F5344CB8AC3E}">
@@ -17828,6 +17836,756 @@
 </file>
 
 <file path=ppt/slides/slide12.xml><?xml version="1.0" encoding="utf-8"?>
+<p:sld xmlns:a="http://schemas.openxmlformats.org/drawingml/2006/main" xmlns:r="http://schemas.openxmlformats.org/officeDocument/2006/relationships" xmlns:p="http://schemas.openxmlformats.org/presentationml/2006/main">
+  <p:cSld>
+    <p:spTree>
+      <p:nvGrpSpPr>
+        <p:cNvPr id="1" name=""/>
+        <p:cNvGrpSpPr/>
+        <p:nvPr/>
+      </p:nvGrpSpPr>
+      <p:grpSpPr>
+        <a:xfrm>
+          <a:off x="0" y="0"/>
+          <a:ext cx="0" cy="0"/>
+          <a:chOff x="0" y="0"/>
+          <a:chExt cx="0" cy="0"/>
+        </a:xfrm>
+      </p:grpSpPr>
+      <p:sp>
+        <p:nvSpPr>
+          <p:cNvPr id="2" name="Заголовок 1"/>
+          <p:cNvSpPr>
+            <a:spLocks noGrp="1"/>
+          </p:cNvSpPr>
+          <p:nvPr>
+            <p:ph type="title"/>
+          </p:nvPr>
+        </p:nvSpPr>
+        <p:spPr/>
+        <p:txBody>
+          <a:bodyPr/>
+          <a:lstStyle/>
+          <a:p>
+            <a:r>
+              <a:rPr lang="en-US" dirty="0" smtClean="0"/>
+              <a:t>What is Promise ?</a:t>
+            </a:r>
+            <a:endParaRPr lang="ru-RU" dirty="0"/>
+          </a:p>
+        </p:txBody>
+      </p:sp>
+      <p:pic>
+        <p:nvPicPr>
+          <p:cNvPr id="6" name="Рисунок 5"/>
+          <p:cNvPicPr>
+            <a:picLocks noChangeAspect="1"/>
+          </p:cNvPicPr>
+          <p:nvPr/>
+        </p:nvPicPr>
+        <p:blipFill>
+          <a:blip r:embed="rId2">
+            <a:extLst>
+              <a:ext uri="{28A0092B-C50C-407E-A947-70E740481C1C}">
+                <a14:useLocalDpi xmlns:a14="http://schemas.microsoft.com/office/drawing/2010/main" val="0"/>
+              </a:ext>
+            </a:extLst>
+          </a:blip>
+          <a:stretch>
+            <a:fillRect/>
+          </a:stretch>
+        </p:blipFill>
+        <p:spPr>
+          <a:xfrm rot="19882713">
+            <a:off x="455395" y="3570446"/>
+            <a:ext cx="3309189" cy="1378829"/>
+          </a:xfrm>
+          <a:prstGeom prst="rect">
+            <a:avLst/>
+          </a:prstGeom>
+        </p:spPr>
+      </p:pic>
+      <p:pic>
+        <p:nvPicPr>
+          <p:cNvPr id="7" name="Рисунок 6"/>
+          <p:cNvPicPr>
+            <a:picLocks noChangeAspect="1"/>
+          </p:cNvPicPr>
+          <p:nvPr/>
+        </p:nvPicPr>
+        <p:blipFill>
+          <a:blip r:embed="rId3">
+            <a:extLst>
+              <a:ext uri="{28A0092B-C50C-407E-A947-70E740481C1C}">
+                <a14:useLocalDpi xmlns:a14="http://schemas.microsoft.com/office/drawing/2010/main" val="0"/>
+              </a:ext>
+            </a:extLst>
+          </a:blip>
+          <a:stretch>
+            <a:fillRect/>
+          </a:stretch>
+        </p:blipFill>
+        <p:spPr>
+          <a:xfrm>
+            <a:off x="8034202" y="1951580"/>
+            <a:ext cx="4081646" cy="4081646"/>
+          </a:xfrm>
+          <a:prstGeom prst="rect">
+            <a:avLst/>
+          </a:prstGeom>
+        </p:spPr>
+      </p:pic>
+      <p:pic>
+        <p:nvPicPr>
+          <p:cNvPr id="8" name="Рисунок 7"/>
+          <p:cNvPicPr>
+            <a:picLocks noChangeAspect="1"/>
+          </p:cNvPicPr>
+          <p:nvPr/>
+        </p:nvPicPr>
+        <p:blipFill>
+          <a:blip r:embed="rId4">
+            <a:extLst>
+              <a:ext uri="{28A0092B-C50C-407E-A947-70E740481C1C}">
+                <a14:useLocalDpi xmlns:a14="http://schemas.microsoft.com/office/drawing/2010/main" val="0"/>
+              </a:ext>
+            </a:extLst>
+          </a:blip>
+          <a:stretch>
+            <a:fillRect/>
+          </a:stretch>
+        </p:blipFill>
+        <p:spPr>
+          <a:xfrm>
+            <a:off x="4947334" y="2725619"/>
+            <a:ext cx="2301364" cy="3068485"/>
+          </a:xfrm>
+          <a:prstGeom prst="rect">
+            <a:avLst/>
+          </a:prstGeom>
+        </p:spPr>
+      </p:pic>
+      <p:sp>
+        <p:nvSpPr>
+          <p:cNvPr id="9" name="TextBox 8"/>
+          <p:cNvSpPr txBox="1"/>
+          <p:nvPr/>
+        </p:nvSpPr>
+        <p:spPr>
+          <a:xfrm>
+            <a:off x="1662501" y="6204867"/>
+            <a:ext cx="755335" cy="369332"/>
+          </a:xfrm>
+          <a:prstGeom prst="rect">
+            <a:avLst/>
+          </a:prstGeom>
+          <a:noFill/>
+        </p:spPr>
+        <p:txBody>
+          <a:bodyPr wrap="none" rtlCol="0">
+            <a:spAutoFit/>
+          </a:bodyPr>
+          <a:lstStyle/>
+          <a:p>
+            <a:r>
+              <a:rPr lang="en-US" dirty="0" smtClean="0"/>
+              <a:t>Utility</a:t>
+            </a:r>
+            <a:endParaRPr lang="ru-RU" dirty="0"/>
+          </a:p>
+        </p:txBody>
+      </p:sp>
+      <p:sp>
+        <p:nvSpPr>
+          <p:cNvPr id="10" name="TextBox 9"/>
+          <p:cNvSpPr txBox="1"/>
+          <p:nvPr/>
+        </p:nvSpPr>
+        <p:spPr>
+          <a:xfrm>
+            <a:off x="5535659" y="6204867"/>
+            <a:ext cx="1043876" cy="369332"/>
+          </a:xfrm>
+          <a:prstGeom prst="rect">
+            <a:avLst/>
+          </a:prstGeom>
+          <a:noFill/>
+        </p:spPr>
+        <p:txBody>
+          <a:bodyPr wrap="none" rtlCol="0">
+            <a:spAutoFit/>
+          </a:bodyPr>
+          <a:lstStyle/>
+          <a:p>
+            <a:r>
+              <a:rPr lang="en-US" dirty="0" smtClean="0"/>
+              <a:t>Promise</a:t>
+            </a:r>
+            <a:endParaRPr lang="ru-RU" dirty="0"/>
+          </a:p>
+        </p:txBody>
+      </p:sp>
+      <p:sp>
+        <p:nvSpPr>
+          <p:cNvPr id="11" name="TextBox 10"/>
+          <p:cNvSpPr txBox="1"/>
+          <p:nvPr/>
+        </p:nvSpPr>
+        <p:spPr>
+          <a:xfrm>
+            <a:off x="9654076" y="6204867"/>
+            <a:ext cx="841897" cy="369332"/>
+          </a:xfrm>
+          <a:prstGeom prst="rect">
+            <a:avLst/>
+          </a:prstGeom>
+          <a:noFill/>
+        </p:spPr>
+        <p:txBody>
+          <a:bodyPr wrap="none" rtlCol="0">
+            <a:spAutoFit/>
+          </a:bodyPr>
+          <a:lstStyle/>
+          <a:p>
+            <a:r>
+              <a:rPr lang="en-US" dirty="0" smtClean="0"/>
+              <a:t>Value</a:t>
+            </a:r>
+            <a:endParaRPr lang="ru-RU" dirty="0"/>
+          </a:p>
+        </p:txBody>
+      </p:sp>
+    </p:spTree>
+    <p:extLst>
+      <p:ext uri="{BB962C8B-B14F-4D97-AF65-F5344CB8AC3E}">
+        <p14:creationId xmlns:p14="http://schemas.microsoft.com/office/powerpoint/2010/main" val="1820903353"/>
+      </p:ext>
+    </p:extLst>
+  </p:cSld>
+  <p:clrMapOvr>
+    <a:masterClrMapping/>
+  </p:clrMapOvr>
+</p:sld>
+</file>
+
+<file path=ppt/slides/slide13.xml><?xml version="1.0" encoding="utf-8"?>
+<p:sld xmlns:a="http://schemas.openxmlformats.org/drawingml/2006/main" xmlns:r="http://schemas.openxmlformats.org/officeDocument/2006/relationships" xmlns:p="http://schemas.openxmlformats.org/presentationml/2006/main">
+  <p:cSld>
+    <p:spTree>
+      <p:nvGrpSpPr>
+        <p:cNvPr id="1" name=""/>
+        <p:cNvGrpSpPr/>
+        <p:nvPr/>
+      </p:nvGrpSpPr>
+      <p:grpSpPr>
+        <a:xfrm>
+          <a:off x="0" y="0"/>
+          <a:ext cx="0" cy="0"/>
+          <a:chOff x="0" y="0"/>
+          <a:chExt cx="0" cy="0"/>
+        </a:xfrm>
+      </p:grpSpPr>
+      <p:sp>
+        <p:nvSpPr>
+          <p:cNvPr id="2" name="Заголовок 1"/>
+          <p:cNvSpPr>
+            <a:spLocks noGrp="1"/>
+          </p:cNvSpPr>
+          <p:nvPr>
+            <p:ph type="title"/>
+          </p:nvPr>
+        </p:nvSpPr>
+        <p:spPr/>
+        <p:txBody>
+          <a:bodyPr/>
+          <a:lstStyle/>
+          <a:p>
+            <a:r>
+              <a:rPr lang="en-US" dirty="0" smtClean="0"/>
+              <a:t>What is Promise ?</a:t>
+            </a:r>
+            <a:endParaRPr lang="ru-RU" dirty="0"/>
+          </a:p>
+        </p:txBody>
+      </p:sp>
+      <p:pic>
+        <p:nvPicPr>
+          <p:cNvPr id="3" name="Рисунок 2"/>
+          <p:cNvPicPr>
+            <a:picLocks noChangeAspect="1"/>
+          </p:cNvPicPr>
+          <p:nvPr/>
+        </p:nvPicPr>
+        <p:blipFill>
+          <a:blip r:embed="rId2">
+            <a:extLst>
+              <a:ext uri="{28A0092B-C50C-407E-A947-70E740481C1C}">
+                <a14:useLocalDpi xmlns:a14="http://schemas.microsoft.com/office/drawing/2010/main" val="0"/>
+              </a:ext>
+            </a:extLst>
+          </a:blip>
+          <a:stretch>
+            <a:fillRect/>
+          </a:stretch>
+        </p:blipFill>
+        <p:spPr>
+          <a:xfrm>
+            <a:off x="397192" y="2647657"/>
+            <a:ext cx="5596283" cy="3816623"/>
+          </a:xfrm>
+          <a:prstGeom prst="rect">
+            <a:avLst/>
+          </a:prstGeom>
+        </p:spPr>
+      </p:pic>
+      <p:pic>
+        <p:nvPicPr>
+          <p:cNvPr id="4" name="Рисунок 3"/>
+          <p:cNvPicPr>
+            <a:picLocks noChangeAspect="1"/>
+          </p:cNvPicPr>
+          <p:nvPr/>
+        </p:nvPicPr>
+        <p:blipFill>
+          <a:blip r:embed="rId3">
+            <a:extLst>
+              <a:ext uri="{28A0092B-C50C-407E-A947-70E740481C1C}">
+                <a14:useLocalDpi xmlns:a14="http://schemas.microsoft.com/office/drawing/2010/main" val="0"/>
+              </a:ext>
+            </a:extLst>
+          </a:blip>
+          <a:stretch>
+            <a:fillRect/>
+          </a:stretch>
+        </p:blipFill>
+        <p:spPr>
+          <a:xfrm>
+            <a:off x="6282511" y="2647657"/>
+            <a:ext cx="5130864" cy="3829004"/>
+          </a:xfrm>
+          <a:prstGeom prst="rect">
+            <a:avLst/>
+          </a:prstGeom>
+        </p:spPr>
+      </p:pic>
+    </p:spTree>
+    <p:extLst>
+      <p:ext uri="{BB962C8B-B14F-4D97-AF65-F5344CB8AC3E}">
+        <p14:creationId xmlns:p14="http://schemas.microsoft.com/office/powerpoint/2010/main" val="2697495530"/>
+      </p:ext>
+    </p:extLst>
+  </p:cSld>
+  <p:clrMapOvr>
+    <a:masterClrMapping/>
+  </p:clrMapOvr>
+</p:sld>
+</file>
+
+<file path=ppt/slides/slide14.xml><?xml version="1.0" encoding="utf-8"?>
+<p:sld xmlns:a="http://schemas.openxmlformats.org/drawingml/2006/main" xmlns:r="http://schemas.openxmlformats.org/officeDocument/2006/relationships" xmlns:p="http://schemas.openxmlformats.org/presentationml/2006/main">
+  <p:cSld>
+    <p:spTree>
+      <p:nvGrpSpPr>
+        <p:cNvPr id="1" name=""/>
+        <p:cNvGrpSpPr/>
+        <p:nvPr/>
+      </p:nvGrpSpPr>
+      <p:grpSpPr>
+        <a:xfrm>
+          <a:off x="0" y="0"/>
+          <a:ext cx="0" cy="0"/>
+          <a:chOff x="0" y="0"/>
+          <a:chExt cx="0" cy="0"/>
+        </a:xfrm>
+      </p:grpSpPr>
+      <p:sp>
+        <p:nvSpPr>
+          <p:cNvPr id="2" name="Заголовок 1"/>
+          <p:cNvSpPr>
+            <a:spLocks noGrp="1"/>
+          </p:cNvSpPr>
+          <p:nvPr>
+            <p:ph type="title"/>
+          </p:nvPr>
+        </p:nvSpPr>
+        <p:spPr/>
+        <p:txBody>
+          <a:bodyPr/>
+          <a:lstStyle/>
+          <a:p>
+            <a:r>
+              <a:rPr lang="en-US" dirty="0" smtClean="0"/>
+              <a:t>Promise </a:t>
+            </a:r>
+            <a:r>
+              <a:rPr lang="en-US" dirty="0" err="1" smtClean="0"/>
+              <a:t>api</a:t>
+            </a:r>
+            <a:endParaRPr lang="ru-RU" dirty="0"/>
+          </a:p>
+        </p:txBody>
+      </p:sp>
+      <p:pic>
+        <p:nvPicPr>
+          <p:cNvPr id="6" name="Объект 5"/>
+          <p:cNvPicPr>
+            <a:picLocks noGrp="1" noChangeAspect="1"/>
+          </p:cNvPicPr>
+          <p:nvPr>
+            <p:ph idx="1"/>
+          </p:nvPr>
+        </p:nvPicPr>
+        <p:blipFill>
+          <a:blip r:embed="rId2">
+            <a:extLst>
+              <a:ext uri="{28A0092B-C50C-407E-A947-70E740481C1C}">
+                <a14:useLocalDpi xmlns:a14="http://schemas.microsoft.com/office/drawing/2010/main" val="0"/>
+              </a:ext>
+            </a:extLst>
+          </a:blip>
+          <a:stretch>
+            <a:fillRect/>
+          </a:stretch>
+        </p:blipFill>
+        <p:spPr>
+          <a:xfrm>
+            <a:off x="515709" y="2343558"/>
+            <a:ext cx="7931185" cy="2660703"/>
+          </a:xfrm>
+        </p:spPr>
+      </p:pic>
+      <p:pic>
+        <p:nvPicPr>
+          <p:cNvPr id="7" name="Рисунок 6"/>
+          <p:cNvPicPr>
+            <a:picLocks noChangeAspect="1"/>
+          </p:cNvPicPr>
+          <p:nvPr/>
+        </p:nvPicPr>
+        <p:blipFill>
+          <a:blip r:embed="rId3">
+            <a:extLst>
+              <a:ext uri="{28A0092B-C50C-407E-A947-70E740481C1C}">
+                <a14:useLocalDpi xmlns:a14="http://schemas.microsoft.com/office/drawing/2010/main" val="0"/>
+              </a:ext>
+            </a:extLst>
+          </a:blip>
+          <a:stretch>
+            <a:fillRect/>
+          </a:stretch>
+        </p:blipFill>
+        <p:spPr>
+          <a:xfrm>
+            <a:off x="2759825" y="5145661"/>
+            <a:ext cx="9180497" cy="1543205"/>
+          </a:xfrm>
+          <a:prstGeom prst="rect">
+            <a:avLst/>
+          </a:prstGeom>
+        </p:spPr>
+      </p:pic>
+    </p:spTree>
+    <p:extLst>
+      <p:ext uri="{BB962C8B-B14F-4D97-AF65-F5344CB8AC3E}">
+        <p14:creationId xmlns:p14="http://schemas.microsoft.com/office/powerpoint/2010/main" val="2948571012"/>
+      </p:ext>
+    </p:extLst>
+  </p:cSld>
+  <p:clrMapOvr>
+    <a:masterClrMapping/>
+  </p:clrMapOvr>
+</p:sld>
+</file>
+
+<file path=ppt/slides/slide15.xml><?xml version="1.0" encoding="utf-8"?>
+<p:sld xmlns:a="http://schemas.openxmlformats.org/drawingml/2006/main" xmlns:r="http://schemas.openxmlformats.org/officeDocument/2006/relationships" xmlns:p="http://schemas.openxmlformats.org/presentationml/2006/main">
+  <p:cSld>
+    <p:spTree>
+      <p:nvGrpSpPr>
+        <p:cNvPr id="1" name=""/>
+        <p:cNvGrpSpPr/>
+        <p:nvPr/>
+      </p:nvGrpSpPr>
+      <p:grpSpPr>
+        <a:xfrm>
+          <a:off x="0" y="0"/>
+          <a:ext cx="0" cy="0"/>
+          <a:chOff x="0" y="0"/>
+          <a:chExt cx="0" cy="0"/>
+        </a:xfrm>
+      </p:grpSpPr>
+      <p:sp>
+        <p:nvSpPr>
+          <p:cNvPr id="2" name="Заголовок 1"/>
+          <p:cNvSpPr>
+            <a:spLocks noGrp="1"/>
+          </p:cNvSpPr>
+          <p:nvPr>
+            <p:ph type="title"/>
+          </p:nvPr>
+        </p:nvSpPr>
+        <p:spPr/>
+        <p:txBody>
+          <a:bodyPr/>
+          <a:lstStyle/>
+          <a:p>
+            <a:r>
+              <a:rPr lang="en-US" dirty="0" smtClean="0"/>
+              <a:t>Promise </a:t>
+            </a:r>
+            <a:r>
+              <a:rPr lang="en-US" dirty="0" err="1" smtClean="0"/>
+              <a:t>api</a:t>
+            </a:r>
+            <a:endParaRPr lang="ru-RU" dirty="0"/>
+          </a:p>
+        </p:txBody>
+      </p:sp>
+      <p:pic>
+        <p:nvPicPr>
+          <p:cNvPr id="4" name="Объект 3"/>
+          <p:cNvPicPr>
+            <a:picLocks noGrp="1" noChangeAspect="1"/>
+          </p:cNvPicPr>
+          <p:nvPr>
+            <p:ph idx="1"/>
+          </p:nvPr>
+        </p:nvPicPr>
+        <p:blipFill>
+          <a:blip r:embed="rId2">
+            <a:extLst>
+              <a:ext uri="{28A0092B-C50C-407E-A947-70E740481C1C}">
+                <a14:useLocalDpi xmlns:a14="http://schemas.microsoft.com/office/drawing/2010/main" val="0"/>
+              </a:ext>
+            </a:extLst>
+          </a:blip>
+          <a:stretch>
+            <a:fillRect/>
+          </a:stretch>
+        </p:blipFill>
+        <p:spPr>
+          <a:xfrm>
+            <a:off x="750318" y="2552865"/>
+            <a:ext cx="8280057" cy="2692466"/>
+          </a:xfrm>
+        </p:spPr>
+      </p:pic>
+      <p:sp>
+        <p:nvSpPr>
+          <p:cNvPr id="5" name="TextBox 4"/>
+          <p:cNvSpPr txBox="1"/>
+          <p:nvPr/>
+        </p:nvSpPr>
+        <p:spPr>
+          <a:xfrm>
+            <a:off x="1562792" y="5932596"/>
+            <a:ext cx="1113905" cy="369935"/>
+          </a:xfrm>
+          <a:prstGeom prst="rect">
+            <a:avLst/>
+          </a:prstGeom>
+          <a:noFill/>
+        </p:spPr>
+        <p:txBody>
+          <a:bodyPr wrap="square" rtlCol="0">
+            <a:spAutoFit/>
+          </a:bodyPr>
+          <a:lstStyle/>
+          <a:p>
+            <a:r>
+              <a:rPr lang="en-US" dirty="0"/>
+              <a:t>Bluebird</a:t>
+            </a:r>
+            <a:endParaRPr lang="ru-RU" dirty="0"/>
+          </a:p>
+        </p:txBody>
+      </p:sp>
+      <p:sp>
+        <p:nvSpPr>
+          <p:cNvPr id="6" name="TextBox 5"/>
+          <p:cNvSpPr txBox="1"/>
+          <p:nvPr/>
+        </p:nvSpPr>
+        <p:spPr>
+          <a:xfrm>
+            <a:off x="3574473" y="5933199"/>
+            <a:ext cx="1585690" cy="369332"/>
+          </a:xfrm>
+          <a:prstGeom prst="rect">
+            <a:avLst/>
+          </a:prstGeom>
+          <a:noFill/>
+        </p:spPr>
+        <p:txBody>
+          <a:bodyPr wrap="none" rtlCol="0">
+            <a:spAutoFit/>
+          </a:bodyPr>
+          <a:lstStyle/>
+          <a:p>
+            <a:r>
+              <a:rPr lang="en-US" dirty="0" err="1" smtClean="0"/>
+              <a:t>Asynquence</a:t>
+            </a:r>
+            <a:endParaRPr lang="ru-RU" dirty="0"/>
+          </a:p>
+        </p:txBody>
+      </p:sp>
+    </p:spTree>
+    <p:extLst>
+      <p:ext uri="{BB962C8B-B14F-4D97-AF65-F5344CB8AC3E}">
+        <p14:creationId xmlns:p14="http://schemas.microsoft.com/office/powerpoint/2010/main" val="1974376782"/>
+      </p:ext>
+    </p:extLst>
+  </p:cSld>
+  <p:clrMapOvr>
+    <a:masterClrMapping/>
+  </p:clrMapOvr>
+</p:sld>
+</file>
+
+<file path=ppt/slides/slide16.xml><?xml version="1.0" encoding="utf-8"?>
+<p:sld xmlns:a="http://schemas.openxmlformats.org/drawingml/2006/main" xmlns:r="http://schemas.openxmlformats.org/officeDocument/2006/relationships" xmlns:p="http://schemas.openxmlformats.org/presentationml/2006/main">
+  <p:cSld>
+    <p:spTree>
+      <p:nvGrpSpPr>
+        <p:cNvPr id="1" name=""/>
+        <p:cNvGrpSpPr/>
+        <p:nvPr/>
+      </p:nvGrpSpPr>
+      <p:grpSpPr>
+        <a:xfrm>
+          <a:off x="0" y="0"/>
+          <a:ext cx="0" cy="0"/>
+          <a:chOff x="0" y="0"/>
+          <a:chExt cx="0" cy="0"/>
+        </a:xfrm>
+      </p:grpSpPr>
+      <p:sp>
+        <p:nvSpPr>
+          <p:cNvPr id="2" name="Title 1"/>
+          <p:cNvSpPr>
+            <a:spLocks noGrp="1"/>
+          </p:cNvSpPr>
+          <p:nvPr>
+            <p:ph type="title"/>
+          </p:nvPr>
+        </p:nvSpPr>
+        <p:spPr/>
+        <p:txBody>
+          <a:bodyPr>
+            <a:normAutofit/>
+          </a:bodyPr>
+          <a:lstStyle/>
+          <a:p>
+            <a:r>
+              <a:rPr lang="en-US" dirty="0" smtClean="0"/>
+              <a:t>Promises Trust</a:t>
+            </a:r>
+            <a:endParaRPr lang="en-US" dirty="0"/>
+          </a:p>
+        </p:txBody>
+      </p:sp>
+      <p:sp>
+        <p:nvSpPr>
+          <p:cNvPr id="3" name="Content Placeholder 2"/>
+          <p:cNvSpPr>
+            <a:spLocks noGrp="1"/>
+          </p:cNvSpPr>
+          <p:nvPr>
+            <p:ph idx="1"/>
+          </p:nvPr>
+        </p:nvSpPr>
+        <p:spPr>
+          <a:xfrm>
+            <a:off x="1154955" y="2603500"/>
+            <a:ext cx="3691365" cy="3416300"/>
+          </a:xfrm>
+        </p:spPr>
+        <p:txBody>
+          <a:bodyPr anchor="ctr">
+            <a:normAutofit/>
+          </a:bodyPr>
+          <a:lstStyle/>
+          <a:p>
+            <a:r>
+              <a:rPr lang="en-US" dirty="0" smtClean="0"/>
+              <a:t>Only resolved once</a:t>
+            </a:r>
+            <a:endParaRPr lang="en-US" dirty="0"/>
+          </a:p>
+          <a:p>
+            <a:r>
+              <a:rPr lang="en-US" dirty="0" smtClean="0"/>
+              <a:t>Either success or error</a:t>
+            </a:r>
+            <a:endParaRPr lang="en-US" dirty="0"/>
+          </a:p>
+          <a:p>
+            <a:r>
+              <a:rPr lang="en-US" dirty="0" smtClean="0"/>
+              <a:t>Messages passed/kept</a:t>
+            </a:r>
+            <a:endParaRPr lang="en-US" dirty="0"/>
+          </a:p>
+          <a:p>
+            <a:r>
+              <a:rPr lang="en-US" dirty="0" smtClean="0"/>
+              <a:t>Exceptions become error</a:t>
+            </a:r>
+          </a:p>
+          <a:p>
+            <a:r>
+              <a:rPr lang="en-US" dirty="0" smtClean="0"/>
+              <a:t>Immutable once resolved</a:t>
+            </a:r>
+            <a:endParaRPr lang="en-US" dirty="0"/>
+          </a:p>
+        </p:txBody>
+      </p:sp>
+      <p:pic>
+        <p:nvPicPr>
+          <p:cNvPr id="4" name="Рисунок 3"/>
+          <p:cNvPicPr>
+            <a:picLocks noChangeAspect="1"/>
+          </p:cNvPicPr>
+          <p:nvPr/>
+        </p:nvPicPr>
+        <p:blipFill>
+          <a:blip r:embed="rId2">
+            <a:extLst>
+              <a:ext uri="{28A0092B-C50C-407E-A947-70E740481C1C}">
+                <a14:useLocalDpi xmlns:a14="http://schemas.microsoft.com/office/drawing/2010/main" val="0"/>
+              </a:ext>
+            </a:extLst>
+          </a:blip>
+          <a:stretch>
+            <a:fillRect/>
+          </a:stretch>
+        </p:blipFill>
+        <p:spPr>
+          <a:xfrm>
+            <a:off x="5089187" y="2770554"/>
+            <a:ext cx="6407315" cy="3337142"/>
+          </a:xfrm>
+          <a:prstGeom prst="rect">
+            <a:avLst/>
+          </a:prstGeom>
+        </p:spPr>
+      </p:pic>
+    </p:spTree>
+    <p:extLst>
+      <p:ext uri="{BB962C8B-B14F-4D97-AF65-F5344CB8AC3E}">
+        <p14:creationId xmlns:p14="http://schemas.microsoft.com/office/powerpoint/2010/main" val="3564850535"/>
+      </p:ext>
+    </p:extLst>
+  </p:cSld>
+  <p:clrMapOvr>
+    <a:masterClrMapping/>
+  </p:clrMapOvr>
+</p:sld>
+</file>
+
+<file path=ppt/slides/slide17.xml><?xml version="1.0" encoding="utf-8"?>
 <p:sld xmlns:a="http://schemas.openxmlformats.org/drawingml/2006/main" xmlns:r="http://schemas.openxmlformats.org/officeDocument/2006/relationships" xmlns:p="http://schemas.openxmlformats.org/presentationml/2006/main">
   <p:cSld>
     <p:spTree>
@@ -17863,232 +18621,7 @@
           <a:p>
             <a:r>
               <a:rPr lang="en-US" dirty="0"/>
-              <a:t>Promises</a:t>
-            </a:r>
-          </a:p>
-        </p:txBody>
-      </p:sp>
-      <p:sp>
-        <p:nvSpPr>
-          <p:cNvPr id="3" name="Content Placeholder 2"/>
-          <p:cNvSpPr>
-            <a:spLocks noGrp="1"/>
-          </p:cNvSpPr>
-          <p:nvPr>
-            <p:ph idx="1"/>
-          </p:nvPr>
-        </p:nvSpPr>
-        <p:spPr>
-          <a:xfrm>
-            <a:off x="7178457" y="2744962"/>
-            <a:ext cx="4763521" cy="3493840"/>
-          </a:xfrm>
-        </p:spPr>
-        <p:txBody>
-          <a:bodyPr anchor="ctr">
-            <a:normAutofit/>
-          </a:bodyPr>
-          <a:lstStyle/>
-          <a:p>
-            <a:r>
-              <a:rPr lang="en-US" dirty="0"/>
-              <a:t>Introduced in es6 ( es2015 )</a:t>
-            </a:r>
-          </a:p>
-          <a:p>
-            <a:r>
-              <a:rPr lang="en-US" dirty="0"/>
-              <a:t>Fixes all the trust issues</a:t>
-            </a:r>
-          </a:p>
-          <a:p>
-            <a:r>
-              <a:rPr lang="en-US" dirty="0"/>
-              <a:t>Has fancy </a:t>
-            </a:r>
-            <a:r>
-              <a:rPr lang="en-US" dirty="0" err="1"/>
-              <a:t>api</a:t>
-            </a:r>
-            <a:r>
-              <a:rPr lang="en-US" dirty="0"/>
-              <a:t> ( comparing to </a:t>
-            </a:r>
-            <a:r>
-              <a:rPr lang="en-US" dirty="0" err="1"/>
-              <a:t>thunks</a:t>
-            </a:r>
-            <a:r>
-              <a:rPr lang="en-US" dirty="0"/>
-              <a:t> )</a:t>
-            </a:r>
-          </a:p>
-          <a:p>
-            <a:r>
-              <a:rPr lang="en-US" dirty="0"/>
-              <a:t>Doesn’t fixes “mind” problem</a:t>
-            </a:r>
-          </a:p>
-        </p:txBody>
-      </p:sp>
-      <p:pic>
-        <p:nvPicPr>
-          <p:cNvPr id="5" name="Picture 4"/>
-          <p:cNvPicPr>
-            <a:picLocks noChangeAspect="1"/>
-          </p:cNvPicPr>
-          <p:nvPr/>
-        </p:nvPicPr>
-        <p:blipFill>
-          <a:blip r:embed="rId2"/>
-          <a:stretch>
-            <a:fillRect/>
-          </a:stretch>
-        </p:blipFill>
-        <p:spPr>
-          <a:xfrm>
-            <a:off x="700290" y="2429880"/>
-            <a:ext cx="6394991" cy="4124004"/>
-          </a:xfrm>
-          <a:prstGeom prst="rect">
-            <a:avLst/>
-          </a:prstGeom>
-        </p:spPr>
-      </p:pic>
-    </p:spTree>
-    <p:extLst>
-      <p:ext uri="{BB962C8B-B14F-4D97-AF65-F5344CB8AC3E}">
-        <p14:creationId xmlns:p14="http://schemas.microsoft.com/office/powerpoint/2010/main" val="3564850535"/>
-      </p:ext>
-    </p:extLst>
-  </p:cSld>
-  <p:clrMapOvr>
-    <a:masterClrMapping/>
-  </p:clrMapOvr>
-</p:sld>
-</file>
-
-<file path=ppt/slides/slide13.xml><?xml version="1.0" encoding="utf-8"?>
-<p:sld xmlns:a="http://schemas.openxmlformats.org/drawingml/2006/main" xmlns:r="http://schemas.openxmlformats.org/officeDocument/2006/relationships" xmlns:p="http://schemas.openxmlformats.org/presentationml/2006/main">
-  <p:cSld>
-    <p:spTree>
-      <p:nvGrpSpPr>
-        <p:cNvPr id="1" name=""/>
-        <p:cNvGrpSpPr/>
-        <p:nvPr/>
-      </p:nvGrpSpPr>
-      <p:grpSpPr>
-        <a:xfrm>
-          <a:off x="0" y="0"/>
-          <a:ext cx="0" cy="0"/>
-          <a:chOff x="0" y="0"/>
-          <a:chExt cx="0" cy="0"/>
-        </a:xfrm>
-      </p:grpSpPr>
-      <p:pic>
-        <p:nvPicPr>
-          <p:cNvPr id="6" name="Content Placeholder 3"/>
-          <p:cNvPicPr>
-            <a:picLocks noChangeAspect="1"/>
-          </p:cNvPicPr>
-          <p:nvPr/>
-        </p:nvPicPr>
-        <p:blipFill>
-          <a:blip r:embed="rId2"/>
-          <a:stretch>
-            <a:fillRect/>
-          </a:stretch>
-        </p:blipFill>
-        <p:spPr>
-          <a:xfrm>
-            <a:off x="5071730" y="2603035"/>
-            <a:ext cx="6883291" cy="3925087"/>
-          </a:xfrm>
-          <a:prstGeom prst="roundRect">
-            <a:avLst>
-              <a:gd name="adj" fmla="val 1858"/>
-            </a:avLst>
-          </a:prstGeom>
-          <a:effectLst>
-            <a:outerShdw blurRad="50800" dist="50800" dir="5400000" algn="tl" rotWithShape="0">
-              <a:srgbClr val="000000">
-                <a:alpha val="43000"/>
-              </a:srgbClr>
-            </a:outerShdw>
-          </a:effectLst>
-        </p:spPr>
-      </p:pic>
-      <p:sp>
-        <p:nvSpPr>
-          <p:cNvPr id="2" name="Title 1"/>
-          <p:cNvSpPr>
-            <a:spLocks noGrp="1"/>
-          </p:cNvSpPr>
-          <p:nvPr>
-            <p:ph type="title"/>
-          </p:nvPr>
-        </p:nvSpPr>
-        <p:spPr/>
-        <p:txBody>
-          <a:bodyPr>
-            <a:normAutofit/>
-          </a:bodyPr>
-          <a:lstStyle/>
-          <a:p>
-            <a:r>
-              <a:rPr lang="en-US" dirty="0"/>
               <a:t>Generators</a:t>
-            </a:r>
-          </a:p>
-        </p:txBody>
-      </p:sp>
-      <p:sp>
-        <p:nvSpPr>
-          <p:cNvPr id="8" name="Content Placeholder 7"/>
-          <p:cNvSpPr>
-            <a:spLocks noGrp="1"/>
-          </p:cNvSpPr>
-          <p:nvPr>
-            <p:ph idx="1"/>
-          </p:nvPr>
-        </p:nvSpPr>
-        <p:spPr>
-          <a:xfrm>
-            <a:off x="1154955" y="2603500"/>
-            <a:ext cx="3481054" cy="3416300"/>
-          </a:xfrm>
-        </p:spPr>
-        <p:txBody>
-          <a:bodyPr anchor="ctr">
-            <a:normAutofit/>
-          </a:bodyPr>
-          <a:lstStyle/>
-          <a:p>
-            <a:r>
-              <a:rPr lang="en-US" sz="1600" dirty="0"/>
-              <a:t>Usually you would wrap it around some runner (</a:t>
-            </a:r>
-            <a:r>
-              <a:rPr lang="en-US" sz="1600" dirty="0" err="1"/>
-              <a:t>asynquence</a:t>
-            </a:r>
-            <a:r>
-              <a:rPr lang="en-US" sz="1600" dirty="0"/>
-              <a:t>, co </a:t>
-            </a:r>
-            <a:r>
-              <a:rPr lang="en-US" sz="1600" dirty="0" err="1"/>
-              <a:t>atc</a:t>
-            </a:r>
-            <a:r>
-              <a:rPr lang="en-US" sz="1600" dirty="0"/>
-              <a:t>.)</a:t>
-            </a:r>
-          </a:p>
-          <a:p>
-            <a:r>
-              <a:rPr lang="en-US" sz="1600" dirty="0"/>
-              <a:t>They are fixing both issues with callback</a:t>
             </a:r>
           </a:p>
         </p:txBody>
@@ -18106,149 +18639,7 @@
 </p:sld>
 </file>
 
-<file path=ppt/slides/slide14.xml><?xml version="1.0" encoding="utf-8"?>
-<p:sld xmlns:a="http://schemas.openxmlformats.org/drawingml/2006/main" xmlns:r="http://schemas.openxmlformats.org/officeDocument/2006/relationships" xmlns:p="http://schemas.openxmlformats.org/presentationml/2006/main">
-  <p:cSld>
-    <p:spTree>
-      <p:nvGrpSpPr>
-        <p:cNvPr id="1" name=""/>
-        <p:cNvGrpSpPr/>
-        <p:nvPr/>
-      </p:nvGrpSpPr>
-      <p:grpSpPr>
-        <a:xfrm>
-          <a:off x="0" y="0"/>
-          <a:ext cx="0" cy="0"/>
-          <a:chOff x="0" y="0"/>
-          <a:chExt cx="0" cy="0"/>
-        </a:xfrm>
-      </p:grpSpPr>
-      <p:sp>
-        <p:nvSpPr>
-          <p:cNvPr id="2" name="Title 1"/>
-          <p:cNvSpPr>
-            <a:spLocks noGrp="1"/>
-          </p:cNvSpPr>
-          <p:nvPr>
-            <p:ph type="title"/>
-          </p:nvPr>
-        </p:nvSpPr>
-        <p:spPr/>
-        <p:txBody>
-          <a:bodyPr/>
-          <a:lstStyle/>
-          <a:p>
-            <a:r>
-              <a:rPr lang="en-US" dirty="0"/>
-              <a:t>Observables</a:t>
-            </a:r>
-          </a:p>
-        </p:txBody>
-      </p:sp>
-      <p:sp>
-        <p:nvSpPr>
-          <p:cNvPr id="3" name="Content Placeholder 2"/>
-          <p:cNvSpPr>
-            <a:spLocks noGrp="1"/>
-          </p:cNvSpPr>
-          <p:nvPr>
-            <p:ph idx="1"/>
-          </p:nvPr>
-        </p:nvSpPr>
-        <p:spPr/>
-        <p:txBody>
-          <a:bodyPr/>
-          <a:lstStyle/>
-          <a:p>
-            <a:endParaRPr lang="en-US"/>
-          </a:p>
-        </p:txBody>
-      </p:sp>
-    </p:spTree>
-    <p:extLst>
-      <p:ext uri="{BB962C8B-B14F-4D97-AF65-F5344CB8AC3E}">
-        <p14:creationId xmlns:p14="http://schemas.microsoft.com/office/powerpoint/2010/main" val="2517793514"/>
-      </p:ext>
-    </p:extLst>
-  </p:cSld>
-  <p:clrMapOvr>
-    <a:masterClrMapping/>
-  </p:clrMapOvr>
-</p:sld>
-</file>
-
-<file path=ppt/slides/slide15.xml><?xml version="1.0" encoding="utf-8"?>
-<p:sld xmlns:a="http://schemas.openxmlformats.org/drawingml/2006/main" xmlns:r="http://schemas.openxmlformats.org/officeDocument/2006/relationships" xmlns:p="http://schemas.openxmlformats.org/presentationml/2006/main">
-  <p:cSld>
-    <p:spTree>
-      <p:nvGrpSpPr>
-        <p:cNvPr id="1" name=""/>
-        <p:cNvGrpSpPr/>
-        <p:nvPr/>
-      </p:nvGrpSpPr>
-      <p:grpSpPr>
-        <a:xfrm>
-          <a:off x="0" y="0"/>
-          <a:ext cx="0" cy="0"/>
-          <a:chOff x="0" y="0"/>
-          <a:chExt cx="0" cy="0"/>
-        </a:xfrm>
-      </p:grpSpPr>
-      <p:sp>
-        <p:nvSpPr>
-          <p:cNvPr id="2" name="Title 1"/>
-          <p:cNvSpPr>
-            <a:spLocks noGrp="1"/>
-          </p:cNvSpPr>
-          <p:nvPr>
-            <p:ph type="title"/>
-          </p:nvPr>
-        </p:nvSpPr>
-        <p:spPr/>
-        <p:txBody>
-          <a:bodyPr/>
-          <a:lstStyle/>
-          <a:p>
-            <a:r>
-              <a:rPr lang="en-US" dirty="0"/>
-              <a:t>CSP</a:t>
-            </a:r>
-          </a:p>
-        </p:txBody>
-      </p:sp>
-      <p:sp>
-        <p:nvSpPr>
-          <p:cNvPr id="3" name="Content Placeholder 2"/>
-          <p:cNvSpPr>
-            <a:spLocks noGrp="1"/>
-          </p:cNvSpPr>
-          <p:nvPr>
-            <p:ph idx="1"/>
-          </p:nvPr>
-        </p:nvSpPr>
-        <p:spPr/>
-        <p:txBody>
-          <a:bodyPr/>
-          <a:lstStyle/>
-          <a:p>
-            <a:endParaRPr lang="en-US"/>
-          </a:p>
-        </p:txBody>
-      </p:sp>
-    </p:spTree>
-    <p:extLst>
-      <p:ext uri="{BB962C8B-B14F-4D97-AF65-F5344CB8AC3E}">
-        <p14:creationId xmlns:p14="http://schemas.microsoft.com/office/powerpoint/2010/main" val="2296746681"/>
-      </p:ext>
-    </p:extLst>
-  </p:cSld>
-  <p:clrMapOvr>
-    <a:masterClrMapping/>
-  </p:clrMapOvr>
-</p:sld>
-</file>
-
-<file path=ppt/slides/slide16.xml><?xml version="1.0" encoding="utf-8"?>
+<file path=ppt/slides/slide18.xml><?xml version="1.0" encoding="utf-8"?>
 <p:sld xmlns:a="http://schemas.openxmlformats.org/drawingml/2006/main" xmlns:r="http://schemas.openxmlformats.org/officeDocument/2006/relationships" xmlns:p="http://schemas.openxmlformats.org/presentationml/2006/main">
   <p:cSld>
     <p:spTree>
@@ -18323,7 +18714,7 @@
 </p:sld>
 </file>
 
-<file path=ppt/slides/slide17.xml><?xml version="1.0" encoding="utf-8"?>
+<file path=ppt/slides/slide19.xml><?xml version="1.0" encoding="utf-8"?>
 <p:sld xmlns:a="http://schemas.openxmlformats.org/drawingml/2006/main" xmlns:r="http://schemas.openxmlformats.org/officeDocument/2006/relationships" xmlns:p="http://schemas.openxmlformats.org/presentationml/2006/main">
   <p:cSld>
     <p:spTree>
@@ -18474,7 +18865,7 @@
         <p:spPr>
           <a:xfrm>
             <a:off x="4641336" y="2603500"/>
-            <a:ext cx="6551597" cy="3416300"/>
+            <a:ext cx="6695531" cy="3416300"/>
           </a:xfrm>
         </p:spPr>
         <p:txBody>
@@ -18484,15 +18875,33 @@
           <a:lstStyle/>
           <a:p>
             <a:r>
-              <a:rPr lang="en-US" dirty="0"/>
-              <a:t>Currently working in “Accenture”</a:t>
+              <a:rPr lang="en-US" dirty="0" smtClean="0"/>
+              <a:t>Currently working in “Accenture” as node/</a:t>
             </a:r>
+            <a:r>
+              <a:rPr lang="en-US" dirty="0" err="1" smtClean="0"/>
+              <a:t>js</a:t>
+            </a:r>
+            <a:r>
+              <a:rPr lang="en-US" dirty="0" smtClean="0"/>
+              <a:t> developer</a:t>
+            </a:r>
+            <a:endParaRPr lang="en-US" dirty="0"/>
           </a:p>
           <a:p>
             <a:r>
               <a:rPr lang="en-US" dirty="0"/>
-              <a:t>Overall worked over 9 years </a:t>
+              <a:t>Overall </a:t>
             </a:r>
+            <a:r>
+              <a:rPr lang="en-US" dirty="0"/>
+              <a:t>work experience </a:t>
+            </a:r>
+            <a:r>
+              <a:rPr lang="en-US" dirty="0" smtClean="0"/>
+              <a:t>more than 9 years</a:t>
+            </a:r>
+            <a:endParaRPr lang="en-US" dirty="0"/>
           </a:p>
           <a:p>
             <a:r>
@@ -18534,615 +18943,7 @@
       </p:grpSpPr>
       <p:sp>
         <p:nvSpPr>
-          <p:cNvPr id="27" name="Rectangle 26"/>
-          <p:cNvSpPr>
-            <a:spLocks noGrp="1" noRot="1" noChangeAspect="1" noMove="1" noResize="1" noEditPoints="1" noAdjustHandles="1" noChangeArrowheads="1" noChangeShapeType="1" noTextEdit="1"/>
-          </p:cNvSpPr>
-          <p:nvPr>
-            <p:extLst>
-              <p:ext uri="{386F3935-93C4-4BCD-93E2-E3B085C9AB24}">
-                <p16:designElem xmlns:p16="http://schemas.microsoft.com/office/powerpoint/2015/main" val="1"/>
-              </p:ext>
-            </p:extLst>
-          </p:nvPr>
-        </p:nvSpPr>
-        <p:spPr bwMode="white">
-          <a:xfrm>
-            <a:off x="0" y="0"/>
-            <a:ext cx="12192000" cy="6858000"/>
-          </a:xfrm>
-          <a:prstGeom prst="rect">
-            <a:avLst/>
-          </a:prstGeom>
-          <a:solidFill>
-            <a:schemeClr val="bg1"/>
-          </a:solidFill>
-          <a:ln>
-            <a:noFill/>
-          </a:ln>
-          <a:effectLst/>
-        </p:spPr>
-      </p:sp>
-      <p:grpSp>
-        <p:nvGrpSpPr>
-          <p:cNvPr id="28" name="Group 27"/>
-          <p:cNvGrpSpPr>
-            <a:grpSpLocks noGrp="1" noUngrp="1" noRot="1" noChangeAspect="1" noMove="1" noResize="1"/>
-          </p:cNvGrpSpPr>
-          <p:nvPr>
-            <p:extLst>
-              <p:ext uri="{386F3935-93C4-4BCD-93E2-E3B085C9AB24}">
-                <p16:designElem xmlns:p16="http://schemas.microsoft.com/office/powerpoint/2015/main" val="1"/>
-              </p:ext>
-            </p:extLst>
-          </p:nvPr>
-        </p:nvGrpSpPr>
-        <p:grpSpPr>
-          <a:xfrm>
-            <a:off x="0" y="-2373"/>
-            <a:ext cx="12192000" cy="6867027"/>
-            <a:chOff x="0" y="-2373"/>
-            <a:chExt cx="12192000" cy="6867027"/>
-          </a:xfrm>
-        </p:grpSpPr>
-        <p:sp>
-          <p:nvSpPr>
-            <p:cNvPr id="29" name="Rectangle 28"/>
-            <p:cNvSpPr/>
-            <p:nvPr>
-              <p:extLst>
-                <p:ext uri="{386F3935-93C4-4BCD-93E2-E3B085C9AB24}">
-                  <p16:designElem xmlns:p16="http://schemas.microsoft.com/office/powerpoint/2015/main" val="1"/>
-                </p:ext>
-              </p:extLst>
-            </p:nvPr>
-          </p:nvSpPr>
-          <p:spPr>
-            <a:xfrm>
-              <a:off x="0" y="0"/>
-              <a:ext cx="12192000" cy="6858000"/>
-            </a:xfrm>
-            <a:prstGeom prst="rect">
-              <a:avLst/>
-            </a:prstGeom>
-            <a:blipFill>
-              <a:blip r:embed="rId2">
-                <a:duotone>
-                  <a:schemeClr val="dk2">
-                    <a:shade val="62000"/>
-                    <a:hueMod val="108000"/>
-                    <a:satMod val="164000"/>
-                    <a:lumMod val="69000"/>
-                  </a:schemeClr>
-                  <a:schemeClr val="dk2">
-                    <a:tint val="96000"/>
-                    <a:hueMod val="90000"/>
-                    <a:satMod val="130000"/>
-                    <a:lumMod val="134000"/>
-                  </a:schemeClr>
-                </a:duotone>
-              </a:blip>
-              <a:stretch>
-                <a:fillRect/>
-              </a:stretch>
-            </a:blipFill>
-            <a:ln>
-              <a:noFill/>
-            </a:ln>
-          </p:spPr>
-          <p:style>
-            <a:lnRef idx="2">
-              <a:schemeClr val="accent1">
-                <a:shade val="50000"/>
-              </a:schemeClr>
-            </a:lnRef>
-            <a:fillRef idx="1">
-              <a:schemeClr val="accent1"/>
-            </a:fillRef>
-            <a:effectRef idx="0">
-              <a:schemeClr val="accent1"/>
-            </a:effectRef>
-            <a:fontRef idx="minor">
-              <a:schemeClr val="lt1"/>
-            </a:fontRef>
-          </p:style>
-        </p:sp>
-        <p:sp>
-          <p:nvSpPr>
-            <p:cNvPr id="30" name="Oval 29"/>
-            <p:cNvSpPr/>
-            <p:nvPr>
-              <p:extLst>
-                <p:ext uri="{386F3935-93C4-4BCD-93E2-E3B085C9AB24}">
-                  <p16:designElem xmlns:p16="http://schemas.microsoft.com/office/powerpoint/2015/main" val="1"/>
-                </p:ext>
-              </p:extLst>
-            </p:nvPr>
-          </p:nvSpPr>
-          <p:spPr>
-            <a:xfrm>
-              <a:off x="3220" y="2667000"/>
-              <a:ext cx="4191000" cy="4191000"/>
-            </a:xfrm>
-            <a:prstGeom prst="ellipse">
-              <a:avLst/>
-            </a:prstGeom>
-            <a:gradFill flip="none" rotWithShape="1">
-              <a:gsLst>
-                <a:gs pos="0">
-                  <a:schemeClr val="bg2">
-                    <a:lumMod val="40000"/>
-                    <a:lumOff val="60000"/>
-                    <a:alpha val="11000"/>
-                  </a:schemeClr>
-                </a:gs>
-                <a:gs pos="75000">
-                  <a:schemeClr val="bg2">
-                    <a:lumMod val="40000"/>
-                    <a:lumOff val="60000"/>
-                    <a:alpha val="0"/>
-                  </a:schemeClr>
-                </a:gs>
-                <a:gs pos="36000">
-                  <a:schemeClr val="bg2">
-                    <a:lumMod val="40000"/>
-                    <a:lumOff val="60000"/>
-                    <a:alpha val="10000"/>
-                  </a:schemeClr>
-                </a:gs>
-              </a:gsLst>
-              <a:path path="circle">
-                <a:fillToRect l="50000" t="50000" r="50000" b="50000"/>
-              </a:path>
-              <a:tileRect/>
-            </a:gradFill>
-            <a:ln>
-              <a:noFill/>
-            </a:ln>
-            <a:effectLst/>
-          </p:spPr>
-          <p:style>
-            <a:lnRef idx="1">
-              <a:schemeClr val="accent1"/>
-            </a:lnRef>
-            <a:fillRef idx="3">
-              <a:schemeClr val="accent1"/>
-            </a:fillRef>
-            <a:effectRef idx="2">
-              <a:schemeClr val="accent1"/>
-            </a:effectRef>
-            <a:fontRef idx="minor">
-              <a:schemeClr val="lt1"/>
-            </a:fontRef>
-          </p:style>
-        </p:sp>
-        <p:sp>
-          <p:nvSpPr>
-            <p:cNvPr id="31" name="Oval 30"/>
-            <p:cNvSpPr/>
-            <p:nvPr>
-              <p:extLst>
-                <p:ext uri="{386F3935-93C4-4BCD-93E2-E3B085C9AB24}">
-                  <p16:designElem xmlns:p16="http://schemas.microsoft.com/office/powerpoint/2015/main" val="1"/>
-                </p:ext>
-              </p:extLst>
-            </p:nvPr>
-          </p:nvSpPr>
-          <p:spPr>
-            <a:xfrm>
-              <a:off x="1750" y="2895600"/>
-              <a:ext cx="2362200" cy="2362200"/>
-            </a:xfrm>
-            <a:prstGeom prst="ellipse">
-              <a:avLst/>
-            </a:prstGeom>
-            <a:gradFill flip="none" rotWithShape="1">
-              <a:gsLst>
-                <a:gs pos="0">
-                  <a:schemeClr val="bg2">
-                    <a:lumMod val="40000"/>
-                    <a:lumOff val="60000"/>
-                    <a:alpha val="8000"/>
-                  </a:schemeClr>
-                </a:gs>
-                <a:gs pos="72000">
-                  <a:schemeClr val="bg2">
-                    <a:lumMod val="40000"/>
-                    <a:lumOff val="60000"/>
-                    <a:alpha val="0"/>
-                  </a:schemeClr>
-                </a:gs>
-                <a:gs pos="36000">
-                  <a:schemeClr val="bg2">
-                    <a:lumMod val="40000"/>
-                    <a:lumOff val="60000"/>
-                    <a:alpha val="8000"/>
-                  </a:schemeClr>
-                </a:gs>
-              </a:gsLst>
-              <a:path path="circle">
-                <a:fillToRect l="50000" t="50000" r="50000" b="50000"/>
-              </a:path>
-              <a:tileRect/>
-            </a:gradFill>
-            <a:ln>
-              <a:noFill/>
-            </a:ln>
-            <a:effectLst/>
-          </p:spPr>
-          <p:style>
-            <a:lnRef idx="1">
-              <a:schemeClr val="accent1"/>
-            </a:lnRef>
-            <a:fillRef idx="3">
-              <a:schemeClr val="accent1"/>
-            </a:fillRef>
-            <a:effectRef idx="2">
-              <a:schemeClr val="accent1"/>
-            </a:effectRef>
-            <a:fontRef idx="minor">
-              <a:schemeClr val="lt1"/>
-            </a:fontRef>
-          </p:style>
-        </p:sp>
-        <p:sp>
-          <p:nvSpPr>
-            <p:cNvPr id="32" name="Oval 31"/>
-            <p:cNvSpPr/>
-            <p:nvPr>
-              <p:extLst>
-                <p:ext uri="{386F3935-93C4-4BCD-93E2-E3B085C9AB24}">
-                  <p16:designElem xmlns:p16="http://schemas.microsoft.com/office/powerpoint/2015/main" val="1"/>
-                </p:ext>
-              </p:extLst>
-            </p:nvPr>
-          </p:nvSpPr>
-          <p:spPr>
-            <a:xfrm>
-              <a:off x="8609012" y="1676400"/>
-              <a:ext cx="2819400" cy="2819400"/>
-            </a:xfrm>
-            <a:prstGeom prst="ellipse">
-              <a:avLst/>
-            </a:prstGeom>
-            <a:gradFill flip="none" rotWithShape="1">
-              <a:gsLst>
-                <a:gs pos="0">
-                  <a:schemeClr val="bg2">
-                    <a:lumMod val="40000"/>
-                    <a:lumOff val="60000"/>
-                    <a:alpha val="7000"/>
-                  </a:schemeClr>
-                </a:gs>
-                <a:gs pos="69000">
-                  <a:schemeClr val="bg2">
-                    <a:lumMod val="40000"/>
-                    <a:lumOff val="60000"/>
-                    <a:alpha val="0"/>
-                  </a:schemeClr>
-                </a:gs>
-                <a:gs pos="36000">
-                  <a:schemeClr val="bg2">
-                    <a:lumMod val="40000"/>
-                    <a:lumOff val="60000"/>
-                    <a:alpha val="6000"/>
-                  </a:schemeClr>
-                </a:gs>
-              </a:gsLst>
-              <a:path path="circle">
-                <a:fillToRect l="50000" t="50000" r="50000" b="50000"/>
-              </a:path>
-              <a:tileRect/>
-            </a:gradFill>
-            <a:ln>
-              <a:noFill/>
-            </a:ln>
-            <a:effectLst/>
-          </p:spPr>
-          <p:style>
-            <a:lnRef idx="1">
-              <a:schemeClr val="accent1"/>
-            </a:lnRef>
-            <a:fillRef idx="3">
-              <a:schemeClr val="accent1"/>
-            </a:fillRef>
-            <a:effectRef idx="2">
-              <a:schemeClr val="accent1"/>
-            </a:effectRef>
-            <a:fontRef idx="minor">
-              <a:schemeClr val="lt1"/>
-            </a:fontRef>
-          </p:style>
-        </p:sp>
-        <p:sp>
-          <p:nvSpPr>
-            <p:cNvPr id="33" name="Oval 32"/>
-            <p:cNvSpPr/>
-            <p:nvPr>
-              <p:extLst>
-                <p:ext uri="{386F3935-93C4-4BCD-93E2-E3B085C9AB24}">
-                  <p16:designElem xmlns:p16="http://schemas.microsoft.com/office/powerpoint/2015/main" val="1"/>
-                </p:ext>
-              </p:extLst>
-            </p:nvPr>
-          </p:nvSpPr>
-          <p:spPr>
-            <a:xfrm>
-              <a:off x="7999412" y="-2373"/>
-              <a:ext cx="1600200" cy="1600200"/>
-            </a:xfrm>
-            <a:prstGeom prst="ellipse">
-              <a:avLst/>
-            </a:prstGeom>
-            <a:gradFill flip="none" rotWithShape="1">
-              <a:gsLst>
-                <a:gs pos="0">
-                  <a:schemeClr val="bg2">
-                    <a:lumMod val="40000"/>
-                    <a:lumOff val="60000"/>
-                    <a:alpha val="14000"/>
-                  </a:schemeClr>
-                </a:gs>
-                <a:gs pos="73000">
-                  <a:schemeClr val="bg2">
-                    <a:lumMod val="40000"/>
-                    <a:lumOff val="60000"/>
-                    <a:alpha val="0"/>
-                  </a:schemeClr>
-                </a:gs>
-                <a:gs pos="36000">
-                  <a:schemeClr val="bg2">
-                    <a:lumMod val="40000"/>
-                    <a:lumOff val="60000"/>
-                    <a:alpha val="7000"/>
-                  </a:schemeClr>
-                </a:gs>
-              </a:gsLst>
-              <a:path path="circle">
-                <a:fillToRect l="50000" t="50000" r="50000" b="50000"/>
-              </a:path>
-              <a:tileRect/>
-            </a:gradFill>
-            <a:ln>
-              <a:noFill/>
-            </a:ln>
-            <a:effectLst/>
-          </p:spPr>
-          <p:style>
-            <a:lnRef idx="1">
-              <a:schemeClr val="accent1"/>
-            </a:lnRef>
-            <a:fillRef idx="3">
-              <a:schemeClr val="accent1"/>
-            </a:fillRef>
-            <a:effectRef idx="2">
-              <a:schemeClr val="accent1"/>
-            </a:effectRef>
-            <a:fontRef idx="minor">
-              <a:schemeClr val="lt1"/>
-            </a:fontRef>
-          </p:style>
-        </p:sp>
-        <p:sp>
-          <p:nvSpPr>
-            <p:cNvPr id="34" name="Oval 33"/>
-            <p:cNvSpPr/>
-            <p:nvPr>
-              <p:extLst>
-                <p:ext uri="{386F3935-93C4-4BCD-93E2-E3B085C9AB24}">
-                  <p16:designElem xmlns:p16="http://schemas.microsoft.com/office/powerpoint/2015/main" val="1"/>
-                </p:ext>
-              </p:extLst>
-            </p:nvPr>
-          </p:nvSpPr>
-          <p:spPr>
-            <a:xfrm>
-              <a:off x="8609012" y="5874054"/>
-              <a:ext cx="990600" cy="990600"/>
-            </a:xfrm>
-            <a:prstGeom prst="ellipse">
-              <a:avLst/>
-            </a:prstGeom>
-            <a:gradFill flip="none" rotWithShape="1">
-              <a:gsLst>
-                <a:gs pos="0">
-                  <a:schemeClr val="bg2">
-                    <a:lumMod val="40000"/>
-                    <a:lumOff val="60000"/>
-                    <a:alpha val="14000"/>
-                  </a:schemeClr>
-                </a:gs>
-                <a:gs pos="66000">
-                  <a:schemeClr val="bg2">
-                    <a:lumMod val="40000"/>
-                    <a:lumOff val="60000"/>
-                    <a:alpha val="0"/>
-                  </a:schemeClr>
-                </a:gs>
-                <a:gs pos="36000">
-                  <a:schemeClr val="bg2">
-                    <a:lumMod val="40000"/>
-                    <a:lumOff val="60000"/>
-                    <a:alpha val="7000"/>
-                  </a:schemeClr>
-                </a:gs>
-              </a:gsLst>
-              <a:path path="circle">
-                <a:fillToRect l="50000" t="50000" r="50000" b="50000"/>
-              </a:path>
-              <a:tileRect/>
-            </a:gradFill>
-            <a:ln>
-              <a:noFill/>
-            </a:ln>
-            <a:effectLst/>
-          </p:spPr>
-          <p:style>
-            <a:lnRef idx="1">
-              <a:schemeClr val="accent1"/>
-            </a:lnRef>
-            <a:fillRef idx="3">
-              <a:schemeClr val="accent1"/>
-            </a:fillRef>
-            <a:effectRef idx="2">
-              <a:schemeClr val="accent1"/>
-            </a:effectRef>
-            <a:fontRef idx="minor">
-              <a:schemeClr val="lt1"/>
-            </a:fontRef>
-          </p:style>
-        </p:sp>
-        <p:sp>
-          <p:nvSpPr>
-            <p:cNvPr id="35" name="Freeform 5"/>
-            <p:cNvSpPr>
-              <a:spLocks noEditPoints="1"/>
-            </p:cNvSpPr>
-            <p:nvPr>
-              <p:extLst>
-                <p:ext uri="{386F3935-93C4-4BCD-93E2-E3B085C9AB24}">
-                  <p16:designElem xmlns:p16="http://schemas.microsoft.com/office/powerpoint/2015/main" val="1"/>
-                </p:ext>
-              </p:extLst>
-            </p:nvPr>
-          </p:nvSpPr>
-          <p:spPr bwMode="gray">
-            <a:xfrm>
-              <a:off x="0" y="1587"/>
-              <a:ext cx="12192000" cy="6856413"/>
-            </a:xfrm>
-            <a:custGeom>
-              <a:avLst/>
-              <a:gdLst/>
-              <a:ahLst/>
-              <a:cxnLst/>
-              <a:rect l="0" t="0" r="r" b="b"/>
-              <a:pathLst>
-                <a:path w="15356" h="8638">
-                  <a:moveTo>
-                    <a:pt x="0" y="0"/>
-                  </a:moveTo>
-                  <a:lnTo>
-                    <a:pt x="0" y="8638"/>
-                  </a:lnTo>
-                  <a:lnTo>
-                    <a:pt x="15356" y="8638"/>
-                  </a:lnTo>
-                  <a:lnTo>
-                    <a:pt x="15356" y="0"/>
-                  </a:lnTo>
-                  <a:lnTo>
-                    <a:pt x="0" y="0"/>
-                  </a:lnTo>
-                  <a:close/>
-                  <a:moveTo>
-                    <a:pt x="14748" y="8038"/>
-                  </a:moveTo>
-                  <a:lnTo>
-                    <a:pt x="600" y="8038"/>
-                  </a:lnTo>
-                  <a:lnTo>
-                    <a:pt x="600" y="592"/>
-                  </a:lnTo>
-                  <a:lnTo>
-                    <a:pt x="14748" y="592"/>
-                  </a:lnTo>
-                  <a:lnTo>
-                    <a:pt x="14748" y="8038"/>
-                  </a:lnTo>
-                  <a:close/>
-                </a:path>
-              </a:pathLst>
-            </a:custGeom>
-            <a:solidFill>
-              <a:schemeClr val="bg1"/>
-            </a:solidFill>
-            <a:ln>
-              <a:noFill/>
-            </a:ln>
-          </p:spPr>
-        </p:sp>
-      </p:grpSp>
-      <p:sp>
-        <p:nvSpPr>
-          <p:cNvPr id="36" name="Rectangle 35"/>
-          <p:cNvSpPr>
-            <a:spLocks noGrp="1" noRot="1" noChangeAspect="1" noMove="1" noResize="1" noEditPoints="1" noAdjustHandles="1" noChangeArrowheads="1" noChangeShapeType="1" noTextEdit="1"/>
-          </p:cNvSpPr>
-          <p:nvPr>
-            <p:extLst>
-              <p:ext uri="{386F3935-93C4-4BCD-93E2-E3B085C9AB24}">
-                <p16:designElem xmlns:p16="http://schemas.microsoft.com/office/powerpoint/2015/main" val="1"/>
-              </p:ext>
-            </p:extLst>
-          </p:nvPr>
-        </p:nvSpPr>
-        <p:spPr>
-          <a:xfrm>
-            <a:off x="10437812" y="0"/>
-            <a:ext cx="685800" cy="1143000"/>
-          </a:xfrm>
-          <a:prstGeom prst="rect">
-            <a:avLst/>
-          </a:prstGeom>
-          <a:solidFill>
-            <a:schemeClr val="accent1"/>
-          </a:solidFill>
-          <a:ln>
-            <a:noFill/>
-          </a:ln>
-        </p:spPr>
-        <p:style>
-          <a:lnRef idx="1">
-            <a:schemeClr val="accent1"/>
-          </a:lnRef>
-          <a:fillRef idx="3">
-            <a:schemeClr val="accent1"/>
-          </a:fillRef>
-          <a:effectRef idx="2">
-            <a:schemeClr val="accent1"/>
-          </a:effectRef>
-          <a:fontRef idx="minor">
-            <a:schemeClr val="lt1"/>
-          </a:fontRef>
-        </p:style>
-      </p:sp>
-      <p:pic>
-        <p:nvPicPr>
-          <p:cNvPr id="3" name="Picture 2"/>
-          <p:cNvPicPr>
-            <a:picLocks noChangeAspect="1"/>
-          </p:cNvPicPr>
-          <p:nvPr/>
-        </p:nvPicPr>
-        <p:blipFill>
-          <a:blip r:embed="rId3"/>
-          <a:stretch>
-            <a:fillRect/>
-          </a:stretch>
-        </p:blipFill>
-        <p:spPr>
-          <a:xfrm>
-            <a:off x="734846" y="731520"/>
-            <a:ext cx="9702966" cy="4310688"/>
-          </a:xfrm>
-          <a:prstGeom prst="roundRect">
-            <a:avLst>
-              <a:gd name="adj" fmla="val 1858"/>
-            </a:avLst>
-          </a:prstGeom>
-          <a:effectLst>
-            <a:outerShdw blurRad="50800" dist="50800" dir="5400000" algn="tl" rotWithShape="0">
-              <a:srgbClr val="000000">
-                <a:alpha val="43000"/>
-              </a:srgbClr>
-            </a:outerShdw>
-          </a:effectLst>
-        </p:spPr>
-      </p:pic>
-      <p:sp>
-        <p:nvSpPr>
-          <p:cNvPr id="2" name="Title 1"/>
+          <p:cNvPr id="2" name="Заголовок 1"/>
           <p:cNvSpPr>
             <a:spLocks noGrp="1"/>
           </p:cNvSpPr>
@@ -19150,29 +18951,82 @@
             <p:ph type="title"/>
           </p:nvPr>
         </p:nvSpPr>
-        <p:spPr>
-          <a:xfrm>
-            <a:off x="649452" y="4922483"/>
-            <a:ext cx="10893095" cy="1174947"/>
-          </a:xfrm>
-        </p:spPr>
+        <p:spPr/>
         <p:txBody>
-          <a:bodyPr vert="horz" lIns="91440" tIns="45720" rIns="91440" bIns="45720" rtlCol="0" anchor="b">
-            <a:normAutofit/>
-          </a:bodyPr>
+          <a:bodyPr/>
           <a:lstStyle/>
           <a:p>
             <a:r>
-              <a:rPr lang="en-US" sz="6000" dirty="0"/>
-              <a:t>Callback Hell</a:t>
+              <a:rPr lang="en-US" dirty="0" smtClean="0"/>
+              <a:t>What is Callback ?</a:t>
             </a:r>
+            <a:endParaRPr lang="ru-RU" dirty="0"/>
           </a:p>
         </p:txBody>
       </p:sp>
+      <p:pic>
+        <p:nvPicPr>
+          <p:cNvPr id="10" name="Объект 9"/>
+          <p:cNvPicPr>
+            <a:picLocks noGrp="1" noChangeAspect="1"/>
+          </p:cNvPicPr>
+          <p:nvPr>
+            <p:ph idx="1"/>
+          </p:nvPr>
+        </p:nvPicPr>
+        <p:blipFill>
+          <a:blip r:embed="rId2">
+            <a:extLst>
+              <a:ext uri="{28A0092B-C50C-407E-A947-70E740481C1C}">
+                <a14:useLocalDpi xmlns:a14="http://schemas.microsoft.com/office/drawing/2010/main" val="0"/>
+              </a:ext>
+            </a:extLst>
+          </a:blip>
+          <a:stretch>
+            <a:fillRect/>
+          </a:stretch>
+        </p:blipFill>
+        <p:spPr>
+          <a:xfrm>
+            <a:off x="7030105" y="3175993"/>
+            <a:ext cx="4945355" cy="2318874"/>
+          </a:xfrm>
+        </p:spPr>
+      </p:pic>
+      <p:pic>
+        <p:nvPicPr>
+          <p:cNvPr id="11" name="Рисунок 10"/>
+          <p:cNvPicPr>
+            <a:picLocks noChangeAspect="1"/>
+          </p:cNvPicPr>
+          <p:nvPr/>
+        </p:nvPicPr>
+        <p:blipFill>
+          <a:blip r:embed="rId3">
+            <a:extLst>
+              <a:ext uri="{28A0092B-C50C-407E-A947-70E740481C1C}">
+                <a14:useLocalDpi xmlns:a14="http://schemas.microsoft.com/office/drawing/2010/main" val="0"/>
+              </a:ext>
+            </a:extLst>
+          </a:blip>
+          <a:stretch>
+            <a:fillRect/>
+          </a:stretch>
+        </p:blipFill>
+        <p:spPr>
+          <a:xfrm>
+            <a:off x="304800" y="3047418"/>
+            <a:ext cx="6359559" cy="2576025"/>
+          </a:xfrm>
+          <a:prstGeom prst="rect">
+            <a:avLst/>
+          </a:prstGeom>
+        </p:spPr>
+      </p:pic>
     </p:spTree>
     <p:extLst>
       <p:ext uri="{BB962C8B-B14F-4D97-AF65-F5344CB8AC3E}">
-        <p14:creationId xmlns:p14="http://schemas.microsoft.com/office/powerpoint/2010/main" val="446131932"/>
+        <p14:creationId xmlns:p14="http://schemas.microsoft.com/office/powerpoint/2010/main" val="4047356729"/>
       </p:ext>
     </p:extLst>
   </p:cSld>
@@ -19201,615 +19055,7 @@
       </p:grpSpPr>
       <p:sp>
         <p:nvSpPr>
-          <p:cNvPr id="16" name="Rectangle 15"/>
-          <p:cNvSpPr>
-            <a:spLocks noGrp="1" noRot="1" noChangeAspect="1" noMove="1" noResize="1" noEditPoints="1" noAdjustHandles="1" noChangeArrowheads="1" noChangeShapeType="1" noTextEdit="1"/>
-          </p:cNvSpPr>
-          <p:nvPr>
-            <p:extLst>
-              <p:ext uri="{386F3935-93C4-4BCD-93E2-E3B085C9AB24}">
-                <p16:designElem xmlns:p16="http://schemas.microsoft.com/office/powerpoint/2015/main" val="1"/>
-              </p:ext>
-            </p:extLst>
-          </p:nvPr>
-        </p:nvSpPr>
-        <p:spPr bwMode="white">
-          <a:xfrm>
-            <a:off x="0" y="0"/>
-            <a:ext cx="12192000" cy="6858000"/>
-          </a:xfrm>
-          <a:prstGeom prst="rect">
-            <a:avLst/>
-          </a:prstGeom>
-          <a:solidFill>
-            <a:schemeClr val="bg1"/>
-          </a:solidFill>
-          <a:ln>
-            <a:noFill/>
-          </a:ln>
-          <a:effectLst/>
-        </p:spPr>
-      </p:sp>
-      <p:grpSp>
-        <p:nvGrpSpPr>
-          <p:cNvPr id="17" name="Group 16"/>
-          <p:cNvGrpSpPr>
-            <a:grpSpLocks noGrp="1" noUngrp="1" noRot="1" noChangeAspect="1" noMove="1" noResize="1"/>
-          </p:cNvGrpSpPr>
-          <p:nvPr>
-            <p:extLst>
-              <p:ext uri="{386F3935-93C4-4BCD-93E2-E3B085C9AB24}">
-                <p16:designElem xmlns:p16="http://schemas.microsoft.com/office/powerpoint/2015/main" val="1"/>
-              </p:ext>
-            </p:extLst>
-          </p:nvPr>
-        </p:nvGrpSpPr>
-        <p:grpSpPr>
-          <a:xfrm>
-            <a:off x="0" y="-2373"/>
-            <a:ext cx="12192000" cy="6867027"/>
-            <a:chOff x="0" y="-2373"/>
-            <a:chExt cx="12192000" cy="6867027"/>
-          </a:xfrm>
-        </p:grpSpPr>
-        <p:sp>
-          <p:nvSpPr>
-            <p:cNvPr id="18" name="Rectangle 17"/>
-            <p:cNvSpPr/>
-            <p:nvPr>
-              <p:extLst>
-                <p:ext uri="{386F3935-93C4-4BCD-93E2-E3B085C9AB24}">
-                  <p16:designElem xmlns:p16="http://schemas.microsoft.com/office/powerpoint/2015/main" val="1"/>
-                </p:ext>
-              </p:extLst>
-            </p:nvPr>
-          </p:nvSpPr>
-          <p:spPr>
-            <a:xfrm>
-              <a:off x="0" y="0"/>
-              <a:ext cx="12192000" cy="6858000"/>
-            </a:xfrm>
-            <a:prstGeom prst="rect">
-              <a:avLst/>
-            </a:prstGeom>
-            <a:blipFill>
-              <a:blip r:embed="rId2">
-                <a:duotone>
-                  <a:schemeClr val="dk2">
-                    <a:shade val="62000"/>
-                    <a:hueMod val="108000"/>
-                    <a:satMod val="164000"/>
-                    <a:lumMod val="69000"/>
-                  </a:schemeClr>
-                  <a:schemeClr val="dk2">
-                    <a:tint val="96000"/>
-                    <a:hueMod val="90000"/>
-                    <a:satMod val="130000"/>
-                    <a:lumMod val="134000"/>
-                  </a:schemeClr>
-                </a:duotone>
-              </a:blip>
-              <a:stretch>
-                <a:fillRect/>
-              </a:stretch>
-            </a:blipFill>
-            <a:ln>
-              <a:noFill/>
-            </a:ln>
-          </p:spPr>
-          <p:style>
-            <a:lnRef idx="2">
-              <a:schemeClr val="accent1">
-                <a:shade val="50000"/>
-              </a:schemeClr>
-            </a:lnRef>
-            <a:fillRef idx="1">
-              <a:schemeClr val="accent1"/>
-            </a:fillRef>
-            <a:effectRef idx="0">
-              <a:schemeClr val="accent1"/>
-            </a:effectRef>
-            <a:fontRef idx="minor">
-              <a:schemeClr val="lt1"/>
-            </a:fontRef>
-          </p:style>
-        </p:sp>
-        <p:sp>
-          <p:nvSpPr>
-            <p:cNvPr id="19" name="Oval 18"/>
-            <p:cNvSpPr/>
-            <p:nvPr>
-              <p:extLst>
-                <p:ext uri="{386F3935-93C4-4BCD-93E2-E3B085C9AB24}">
-                  <p16:designElem xmlns:p16="http://schemas.microsoft.com/office/powerpoint/2015/main" val="1"/>
-                </p:ext>
-              </p:extLst>
-            </p:nvPr>
-          </p:nvSpPr>
-          <p:spPr>
-            <a:xfrm>
-              <a:off x="3220" y="2667000"/>
-              <a:ext cx="4191000" cy="4191000"/>
-            </a:xfrm>
-            <a:prstGeom prst="ellipse">
-              <a:avLst/>
-            </a:prstGeom>
-            <a:gradFill flip="none" rotWithShape="1">
-              <a:gsLst>
-                <a:gs pos="0">
-                  <a:schemeClr val="bg2">
-                    <a:lumMod val="40000"/>
-                    <a:lumOff val="60000"/>
-                    <a:alpha val="11000"/>
-                  </a:schemeClr>
-                </a:gs>
-                <a:gs pos="75000">
-                  <a:schemeClr val="bg2">
-                    <a:lumMod val="40000"/>
-                    <a:lumOff val="60000"/>
-                    <a:alpha val="0"/>
-                  </a:schemeClr>
-                </a:gs>
-                <a:gs pos="36000">
-                  <a:schemeClr val="bg2">
-                    <a:lumMod val="40000"/>
-                    <a:lumOff val="60000"/>
-                    <a:alpha val="10000"/>
-                  </a:schemeClr>
-                </a:gs>
-              </a:gsLst>
-              <a:path path="circle">
-                <a:fillToRect l="50000" t="50000" r="50000" b="50000"/>
-              </a:path>
-              <a:tileRect/>
-            </a:gradFill>
-            <a:ln>
-              <a:noFill/>
-            </a:ln>
-            <a:effectLst/>
-          </p:spPr>
-          <p:style>
-            <a:lnRef idx="1">
-              <a:schemeClr val="accent1"/>
-            </a:lnRef>
-            <a:fillRef idx="3">
-              <a:schemeClr val="accent1"/>
-            </a:fillRef>
-            <a:effectRef idx="2">
-              <a:schemeClr val="accent1"/>
-            </a:effectRef>
-            <a:fontRef idx="minor">
-              <a:schemeClr val="lt1"/>
-            </a:fontRef>
-          </p:style>
-        </p:sp>
-        <p:sp>
-          <p:nvSpPr>
-            <p:cNvPr id="20" name="Oval 19"/>
-            <p:cNvSpPr/>
-            <p:nvPr>
-              <p:extLst>
-                <p:ext uri="{386F3935-93C4-4BCD-93E2-E3B085C9AB24}">
-                  <p16:designElem xmlns:p16="http://schemas.microsoft.com/office/powerpoint/2015/main" val="1"/>
-                </p:ext>
-              </p:extLst>
-            </p:nvPr>
-          </p:nvSpPr>
-          <p:spPr>
-            <a:xfrm>
-              <a:off x="1750" y="2895600"/>
-              <a:ext cx="2362200" cy="2362200"/>
-            </a:xfrm>
-            <a:prstGeom prst="ellipse">
-              <a:avLst/>
-            </a:prstGeom>
-            <a:gradFill flip="none" rotWithShape="1">
-              <a:gsLst>
-                <a:gs pos="0">
-                  <a:schemeClr val="bg2">
-                    <a:lumMod val="40000"/>
-                    <a:lumOff val="60000"/>
-                    <a:alpha val="8000"/>
-                  </a:schemeClr>
-                </a:gs>
-                <a:gs pos="72000">
-                  <a:schemeClr val="bg2">
-                    <a:lumMod val="40000"/>
-                    <a:lumOff val="60000"/>
-                    <a:alpha val="0"/>
-                  </a:schemeClr>
-                </a:gs>
-                <a:gs pos="36000">
-                  <a:schemeClr val="bg2">
-                    <a:lumMod val="40000"/>
-                    <a:lumOff val="60000"/>
-                    <a:alpha val="8000"/>
-                  </a:schemeClr>
-                </a:gs>
-              </a:gsLst>
-              <a:path path="circle">
-                <a:fillToRect l="50000" t="50000" r="50000" b="50000"/>
-              </a:path>
-              <a:tileRect/>
-            </a:gradFill>
-            <a:ln>
-              <a:noFill/>
-            </a:ln>
-            <a:effectLst/>
-          </p:spPr>
-          <p:style>
-            <a:lnRef idx="1">
-              <a:schemeClr val="accent1"/>
-            </a:lnRef>
-            <a:fillRef idx="3">
-              <a:schemeClr val="accent1"/>
-            </a:fillRef>
-            <a:effectRef idx="2">
-              <a:schemeClr val="accent1"/>
-            </a:effectRef>
-            <a:fontRef idx="minor">
-              <a:schemeClr val="lt1"/>
-            </a:fontRef>
-          </p:style>
-        </p:sp>
-        <p:sp>
-          <p:nvSpPr>
-            <p:cNvPr id="21" name="Oval 20"/>
-            <p:cNvSpPr/>
-            <p:nvPr>
-              <p:extLst>
-                <p:ext uri="{386F3935-93C4-4BCD-93E2-E3B085C9AB24}">
-                  <p16:designElem xmlns:p16="http://schemas.microsoft.com/office/powerpoint/2015/main" val="1"/>
-                </p:ext>
-              </p:extLst>
-            </p:nvPr>
-          </p:nvSpPr>
-          <p:spPr>
-            <a:xfrm>
-              <a:off x="8609012" y="1676400"/>
-              <a:ext cx="2819400" cy="2819400"/>
-            </a:xfrm>
-            <a:prstGeom prst="ellipse">
-              <a:avLst/>
-            </a:prstGeom>
-            <a:gradFill flip="none" rotWithShape="1">
-              <a:gsLst>
-                <a:gs pos="0">
-                  <a:schemeClr val="bg2">
-                    <a:lumMod val="40000"/>
-                    <a:lumOff val="60000"/>
-                    <a:alpha val="7000"/>
-                  </a:schemeClr>
-                </a:gs>
-                <a:gs pos="69000">
-                  <a:schemeClr val="bg2">
-                    <a:lumMod val="40000"/>
-                    <a:lumOff val="60000"/>
-                    <a:alpha val="0"/>
-                  </a:schemeClr>
-                </a:gs>
-                <a:gs pos="36000">
-                  <a:schemeClr val="bg2">
-                    <a:lumMod val="40000"/>
-                    <a:lumOff val="60000"/>
-                    <a:alpha val="6000"/>
-                  </a:schemeClr>
-                </a:gs>
-              </a:gsLst>
-              <a:path path="circle">
-                <a:fillToRect l="50000" t="50000" r="50000" b="50000"/>
-              </a:path>
-              <a:tileRect/>
-            </a:gradFill>
-            <a:ln>
-              <a:noFill/>
-            </a:ln>
-            <a:effectLst/>
-          </p:spPr>
-          <p:style>
-            <a:lnRef idx="1">
-              <a:schemeClr val="accent1"/>
-            </a:lnRef>
-            <a:fillRef idx="3">
-              <a:schemeClr val="accent1"/>
-            </a:fillRef>
-            <a:effectRef idx="2">
-              <a:schemeClr val="accent1"/>
-            </a:effectRef>
-            <a:fontRef idx="minor">
-              <a:schemeClr val="lt1"/>
-            </a:fontRef>
-          </p:style>
-        </p:sp>
-        <p:sp>
-          <p:nvSpPr>
-            <p:cNvPr id="22" name="Oval 21"/>
-            <p:cNvSpPr/>
-            <p:nvPr>
-              <p:extLst>
-                <p:ext uri="{386F3935-93C4-4BCD-93E2-E3B085C9AB24}">
-                  <p16:designElem xmlns:p16="http://schemas.microsoft.com/office/powerpoint/2015/main" val="1"/>
-                </p:ext>
-              </p:extLst>
-            </p:nvPr>
-          </p:nvSpPr>
-          <p:spPr>
-            <a:xfrm>
-              <a:off x="7999412" y="-2373"/>
-              <a:ext cx="1600200" cy="1600200"/>
-            </a:xfrm>
-            <a:prstGeom prst="ellipse">
-              <a:avLst/>
-            </a:prstGeom>
-            <a:gradFill flip="none" rotWithShape="1">
-              <a:gsLst>
-                <a:gs pos="0">
-                  <a:schemeClr val="bg2">
-                    <a:lumMod val="40000"/>
-                    <a:lumOff val="60000"/>
-                    <a:alpha val="14000"/>
-                  </a:schemeClr>
-                </a:gs>
-                <a:gs pos="73000">
-                  <a:schemeClr val="bg2">
-                    <a:lumMod val="40000"/>
-                    <a:lumOff val="60000"/>
-                    <a:alpha val="0"/>
-                  </a:schemeClr>
-                </a:gs>
-                <a:gs pos="36000">
-                  <a:schemeClr val="bg2">
-                    <a:lumMod val="40000"/>
-                    <a:lumOff val="60000"/>
-                    <a:alpha val="7000"/>
-                  </a:schemeClr>
-                </a:gs>
-              </a:gsLst>
-              <a:path path="circle">
-                <a:fillToRect l="50000" t="50000" r="50000" b="50000"/>
-              </a:path>
-              <a:tileRect/>
-            </a:gradFill>
-            <a:ln>
-              <a:noFill/>
-            </a:ln>
-            <a:effectLst/>
-          </p:spPr>
-          <p:style>
-            <a:lnRef idx="1">
-              <a:schemeClr val="accent1"/>
-            </a:lnRef>
-            <a:fillRef idx="3">
-              <a:schemeClr val="accent1"/>
-            </a:fillRef>
-            <a:effectRef idx="2">
-              <a:schemeClr val="accent1"/>
-            </a:effectRef>
-            <a:fontRef idx="minor">
-              <a:schemeClr val="lt1"/>
-            </a:fontRef>
-          </p:style>
-        </p:sp>
-        <p:sp>
-          <p:nvSpPr>
-            <p:cNvPr id="23" name="Oval 22"/>
-            <p:cNvSpPr/>
-            <p:nvPr>
-              <p:extLst>
-                <p:ext uri="{386F3935-93C4-4BCD-93E2-E3B085C9AB24}">
-                  <p16:designElem xmlns:p16="http://schemas.microsoft.com/office/powerpoint/2015/main" val="1"/>
-                </p:ext>
-              </p:extLst>
-            </p:nvPr>
-          </p:nvSpPr>
-          <p:spPr>
-            <a:xfrm>
-              <a:off x="8609012" y="5874054"/>
-              <a:ext cx="990600" cy="990600"/>
-            </a:xfrm>
-            <a:prstGeom prst="ellipse">
-              <a:avLst/>
-            </a:prstGeom>
-            <a:gradFill flip="none" rotWithShape="1">
-              <a:gsLst>
-                <a:gs pos="0">
-                  <a:schemeClr val="bg2">
-                    <a:lumMod val="40000"/>
-                    <a:lumOff val="60000"/>
-                    <a:alpha val="14000"/>
-                  </a:schemeClr>
-                </a:gs>
-                <a:gs pos="66000">
-                  <a:schemeClr val="bg2">
-                    <a:lumMod val="40000"/>
-                    <a:lumOff val="60000"/>
-                    <a:alpha val="0"/>
-                  </a:schemeClr>
-                </a:gs>
-                <a:gs pos="36000">
-                  <a:schemeClr val="bg2">
-                    <a:lumMod val="40000"/>
-                    <a:lumOff val="60000"/>
-                    <a:alpha val="7000"/>
-                  </a:schemeClr>
-                </a:gs>
-              </a:gsLst>
-              <a:path path="circle">
-                <a:fillToRect l="50000" t="50000" r="50000" b="50000"/>
-              </a:path>
-              <a:tileRect/>
-            </a:gradFill>
-            <a:ln>
-              <a:noFill/>
-            </a:ln>
-            <a:effectLst/>
-          </p:spPr>
-          <p:style>
-            <a:lnRef idx="1">
-              <a:schemeClr val="accent1"/>
-            </a:lnRef>
-            <a:fillRef idx="3">
-              <a:schemeClr val="accent1"/>
-            </a:fillRef>
-            <a:effectRef idx="2">
-              <a:schemeClr val="accent1"/>
-            </a:effectRef>
-            <a:fontRef idx="minor">
-              <a:schemeClr val="lt1"/>
-            </a:fontRef>
-          </p:style>
-        </p:sp>
-        <p:sp>
-          <p:nvSpPr>
-            <p:cNvPr id="24" name="Freeform 5"/>
-            <p:cNvSpPr>
-              <a:spLocks noEditPoints="1"/>
-            </p:cNvSpPr>
-            <p:nvPr>
-              <p:extLst>
-                <p:ext uri="{386F3935-93C4-4BCD-93E2-E3B085C9AB24}">
-                  <p16:designElem xmlns:p16="http://schemas.microsoft.com/office/powerpoint/2015/main" val="1"/>
-                </p:ext>
-              </p:extLst>
-            </p:nvPr>
-          </p:nvSpPr>
-          <p:spPr bwMode="gray">
-            <a:xfrm>
-              <a:off x="0" y="1587"/>
-              <a:ext cx="12192000" cy="6856413"/>
-            </a:xfrm>
-            <a:custGeom>
-              <a:avLst/>
-              <a:gdLst/>
-              <a:ahLst/>
-              <a:cxnLst/>
-              <a:rect l="0" t="0" r="r" b="b"/>
-              <a:pathLst>
-                <a:path w="15356" h="8638">
-                  <a:moveTo>
-                    <a:pt x="0" y="0"/>
-                  </a:moveTo>
-                  <a:lnTo>
-                    <a:pt x="0" y="8638"/>
-                  </a:lnTo>
-                  <a:lnTo>
-                    <a:pt x="15356" y="8638"/>
-                  </a:lnTo>
-                  <a:lnTo>
-                    <a:pt x="15356" y="0"/>
-                  </a:lnTo>
-                  <a:lnTo>
-                    <a:pt x="0" y="0"/>
-                  </a:lnTo>
-                  <a:close/>
-                  <a:moveTo>
-                    <a:pt x="14748" y="8038"/>
-                  </a:moveTo>
-                  <a:lnTo>
-                    <a:pt x="600" y="8038"/>
-                  </a:lnTo>
-                  <a:lnTo>
-                    <a:pt x="600" y="592"/>
-                  </a:lnTo>
-                  <a:lnTo>
-                    <a:pt x="14748" y="592"/>
-                  </a:lnTo>
-                  <a:lnTo>
-                    <a:pt x="14748" y="8038"/>
-                  </a:lnTo>
-                  <a:close/>
-                </a:path>
-              </a:pathLst>
-            </a:custGeom>
-            <a:solidFill>
-              <a:schemeClr val="bg1"/>
-            </a:solidFill>
-            <a:ln>
-              <a:noFill/>
-            </a:ln>
-          </p:spPr>
-        </p:sp>
-      </p:grpSp>
-      <p:sp>
-        <p:nvSpPr>
-          <p:cNvPr id="25" name="Rectangle 24"/>
-          <p:cNvSpPr>
-            <a:spLocks noGrp="1" noRot="1" noChangeAspect="1" noMove="1" noResize="1" noEditPoints="1" noAdjustHandles="1" noChangeArrowheads="1" noChangeShapeType="1" noTextEdit="1"/>
-          </p:cNvSpPr>
-          <p:nvPr>
-            <p:extLst>
-              <p:ext uri="{386F3935-93C4-4BCD-93E2-E3B085C9AB24}">
-                <p16:designElem xmlns:p16="http://schemas.microsoft.com/office/powerpoint/2015/main" val="1"/>
-              </p:ext>
-            </p:extLst>
-          </p:nvPr>
-        </p:nvSpPr>
-        <p:spPr>
-          <a:xfrm>
-            <a:off x="10437812" y="0"/>
-            <a:ext cx="685800" cy="1143000"/>
-          </a:xfrm>
-          <a:prstGeom prst="rect">
-            <a:avLst/>
-          </a:prstGeom>
-          <a:solidFill>
-            <a:schemeClr val="accent1"/>
-          </a:solidFill>
-          <a:ln>
-            <a:noFill/>
-          </a:ln>
-        </p:spPr>
-        <p:style>
-          <a:lnRef idx="1">
-            <a:schemeClr val="accent1"/>
-          </a:lnRef>
-          <a:fillRef idx="3">
-            <a:schemeClr val="accent1"/>
-          </a:fillRef>
-          <a:effectRef idx="2">
-            <a:schemeClr val="accent1"/>
-          </a:effectRef>
-          <a:fontRef idx="minor">
-            <a:schemeClr val="lt1"/>
-          </a:fontRef>
-        </p:style>
-      </p:sp>
-      <p:pic>
-        <p:nvPicPr>
-          <p:cNvPr id="4" name="Picture 3"/>
-          <p:cNvPicPr>
-            <a:picLocks noChangeAspect="1"/>
-          </p:cNvPicPr>
-          <p:nvPr/>
-        </p:nvPicPr>
-        <p:blipFill>
-          <a:blip r:embed="rId3"/>
-          <a:stretch>
-            <a:fillRect/>
-          </a:stretch>
-        </p:blipFill>
-        <p:spPr>
-          <a:xfrm>
-            <a:off x="770389" y="637502"/>
-            <a:ext cx="5451678" cy="5485262"/>
-          </a:xfrm>
-          <a:prstGeom prst="roundRect">
-            <a:avLst>
-              <a:gd name="adj" fmla="val 1858"/>
-            </a:avLst>
-          </a:prstGeom>
-          <a:effectLst>
-            <a:outerShdw blurRad="50800" dist="50800" dir="5400000" algn="tl" rotWithShape="0">
-              <a:srgbClr val="000000">
-                <a:alpha val="43000"/>
-              </a:srgbClr>
-            </a:outerShdw>
-          </a:effectLst>
-        </p:spPr>
-      </p:pic>
-      <p:sp>
-        <p:nvSpPr>
-          <p:cNvPr id="2" name="Title 1"/>
+          <p:cNvPr id="2" name="Заголовок 1"/>
           <p:cNvSpPr>
             <a:spLocks noGrp="1"/>
           </p:cNvSpPr>
@@ -19817,29 +19063,82 @@
             <p:ph type="title"/>
           </p:nvPr>
         </p:nvSpPr>
-        <p:spPr>
-          <a:xfrm>
-            <a:off x="6705241" y="544461"/>
-            <a:ext cx="4798142" cy="3421626"/>
-          </a:xfrm>
-        </p:spPr>
+        <p:spPr/>
         <p:txBody>
-          <a:bodyPr vert="horz" lIns="91440" tIns="45720" rIns="91440" bIns="45720" rtlCol="0" anchor="b">
-            <a:normAutofit/>
-          </a:bodyPr>
+          <a:bodyPr/>
           <a:lstStyle/>
           <a:p>
             <a:r>
-              <a:rPr lang="en-US" sz="5400" dirty="0"/>
-              <a:t>Callback Hell</a:t>
+              <a:rPr lang="en-US" dirty="0" smtClean="0"/>
+              <a:t>What is callback hell ?</a:t>
             </a:r>
+            <a:endParaRPr lang="ru-RU" dirty="0"/>
           </a:p>
         </p:txBody>
       </p:sp>
+      <p:pic>
+        <p:nvPicPr>
+          <p:cNvPr id="4" name="Объект 3"/>
+          <p:cNvPicPr>
+            <a:picLocks noGrp="1" noChangeAspect="1"/>
+          </p:cNvPicPr>
+          <p:nvPr>
+            <p:ph idx="1"/>
+          </p:nvPr>
+        </p:nvPicPr>
+        <p:blipFill>
+          <a:blip r:embed="rId2">
+            <a:extLst>
+              <a:ext uri="{28A0092B-C50C-407E-A947-70E740481C1C}">
+                <a14:useLocalDpi xmlns:a14="http://schemas.microsoft.com/office/drawing/2010/main" val="0"/>
+              </a:ext>
+            </a:extLst>
+          </a:blip>
+          <a:stretch>
+            <a:fillRect/>
+          </a:stretch>
+        </p:blipFill>
+        <p:spPr>
+          <a:xfrm>
+            <a:off x="564698" y="2720322"/>
+            <a:ext cx="5351241" cy="3460343"/>
+          </a:xfrm>
+        </p:spPr>
+      </p:pic>
+      <p:pic>
+        <p:nvPicPr>
+          <p:cNvPr id="5" name="Рисунок 4"/>
+          <p:cNvPicPr>
+            <a:picLocks noChangeAspect="1"/>
+          </p:cNvPicPr>
+          <p:nvPr/>
+        </p:nvPicPr>
+        <p:blipFill>
+          <a:blip r:embed="rId3">
+            <a:extLst>
+              <a:ext uri="{28A0092B-C50C-407E-A947-70E740481C1C}">
+                <a14:useLocalDpi xmlns:a14="http://schemas.microsoft.com/office/drawing/2010/main" val="0"/>
+              </a:ext>
+            </a:extLst>
+          </a:blip>
+          <a:stretch>
+            <a:fillRect/>
+          </a:stretch>
+        </p:blipFill>
+        <p:spPr>
+          <a:xfrm>
+            <a:off x="6365137" y="1852937"/>
+            <a:ext cx="4997130" cy="4854354"/>
+          </a:xfrm>
+          <a:prstGeom prst="rect">
+            <a:avLst/>
+          </a:prstGeom>
+        </p:spPr>
+      </p:pic>
     </p:spTree>
     <p:extLst>
       <p:ext uri="{BB962C8B-B14F-4D97-AF65-F5344CB8AC3E}">
-        <p14:creationId xmlns:p14="http://schemas.microsoft.com/office/powerpoint/2010/main" val="1681177006"/>
+        <p14:creationId xmlns:p14="http://schemas.microsoft.com/office/powerpoint/2010/main" val="3632630007"/>
       </p:ext>
     </p:extLst>
   </p:cSld>
@@ -19850,6 +19149,170 @@
 </file>
 
 <file path=ppt/slides/slide5.xml><?xml version="1.0" encoding="utf-8"?>
+<p:sld xmlns:a="http://schemas.openxmlformats.org/drawingml/2006/main" xmlns:r="http://schemas.openxmlformats.org/officeDocument/2006/relationships" xmlns:p="http://schemas.openxmlformats.org/presentationml/2006/main">
+  <p:cSld>
+    <p:spTree>
+      <p:nvGrpSpPr>
+        <p:cNvPr id="1" name=""/>
+        <p:cNvGrpSpPr/>
+        <p:nvPr/>
+      </p:nvGrpSpPr>
+      <p:grpSpPr>
+        <a:xfrm>
+          <a:off x="0" y="0"/>
+          <a:ext cx="0" cy="0"/>
+          <a:chOff x="0" y="0"/>
+          <a:chExt cx="0" cy="0"/>
+        </a:xfrm>
+      </p:grpSpPr>
+      <p:sp>
+        <p:nvSpPr>
+          <p:cNvPr id="2" name="Заголовок 1"/>
+          <p:cNvSpPr>
+            <a:spLocks noGrp="1"/>
+          </p:cNvSpPr>
+          <p:nvPr>
+            <p:ph type="title"/>
+          </p:nvPr>
+        </p:nvSpPr>
+        <p:spPr/>
+        <p:txBody>
+          <a:bodyPr/>
+          <a:lstStyle/>
+          <a:p>
+            <a:r>
+              <a:rPr lang="en-US" dirty="0" smtClean="0"/>
+              <a:t>Callback hell example</a:t>
+            </a:r>
+            <a:endParaRPr lang="ru-RU" dirty="0"/>
+          </a:p>
+        </p:txBody>
+      </p:sp>
+      <p:pic>
+        <p:nvPicPr>
+          <p:cNvPr id="4" name="Объект 3"/>
+          <p:cNvPicPr>
+            <a:picLocks noGrp="1" noChangeAspect="1"/>
+          </p:cNvPicPr>
+          <p:nvPr>
+            <p:ph idx="1"/>
+          </p:nvPr>
+        </p:nvPicPr>
+        <p:blipFill>
+          <a:blip r:embed="rId2">
+            <a:extLst>
+              <a:ext uri="{28A0092B-C50C-407E-A947-70E740481C1C}">
+                <a14:useLocalDpi xmlns:a14="http://schemas.microsoft.com/office/drawing/2010/main" val="0"/>
+              </a:ext>
+            </a:extLst>
+          </a:blip>
+          <a:stretch>
+            <a:fillRect/>
+          </a:stretch>
+        </p:blipFill>
+        <p:spPr>
+          <a:xfrm>
+            <a:off x="1544161" y="3345066"/>
+            <a:ext cx="9217133" cy="2290963"/>
+          </a:xfrm>
+        </p:spPr>
+      </p:pic>
+    </p:spTree>
+    <p:extLst>
+      <p:ext uri="{BB962C8B-B14F-4D97-AF65-F5344CB8AC3E}">
+        <p14:creationId xmlns:p14="http://schemas.microsoft.com/office/powerpoint/2010/main" val="1083381553"/>
+      </p:ext>
+    </p:extLst>
+  </p:cSld>
+  <p:clrMapOvr>
+    <a:masterClrMapping/>
+  </p:clrMapOvr>
+</p:sld>
+</file>
+
+<file path=ppt/slides/slide6.xml><?xml version="1.0" encoding="utf-8"?>
+<p:sld xmlns:a="http://schemas.openxmlformats.org/drawingml/2006/main" xmlns:r="http://schemas.openxmlformats.org/officeDocument/2006/relationships" xmlns:p="http://schemas.openxmlformats.org/presentationml/2006/main">
+  <p:cSld>
+    <p:spTree>
+      <p:nvGrpSpPr>
+        <p:cNvPr id="1" name=""/>
+        <p:cNvGrpSpPr/>
+        <p:nvPr/>
+      </p:nvGrpSpPr>
+      <p:grpSpPr>
+        <a:xfrm>
+          <a:off x="0" y="0"/>
+          <a:ext cx="0" cy="0"/>
+          <a:chOff x="0" y="0"/>
+          <a:chExt cx="0" cy="0"/>
+        </a:xfrm>
+      </p:grpSpPr>
+      <p:sp>
+        <p:nvSpPr>
+          <p:cNvPr id="2" name="Заголовок 1"/>
+          <p:cNvSpPr>
+            <a:spLocks noGrp="1"/>
+          </p:cNvSpPr>
+          <p:nvPr>
+            <p:ph type="title"/>
+          </p:nvPr>
+        </p:nvSpPr>
+        <p:spPr/>
+        <p:txBody>
+          <a:bodyPr/>
+          <a:lstStyle/>
+          <a:p>
+            <a:r>
+              <a:rPr lang="en-US" dirty="0" smtClean="0"/>
+              <a:t>Callback hell example</a:t>
+            </a:r>
+            <a:endParaRPr lang="ru-RU" dirty="0"/>
+          </a:p>
+        </p:txBody>
+      </p:sp>
+      <p:pic>
+        <p:nvPicPr>
+          <p:cNvPr id="5" name="Объект 4"/>
+          <p:cNvPicPr>
+            <a:picLocks noGrp="1" noChangeAspect="1"/>
+          </p:cNvPicPr>
+          <p:nvPr>
+            <p:ph idx="1"/>
+          </p:nvPr>
+        </p:nvPicPr>
+        <p:blipFill>
+          <a:blip r:embed="rId2">
+            <a:extLst>
+              <a:ext uri="{28A0092B-C50C-407E-A947-70E740481C1C}">
+                <a14:useLocalDpi xmlns:a14="http://schemas.microsoft.com/office/drawing/2010/main" val="0"/>
+              </a:ext>
+            </a:extLst>
+          </a:blip>
+          <a:stretch>
+            <a:fillRect/>
+          </a:stretch>
+        </p:blipFill>
+        <p:spPr>
+          <a:xfrm>
+            <a:off x="2290430" y="2866672"/>
+            <a:ext cx="7435461" cy="3089232"/>
+          </a:xfrm>
+        </p:spPr>
+      </p:pic>
+    </p:spTree>
+    <p:extLst>
+      <p:ext uri="{BB962C8B-B14F-4D97-AF65-F5344CB8AC3E}">
+        <p14:creationId xmlns:p14="http://schemas.microsoft.com/office/powerpoint/2010/main" val="252193108"/>
+      </p:ext>
+    </p:extLst>
+  </p:cSld>
+  <p:clrMapOvr>
+    <a:masterClrMapping/>
+  </p:clrMapOvr>
+</p:sld>
+</file>
+
+<file path=ppt/slides/slide7.xml><?xml version="1.0" encoding="utf-8"?>
 <p:sld xmlns:a="http://schemas.openxmlformats.org/drawingml/2006/main" xmlns:r="http://schemas.openxmlformats.org/officeDocument/2006/relationships" xmlns:p="http://schemas.openxmlformats.org/presentationml/2006/main">
   <p:cSld>
     <p:spTree>
@@ -20058,3103 +19521,6 @@
 </p:sld>
 </file>
 
-<file path=ppt/slides/slide6.xml><?xml version="1.0" encoding="utf-8"?>
-<p:sld xmlns:a="http://schemas.openxmlformats.org/drawingml/2006/main" xmlns:r="http://schemas.openxmlformats.org/officeDocument/2006/relationships" xmlns:p="http://schemas.openxmlformats.org/presentationml/2006/main">
-  <p:cSld>
-    <p:spTree>
-      <p:nvGrpSpPr>
-        <p:cNvPr id="1" name=""/>
-        <p:cNvGrpSpPr/>
-        <p:nvPr/>
-      </p:nvGrpSpPr>
-      <p:grpSpPr>
-        <a:xfrm>
-          <a:off x="0" y="0"/>
-          <a:ext cx="0" cy="0"/>
-          <a:chOff x="0" y="0"/>
-          <a:chExt cx="0" cy="0"/>
-        </a:xfrm>
-      </p:grpSpPr>
-      <p:sp>
-        <p:nvSpPr>
-          <p:cNvPr id="8" name="Rectangle 7"/>
-          <p:cNvSpPr>
-            <a:spLocks noGrp="1" noRot="1" noChangeAspect="1" noMove="1" noResize="1" noEditPoints="1" noAdjustHandles="1" noChangeArrowheads="1" noChangeShapeType="1" noTextEdit="1"/>
-          </p:cNvSpPr>
-          <p:nvPr>
-            <p:extLst>
-              <p:ext uri="{386F3935-93C4-4BCD-93E2-E3B085C9AB24}">
-                <p16:designElem xmlns:p16="http://schemas.microsoft.com/office/powerpoint/2015/main" val="1"/>
-              </p:ext>
-            </p:extLst>
-          </p:nvPr>
-        </p:nvSpPr>
-        <p:spPr bwMode="white">
-          <a:xfrm>
-            <a:off x="0" y="0"/>
-            <a:ext cx="12192000" cy="6858000"/>
-          </a:xfrm>
-          <a:prstGeom prst="rect">
-            <a:avLst/>
-          </a:prstGeom>
-          <a:solidFill>
-            <a:schemeClr val="bg1"/>
-          </a:solidFill>
-          <a:ln>
-            <a:noFill/>
-          </a:ln>
-          <a:effectLst/>
-        </p:spPr>
-      </p:sp>
-      <p:grpSp>
-        <p:nvGrpSpPr>
-          <p:cNvPr id="9" name="Group 8"/>
-          <p:cNvGrpSpPr>
-            <a:grpSpLocks noGrp="1" noUngrp="1" noRot="1" noChangeAspect="1" noMove="1" noResize="1"/>
-          </p:cNvGrpSpPr>
-          <p:nvPr>
-            <p:extLst>
-              <p:ext uri="{386F3935-93C4-4BCD-93E2-E3B085C9AB24}">
-                <p16:designElem xmlns:p16="http://schemas.microsoft.com/office/powerpoint/2015/main" val="1"/>
-              </p:ext>
-            </p:extLst>
-          </p:nvPr>
-        </p:nvGrpSpPr>
-        <p:grpSpPr>
-          <a:xfrm>
-            <a:off x="0" y="-2373"/>
-            <a:ext cx="12192000" cy="6867027"/>
-            <a:chOff x="0" y="-2373"/>
-            <a:chExt cx="12192000" cy="6867027"/>
-          </a:xfrm>
-        </p:grpSpPr>
-        <p:sp>
-          <p:nvSpPr>
-            <p:cNvPr id="10" name="Rectangle 9"/>
-            <p:cNvSpPr/>
-            <p:nvPr>
-              <p:extLst>
-                <p:ext uri="{386F3935-93C4-4BCD-93E2-E3B085C9AB24}">
-                  <p16:designElem xmlns:p16="http://schemas.microsoft.com/office/powerpoint/2015/main" val="1"/>
-                </p:ext>
-              </p:extLst>
-            </p:nvPr>
-          </p:nvSpPr>
-          <p:spPr>
-            <a:xfrm>
-              <a:off x="0" y="0"/>
-              <a:ext cx="12192000" cy="6858000"/>
-            </a:xfrm>
-            <a:prstGeom prst="rect">
-              <a:avLst/>
-            </a:prstGeom>
-            <a:blipFill>
-              <a:blip r:embed="rId2">
-                <a:duotone>
-                  <a:schemeClr val="dk2">
-                    <a:shade val="62000"/>
-                    <a:hueMod val="108000"/>
-                    <a:satMod val="164000"/>
-                    <a:lumMod val="69000"/>
-                  </a:schemeClr>
-                  <a:schemeClr val="dk2">
-                    <a:tint val="96000"/>
-                    <a:hueMod val="90000"/>
-                    <a:satMod val="130000"/>
-                    <a:lumMod val="134000"/>
-                  </a:schemeClr>
-                </a:duotone>
-              </a:blip>
-              <a:stretch>
-                <a:fillRect/>
-              </a:stretch>
-            </a:blipFill>
-            <a:ln>
-              <a:noFill/>
-            </a:ln>
-          </p:spPr>
-          <p:style>
-            <a:lnRef idx="2">
-              <a:schemeClr val="accent1">
-                <a:shade val="50000"/>
-              </a:schemeClr>
-            </a:lnRef>
-            <a:fillRef idx="1">
-              <a:schemeClr val="accent1"/>
-            </a:fillRef>
-            <a:effectRef idx="0">
-              <a:schemeClr val="accent1"/>
-            </a:effectRef>
-            <a:fontRef idx="minor">
-              <a:schemeClr val="lt1"/>
-            </a:fontRef>
-          </p:style>
-        </p:sp>
-        <p:sp>
-          <p:nvSpPr>
-            <p:cNvPr id="11" name="Oval 10"/>
-            <p:cNvSpPr/>
-            <p:nvPr>
-              <p:extLst>
-                <p:ext uri="{386F3935-93C4-4BCD-93E2-E3B085C9AB24}">
-                  <p16:designElem xmlns:p16="http://schemas.microsoft.com/office/powerpoint/2015/main" val="1"/>
-                </p:ext>
-              </p:extLst>
-            </p:nvPr>
-          </p:nvSpPr>
-          <p:spPr>
-            <a:xfrm>
-              <a:off x="3220" y="2667000"/>
-              <a:ext cx="4191000" cy="4191000"/>
-            </a:xfrm>
-            <a:prstGeom prst="ellipse">
-              <a:avLst/>
-            </a:prstGeom>
-            <a:gradFill flip="none" rotWithShape="1">
-              <a:gsLst>
-                <a:gs pos="0">
-                  <a:schemeClr val="bg2">
-                    <a:lumMod val="40000"/>
-                    <a:lumOff val="60000"/>
-                    <a:alpha val="11000"/>
-                  </a:schemeClr>
-                </a:gs>
-                <a:gs pos="75000">
-                  <a:schemeClr val="bg2">
-                    <a:lumMod val="40000"/>
-                    <a:lumOff val="60000"/>
-                    <a:alpha val="0"/>
-                  </a:schemeClr>
-                </a:gs>
-                <a:gs pos="36000">
-                  <a:schemeClr val="bg2">
-                    <a:lumMod val="40000"/>
-                    <a:lumOff val="60000"/>
-                    <a:alpha val="10000"/>
-                  </a:schemeClr>
-                </a:gs>
-              </a:gsLst>
-              <a:path path="circle">
-                <a:fillToRect l="50000" t="50000" r="50000" b="50000"/>
-              </a:path>
-              <a:tileRect/>
-            </a:gradFill>
-            <a:ln>
-              <a:noFill/>
-            </a:ln>
-            <a:effectLst/>
-          </p:spPr>
-          <p:style>
-            <a:lnRef idx="1">
-              <a:schemeClr val="accent1"/>
-            </a:lnRef>
-            <a:fillRef idx="3">
-              <a:schemeClr val="accent1"/>
-            </a:fillRef>
-            <a:effectRef idx="2">
-              <a:schemeClr val="accent1"/>
-            </a:effectRef>
-            <a:fontRef idx="minor">
-              <a:schemeClr val="lt1"/>
-            </a:fontRef>
-          </p:style>
-        </p:sp>
-        <p:sp>
-          <p:nvSpPr>
-            <p:cNvPr id="12" name="Oval 11"/>
-            <p:cNvSpPr/>
-            <p:nvPr>
-              <p:extLst>
-                <p:ext uri="{386F3935-93C4-4BCD-93E2-E3B085C9AB24}">
-                  <p16:designElem xmlns:p16="http://schemas.microsoft.com/office/powerpoint/2015/main" val="1"/>
-                </p:ext>
-              </p:extLst>
-            </p:nvPr>
-          </p:nvSpPr>
-          <p:spPr>
-            <a:xfrm>
-              <a:off x="1750" y="2895600"/>
-              <a:ext cx="2362200" cy="2362200"/>
-            </a:xfrm>
-            <a:prstGeom prst="ellipse">
-              <a:avLst/>
-            </a:prstGeom>
-            <a:gradFill flip="none" rotWithShape="1">
-              <a:gsLst>
-                <a:gs pos="0">
-                  <a:schemeClr val="bg2">
-                    <a:lumMod val="40000"/>
-                    <a:lumOff val="60000"/>
-                    <a:alpha val="8000"/>
-                  </a:schemeClr>
-                </a:gs>
-                <a:gs pos="72000">
-                  <a:schemeClr val="bg2">
-                    <a:lumMod val="40000"/>
-                    <a:lumOff val="60000"/>
-                    <a:alpha val="0"/>
-                  </a:schemeClr>
-                </a:gs>
-                <a:gs pos="36000">
-                  <a:schemeClr val="bg2">
-                    <a:lumMod val="40000"/>
-                    <a:lumOff val="60000"/>
-                    <a:alpha val="8000"/>
-                  </a:schemeClr>
-                </a:gs>
-              </a:gsLst>
-              <a:path path="circle">
-                <a:fillToRect l="50000" t="50000" r="50000" b="50000"/>
-              </a:path>
-              <a:tileRect/>
-            </a:gradFill>
-            <a:ln>
-              <a:noFill/>
-            </a:ln>
-            <a:effectLst/>
-          </p:spPr>
-          <p:style>
-            <a:lnRef idx="1">
-              <a:schemeClr val="accent1"/>
-            </a:lnRef>
-            <a:fillRef idx="3">
-              <a:schemeClr val="accent1"/>
-            </a:fillRef>
-            <a:effectRef idx="2">
-              <a:schemeClr val="accent1"/>
-            </a:effectRef>
-            <a:fontRef idx="minor">
-              <a:schemeClr val="lt1"/>
-            </a:fontRef>
-          </p:style>
-        </p:sp>
-        <p:sp>
-          <p:nvSpPr>
-            <p:cNvPr id="13" name="Oval 12"/>
-            <p:cNvSpPr/>
-            <p:nvPr>
-              <p:extLst>
-                <p:ext uri="{386F3935-93C4-4BCD-93E2-E3B085C9AB24}">
-                  <p16:designElem xmlns:p16="http://schemas.microsoft.com/office/powerpoint/2015/main" val="1"/>
-                </p:ext>
-              </p:extLst>
-            </p:nvPr>
-          </p:nvSpPr>
-          <p:spPr>
-            <a:xfrm>
-              <a:off x="8609012" y="1676400"/>
-              <a:ext cx="2819400" cy="2819400"/>
-            </a:xfrm>
-            <a:prstGeom prst="ellipse">
-              <a:avLst/>
-            </a:prstGeom>
-            <a:gradFill flip="none" rotWithShape="1">
-              <a:gsLst>
-                <a:gs pos="0">
-                  <a:schemeClr val="bg2">
-                    <a:lumMod val="40000"/>
-                    <a:lumOff val="60000"/>
-                    <a:alpha val="7000"/>
-                  </a:schemeClr>
-                </a:gs>
-                <a:gs pos="69000">
-                  <a:schemeClr val="bg2">
-                    <a:lumMod val="40000"/>
-                    <a:lumOff val="60000"/>
-                    <a:alpha val="0"/>
-                  </a:schemeClr>
-                </a:gs>
-                <a:gs pos="36000">
-                  <a:schemeClr val="bg2">
-                    <a:lumMod val="40000"/>
-                    <a:lumOff val="60000"/>
-                    <a:alpha val="6000"/>
-                  </a:schemeClr>
-                </a:gs>
-              </a:gsLst>
-              <a:path path="circle">
-                <a:fillToRect l="50000" t="50000" r="50000" b="50000"/>
-              </a:path>
-              <a:tileRect/>
-            </a:gradFill>
-            <a:ln>
-              <a:noFill/>
-            </a:ln>
-            <a:effectLst/>
-          </p:spPr>
-          <p:style>
-            <a:lnRef idx="1">
-              <a:schemeClr val="accent1"/>
-            </a:lnRef>
-            <a:fillRef idx="3">
-              <a:schemeClr val="accent1"/>
-            </a:fillRef>
-            <a:effectRef idx="2">
-              <a:schemeClr val="accent1"/>
-            </a:effectRef>
-            <a:fontRef idx="minor">
-              <a:schemeClr val="lt1"/>
-            </a:fontRef>
-          </p:style>
-        </p:sp>
-        <p:sp>
-          <p:nvSpPr>
-            <p:cNvPr id="14" name="Oval 13"/>
-            <p:cNvSpPr/>
-            <p:nvPr>
-              <p:extLst>
-                <p:ext uri="{386F3935-93C4-4BCD-93E2-E3B085C9AB24}">
-                  <p16:designElem xmlns:p16="http://schemas.microsoft.com/office/powerpoint/2015/main" val="1"/>
-                </p:ext>
-              </p:extLst>
-            </p:nvPr>
-          </p:nvSpPr>
-          <p:spPr>
-            <a:xfrm>
-              <a:off x="7999412" y="-2373"/>
-              <a:ext cx="1600200" cy="1600200"/>
-            </a:xfrm>
-            <a:prstGeom prst="ellipse">
-              <a:avLst/>
-            </a:prstGeom>
-            <a:gradFill flip="none" rotWithShape="1">
-              <a:gsLst>
-                <a:gs pos="0">
-                  <a:schemeClr val="bg2">
-                    <a:lumMod val="40000"/>
-                    <a:lumOff val="60000"/>
-                    <a:alpha val="14000"/>
-                  </a:schemeClr>
-                </a:gs>
-                <a:gs pos="73000">
-                  <a:schemeClr val="bg2">
-                    <a:lumMod val="40000"/>
-                    <a:lumOff val="60000"/>
-                    <a:alpha val="0"/>
-                  </a:schemeClr>
-                </a:gs>
-                <a:gs pos="36000">
-                  <a:schemeClr val="bg2">
-                    <a:lumMod val="40000"/>
-                    <a:lumOff val="60000"/>
-                    <a:alpha val="7000"/>
-                  </a:schemeClr>
-                </a:gs>
-              </a:gsLst>
-              <a:path path="circle">
-                <a:fillToRect l="50000" t="50000" r="50000" b="50000"/>
-              </a:path>
-              <a:tileRect/>
-            </a:gradFill>
-            <a:ln>
-              <a:noFill/>
-            </a:ln>
-            <a:effectLst/>
-          </p:spPr>
-          <p:style>
-            <a:lnRef idx="1">
-              <a:schemeClr val="accent1"/>
-            </a:lnRef>
-            <a:fillRef idx="3">
-              <a:schemeClr val="accent1"/>
-            </a:fillRef>
-            <a:effectRef idx="2">
-              <a:schemeClr val="accent1"/>
-            </a:effectRef>
-            <a:fontRef idx="minor">
-              <a:schemeClr val="lt1"/>
-            </a:fontRef>
-          </p:style>
-        </p:sp>
-        <p:sp>
-          <p:nvSpPr>
-            <p:cNvPr id="15" name="Oval 14"/>
-            <p:cNvSpPr/>
-            <p:nvPr>
-              <p:extLst>
-                <p:ext uri="{386F3935-93C4-4BCD-93E2-E3B085C9AB24}">
-                  <p16:designElem xmlns:p16="http://schemas.microsoft.com/office/powerpoint/2015/main" val="1"/>
-                </p:ext>
-              </p:extLst>
-            </p:nvPr>
-          </p:nvSpPr>
-          <p:spPr>
-            <a:xfrm>
-              <a:off x="8609012" y="5874054"/>
-              <a:ext cx="990600" cy="990600"/>
-            </a:xfrm>
-            <a:prstGeom prst="ellipse">
-              <a:avLst/>
-            </a:prstGeom>
-            <a:gradFill flip="none" rotWithShape="1">
-              <a:gsLst>
-                <a:gs pos="0">
-                  <a:schemeClr val="bg2">
-                    <a:lumMod val="40000"/>
-                    <a:lumOff val="60000"/>
-                    <a:alpha val="14000"/>
-                  </a:schemeClr>
-                </a:gs>
-                <a:gs pos="66000">
-                  <a:schemeClr val="bg2">
-                    <a:lumMod val="40000"/>
-                    <a:lumOff val="60000"/>
-                    <a:alpha val="0"/>
-                  </a:schemeClr>
-                </a:gs>
-                <a:gs pos="36000">
-                  <a:schemeClr val="bg2">
-                    <a:lumMod val="40000"/>
-                    <a:lumOff val="60000"/>
-                    <a:alpha val="7000"/>
-                  </a:schemeClr>
-                </a:gs>
-              </a:gsLst>
-              <a:path path="circle">
-                <a:fillToRect l="50000" t="50000" r="50000" b="50000"/>
-              </a:path>
-              <a:tileRect/>
-            </a:gradFill>
-            <a:ln>
-              <a:noFill/>
-            </a:ln>
-            <a:effectLst/>
-          </p:spPr>
-          <p:style>
-            <a:lnRef idx="1">
-              <a:schemeClr val="accent1"/>
-            </a:lnRef>
-            <a:fillRef idx="3">
-              <a:schemeClr val="accent1"/>
-            </a:fillRef>
-            <a:effectRef idx="2">
-              <a:schemeClr val="accent1"/>
-            </a:effectRef>
-            <a:fontRef idx="minor">
-              <a:schemeClr val="lt1"/>
-            </a:fontRef>
-          </p:style>
-        </p:sp>
-        <p:sp>
-          <p:nvSpPr>
-            <p:cNvPr id="16" name="Freeform 5"/>
-            <p:cNvSpPr>
-              <a:spLocks noEditPoints="1"/>
-            </p:cNvSpPr>
-            <p:nvPr>
-              <p:extLst>
-                <p:ext uri="{386F3935-93C4-4BCD-93E2-E3B085C9AB24}">
-                  <p16:designElem xmlns:p16="http://schemas.microsoft.com/office/powerpoint/2015/main" val="1"/>
-                </p:ext>
-              </p:extLst>
-            </p:nvPr>
-          </p:nvSpPr>
-          <p:spPr bwMode="gray">
-            <a:xfrm>
-              <a:off x="0" y="1587"/>
-              <a:ext cx="12192000" cy="6856413"/>
-            </a:xfrm>
-            <a:custGeom>
-              <a:avLst/>
-              <a:gdLst/>
-              <a:ahLst/>
-              <a:cxnLst/>
-              <a:rect l="0" t="0" r="r" b="b"/>
-              <a:pathLst>
-                <a:path w="15356" h="8638">
-                  <a:moveTo>
-                    <a:pt x="0" y="0"/>
-                  </a:moveTo>
-                  <a:lnTo>
-                    <a:pt x="0" y="8638"/>
-                  </a:lnTo>
-                  <a:lnTo>
-                    <a:pt x="15356" y="8638"/>
-                  </a:lnTo>
-                  <a:lnTo>
-                    <a:pt x="15356" y="0"/>
-                  </a:lnTo>
-                  <a:lnTo>
-                    <a:pt x="0" y="0"/>
-                  </a:lnTo>
-                  <a:close/>
-                  <a:moveTo>
-                    <a:pt x="14748" y="8038"/>
-                  </a:moveTo>
-                  <a:lnTo>
-                    <a:pt x="600" y="8038"/>
-                  </a:lnTo>
-                  <a:lnTo>
-                    <a:pt x="600" y="592"/>
-                  </a:lnTo>
-                  <a:lnTo>
-                    <a:pt x="14748" y="592"/>
-                  </a:lnTo>
-                  <a:lnTo>
-                    <a:pt x="14748" y="8038"/>
-                  </a:lnTo>
-                  <a:close/>
-                </a:path>
-              </a:pathLst>
-            </a:custGeom>
-            <a:solidFill>
-              <a:schemeClr val="bg1"/>
-            </a:solidFill>
-            <a:ln>
-              <a:noFill/>
-            </a:ln>
-          </p:spPr>
-        </p:sp>
-      </p:grpSp>
-      <p:sp>
-        <p:nvSpPr>
-          <p:cNvPr id="17" name="Rectangle 16"/>
-          <p:cNvSpPr>
-            <a:spLocks noGrp="1" noRot="1" noChangeAspect="1" noMove="1" noResize="1" noEditPoints="1" noAdjustHandles="1" noChangeArrowheads="1" noChangeShapeType="1" noTextEdit="1"/>
-          </p:cNvSpPr>
-          <p:nvPr>
-            <p:extLst>
-              <p:ext uri="{386F3935-93C4-4BCD-93E2-E3B085C9AB24}">
-                <p16:designElem xmlns:p16="http://schemas.microsoft.com/office/powerpoint/2015/main" val="1"/>
-              </p:ext>
-            </p:extLst>
-          </p:nvPr>
-        </p:nvSpPr>
-        <p:spPr>
-          <a:xfrm>
-            <a:off x="10437812" y="0"/>
-            <a:ext cx="685800" cy="1143000"/>
-          </a:xfrm>
-          <a:prstGeom prst="rect">
-            <a:avLst/>
-          </a:prstGeom>
-          <a:solidFill>
-            <a:schemeClr val="accent1"/>
-          </a:solidFill>
-          <a:ln>
-            <a:noFill/>
-          </a:ln>
-        </p:spPr>
-        <p:style>
-          <a:lnRef idx="1">
-            <a:schemeClr val="accent1"/>
-          </a:lnRef>
-          <a:fillRef idx="3">
-            <a:schemeClr val="accent1"/>
-          </a:fillRef>
-          <a:effectRef idx="2">
-            <a:schemeClr val="accent1"/>
-          </a:effectRef>
-          <a:fontRef idx="minor">
-            <a:schemeClr val="lt1"/>
-          </a:fontRef>
-        </p:style>
-      </p:sp>
-      <p:sp>
-        <p:nvSpPr>
-          <p:cNvPr id="18" name="Rectangle 17"/>
-          <p:cNvSpPr>
-            <a:spLocks noGrp="1" noRot="1" noChangeAspect="1" noMove="1" noResize="1" noEditPoints="1" noAdjustHandles="1" noChangeArrowheads="1" noChangeShapeType="1" noTextEdit="1"/>
-          </p:cNvSpPr>
-          <p:nvPr>
-            <p:extLst>
-              <p:ext uri="{386F3935-93C4-4BCD-93E2-E3B085C9AB24}">
-                <p16:designElem xmlns:p16="http://schemas.microsoft.com/office/powerpoint/2015/main" val="1"/>
-              </p:ext>
-            </p:extLst>
-          </p:nvPr>
-        </p:nvSpPr>
-        <p:spPr>
-          <a:xfrm>
-            <a:off x="0" y="0"/>
-            <a:ext cx="12192000" cy="6858000"/>
-          </a:xfrm>
-          <a:prstGeom prst="rect">
-            <a:avLst/>
-          </a:prstGeom>
-          <a:blipFill>
-            <a:blip r:embed="rId2">
-              <a:duotone>
-                <a:schemeClr val="dk2">
-                  <a:shade val="69000"/>
-                  <a:hueMod val="108000"/>
-                  <a:satMod val="164000"/>
-                  <a:lumMod val="74000"/>
-                </a:schemeClr>
-                <a:schemeClr val="dk2">
-                  <a:tint val="96000"/>
-                  <a:hueMod val="88000"/>
-                  <a:satMod val="140000"/>
-                  <a:lumMod val="132000"/>
-                </a:schemeClr>
-              </a:duotone>
-            </a:blip>
-            <a:stretch>
-              <a:fillRect/>
-            </a:stretch>
-          </a:blipFill>
-          <a:ln>
-            <a:noFill/>
-          </a:ln>
-        </p:spPr>
-        <p:style>
-          <a:lnRef idx="2">
-            <a:schemeClr val="accent1">
-              <a:shade val="50000"/>
-            </a:schemeClr>
-          </a:lnRef>
-          <a:fillRef idx="1">
-            <a:schemeClr val="accent1"/>
-          </a:fillRef>
-          <a:effectRef idx="0">
-            <a:schemeClr val="accent1"/>
-          </a:effectRef>
-          <a:fontRef idx="minor">
-            <a:schemeClr val="lt1"/>
-          </a:fontRef>
-        </p:style>
-      </p:sp>
-      <p:sp>
-        <p:nvSpPr>
-          <p:cNvPr id="19" name="Oval 18"/>
-          <p:cNvSpPr>
-            <a:spLocks noGrp="1" noRot="1" noChangeAspect="1" noMove="1" noResize="1" noEditPoints="1" noAdjustHandles="1" noChangeArrowheads="1" noChangeShapeType="1" noTextEdit="1"/>
-          </p:cNvSpPr>
-          <p:nvPr>
-            <p:extLst>
-              <p:ext uri="{386F3935-93C4-4BCD-93E2-E3B085C9AB24}">
-                <p16:designElem xmlns:p16="http://schemas.microsoft.com/office/powerpoint/2015/main" val="1"/>
-              </p:ext>
-            </p:extLst>
-          </p:nvPr>
-        </p:nvSpPr>
-        <p:spPr>
-          <a:xfrm>
-            <a:off x="0" y="2667000"/>
-            <a:ext cx="4191000" cy="4191000"/>
-          </a:xfrm>
-          <a:prstGeom prst="ellipse">
-            <a:avLst/>
-          </a:prstGeom>
-          <a:gradFill flip="none" rotWithShape="1">
-            <a:gsLst>
-              <a:gs pos="0">
-                <a:schemeClr val="accent5">
-                  <a:alpha val="11000"/>
-                </a:schemeClr>
-              </a:gs>
-              <a:gs pos="75000">
-                <a:schemeClr val="accent5">
-                  <a:alpha val="0"/>
-                </a:schemeClr>
-              </a:gs>
-              <a:gs pos="36000">
-                <a:schemeClr val="accent5">
-                  <a:alpha val="10000"/>
-                </a:schemeClr>
-              </a:gs>
-            </a:gsLst>
-            <a:path path="circle">
-              <a:fillToRect l="50000" t="50000" r="50000" b="50000"/>
-            </a:path>
-            <a:tileRect/>
-          </a:gradFill>
-          <a:ln>
-            <a:noFill/>
-          </a:ln>
-          <a:effectLst/>
-        </p:spPr>
-        <p:style>
-          <a:lnRef idx="1">
-            <a:schemeClr val="accent1"/>
-          </a:lnRef>
-          <a:fillRef idx="3">
-            <a:schemeClr val="accent1"/>
-          </a:fillRef>
-          <a:effectRef idx="2">
-            <a:schemeClr val="accent1"/>
-          </a:effectRef>
-          <a:fontRef idx="minor">
-            <a:schemeClr val="lt1"/>
-          </a:fontRef>
-        </p:style>
-      </p:sp>
-      <p:sp>
-        <p:nvSpPr>
-          <p:cNvPr id="20" name="Oval 19"/>
-          <p:cNvSpPr>
-            <a:spLocks noGrp="1" noRot="1" noChangeAspect="1" noMove="1" noResize="1" noEditPoints="1" noAdjustHandles="1" noChangeArrowheads="1" noChangeShapeType="1" noTextEdit="1"/>
-          </p:cNvSpPr>
-          <p:nvPr>
-            <p:extLst>
-              <p:ext uri="{386F3935-93C4-4BCD-93E2-E3B085C9AB24}">
-                <p16:designElem xmlns:p16="http://schemas.microsoft.com/office/powerpoint/2015/main" val="1"/>
-              </p:ext>
-            </p:extLst>
-          </p:nvPr>
-        </p:nvSpPr>
-        <p:spPr>
-          <a:xfrm>
-            <a:off x="0" y="2895600"/>
-            <a:ext cx="2362200" cy="2362200"/>
-          </a:xfrm>
-          <a:prstGeom prst="ellipse">
-            <a:avLst/>
-          </a:prstGeom>
-          <a:gradFill flip="none" rotWithShape="1">
-            <a:gsLst>
-              <a:gs pos="0">
-                <a:schemeClr val="accent5">
-                  <a:alpha val="8000"/>
-                </a:schemeClr>
-              </a:gs>
-              <a:gs pos="72000">
-                <a:schemeClr val="accent5">
-                  <a:alpha val="0"/>
-                </a:schemeClr>
-              </a:gs>
-              <a:gs pos="36000">
-                <a:schemeClr val="accent5">
-                  <a:alpha val="8000"/>
-                </a:schemeClr>
-              </a:gs>
-            </a:gsLst>
-            <a:path path="circle">
-              <a:fillToRect l="50000" t="50000" r="50000" b="50000"/>
-            </a:path>
-            <a:tileRect/>
-          </a:gradFill>
-          <a:ln>
-            <a:noFill/>
-          </a:ln>
-          <a:effectLst/>
-        </p:spPr>
-        <p:style>
-          <a:lnRef idx="1">
-            <a:schemeClr val="accent1"/>
-          </a:lnRef>
-          <a:fillRef idx="3">
-            <a:schemeClr val="accent1"/>
-          </a:fillRef>
-          <a:effectRef idx="2">
-            <a:schemeClr val="accent1"/>
-          </a:effectRef>
-          <a:fontRef idx="minor">
-            <a:schemeClr val="lt1"/>
-          </a:fontRef>
-        </p:style>
-      </p:sp>
-      <p:sp>
-        <p:nvSpPr>
-          <p:cNvPr id="21" name="Freeform 18"/>
-          <p:cNvSpPr>
-            <a:spLocks noGrp="1" noRot="1" noChangeAspect="1" noMove="1" noResize="1" noEditPoints="1" noAdjustHandles="1" noChangeArrowheads="1" noChangeShapeType="1" noTextEdit="1"/>
-          </p:cNvSpPr>
-          <p:nvPr>
-            <p:extLst>
-              <p:ext uri="{386F3935-93C4-4BCD-93E2-E3B085C9AB24}">
-                <p16:designElem xmlns:p16="http://schemas.microsoft.com/office/powerpoint/2015/main" val="1"/>
-              </p:ext>
-            </p:extLst>
-          </p:nvPr>
-        </p:nvSpPr>
-        <p:spPr bwMode="gray">
-          <a:xfrm rot="10800000">
-            <a:off x="457200" y="794"/>
-            <a:ext cx="11277600" cy="4395812"/>
-          </a:xfrm>
-          <a:custGeom>
-            <a:avLst/>
-            <a:gdLst>
-              <a:gd name="connsiteX0" fmla="*/ 11277600 w 11277600"/>
-              <a:gd name="connsiteY0" fmla="*/ 4395812 h 4395812"/>
-              <a:gd name="connsiteX1" fmla="*/ 0 w 11277600"/>
-              <a:gd name="connsiteY1" fmla="*/ 4395812 h 4395812"/>
-              <a:gd name="connsiteX2" fmla="*/ 0 w 11277600"/>
-              <a:gd name="connsiteY2" fmla="*/ 0 h 4395812"/>
-              <a:gd name="connsiteX3" fmla="*/ 66675 w 11277600"/>
-              <a:gd name="connsiteY3" fmla="*/ 9525 h 4395812"/>
-              <a:gd name="connsiteX4" fmla="*/ 261938 w 11277600"/>
-              <a:gd name="connsiteY4" fmla="*/ 36513 h 4395812"/>
-              <a:gd name="connsiteX5" fmla="*/ 403225 w 11277600"/>
-              <a:gd name="connsiteY5" fmla="*/ 55563 h 4395812"/>
-              <a:gd name="connsiteX6" fmla="*/ 573088 w 11277600"/>
-              <a:gd name="connsiteY6" fmla="*/ 76200 h 4395812"/>
-              <a:gd name="connsiteX7" fmla="*/ 773112 w 11277600"/>
-              <a:gd name="connsiteY7" fmla="*/ 100013 h 4395812"/>
-              <a:gd name="connsiteX8" fmla="*/ 995362 w 11277600"/>
-              <a:gd name="connsiteY8" fmla="*/ 125413 h 4395812"/>
-              <a:gd name="connsiteX9" fmla="*/ 1246188 w 11277600"/>
-              <a:gd name="connsiteY9" fmla="*/ 152400 h 4395812"/>
-              <a:gd name="connsiteX10" fmla="*/ 1519238 w 11277600"/>
-              <a:gd name="connsiteY10" fmla="*/ 180975 h 4395812"/>
-              <a:gd name="connsiteX11" fmla="*/ 1816100 w 11277600"/>
-              <a:gd name="connsiteY11" fmla="*/ 209550 h 4395812"/>
-              <a:gd name="connsiteX12" fmla="*/ 2132012 w 11277600"/>
-              <a:gd name="connsiteY12" fmla="*/ 238125 h 4395812"/>
-              <a:gd name="connsiteX13" fmla="*/ 2471738 w 11277600"/>
-              <a:gd name="connsiteY13" fmla="*/ 265113 h 4395812"/>
-              <a:gd name="connsiteX14" fmla="*/ 2828925 w 11277600"/>
-              <a:gd name="connsiteY14" fmla="*/ 290513 h 4395812"/>
-              <a:gd name="connsiteX15" fmla="*/ 3205162 w 11277600"/>
-              <a:gd name="connsiteY15" fmla="*/ 314325 h 4395812"/>
-              <a:gd name="connsiteX16" fmla="*/ 3597275 w 11277600"/>
-              <a:gd name="connsiteY16" fmla="*/ 336550 h 4395812"/>
-              <a:gd name="connsiteX17" fmla="*/ 4006850 w 11277600"/>
-              <a:gd name="connsiteY17" fmla="*/ 357188 h 4395812"/>
-              <a:gd name="connsiteX18" fmla="*/ 4216400 w 11277600"/>
-              <a:gd name="connsiteY18" fmla="*/ 365125 h 4395812"/>
-              <a:gd name="connsiteX19" fmla="*/ 4430713 w 11277600"/>
-              <a:gd name="connsiteY19" fmla="*/ 373063 h 4395812"/>
-              <a:gd name="connsiteX20" fmla="*/ 4648200 w 11277600"/>
-              <a:gd name="connsiteY20" fmla="*/ 381000 h 4395812"/>
-              <a:gd name="connsiteX21" fmla="*/ 4867275 w 11277600"/>
-              <a:gd name="connsiteY21" fmla="*/ 385763 h 4395812"/>
-              <a:gd name="connsiteX22" fmla="*/ 5091113 w 11277600"/>
-              <a:gd name="connsiteY22" fmla="*/ 390525 h 4395812"/>
-              <a:gd name="connsiteX23" fmla="*/ 5316538 w 11277600"/>
-              <a:gd name="connsiteY23" fmla="*/ 395288 h 4395812"/>
-              <a:gd name="connsiteX24" fmla="*/ 5546725 w 11277600"/>
-              <a:gd name="connsiteY24" fmla="*/ 398463 h 4395812"/>
-              <a:gd name="connsiteX25" fmla="*/ 5778500 w 11277600"/>
-              <a:gd name="connsiteY25" fmla="*/ 398463 h 4395812"/>
-              <a:gd name="connsiteX26" fmla="*/ 6013450 w 11277600"/>
-              <a:gd name="connsiteY26" fmla="*/ 400050 h 4395812"/>
-              <a:gd name="connsiteX27" fmla="*/ 6249988 w 11277600"/>
-              <a:gd name="connsiteY27" fmla="*/ 398463 h 4395812"/>
-              <a:gd name="connsiteX28" fmla="*/ 6489700 w 11277600"/>
-              <a:gd name="connsiteY28" fmla="*/ 395288 h 4395812"/>
-              <a:gd name="connsiteX29" fmla="*/ 6731000 w 11277600"/>
-              <a:gd name="connsiteY29" fmla="*/ 392113 h 4395812"/>
-              <a:gd name="connsiteX30" fmla="*/ 6973888 w 11277600"/>
-              <a:gd name="connsiteY30" fmla="*/ 385763 h 4395812"/>
-              <a:gd name="connsiteX31" fmla="*/ 7219950 w 11277600"/>
-              <a:gd name="connsiteY31" fmla="*/ 379413 h 4395812"/>
-              <a:gd name="connsiteX32" fmla="*/ 7466013 w 11277600"/>
-              <a:gd name="connsiteY32" fmla="*/ 371475 h 4395812"/>
-              <a:gd name="connsiteX33" fmla="*/ 7713662 w 11277600"/>
-              <a:gd name="connsiteY33" fmla="*/ 360363 h 4395812"/>
-              <a:gd name="connsiteX34" fmla="*/ 7964487 w 11277600"/>
-              <a:gd name="connsiteY34" fmla="*/ 347663 h 4395812"/>
-              <a:gd name="connsiteX35" fmla="*/ 8215312 w 11277600"/>
-              <a:gd name="connsiteY35" fmla="*/ 334963 h 4395812"/>
-              <a:gd name="connsiteX36" fmla="*/ 8467725 w 11277600"/>
-              <a:gd name="connsiteY36" fmla="*/ 319088 h 4395812"/>
-              <a:gd name="connsiteX37" fmla="*/ 8721725 w 11277600"/>
-              <a:gd name="connsiteY37" fmla="*/ 300038 h 4395812"/>
-              <a:gd name="connsiteX38" fmla="*/ 8974138 w 11277600"/>
-              <a:gd name="connsiteY38" fmla="*/ 280988 h 4395812"/>
-              <a:gd name="connsiteX39" fmla="*/ 9229725 w 11277600"/>
-              <a:gd name="connsiteY39" fmla="*/ 258763 h 4395812"/>
-              <a:gd name="connsiteX40" fmla="*/ 9486900 w 11277600"/>
-              <a:gd name="connsiteY40" fmla="*/ 234950 h 4395812"/>
-              <a:gd name="connsiteX41" fmla="*/ 9740900 w 11277600"/>
-              <a:gd name="connsiteY41" fmla="*/ 209550 h 4395812"/>
-              <a:gd name="connsiteX42" fmla="*/ 9998075 w 11277600"/>
-              <a:gd name="connsiteY42" fmla="*/ 179388 h 4395812"/>
-              <a:gd name="connsiteX43" fmla="*/ 10253662 w 11277600"/>
-              <a:gd name="connsiteY43" fmla="*/ 147638 h 4395812"/>
-              <a:gd name="connsiteX44" fmla="*/ 10510838 w 11277600"/>
-              <a:gd name="connsiteY44" fmla="*/ 115888 h 4395812"/>
-              <a:gd name="connsiteX45" fmla="*/ 10766425 w 11277600"/>
-              <a:gd name="connsiteY45" fmla="*/ 79375 h 4395812"/>
-              <a:gd name="connsiteX46" fmla="*/ 11022012 w 11277600"/>
-              <a:gd name="connsiteY46" fmla="*/ 41275 h 4395812"/>
-              <a:gd name="connsiteX47" fmla="*/ 11277600 w 11277600"/>
-              <a:gd name="connsiteY47" fmla="*/ 1588 h 4395812"/>
-            </a:gdLst>
-            <a:ahLst/>
-            <a:cxnLst>
-              <a:cxn ang="0">
-                <a:pos x="connsiteX0" y="connsiteY0"/>
-              </a:cxn>
-              <a:cxn ang="0">
-                <a:pos x="connsiteX1" y="connsiteY1"/>
-              </a:cxn>
-              <a:cxn ang="0">
-                <a:pos x="connsiteX2" y="connsiteY2"/>
-              </a:cxn>
-              <a:cxn ang="0">
-                <a:pos x="connsiteX3" y="connsiteY3"/>
-              </a:cxn>
-              <a:cxn ang="0">
-                <a:pos x="connsiteX4" y="connsiteY4"/>
-              </a:cxn>
-              <a:cxn ang="0">
-                <a:pos x="connsiteX5" y="connsiteY5"/>
-              </a:cxn>
-              <a:cxn ang="0">
-                <a:pos x="connsiteX6" y="connsiteY6"/>
-              </a:cxn>
-              <a:cxn ang="0">
-                <a:pos x="connsiteX7" y="connsiteY7"/>
-              </a:cxn>
-              <a:cxn ang="0">
-                <a:pos x="connsiteX8" y="connsiteY8"/>
-              </a:cxn>
-              <a:cxn ang="0">
-                <a:pos x="connsiteX9" y="connsiteY9"/>
-              </a:cxn>
-              <a:cxn ang="0">
-                <a:pos x="connsiteX10" y="connsiteY10"/>
-              </a:cxn>
-              <a:cxn ang="0">
-                <a:pos x="connsiteX11" y="connsiteY11"/>
-              </a:cxn>
-              <a:cxn ang="0">
-                <a:pos x="connsiteX12" y="connsiteY12"/>
-              </a:cxn>
-              <a:cxn ang="0">
-                <a:pos x="connsiteX13" y="connsiteY13"/>
-              </a:cxn>
-              <a:cxn ang="0">
-                <a:pos x="connsiteX14" y="connsiteY14"/>
-              </a:cxn>
-              <a:cxn ang="0">
-                <a:pos x="connsiteX15" y="connsiteY15"/>
-              </a:cxn>
-              <a:cxn ang="0">
-                <a:pos x="connsiteX16" y="connsiteY16"/>
-              </a:cxn>
-              <a:cxn ang="0">
-                <a:pos x="connsiteX17" y="connsiteY17"/>
-              </a:cxn>
-              <a:cxn ang="0">
-                <a:pos x="connsiteX18" y="connsiteY18"/>
-              </a:cxn>
-              <a:cxn ang="0">
-                <a:pos x="connsiteX19" y="connsiteY19"/>
-              </a:cxn>
-              <a:cxn ang="0">
-                <a:pos x="connsiteX20" y="connsiteY20"/>
-              </a:cxn>
-              <a:cxn ang="0">
-                <a:pos x="connsiteX21" y="connsiteY21"/>
-              </a:cxn>
-              <a:cxn ang="0">
-                <a:pos x="connsiteX22" y="connsiteY22"/>
-              </a:cxn>
-              <a:cxn ang="0">
-                <a:pos x="connsiteX23" y="connsiteY23"/>
-              </a:cxn>
-              <a:cxn ang="0">
-                <a:pos x="connsiteX24" y="connsiteY24"/>
-              </a:cxn>
-              <a:cxn ang="0">
-                <a:pos x="connsiteX25" y="connsiteY25"/>
-              </a:cxn>
-              <a:cxn ang="0">
-                <a:pos x="connsiteX26" y="connsiteY26"/>
-              </a:cxn>
-              <a:cxn ang="0">
-                <a:pos x="connsiteX27" y="connsiteY27"/>
-              </a:cxn>
-              <a:cxn ang="0">
-                <a:pos x="connsiteX28" y="connsiteY28"/>
-              </a:cxn>
-              <a:cxn ang="0">
-                <a:pos x="connsiteX29" y="connsiteY29"/>
-              </a:cxn>
-              <a:cxn ang="0">
-                <a:pos x="connsiteX30" y="connsiteY30"/>
-              </a:cxn>
-              <a:cxn ang="0">
-                <a:pos x="connsiteX31" y="connsiteY31"/>
-              </a:cxn>
-              <a:cxn ang="0">
-                <a:pos x="connsiteX32" y="connsiteY32"/>
-              </a:cxn>
-              <a:cxn ang="0">
-                <a:pos x="connsiteX33" y="connsiteY33"/>
-              </a:cxn>
-              <a:cxn ang="0">
-                <a:pos x="connsiteX34" y="connsiteY34"/>
-              </a:cxn>
-              <a:cxn ang="0">
-                <a:pos x="connsiteX35" y="connsiteY35"/>
-              </a:cxn>
-              <a:cxn ang="0">
-                <a:pos x="connsiteX36" y="connsiteY36"/>
-              </a:cxn>
-              <a:cxn ang="0">
-                <a:pos x="connsiteX37" y="connsiteY37"/>
-              </a:cxn>
-              <a:cxn ang="0">
-                <a:pos x="connsiteX38" y="connsiteY38"/>
-              </a:cxn>
-              <a:cxn ang="0">
-                <a:pos x="connsiteX39" y="connsiteY39"/>
-              </a:cxn>
-              <a:cxn ang="0">
-                <a:pos x="connsiteX40" y="connsiteY40"/>
-              </a:cxn>
-              <a:cxn ang="0">
-                <a:pos x="connsiteX41" y="connsiteY41"/>
-              </a:cxn>
-              <a:cxn ang="0">
-                <a:pos x="connsiteX42" y="connsiteY42"/>
-              </a:cxn>
-              <a:cxn ang="0">
-                <a:pos x="connsiteX43" y="connsiteY43"/>
-              </a:cxn>
-              <a:cxn ang="0">
-                <a:pos x="connsiteX44" y="connsiteY44"/>
-              </a:cxn>
-              <a:cxn ang="0">
-                <a:pos x="connsiteX45" y="connsiteY45"/>
-              </a:cxn>
-              <a:cxn ang="0">
-                <a:pos x="connsiteX46" y="connsiteY46"/>
-              </a:cxn>
-              <a:cxn ang="0">
-                <a:pos x="connsiteX47" y="connsiteY47"/>
-              </a:cxn>
-            </a:cxnLst>
-            <a:rect l="l" t="t" r="r" b="b"/>
-            <a:pathLst>
-              <a:path w="11277600" h="4395812">
-                <a:moveTo>
-                  <a:pt x="11277600" y="4395812"/>
-                </a:moveTo>
-                <a:lnTo>
-                  <a:pt x="0" y="4395812"/>
-                </a:lnTo>
-                <a:lnTo>
-                  <a:pt x="0" y="0"/>
-                </a:lnTo>
-                <a:lnTo>
-                  <a:pt x="66675" y="9525"/>
-                </a:lnTo>
-                <a:lnTo>
-                  <a:pt x="261938" y="36513"/>
-                </a:lnTo>
-                <a:lnTo>
-                  <a:pt x="403225" y="55563"/>
-                </a:lnTo>
-                <a:lnTo>
-                  <a:pt x="573088" y="76200"/>
-                </a:lnTo>
-                <a:lnTo>
-                  <a:pt x="773112" y="100013"/>
-                </a:lnTo>
-                <a:lnTo>
-                  <a:pt x="995362" y="125413"/>
-                </a:lnTo>
-                <a:lnTo>
-                  <a:pt x="1246188" y="152400"/>
-                </a:lnTo>
-                <a:lnTo>
-                  <a:pt x="1519238" y="180975"/>
-                </a:lnTo>
-                <a:lnTo>
-                  <a:pt x="1816100" y="209550"/>
-                </a:lnTo>
-                <a:lnTo>
-                  <a:pt x="2132012" y="238125"/>
-                </a:lnTo>
-                <a:lnTo>
-                  <a:pt x="2471738" y="265113"/>
-                </a:lnTo>
-                <a:lnTo>
-                  <a:pt x="2828925" y="290513"/>
-                </a:lnTo>
-                <a:lnTo>
-                  <a:pt x="3205162" y="314325"/>
-                </a:lnTo>
-                <a:lnTo>
-                  <a:pt x="3597275" y="336550"/>
-                </a:lnTo>
-                <a:lnTo>
-                  <a:pt x="4006850" y="357188"/>
-                </a:lnTo>
-                <a:lnTo>
-                  <a:pt x="4216400" y="365125"/>
-                </a:lnTo>
-                <a:lnTo>
-                  <a:pt x="4430713" y="373063"/>
-                </a:lnTo>
-                <a:lnTo>
-                  <a:pt x="4648200" y="381000"/>
-                </a:lnTo>
-                <a:lnTo>
-                  <a:pt x="4867275" y="385763"/>
-                </a:lnTo>
-                <a:lnTo>
-                  <a:pt x="5091113" y="390525"/>
-                </a:lnTo>
-                <a:lnTo>
-                  <a:pt x="5316538" y="395288"/>
-                </a:lnTo>
-                <a:lnTo>
-                  <a:pt x="5546725" y="398463"/>
-                </a:lnTo>
-                <a:lnTo>
-                  <a:pt x="5778500" y="398463"/>
-                </a:lnTo>
-                <a:lnTo>
-                  <a:pt x="6013450" y="400050"/>
-                </a:lnTo>
-                <a:lnTo>
-                  <a:pt x="6249988" y="398463"/>
-                </a:lnTo>
-                <a:lnTo>
-                  <a:pt x="6489700" y="395288"/>
-                </a:lnTo>
-                <a:lnTo>
-                  <a:pt x="6731000" y="392113"/>
-                </a:lnTo>
-                <a:lnTo>
-                  <a:pt x="6973888" y="385763"/>
-                </a:lnTo>
-                <a:lnTo>
-                  <a:pt x="7219950" y="379413"/>
-                </a:lnTo>
-                <a:lnTo>
-                  <a:pt x="7466013" y="371475"/>
-                </a:lnTo>
-                <a:lnTo>
-                  <a:pt x="7713662" y="360363"/>
-                </a:lnTo>
-                <a:lnTo>
-                  <a:pt x="7964487" y="347663"/>
-                </a:lnTo>
-                <a:lnTo>
-                  <a:pt x="8215312" y="334963"/>
-                </a:lnTo>
-                <a:lnTo>
-                  <a:pt x="8467725" y="319088"/>
-                </a:lnTo>
-                <a:lnTo>
-                  <a:pt x="8721725" y="300038"/>
-                </a:lnTo>
-                <a:lnTo>
-                  <a:pt x="8974138" y="280988"/>
-                </a:lnTo>
-                <a:lnTo>
-                  <a:pt x="9229725" y="258763"/>
-                </a:lnTo>
-                <a:lnTo>
-                  <a:pt x="9486900" y="234950"/>
-                </a:lnTo>
-                <a:lnTo>
-                  <a:pt x="9740900" y="209550"/>
-                </a:lnTo>
-                <a:lnTo>
-                  <a:pt x="9998075" y="179388"/>
-                </a:lnTo>
-                <a:lnTo>
-                  <a:pt x="10253662" y="147638"/>
-                </a:lnTo>
-                <a:lnTo>
-                  <a:pt x="10510838" y="115888"/>
-                </a:lnTo>
-                <a:lnTo>
-                  <a:pt x="10766425" y="79375"/>
-                </a:lnTo>
-                <a:lnTo>
-                  <a:pt x="11022012" y="41275"/>
-                </a:lnTo>
-                <a:lnTo>
-                  <a:pt x="11277600" y="1588"/>
-                </a:lnTo>
-                <a:close/>
-              </a:path>
-            </a:pathLst>
-          </a:custGeom>
-          <a:solidFill>
-            <a:schemeClr val="bg1"/>
-          </a:solidFill>
-          <a:ln>
-            <a:noFill/>
-          </a:ln>
-        </p:spPr>
-      </p:sp>
-      <p:sp>
-        <p:nvSpPr>
-          <p:cNvPr id="22" name="Freeform 5"/>
-          <p:cNvSpPr>
-            <a:spLocks noGrp="1" noRot="1" noChangeAspect="1" noMove="1" noResize="1" noEditPoints="1" noAdjustHandles="1" noChangeArrowheads="1" noChangeShapeType="1" noTextEdit="1"/>
-          </p:cNvSpPr>
-          <p:nvPr>
-            <p:extLst>
-              <p:ext uri="{386F3935-93C4-4BCD-93E2-E3B085C9AB24}">
-                <p16:designElem xmlns:p16="http://schemas.microsoft.com/office/powerpoint/2015/main" val="1"/>
-              </p:ext>
-            </p:extLst>
-          </p:nvPr>
-        </p:nvSpPr>
-        <p:spPr bwMode="gray">
-          <a:xfrm rot="10371525">
-            <a:off x="263767" y="3979830"/>
-            <a:ext cx="3299407" cy="440924"/>
-          </a:xfrm>
-          <a:custGeom>
-            <a:avLst/>
-            <a:gdLst/>
-            <a:ahLst/>
-            <a:cxnLst/>
-            <a:rect l="l" t="t" r="r" b="b"/>
-            <a:pathLst>
-              <a:path w="10000" h="5291">
-                <a:moveTo>
-                  <a:pt x="85" y="2532"/>
-                </a:moveTo>
-                <a:cubicBezTo>
-                  <a:pt x="1736" y="3911"/>
-                  <a:pt x="7524" y="5298"/>
-                  <a:pt x="9958" y="5291"/>
-                </a:cubicBezTo>
-                <a:cubicBezTo>
-                  <a:pt x="9989" y="1958"/>
-                  <a:pt x="9969" y="3333"/>
-                  <a:pt x="10000" y="0"/>
-                </a:cubicBezTo>
-                <a:lnTo>
-                  <a:pt x="10000" y="0"/>
-                </a:lnTo>
-                <a:lnTo>
-                  <a:pt x="9667" y="204"/>
-                </a:lnTo>
-                <a:lnTo>
-                  <a:pt x="9334" y="400"/>
-                </a:lnTo>
-                <a:lnTo>
-                  <a:pt x="9001" y="590"/>
-                </a:lnTo>
-                <a:lnTo>
-                  <a:pt x="8667" y="753"/>
-                </a:lnTo>
-                <a:lnTo>
-                  <a:pt x="8333" y="917"/>
-                </a:lnTo>
-                <a:lnTo>
-                  <a:pt x="7999" y="1071"/>
-                </a:lnTo>
-                <a:lnTo>
-                  <a:pt x="7669" y="1202"/>
-                </a:lnTo>
-                <a:lnTo>
-                  <a:pt x="7333" y="1325"/>
-                </a:lnTo>
-                <a:lnTo>
-                  <a:pt x="7000" y="1440"/>
-                </a:lnTo>
-                <a:lnTo>
-                  <a:pt x="6673" y="1538"/>
-                </a:lnTo>
-                <a:lnTo>
-                  <a:pt x="6340" y="1636"/>
-                </a:lnTo>
-                <a:lnTo>
-                  <a:pt x="6013" y="1719"/>
-                </a:lnTo>
-                <a:lnTo>
-                  <a:pt x="5686" y="1784"/>
-                </a:lnTo>
-                <a:lnTo>
-                  <a:pt x="5359" y="1850"/>
-                </a:lnTo>
-                <a:lnTo>
-                  <a:pt x="5036" y="1906"/>
-                </a:lnTo>
-                <a:lnTo>
-                  <a:pt x="4717" y="1948"/>
-                </a:lnTo>
-                <a:lnTo>
-                  <a:pt x="4396" y="1980"/>
-                </a:lnTo>
-                <a:lnTo>
-                  <a:pt x="4079" y="2013"/>
-                </a:lnTo>
-                <a:lnTo>
-                  <a:pt x="3766" y="2029"/>
-                </a:lnTo>
-                <a:lnTo>
-                  <a:pt x="3454" y="2046"/>
-                </a:lnTo>
-                <a:lnTo>
-                  <a:pt x="3145" y="2053"/>
-                </a:lnTo>
-                <a:lnTo>
-                  <a:pt x="2839" y="2046"/>
-                </a:lnTo>
-                <a:lnTo>
-                  <a:pt x="2537" y="2046"/>
-                </a:lnTo>
-                <a:lnTo>
-                  <a:pt x="2238" y="2029"/>
-                </a:lnTo>
-                <a:lnTo>
-                  <a:pt x="1943" y="2004"/>
-                </a:lnTo>
-                <a:lnTo>
-                  <a:pt x="1653" y="1980"/>
-                </a:lnTo>
-                <a:lnTo>
-                  <a:pt x="1368" y="1955"/>
-                </a:lnTo>
-                <a:lnTo>
-                  <a:pt x="1085" y="1915"/>
-                </a:lnTo>
-                <a:lnTo>
-                  <a:pt x="806" y="1873"/>
-                </a:lnTo>
-                <a:lnTo>
-                  <a:pt x="533" y="1833"/>
-                </a:lnTo>
-                <a:lnTo>
-                  <a:pt x="0" y="1726"/>
-                </a:lnTo>
-                <a:cubicBezTo>
-                  <a:pt x="28" y="1995"/>
-                  <a:pt x="57" y="2263"/>
-                  <a:pt x="85" y="2532"/>
-                </a:cubicBezTo>
-                <a:close/>
-              </a:path>
-            </a:pathLst>
-          </a:custGeom>
-          <a:solidFill>
-            <a:schemeClr val="bg1">
-              <a:alpha val="20000"/>
-            </a:schemeClr>
-          </a:solidFill>
-          <a:ln>
-            <a:noFill/>
-          </a:ln>
-        </p:spPr>
-      </p:sp>
-      <p:sp>
-        <p:nvSpPr>
-          <p:cNvPr id="23" name="Freeform 5"/>
-          <p:cNvSpPr>
-            <a:spLocks noGrp="1" noRot="1" noChangeAspect="1" noMove="1" noResize="1" noEditPoints="1" noAdjustHandles="1" noChangeArrowheads="1" noChangeShapeType="1" noTextEdit="1"/>
-          </p:cNvSpPr>
-          <p:nvPr>
-            <p:extLst>
-              <p:ext uri="{386F3935-93C4-4BCD-93E2-E3B085C9AB24}">
-                <p16:designElem xmlns:p16="http://schemas.microsoft.com/office/powerpoint/2015/main" val="1"/>
-              </p:ext>
-            </p:extLst>
-          </p:nvPr>
-        </p:nvSpPr>
-        <p:spPr bwMode="gray">
-          <a:xfrm>
-            <a:off x="0" y="1587"/>
-            <a:ext cx="12192000" cy="6856413"/>
-          </a:xfrm>
-          <a:custGeom>
-            <a:avLst/>
-            <a:gdLst/>
-            <a:ahLst/>
-            <a:cxnLst/>
-            <a:rect l="0" t="0" r="r" b="b"/>
-            <a:pathLst>
-              <a:path w="15356" h="8638">
-                <a:moveTo>
-                  <a:pt x="0" y="0"/>
-                </a:moveTo>
-                <a:lnTo>
-                  <a:pt x="0" y="8638"/>
-                </a:lnTo>
-                <a:lnTo>
-                  <a:pt x="15356" y="8638"/>
-                </a:lnTo>
-                <a:lnTo>
-                  <a:pt x="15356" y="0"/>
-                </a:lnTo>
-                <a:lnTo>
-                  <a:pt x="0" y="0"/>
-                </a:lnTo>
-                <a:close/>
-                <a:moveTo>
-                  <a:pt x="14748" y="8038"/>
-                </a:moveTo>
-                <a:lnTo>
-                  <a:pt x="600" y="8038"/>
-                </a:lnTo>
-                <a:lnTo>
-                  <a:pt x="600" y="592"/>
-                </a:lnTo>
-                <a:lnTo>
-                  <a:pt x="14748" y="592"/>
-                </a:lnTo>
-                <a:lnTo>
-                  <a:pt x="14748" y="8038"/>
-                </a:lnTo>
-                <a:close/>
-              </a:path>
-            </a:pathLst>
-          </a:custGeom>
-          <a:solidFill>
-            <a:schemeClr val="bg1"/>
-          </a:solidFill>
-          <a:ln>
-            <a:noFill/>
-          </a:ln>
-        </p:spPr>
-      </p:sp>
-      <p:sp>
-        <p:nvSpPr>
-          <p:cNvPr id="24" name="Rectangle 23"/>
-          <p:cNvSpPr>
-            <a:spLocks noGrp="1" noRot="1" noChangeAspect="1" noMove="1" noResize="1" noEditPoints="1" noAdjustHandles="1" noChangeArrowheads="1" noChangeShapeType="1" noTextEdit="1"/>
-          </p:cNvSpPr>
-          <p:nvPr>
-            <p:extLst>
-              <p:ext uri="{386F3935-93C4-4BCD-93E2-E3B085C9AB24}">
-                <p16:designElem xmlns:p16="http://schemas.microsoft.com/office/powerpoint/2015/main" val="1"/>
-              </p:ext>
-            </p:extLst>
-          </p:nvPr>
-        </p:nvSpPr>
-        <p:spPr>
-          <a:xfrm>
-            <a:off x="10437812" y="0"/>
-            <a:ext cx="685800" cy="1143000"/>
-          </a:xfrm>
-          <a:prstGeom prst="rect">
-            <a:avLst/>
-          </a:prstGeom>
-          <a:solidFill>
-            <a:schemeClr val="accent1"/>
-          </a:solidFill>
-          <a:ln>
-            <a:noFill/>
-          </a:ln>
-        </p:spPr>
-        <p:style>
-          <a:lnRef idx="1">
-            <a:schemeClr val="accent1"/>
-          </a:lnRef>
-          <a:fillRef idx="3">
-            <a:schemeClr val="accent1"/>
-          </a:fillRef>
-          <a:effectRef idx="2">
-            <a:schemeClr val="accent1"/>
-          </a:effectRef>
-          <a:fontRef idx="minor">
-            <a:schemeClr val="lt1"/>
-          </a:fontRef>
-        </p:style>
-      </p:sp>
-      <p:pic>
-        <p:nvPicPr>
-          <p:cNvPr id="4" name="Picture 3"/>
-          <p:cNvPicPr>
-            <a:picLocks noChangeAspect="1"/>
-          </p:cNvPicPr>
-          <p:nvPr/>
-        </p:nvPicPr>
-        <p:blipFill>
-          <a:blip r:embed="rId3"/>
-          <a:stretch>
-            <a:fillRect/>
-          </a:stretch>
-        </p:blipFill>
-        <p:spPr>
-          <a:xfrm>
-            <a:off x="1674621" y="1218454"/>
-            <a:ext cx="8678670" cy="2132472"/>
-          </a:xfrm>
-          <a:prstGeom prst="roundRect">
-            <a:avLst>
-              <a:gd name="adj" fmla="val 1858"/>
-            </a:avLst>
-          </a:prstGeom>
-          <a:effectLst/>
-        </p:spPr>
-      </p:pic>
-      <p:sp>
-        <p:nvSpPr>
-          <p:cNvPr id="2" name="Title 1"/>
-          <p:cNvSpPr>
-            <a:spLocks noGrp="1"/>
-          </p:cNvSpPr>
-          <p:nvPr>
-            <p:ph type="title"/>
-          </p:nvPr>
-        </p:nvSpPr>
-        <p:spPr>
-          <a:xfrm>
-            <a:off x="649976" y="4174067"/>
-            <a:ext cx="10893094" cy="1481440"/>
-          </a:xfrm>
-        </p:spPr>
-        <p:txBody>
-          <a:bodyPr vert="horz" lIns="91440" tIns="45720" rIns="91440" bIns="45720" rtlCol="0" anchor="b">
-            <a:normAutofit/>
-          </a:bodyPr>
-          <a:lstStyle/>
-          <a:p>
-            <a:pPr algn="ctr"/>
-            <a:r>
-              <a:rPr lang="en-US" sz="7200"/>
-              <a:t>Callback Hell Example</a:t>
-            </a:r>
-          </a:p>
-        </p:txBody>
-      </p:sp>
-    </p:spTree>
-    <p:extLst>
-      <p:ext uri="{BB962C8B-B14F-4D97-AF65-F5344CB8AC3E}">
-        <p14:creationId xmlns:p14="http://schemas.microsoft.com/office/powerpoint/2010/main" val="2153682624"/>
-      </p:ext>
-    </p:extLst>
-  </p:cSld>
-  <p:clrMapOvr>
-    <a:masterClrMapping/>
-  </p:clrMapOvr>
-</p:sld>
-</file>
-
-<file path=ppt/slides/slide7.xml><?xml version="1.0" encoding="utf-8"?>
-<p:sld xmlns:a="http://schemas.openxmlformats.org/drawingml/2006/main" xmlns:r="http://schemas.openxmlformats.org/officeDocument/2006/relationships" xmlns:p="http://schemas.openxmlformats.org/presentationml/2006/main">
-  <p:cSld>
-    <p:spTree>
-      <p:nvGrpSpPr>
-        <p:cNvPr id="1" name=""/>
-        <p:cNvGrpSpPr/>
-        <p:nvPr/>
-      </p:nvGrpSpPr>
-      <p:grpSpPr>
-        <a:xfrm>
-          <a:off x="0" y="0"/>
-          <a:ext cx="0" cy="0"/>
-          <a:chOff x="0" y="0"/>
-          <a:chExt cx="0" cy="0"/>
-        </a:xfrm>
-      </p:grpSpPr>
-      <p:sp>
-        <p:nvSpPr>
-          <p:cNvPr id="8" name="Rectangle 7"/>
-          <p:cNvSpPr>
-            <a:spLocks noGrp="1" noRot="1" noChangeAspect="1" noMove="1" noResize="1" noEditPoints="1" noAdjustHandles="1" noChangeArrowheads="1" noChangeShapeType="1" noTextEdit="1"/>
-          </p:cNvSpPr>
-          <p:nvPr>
-            <p:extLst>
-              <p:ext uri="{386F3935-93C4-4BCD-93E2-E3B085C9AB24}">
-                <p16:designElem xmlns:p16="http://schemas.microsoft.com/office/powerpoint/2015/main" val="1"/>
-              </p:ext>
-            </p:extLst>
-          </p:nvPr>
-        </p:nvSpPr>
-        <p:spPr bwMode="white">
-          <a:xfrm>
-            <a:off x="0" y="0"/>
-            <a:ext cx="12192000" cy="6858000"/>
-          </a:xfrm>
-          <a:prstGeom prst="rect">
-            <a:avLst/>
-          </a:prstGeom>
-          <a:solidFill>
-            <a:schemeClr val="bg1"/>
-          </a:solidFill>
-          <a:ln>
-            <a:noFill/>
-          </a:ln>
-          <a:effectLst/>
-        </p:spPr>
-      </p:sp>
-      <p:grpSp>
-        <p:nvGrpSpPr>
-          <p:cNvPr id="9" name="Group 8"/>
-          <p:cNvGrpSpPr>
-            <a:grpSpLocks noGrp="1" noUngrp="1" noRot="1" noChangeAspect="1" noMove="1" noResize="1"/>
-          </p:cNvGrpSpPr>
-          <p:nvPr>
-            <p:extLst>
-              <p:ext uri="{386F3935-93C4-4BCD-93E2-E3B085C9AB24}">
-                <p16:designElem xmlns:p16="http://schemas.microsoft.com/office/powerpoint/2015/main" val="1"/>
-              </p:ext>
-            </p:extLst>
-          </p:nvPr>
-        </p:nvGrpSpPr>
-        <p:grpSpPr>
-          <a:xfrm>
-            <a:off x="0" y="-2373"/>
-            <a:ext cx="12192000" cy="6867027"/>
-            <a:chOff x="0" y="-2373"/>
-            <a:chExt cx="12192000" cy="6867027"/>
-          </a:xfrm>
-        </p:grpSpPr>
-        <p:sp>
-          <p:nvSpPr>
-            <p:cNvPr id="10" name="Rectangle 9"/>
-            <p:cNvSpPr/>
-            <p:nvPr>
-              <p:extLst>
-                <p:ext uri="{386F3935-93C4-4BCD-93E2-E3B085C9AB24}">
-                  <p16:designElem xmlns:p16="http://schemas.microsoft.com/office/powerpoint/2015/main" val="1"/>
-                </p:ext>
-              </p:extLst>
-            </p:nvPr>
-          </p:nvSpPr>
-          <p:spPr>
-            <a:xfrm>
-              <a:off x="0" y="0"/>
-              <a:ext cx="12192000" cy="6858000"/>
-            </a:xfrm>
-            <a:prstGeom prst="rect">
-              <a:avLst/>
-            </a:prstGeom>
-            <a:blipFill>
-              <a:blip r:embed="rId2">
-                <a:duotone>
-                  <a:schemeClr val="dk2">
-                    <a:shade val="62000"/>
-                    <a:hueMod val="108000"/>
-                    <a:satMod val="164000"/>
-                    <a:lumMod val="69000"/>
-                  </a:schemeClr>
-                  <a:schemeClr val="dk2">
-                    <a:tint val="96000"/>
-                    <a:hueMod val="90000"/>
-                    <a:satMod val="130000"/>
-                    <a:lumMod val="134000"/>
-                  </a:schemeClr>
-                </a:duotone>
-              </a:blip>
-              <a:stretch>
-                <a:fillRect/>
-              </a:stretch>
-            </a:blipFill>
-            <a:ln>
-              <a:noFill/>
-            </a:ln>
-          </p:spPr>
-          <p:style>
-            <a:lnRef idx="2">
-              <a:schemeClr val="accent1">
-                <a:shade val="50000"/>
-              </a:schemeClr>
-            </a:lnRef>
-            <a:fillRef idx="1">
-              <a:schemeClr val="accent1"/>
-            </a:fillRef>
-            <a:effectRef idx="0">
-              <a:schemeClr val="accent1"/>
-            </a:effectRef>
-            <a:fontRef idx="minor">
-              <a:schemeClr val="lt1"/>
-            </a:fontRef>
-          </p:style>
-        </p:sp>
-        <p:sp>
-          <p:nvSpPr>
-            <p:cNvPr id="11" name="Oval 10"/>
-            <p:cNvSpPr/>
-            <p:nvPr>
-              <p:extLst>
-                <p:ext uri="{386F3935-93C4-4BCD-93E2-E3B085C9AB24}">
-                  <p16:designElem xmlns:p16="http://schemas.microsoft.com/office/powerpoint/2015/main" val="1"/>
-                </p:ext>
-              </p:extLst>
-            </p:nvPr>
-          </p:nvSpPr>
-          <p:spPr>
-            <a:xfrm>
-              <a:off x="3220" y="2667000"/>
-              <a:ext cx="4191000" cy="4191000"/>
-            </a:xfrm>
-            <a:prstGeom prst="ellipse">
-              <a:avLst/>
-            </a:prstGeom>
-            <a:gradFill flip="none" rotWithShape="1">
-              <a:gsLst>
-                <a:gs pos="0">
-                  <a:schemeClr val="bg2">
-                    <a:lumMod val="40000"/>
-                    <a:lumOff val="60000"/>
-                    <a:alpha val="11000"/>
-                  </a:schemeClr>
-                </a:gs>
-                <a:gs pos="75000">
-                  <a:schemeClr val="bg2">
-                    <a:lumMod val="40000"/>
-                    <a:lumOff val="60000"/>
-                    <a:alpha val="0"/>
-                  </a:schemeClr>
-                </a:gs>
-                <a:gs pos="36000">
-                  <a:schemeClr val="bg2">
-                    <a:lumMod val="40000"/>
-                    <a:lumOff val="60000"/>
-                    <a:alpha val="10000"/>
-                  </a:schemeClr>
-                </a:gs>
-              </a:gsLst>
-              <a:path path="circle">
-                <a:fillToRect l="50000" t="50000" r="50000" b="50000"/>
-              </a:path>
-              <a:tileRect/>
-            </a:gradFill>
-            <a:ln>
-              <a:noFill/>
-            </a:ln>
-            <a:effectLst/>
-          </p:spPr>
-          <p:style>
-            <a:lnRef idx="1">
-              <a:schemeClr val="accent1"/>
-            </a:lnRef>
-            <a:fillRef idx="3">
-              <a:schemeClr val="accent1"/>
-            </a:fillRef>
-            <a:effectRef idx="2">
-              <a:schemeClr val="accent1"/>
-            </a:effectRef>
-            <a:fontRef idx="minor">
-              <a:schemeClr val="lt1"/>
-            </a:fontRef>
-          </p:style>
-        </p:sp>
-        <p:sp>
-          <p:nvSpPr>
-            <p:cNvPr id="12" name="Oval 11"/>
-            <p:cNvSpPr/>
-            <p:nvPr>
-              <p:extLst>
-                <p:ext uri="{386F3935-93C4-4BCD-93E2-E3B085C9AB24}">
-                  <p16:designElem xmlns:p16="http://schemas.microsoft.com/office/powerpoint/2015/main" val="1"/>
-                </p:ext>
-              </p:extLst>
-            </p:nvPr>
-          </p:nvSpPr>
-          <p:spPr>
-            <a:xfrm>
-              <a:off x="1750" y="2895600"/>
-              <a:ext cx="2362200" cy="2362200"/>
-            </a:xfrm>
-            <a:prstGeom prst="ellipse">
-              <a:avLst/>
-            </a:prstGeom>
-            <a:gradFill flip="none" rotWithShape="1">
-              <a:gsLst>
-                <a:gs pos="0">
-                  <a:schemeClr val="bg2">
-                    <a:lumMod val="40000"/>
-                    <a:lumOff val="60000"/>
-                    <a:alpha val="8000"/>
-                  </a:schemeClr>
-                </a:gs>
-                <a:gs pos="72000">
-                  <a:schemeClr val="bg2">
-                    <a:lumMod val="40000"/>
-                    <a:lumOff val="60000"/>
-                    <a:alpha val="0"/>
-                  </a:schemeClr>
-                </a:gs>
-                <a:gs pos="36000">
-                  <a:schemeClr val="bg2">
-                    <a:lumMod val="40000"/>
-                    <a:lumOff val="60000"/>
-                    <a:alpha val="8000"/>
-                  </a:schemeClr>
-                </a:gs>
-              </a:gsLst>
-              <a:path path="circle">
-                <a:fillToRect l="50000" t="50000" r="50000" b="50000"/>
-              </a:path>
-              <a:tileRect/>
-            </a:gradFill>
-            <a:ln>
-              <a:noFill/>
-            </a:ln>
-            <a:effectLst/>
-          </p:spPr>
-          <p:style>
-            <a:lnRef idx="1">
-              <a:schemeClr val="accent1"/>
-            </a:lnRef>
-            <a:fillRef idx="3">
-              <a:schemeClr val="accent1"/>
-            </a:fillRef>
-            <a:effectRef idx="2">
-              <a:schemeClr val="accent1"/>
-            </a:effectRef>
-            <a:fontRef idx="minor">
-              <a:schemeClr val="lt1"/>
-            </a:fontRef>
-          </p:style>
-        </p:sp>
-        <p:sp>
-          <p:nvSpPr>
-            <p:cNvPr id="13" name="Oval 12"/>
-            <p:cNvSpPr/>
-            <p:nvPr>
-              <p:extLst>
-                <p:ext uri="{386F3935-93C4-4BCD-93E2-E3B085C9AB24}">
-                  <p16:designElem xmlns:p16="http://schemas.microsoft.com/office/powerpoint/2015/main" val="1"/>
-                </p:ext>
-              </p:extLst>
-            </p:nvPr>
-          </p:nvSpPr>
-          <p:spPr>
-            <a:xfrm>
-              <a:off x="8609012" y="1676400"/>
-              <a:ext cx="2819400" cy="2819400"/>
-            </a:xfrm>
-            <a:prstGeom prst="ellipse">
-              <a:avLst/>
-            </a:prstGeom>
-            <a:gradFill flip="none" rotWithShape="1">
-              <a:gsLst>
-                <a:gs pos="0">
-                  <a:schemeClr val="bg2">
-                    <a:lumMod val="40000"/>
-                    <a:lumOff val="60000"/>
-                    <a:alpha val="7000"/>
-                  </a:schemeClr>
-                </a:gs>
-                <a:gs pos="69000">
-                  <a:schemeClr val="bg2">
-                    <a:lumMod val="40000"/>
-                    <a:lumOff val="60000"/>
-                    <a:alpha val="0"/>
-                  </a:schemeClr>
-                </a:gs>
-                <a:gs pos="36000">
-                  <a:schemeClr val="bg2">
-                    <a:lumMod val="40000"/>
-                    <a:lumOff val="60000"/>
-                    <a:alpha val="6000"/>
-                  </a:schemeClr>
-                </a:gs>
-              </a:gsLst>
-              <a:path path="circle">
-                <a:fillToRect l="50000" t="50000" r="50000" b="50000"/>
-              </a:path>
-              <a:tileRect/>
-            </a:gradFill>
-            <a:ln>
-              <a:noFill/>
-            </a:ln>
-            <a:effectLst/>
-          </p:spPr>
-          <p:style>
-            <a:lnRef idx="1">
-              <a:schemeClr val="accent1"/>
-            </a:lnRef>
-            <a:fillRef idx="3">
-              <a:schemeClr val="accent1"/>
-            </a:fillRef>
-            <a:effectRef idx="2">
-              <a:schemeClr val="accent1"/>
-            </a:effectRef>
-            <a:fontRef idx="minor">
-              <a:schemeClr val="lt1"/>
-            </a:fontRef>
-          </p:style>
-        </p:sp>
-        <p:sp>
-          <p:nvSpPr>
-            <p:cNvPr id="14" name="Oval 13"/>
-            <p:cNvSpPr/>
-            <p:nvPr>
-              <p:extLst>
-                <p:ext uri="{386F3935-93C4-4BCD-93E2-E3B085C9AB24}">
-                  <p16:designElem xmlns:p16="http://schemas.microsoft.com/office/powerpoint/2015/main" val="1"/>
-                </p:ext>
-              </p:extLst>
-            </p:nvPr>
-          </p:nvSpPr>
-          <p:spPr>
-            <a:xfrm>
-              <a:off x="7999412" y="-2373"/>
-              <a:ext cx="1600200" cy="1600200"/>
-            </a:xfrm>
-            <a:prstGeom prst="ellipse">
-              <a:avLst/>
-            </a:prstGeom>
-            <a:gradFill flip="none" rotWithShape="1">
-              <a:gsLst>
-                <a:gs pos="0">
-                  <a:schemeClr val="bg2">
-                    <a:lumMod val="40000"/>
-                    <a:lumOff val="60000"/>
-                    <a:alpha val="14000"/>
-                  </a:schemeClr>
-                </a:gs>
-                <a:gs pos="73000">
-                  <a:schemeClr val="bg2">
-                    <a:lumMod val="40000"/>
-                    <a:lumOff val="60000"/>
-                    <a:alpha val="0"/>
-                  </a:schemeClr>
-                </a:gs>
-                <a:gs pos="36000">
-                  <a:schemeClr val="bg2">
-                    <a:lumMod val="40000"/>
-                    <a:lumOff val="60000"/>
-                    <a:alpha val="7000"/>
-                  </a:schemeClr>
-                </a:gs>
-              </a:gsLst>
-              <a:path path="circle">
-                <a:fillToRect l="50000" t="50000" r="50000" b="50000"/>
-              </a:path>
-              <a:tileRect/>
-            </a:gradFill>
-            <a:ln>
-              <a:noFill/>
-            </a:ln>
-            <a:effectLst/>
-          </p:spPr>
-          <p:style>
-            <a:lnRef idx="1">
-              <a:schemeClr val="accent1"/>
-            </a:lnRef>
-            <a:fillRef idx="3">
-              <a:schemeClr val="accent1"/>
-            </a:fillRef>
-            <a:effectRef idx="2">
-              <a:schemeClr val="accent1"/>
-            </a:effectRef>
-            <a:fontRef idx="minor">
-              <a:schemeClr val="lt1"/>
-            </a:fontRef>
-          </p:style>
-        </p:sp>
-        <p:sp>
-          <p:nvSpPr>
-            <p:cNvPr id="15" name="Oval 14"/>
-            <p:cNvSpPr/>
-            <p:nvPr>
-              <p:extLst>
-                <p:ext uri="{386F3935-93C4-4BCD-93E2-E3B085C9AB24}">
-                  <p16:designElem xmlns:p16="http://schemas.microsoft.com/office/powerpoint/2015/main" val="1"/>
-                </p:ext>
-              </p:extLst>
-            </p:nvPr>
-          </p:nvSpPr>
-          <p:spPr>
-            <a:xfrm>
-              <a:off x="8609012" y="5874054"/>
-              <a:ext cx="990600" cy="990600"/>
-            </a:xfrm>
-            <a:prstGeom prst="ellipse">
-              <a:avLst/>
-            </a:prstGeom>
-            <a:gradFill flip="none" rotWithShape="1">
-              <a:gsLst>
-                <a:gs pos="0">
-                  <a:schemeClr val="bg2">
-                    <a:lumMod val="40000"/>
-                    <a:lumOff val="60000"/>
-                    <a:alpha val="14000"/>
-                  </a:schemeClr>
-                </a:gs>
-                <a:gs pos="66000">
-                  <a:schemeClr val="bg2">
-                    <a:lumMod val="40000"/>
-                    <a:lumOff val="60000"/>
-                    <a:alpha val="0"/>
-                  </a:schemeClr>
-                </a:gs>
-                <a:gs pos="36000">
-                  <a:schemeClr val="bg2">
-                    <a:lumMod val="40000"/>
-                    <a:lumOff val="60000"/>
-                    <a:alpha val="7000"/>
-                  </a:schemeClr>
-                </a:gs>
-              </a:gsLst>
-              <a:path path="circle">
-                <a:fillToRect l="50000" t="50000" r="50000" b="50000"/>
-              </a:path>
-              <a:tileRect/>
-            </a:gradFill>
-            <a:ln>
-              <a:noFill/>
-            </a:ln>
-            <a:effectLst/>
-          </p:spPr>
-          <p:style>
-            <a:lnRef idx="1">
-              <a:schemeClr val="accent1"/>
-            </a:lnRef>
-            <a:fillRef idx="3">
-              <a:schemeClr val="accent1"/>
-            </a:fillRef>
-            <a:effectRef idx="2">
-              <a:schemeClr val="accent1"/>
-            </a:effectRef>
-            <a:fontRef idx="minor">
-              <a:schemeClr val="lt1"/>
-            </a:fontRef>
-          </p:style>
-        </p:sp>
-        <p:sp>
-          <p:nvSpPr>
-            <p:cNvPr id="16" name="Freeform 5"/>
-            <p:cNvSpPr>
-              <a:spLocks noEditPoints="1"/>
-            </p:cNvSpPr>
-            <p:nvPr>
-              <p:extLst>
-                <p:ext uri="{386F3935-93C4-4BCD-93E2-E3B085C9AB24}">
-                  <p16:designElem xmlns:p16="http://schemas.microsoft.com/office/powerpoint/2015/main" val="1"/>
-                </p:ext>
-              </p:extLst>
-            </p:nvPr>
-          </p:nvSpPr>
-          <p:spPr bwMode="gray">
-            <a:xfrm>
-              <a:off x="0" y="1587"/>
-              <a:ext cx="12192000" cy="6856413"/>
-            </a:xfrm>
-            <a:custGeom>
-              <a:avLst/>
-              <a:gdLst/>
-              <a:ahLst/>
-              <a:cxnLst/>
-              <a:rect l="0" t="0" r="r" b="b"/>
-              <a:pathLst>
-                <a:path w="15356" h="8638">
-                  <a:moveTo>
-                    <a:pt x="0" y="0"/>
-                  </a:moveTo>
-                  <a:lnTo>
-                    <a:pt x="0" y="8638"/>
-                  </a:lnTo>
-                  <a:lnTo>
-                    <a:pt x="15356" y="8638"/>
-                  </a:lnTo>
-                  <a:lnTo>
-                    <a:pt x="15356" y="0"/>
-                  </a:lnTo>
-                  <a:lnTo>
-                    <a:pt x="0" y="0"/>
-                  </a:lnTo>
-                  <a:close/>
-                  <a:moveTo>
-                    <a:pt x="14748" y="8038"/>
-                  </a:moveTo>
-                  <a:lnTo>
-                    <a:pt x="600" y="8038"/>
-                  </a:lnTo>
-                  <a:lnTo>
-                    <a:pt x="600" y="592"/>
-                  </a:lnTo>
-                  <a:lnTo>
-                    <a:pt x="14748" y="592"/>
-                  </a:lnTo>
-                  <a:lnTo>
-                    <a:pt x="14748" y="8038"/>
-                  </a:lnTo>
-                  <a:close/>
-                </a:path>
-              </a:pathLst>
-            </a:custGeom>
-            <a:solidFill>
-              <a:schemeClr val="bg1"/>
-            </a:solidFill>
-            <a:ln>
-              <a:noFill/>
-            </a:ln>
-          </p:spPr>
-        </p:sp>
-      </p:grpSp>
-      <p:sp>
-        <p:nvSpPr>
-          <p:cNvPr id="17" name="Rectangle 16"/>
-          <p:cNvSpPr>
-            <a:spLocks noGrp="1" noRot="1" noChangeAspect="1" noMove="1" noResize="1" noEditPoints="1" noAdjustHandles="1" noChangeArrowheads="1" noChangeShapeType="1" noTextEdit="1"/>
-          </p:cNvSpPr>
-          <p:nvPr>
-            <p:extLst>
-              <p:ext uri="{386F3935-93C4-4BCD-93E2-E3B085C9AB24}">
-                <p16:designElem xmlns:p16="http://schemas.microsoft.com/office/powerpoint/2015/main" val="1"/>
-              </p:ext>
-            </p:extLst>
-          </p:nvPr>
-        </p:nvSpPr>
-        <p:spPr>
-          <a:xfrm>
-            <a:off x="10437812" y="0"/>
-            <a:ext cx="685800" cy="1143000"/>
-          </a:xfrm>
-          <a:prstGeom prst="rect">
-            <a:avLst/>
-          </a:prstGeom>
-          <a:solidFill>
-            <a:schemeClr val="accent1"/>
-          </a:solidFill>
-          <a:ln>
-            <a:noFill/>
-          </a:ln>
-        </p:spPr>
-        <p:style>
-          <a:lnRef idx="1">
-            <a:schemeClr val="accent1"/>
-          </a:lnRef>
-          <a:fillRef idx="3">
-            <a:schemeClr val="accent1"/>
-          </a:fillRef>
-          <a:effectRef idx="2">
-            <a:schemeClr val="accent1"/>
-          </a:effectRef>
-          <a:fontRef idx="minor">
-            <a:schemeClr val="lt1"/>
-          </a:fontRef>
-        </p:style>
-      </p:sp>
-      <p:sp>
-        <p:nvSpPr>
-          <p:cNvPr id="18" name="Rectangle 17"/>
-          <p:cNvSpPr>
-            <a:spLocks noGrp="1" noRot="1" noChangeAspect="1" noMove="1" noResize="1" noEditPoints="1" noAdjustHandles="1" noChangeArrowheads="1" noChangeShapeType="1" noTextEdit="1"/>
-          </p:cNvSpPr>
-          <p:nvPr>
-            <p:extLst>
-              <p:ext uri="{386F3935-93C4-4BCD-93E2-E3B085C9AB24}">
-                <p16:designElem xmlns:p16="http://schemas.microsoft.com/office/powerpoint/2015/main" val="1"/>
-              </p:ext>
-            </p:extLst>
-          </p:nvPr>
-        </p:nvSpPr>
-        <p:spPr>
-          <a:xfrm>
-            <a:off x="0" y="0"/>
-            <a:ext cx="12192000" cy="6858000"/>
-          </a:xfrm>
-          <a:prstGeom prst="rect">
-            <a:avLst/>
-          </a:prstGeom>
-          <a:blipFill>
-            <a:blip r:embed="rId2">
-              <a:duotone>
-                <a:schemeClr val="dk2">
-                  <a:shade val="69000"/>
-                  <a:hueMod val="108000"/>
-                  <a:satMod val="164000"/>
-                  <a:lumMod val="74000"/>
-                </a:schemeClr>
-                <a:schemeClr val="dk2">
-                  <a:tint val="96000"/>
-                  <a:hueMod val="88000"/>
-                  <a:satMod val="140000"/>
-                  <a:lumMod val="132000"/>
-                </a:schemeClr>
-              </a:duotone>
-            </a:blip>
-            <a:stretch>
-              <a:fillRect/>
-            </a:stretch>
-          </a:blipFill>
-          <a:ln>
-            <a:noFill/>
-          </a:ln>
-        </p:spPr>
-        <p:style>
-          <a:lnRef idx="2">
-            <a:schemeClr val="accent1">
-              <a:shade val="50000"/>
-            </a:schemeClr>
-          </a:lnRef>
-          <a:fillRef idx="1">
-            <a:schemeClr val="accent1"/>
-          </a:fillRef>
-          <a:effectRef idx="0">
-            <a:schemeClr val="accent1"/>
-          </a:effectRef>
-          <a:fontRef idx="minor">
-            <a:schemeClr val="lt1"/>
-          </a:fontRef>
-        </p:style>
-      </p:sp>
-      <p:sp>
-        <p:nvSpPr>
-          <p:cNvPr id="19" name="Oval 18"/>
-          <p:cNvSpPr>
-            <a:spLocks noGrp="1" noRot="1" noChangeAspect="1" noMove="1" noResize="1" noEditPoints="1" noAdjustHandles="1" noChangeArrowheads="1" noChangeShapeType="1" noTextEdit="1"/>
-          </p:cNvSpPr>
-          <p:nvPr>
-            <p:extLst>
-              <p:ext uri="{386F3935-93C4-4BCD-93E2-E3B085C9AB24}">
-                <p16:designElem xmlns:p16="http://schemas.microsoft.com/office/powerpoint/2015/main" val="1"/>
-              </p:ext>
-            </p:extLst>
-          </p:nvPr>
-        </p:nvSpPr>
-        <p:spPr>
-          <a:xfrm>
-            <a:off x="0" y="2667000"/>
-            <a:ext cx="4191000" cy="4191000"/>
-          </a:xfrm>
-          <a:prstGeom prst="ellipse">
-            <a:avLst/>
-          </a:prstGeom>
-          <a:gradFill flip="none" rotWithShape="1">
-            <a:gsLst>
-              <a:gs pos="0">
-                <a:schemeClr val="accent5">
-                  <a:alpha val="11000"/>
-                </a:schemeClr>
-              </a:gs>
-              <a:gs pos="75000">
-                <a:schemeClr val="accent5">
-                  <a:alpha val="0"/>
-                </a:schemeClr>
-              </a:gs>
-              <a:gs pos="36000">
-                <a:schemeClr val="accent5">
-                  <a:alpha val="10000"/>
-                </a:schemeClr>
-              </a:gs>
-            </a:gsLst>
-            <a:path path="circle">
-              <a:fillToRect l="50000" t="50000" r="50000" b="50000"/>
-            </a:path>
-            <a:tileRect/>
-          </a:gradFill>
-          <a:ln>
-            <a:noFill/>
-          </a:ln>
-          <a:effectLst/>
-        </p:spPr>
-        <p:style>
-          <a:lnRef idx="1">
-            <a:schemeClr val="accent1"/>
-          </a:lnRef>
-          <a:fillRef idx="3">
-            <a:schemeClr val="accent1"/>
-          </a:fillRef>
-          <a:effectRef idx="2">
-            <a:schemeClr val="accent1"/>
-          </a:effectRef>
-          <a:fontRef idx="minor">
-            <a:schemeClr val="lt1"/>
-          </a:fontRef>
-        </p:style>
-      </p:sp>
-      <p:sp>
-        <p:nvSpPr>
-          <p:cNvPr id="20" name="Oval 19"/>
-          <p:cNvSpPr>
-            <a:spLocks noGrp="1" noRot="1" noChangeAspect="1" noMove="1" noResize="1" noEditPoints="1" noAdjustHandles="1" noChangeArrowheads="1" noChangeShapeType="1" noTextEdit="1"/>
-          </p:cNvSpPr>
-          <p:nvPr>
-            <p:extLst>
-              <p:ext uri="{386F3935-93C4-4BCD-93E2-E3B085C9AB24}">
-                <p16:designElem xmlns:p16="http://schemas.microsoft.com/office/powerpoint/2015/main" val="1"/>
-              </p:ext>
-            </p:extLst>
-          </p:nvPr>
-        </p:nvSpPr>
-        <p:spPr>
-          <a:xfrm>
-            <a:off x="0" y="2895600"/>
-            <a:ext cx="2362200" cy="2362200"/>
-          </a:xfrm>
-          <a:prstGeom prst="ellipse">
-            <a:avLst/>
-          </a:prstGeom>
-          <a:gradFill flip="none" rotWithShape="1">
-            <a:gsLst>
-              <a:gs pos="0">
-                <a:schemeClr val="accent5">
-                  <a:alpha val="8000"/>
-                </a:schemeClr>
-              </a:gs>
-              <a:gs pos="72000">
-                <a:schemeClr val="accent5">
-                  <a:alpha val="0"/>
-                </a:schemeClr>
-              </a:gs>
-              <a:gs pos="36000">
-                <a:schemeClr val="accent5">
-                  <a:alpha val="8000"/>
-                </a:schemeClr>
-              </a:gs>
-            </a:gsLst>
-            <a:path path="circle">
-              <a:fillToRect l="50000" t="50000" r="50000" b="50000"/>
-            </a:path>
-            <a:tileRect/>
-          </a:gradFill>
-          <a:ln>
-            <a:noFill/>
-          </a:ln>
-          <a:effectLst/>
-        </p:spPr>
-        <p:style>
-          <a:lnRef idx="1">
-            <a:schemeClr val="accent1"/>
-          </a:lnRef>
-          <a:fillRef idx="3">
-            <a:schemeClr val="accent1"/>
-          </a:fillRef>
-          <a:effectRef idx="2">
-            <a:schemeClr val="accent1"/>
-          </a:effectRef>
-          <a:fontRef idx="minor">
-            <a:schemeClr val="lt1"/>
-          </a:fontRef>
-        </p:style>
-      </p:sp>
-      <p:sp>
-        <p:nvSpPr>
-          <p:cNvPr id="21" name="Freeform 18"/>
-          <p:cNvSpPr>
-            <a:spLocks noGrp="1" noRot="1" noChangeAspect="1" noMove="1" noResize="1" noEditPoints="1" noAdjustHandles="1" noChangeArrowheads="1" noChangeShapeType="1" noTextEdit="1"/>
-          </p:cNvSpPr>
-          <p:nvPr>
-            <p:extLst>
-              <p:ext uri="{386F3935-93C4-4BCD-93E2-E3B085C9AB24}">
-                <p16:designElem xmlns:p16="http://schemas.microsoft.com/office/powerpoint/2015/main" val="1"/>
-              </p:ext>
-            </p:extLst>
-          </p:nvPr>
-        </p:nvSpPr>
-        <p:spPr bwMode="gray">
-          <a:xfrm rot="10800000">
-            <a:off x="457200" y="794"/>
-            <a:ext cx="11277600" cy="4395812"/>
-          </a:xfrm>
-          <a:custGeom>
-            <a:avLst/>
-            <a:gdLst>
-              <a:gd name="connsiteX0" fmla="*/ 11277600 w 11277600"/>
-              <a:gd name="connsiteY0" fmla="*/ 4395812 h 4395812"/>
-              <a:gd name="connsiteX1" fmla="*/ 0 w 11277600"/>
-              <a:gd name="connsiteY1" fmla="*/ 4395812 h 4395812"/>
-              <a:gd name="connsiteX2" fmla="*/ 0 w 11277600"/>
-              <a:gd name="connsiteY2" fmla="*/ 0 h 4395812"/>
-              <a:gd name="connsiteX3" fmla="*/ 66675 w 11277600"/>
-              <a:gd name="connsiteY3" fmla="*/ 9525 h 4395812"/>
-              <a:gd name="connsiteX4" fmla="*/ 261938 w 11277600"/>
-              <a:gd name="connsiteY4" fmla="*/ 36513 h 4395812"/>
-              <a:gd name="connsiteX5" fmla="*/ 403225 w 11277600"/>
-              <a:gd name="connsiteY5" fmla="*/ 55563 h 4395812"/>
-              <a:gd name="connsiteX6" fmla="*/ 573088 w 11277600"/>
-              <a:gd name="connsiteY6" fmla="*/ 76200 h 4395812"/>
-              <a:gd name="connsiteX7" fmla="*/ 773112 w 11277600"/>
-              <a:gd name="connsiteY7" fmla="*/ 100013 h 4395812"/>
-              <a:gd name="connsiteX8" fmla="*/ 995362 w 11277600"/>
-              <a:gd name="connsiteY8" fmla="*/ 125413 h 4395812"/>
-              <a:gd name="connsiteX9" fmla="*/ 1246188 w 11277600"/>
-              <a:gd name="connsiteY9" fmla="*/ 152400 h 4395812"/>
-              <a:gd name="connsiteX10" fmla="*/ 1519238 w 11277600"/>
-              <a:gd name="connsiteY10" fmla="*/ 180975 h 4395812"/>
-              <a:gd name="connsiteX11" fmla="*/ 1816100 w 11277600"/>
-              <a:gd name="connsiteY11" fmla="*/ 209550 h 4395812"/>
-              <a:gd name="connsiteX12" fmla="*/ 2132012 w 11277600"/>
-              <a:gd name="connsiteY12" fmla="*/ 238125 h 4395812"/>
-              <a:gd name="connsiteX13" fmla="*/ 2471738 w 11277600"/>
-              <a:gd name="connsiteY13" fmla="*/ 265113 h 4395812"/>
-              <a:gd name="connsiteX14" fmla="*/ 2828925 w 11277600"/>
-              <a:gd name="connsiteY14" fmla="*/ 290513 h 4395812"/>
-              <a:gd name="connsiteX15" fmla="*/ 3205162 w 11277600"/>
-              <a:gd name="connsiteY15" fmla="*/ 314325 h 4395812"/>
-              <a:gd name="connsiteX16" fmla="*/ 3597275 w 11277600"/>
-              <a:gd name="connsiteY16" fmla="*/ 336550 h 4395812"/>
-              <a:gd name="connsiteX17" fmla="*/ 4006850 w 11277600"/>
-              <a:gd name="connsiteY17" fmla="*/ 357188 h 4395812"/>
-              <a:gd name="connsiteX18" fmla="*/ 4216400 w 11277600"/>
-              <a:gd name="connsiteY18" fmla="*/ 365125 h 4395812"/>
-              <a:gd name="connsiteX19" fmla="*/ 4430713 w 11277600"/>
-              <a:gd name="connsiteY19" fmla="*/ 373063 h 4395812"/>
-              <a:gd name="connsiteX20" fmla="*/ 4648200 w 11277600"/>
-              <a:gd name="connsiteY20" fmla="*/ 381000 h 4395812"/>
-              <a:gd name="connsiteX21" fmla="*/ 4867275 w 11277600"/>
-              <a:gd name="connsiteY21" fmla="*/ 385763 h 4395812"/>
-              <a:gd name="connsiteX22" fmla="*/ 5091113 w 11277600"/>
-              <a:gd name="connsiteY22" fmla="*/ 390525 h 4395812"/>
-              <a:gd name="connsiteX23" fmla="*/ 5316538 w 11277600"/>
-              <a:gd name="connsiteY23" fmla="*/ 395288 h 4395812"/>
-              <a:gd name="connsiteX24" fmla="*/ 5546725 w 11277600"/>
-              <a:gd name="connsiteY24" fmla="*/ 398463 h 4395812"/>
-              <a:gd name="connsiteX25" fmla="*/ 5778500 w 11277600"/>
-              <a:gd name="connsiteY25" fmla="*/ 398463 h 4395812"/>
-              <a:gd name="connsiteX26" fmla="*/ 6013450 w 11277600"/>
-              <a:gd name="connsiteY26" fmla="*/ 400050 h 4395812"/>
-              <a:gd name="connsiteX27" fmla="*/ 6249988 w 11277600"/>
-              <a:gd name="connsiteY27" fmla="*/ 398463 h 4395812"/>
-              <a:gd name="connsiteX28" fmla="*/ 6489700 w 11277600"/>
-              <a:gd name="connsiteY28" fmla="*/ 395288 h 4395812"/>
-              <a:gd name="connsiteX29" fmla="*/ 6731000 w 11277600"/>
-              <a:gd name="connsiteY29" fmla="*/ 392113 h 4395812"/>
-              <a:gd name="connsiteX30" fmla="*/ 6973888 w 11277600"/>
-              <a:gd name="connsiteY30" fmla="*/ 385763 h 4395812"/>
-              <a:gd name="connsiteX31" fmla="*/ 7219950 w 11277600"/>
-              <a:gd name="connsiteY31" fmla="*/ 379413 h 4395812"/>
-              <a:gd name="connsiteX32" fmla="*/ 7466013 w 11277600"/>
-              <a:gd name="connsiteY32" fmla="*/ 371475 h 4395812"/>
-              <a:gd name="connsiteX33" fmla="*/ 7713662 w 11277600"/>
-              <a:gd name="connsiteY33" fmla="*/ 360363 h 4395812"/>
-              <a:gd name="connsiteX34" fmla="*/ 7964487 w 11277600"/>
-              <a:gd name="connsiteY34" fmla="*/ 347663 h 4395812"/>
-              <a:gd name="connsiteX35" fmla="*/ 8215312 w 11277600"/>
-              <a:gd name="connsiteY35" fmla="*/ 334963 h 4395812"/>
-              <a:gd name="connsiteX36" fmla="*/ 8467725 w 11277600"/>
-              <a:gd name="connsiteY36" fmla="*/ 319088 h 4395812"/>
-              <a:gd name="connsiteX37" fmla="*/ 8721725 w 11277600"/>
-              <a:gd name="connsiteY37" fmla="*/ 300038 h 4395812"/>
-              <a:gd name="connsiteX38" fmla="*/ 8974138 w 11277600"/>
-              <a:gd name="connsiteY38" fmla="*/ 280988 h 4395812"/>
-              <a:gd name="connsiteX39" fmla="*/ 9229725 w 11277600"/>
-              <a:gd name="connsiteY39" fmla="*/ 258763 h 4395812"/>
-              <a:gd name="connsiteX40" fmla="*/ 9486900 w 11277600"/>
-              <a:gd name="connsiteY40" fmla="*/ 234950 h 4395812"/>
-              <a:gd name="connsiteX41" fmla="*/ 9740900 w 11277600"/>
-              <a:gd name="connsiteY41" fmla="*/ 209550 h 4395812"/>
-              <a:gd name="connsiteX42" fmla="*/ 9998075 w 11277600"/>
-              <a:gd name="connsiteY42" fmla="*/ 179388 h 4395812"/>
-              <a:gd name="connsiteX43" fmla="*/ 10253662 w 11277600"/>
-              <a:gd name="connsiteY43" fmla="*/ 147638 h 4395812"/>
-              <a:gd name="connsiteX44" fmla="*/ 10510838 w 11277600"/>
-              <a:gd name="connsiteY44" fmla="*/ 115888 h 4395812"/>
-              <a:gd name="connsiteX45" fmla="*/ 10766425 w 11277600"/>
-              <a:gd name="connsiteY45" fmla="*/ 79375 h 4395812"/>
-              <a:gd name="connsiteX46" fmla="*/ 11022012 w 11277600"/>
-              <a:gd name="connsiteY46" fmla="*/ 41275 h 4395812"/>
-              <a:gd name="connsiteX47" fmla="*/ 11277600 w 11277600"/>
-              <a:gd name="connsiteY47" fmla="*/ 1588 h 4395812"/>
-            </a:gdLst>
-            <a:ahLst/>
-            <a:cxnLst>
-              <a:cxn ang="0">
-                <a:pos x="connsiteX0" y="connsiteY0"/>
-              </a:cxn>
-              <a:cxn ang="0">
-                <a:pos x="connsiteX1" y="connsiteY1"/>
-              </a:cxn>
-              <a:cxn ang="0">
-                <a:pos x="connsiteX2" y="connsiteY2"/>
-              </a:cxn>
-              <a:cxn ang="0">
-                <a:pos x="connsiteX3" y="connsiteY3"/>
-              </a:cxn>
-              <a:cxn ang="0">
-                <a:pos x="connsiteX4" y="connsiteY4"/>
-              </a:cxn>
-              <a:cxn ang="0">
-                <a:pos x="connsiteX5" y="connsiteY5"/>
-              </a:cxn>
-              <a:cxn ang="0">
-                <a:pos x="connsiteX6" y="connsiteY6"/>
-              </a:cxn>
-              <a:cxn ang="0">
-                <a:pos x="connsiteX7" y="connsiteY7"/>
-              </a:cxn>
-              <a:cxn ang="0">
-                <a:pos x="connsiteX8" y="connsiteY8"/>
-              </a:cxn>
-              <a:cxn ang="0">
-                <a:pos x="connsiteX9" y="connsiteY9"/>
-              </a:cxn>
-              <a:cxn ang="0">
-                <a:pos x="connsiteX10" y="connsiteY10"/>
-              </a:cxn>
-              <a:cxn ang="0">
-                <a:pos x="connsiteX11" y="connsiteY11"/>
-              </a:cxn>
-              <a:cxn ang="0">
-                <a:pos x="connsiteX12" y="connsiteY12"/>
-              </a:cxn>
-              <a:cxn ang="0">
-                <a:pos x="connsiteX13" y="connsiteY13"/>
-              </a:cxn>
-              <a:cxn ang="0">
-                <a:pos x="connsiteX14" y="connsiteY14"/>
-              </a:cxn>
-              <a:cxn ang="0">
-                <a:pos x="connsiteX15" y="connsiteY15"/>
-              </a:cxn>
-              <a:cxn ang="0">
-                <a:pos x="connsiteX16" y="connsiteY16"/>
-              </a:cxn>
-              <a:cxn ang="0">
-                <a:pos x="connsiteX17" y="connsiteY17"/>
-              </a:cxn>
-              <a:cxn ang="0">
-                <a:pos x="connsiteX18" y="connsiteY18"/>
-              </a:cxn>
-              <a:cxn ang="0">
-                <a:pos x="connsiteX19" y="connsiteY19"/>
-              </a:cxn>
-              <a:cxn ang="0">
-                <a:pos x="connsiteX20" y="connsiteY20"/>
-              </a:cxn>
-              <a:cxn ang="0">
-                <a:pos x="connsiteX21" y="connsiteY21"/>
-              </a:cxn>
-              <a:cxn ang="0">
-                <a:pos x="connsiteX22" y="connsiteY22"/>
-              </a:cxn>
-              <a:cxn ang="0">
-                <a:pos x="connsiteX23" y="connsiteY23"/>
-              </a:cxn>
-              <a:cxn ang="0">
-                <a:pos x="connsiteX24" y="connsiteY24"/>
-              </a:cxn>
-              <a:cxn ang="0">
-                <a:pos x="connsiteX25" y="connsiteY25"/>
-              </a:cxn>
-              <a:cxn ang="0">
-                <a:pos x="connsiteX26" y="connsiteY26"/>
-              </a:cxn>
-              <a:cxn ang="0">
-                <a:pos x="connsiteX27" y="connsiteY27"/>
-              </a:cxn>
-              <a:cxn ang="0">
-                <a:pos x="connsiteX28" y="connsiteY28"/>
-              </a:cxn>
-              <a:cxn ang="0">
-                <a:pos x="connsiteX29" y="connsiteY29"/>
-              </a:cxn>
-              <a:cxn ang="0">
-                <a:pos x="connsiteX30" y="connsiteY30"/>
-              </a:cxn>
-              <a:cxn ang="0">
-                <a:pos x="connsiteX31" y="connsiteY31"/>
-              </a:cxn>
-              <a:cxn ang="0">
-                <a:pos x="connsiteX32" y="connsiteY32"/>
-              </a:cxn>
-              <a:cxn ang="0">
-                <a:pos x="connsiteX33" y="connsiteY33"/>
-              </a:cxn>
-              <a:cxn ang="0">
-                <a:pos x="connsiteX34" y="connsiteY34"/>
-              </a:cxn>
-              <a:cxn ang="0">
-                <a:pos x="connsiteX35" y="connsiteY35"/>
-              </a:cxn>
-              <a:cxn ang="0">
-                <a:pos x="connsiteX36" y="connsiteY36"/>
-              </a:cxn>
-              <a:cxn ang="0">
-                <a:pos x="connsiteX37" y="connsiteY37"/>
-              </a:cxn>
-              <a:cxn ang="0">
-                <a:pos x="connsiteX38" y="connsiteY38"/>
-              </a:cxn>
-              <a:cxn ang="0">
-                <a:pos x="connsiteX39" y="connsiteY39"/>
-              </a:cxn>
-              <a:cxn ang="0">
-                <a:pos x="connsiteX40" y="connsiteY40"/>
-              </a:cxn>
-              <a:cxn ang="0">
-                <a:pos x="connsiteX41" y="connsiteY41"/>
-              </a:cxn>
-              <a:cxn ang="0">
-                <a:pos x="connsiteX42" y="connsiteY42"/>
-              </a:cxn>
-              <a:cxn ang="0">
-                <a:pos x="connsiteX43" y="connsiteY43"/>
-              </a:cxn>
-              <a:cxn ang="0">
-                <a:pos x="connsiteX44" y="connsiteY44"/>
-              </a:cxn>
-              <a:cxn ang="0">
-                <a:pos x="connsiteX45" y="connsiteY45"/>
-              </a:cxn>
-              <a:cxn ang="0">
-                <a:pos x="connsiteX46" y="connsiteY46"/>
-              </a:cxn>
-              <a:cxn ang="0">
-                <a:pos x="connsiteX47" y="connsiteY47"/>
-              </a:cxn>
-            </a:cxnLst>
-            <a:rect l="l" t="t" r="r" b="b"/>
-            <a:pathLst>
-              <a:path w="11277600" h="4395812">
-                <a:moveTo>
-                  <a:pt x="11277600" y="4395812"/>
-                </a:moveTo>
-                <a:lnTo>
-                  <a:pt x="0" y="4395812"/>
-                </a:lnTo>
-                <a:lnTo>
-                  <a:pt x="0" y="0"/>
-                </a:lnTo>
-                <a:lnTo>
-                  <a:pt x="66675" y="9525"/>
-                </a:lnTo>
-                <a:lnTo>
-                  <a:pt x="261938" y="36513"/>
-                </a:lnTo>
-                <a:lnTo>
-                  <a:pt x="403225" y="55563"/>
-                </a:lnTo>
-                <a:lnTo>
-                  <a:pt x="573088" y="76200"/>
-                </a:lnTo>
-                <a:lnTo>
-                  <a:pt x="773112" y="100013"/>
-                </a:lnTo>
-                <a:lnTo>
-                  <a:pt x="995362" y="125413"/>
-                </a:lnTo>
-                <a:lnTo>
-                  <a:pt x="1246188" y="152400"/>
-                </a:lnTo>
-                <a:lnTo>
-                  <a:pt x="1519238" y="180975"/>
-                </a:lnTo>
-                <a:lnTo>
-                  <a:pt x="1816100" y="209550"/>
-                </a:lnTo>
-                <a:lnTo>
-                  <a:pt x="2132012" y="238125"/>
-                </a:lnTo>
-                <a:lnTo>
-                  <a:pt x="2471738" y="265113"/>
-                </a:lnTo>
-                <a:lnTo>
-                  <a:pt x="2828925" y="290513"/>
-                </a:lnTo>
-                <a:lnTo>
-                  <a:pt x="3205162" y="314325"/>
-                </a:lnTo>
-                <a:lnTo>
-                  <a:pt x="3597275" y="336550"/>
-                </a:lnTo>
-                <a:lnTo>
-                  <a:pt x="4006850" y="357188"/>
-                </a:lnTo>
-                <a:lnTo>
-                  <a:pt x="4216400" y="365125"/>
-                </a:lnTo>
-                <a:lnTo>
-                  <a:pt x="4430713" y="373063"/>
-                </a:lnTo>
-                <a:lnTo>
-                  <a:pt x="4648200" y="381000"/>
-                </a:lnTo>
-                <a:lnTo>
-                  <a:pt x="4867275" y="385763"/>
-                </a:lnTo>
-                <a:lnTo>
-                  <a:pt x="5091113" y="390525"/>
-                </a:lnTo>
-                <a:lnTo>
-                  <a:pt x="5316538" y="395288"/>
-                </a:lnTo>
-                <a:lnTo>
-                  <a:pt x="5546725" y="398463"/>
-                </a:lnTo>
-                <a:lnTo>
-                  <a:pt x="5778500" y="398463"/>
-                </a:lnTo>
-                <a:lnTo>
-                  <a:pt x="6013450" y="400050"/>
-                </a:lnTo>
-                <a:lnTo>
-                  <a:pt x="6249988" y="398463"/>
-                </a:lnTo>
-                <a:lnTo>
-                  <a:pt x="6489700" y="395288"/>
-                </a:lnTo>
-                <a:lnTo>
-                  <a:pt x="6731000" y="392113"/>
-                </a:lnTo>
-                <a:lnTo>
-                  <a:pt x="6973888" y="385763"/>
-                </a:lnTo>
-                <a:lnTo>
-                  <a:pt x="7219950" y="379413"/>
-                </a:lnTo>
-                <a:lnTo>
-                  <a:pt x="7466013" y="371475"/>
-                </a:lnTo>
-                <a:lnTo>
-                  <a:pt x="7713662" y="360363"/>
-                </a:lnTo>
-                <a:lnTo>
-                  <a:pt x="7964487" y="347663"/>
-                </a:lnTo>
-                <a:lnTo>
-                  <a:pt x="8215312" y="334963"/>
-                </a:lnTo>
-                <a:lnTo>
-                  <a:pt x="8467725" y="319088"/>
-                </a:lnTo>
-                <a:lnTo>
-                  <a:pt x="8721725" y="300038"/>
-                </a:lnTo>
-                <a:lnTo>
-                  <a:pt x="8974138" y="280988"/>
-                </a:lnTo>
-                <a:lnTo>
-                  <a:pt x="9229725" y="258763"/>
-                </a:lnTo>
-                <a:lnTo>
-                  <a:pt x="9486900" y="234950"/>
-                </a:lnTo>
-                <a:lnTo>
-                  <a:pt x="9740900" y="209550"/>
-                </a:lnTo>
-                <a:lnTo>
-                  <a:pt x="9998075" y="179388"/>
-                </a:lnTo>
-                <a:lnTo>
-                  <a:pt x="10253662" y="147638"/>
-                </a:lnTo>
-                <a:lnTo>
-                  <a:pt x="10510838" y="115888"/>
-                </a:lnTo>
-                <a:lnTo>
-                  <a:pt x="10766425" y="79375"/>
-                </a:lnTo>
-                <a:lnTo>
-                  <a:pt x="11022012" y="41275"/>
-                </a:lnTo>
-                <a:lnTo>
-                  <a:pt x="11277600" y="1588"/>
-                </a:lnTo>
-                <a:close/>
-              </a:path>
-            </a:pathLst>
-          </a:custGeom>
-          <a:solidFill>
-            <a:schemeClr val="bg1"/>
-          </a:solidFill>
-          <a:ln>
-            <a:noFill/>
-          </a:ln>
-        </p:spPr>
-      </p:sp>
-      <p:sp>
-        <p:nvSpPr>
-          <p:cNvPr id="22" name="Freeform 5"/>
-          <p:cNvSpPr>
-            <a:spLocks noGrp="1" noRot="1" noChangeAspect="1" noMove="1" noResize="1" noEditPoints="1" noAdjustHandles="1" noChangeArrowheads="1" noChangeShapeType="1" noTextEdit="1"/>
-          </p:cNvSpPr>
-          <p:nvPr>
-            <p:extLst>
-              <p:ext uri="{386F3935-93C4-4BCD-93E2-E3B085C9AB24}">
-                <p16:designElem xmlns:p16="http://schemas.microsoft.com/office/powerpoint/2015/main" val="1"/>
-              </p:ext>
-            </p:extLst>
-          </p:nvPr>
-        </p:nvSpPr>
-        <p:spPr bwMode="gray">
-          <a:xfrm rot="10371525">
-            <a:off x="263767" y="3979830"/>
-            <a:ext cx="3299407" cy="440924"/>
-          </a:xfrm>
-          <a:custGeom>
-            <a:avLst/>
-            <a:gdLst/>
-            <a:ahLst/>
-            <a:cxnLst/>
-            <a:rect l="l" t="t" r="r" b="b"/>
-            <a:pathLst>
-              <a:path w="10000" h="5291">
-                <a:moveTo>
-                  <a:pt x="85" y="2532"/>
-                </a:moveTo>
-                <a:cubicBezTo>
-                  <a:pt x="1736" y="3911"/>
-                  <a:pt x="7524" y="5298"/>
-                  <a:pt x="9958" y="5291"/>
-                </a:cubicBezTo>
-                <a:cubicBezTo>
-                  <a:pt x="9989" y="1958"/>
-                  <a:pt x="9969" y="3333"/>
-                  <a:pt x="10000" y="0"/>
-                </a:cubicBezTo>
-                <a:lnTo>
-                  <a:pt x="10000" y="0"/>
-                </a:lnTo>
-                <a:lnTo>
-                  <a:pt x="9667" y="204"/>
-                </a:lnTo>
-                <a:lnTo>
-                  <a:pt x="9334" y="400"/>
-                </a:lnTo>
-                <a:lnTo>
-                  <a:pt x="9001" y="590"/>
-                </a:lnTo>
-                <a:lnTo>
-                  <a:pt x="8667" y="753"/>
-                </a:lnTo>
-                <a:lnTo>
-                  <a:pt x="8333" y="917"/>
-                </a:lnTo>
-                <a:lnTo>
-                  <a:pt x="7999" y="1071"/>
-                </a:lnTo>
-                <a:lnTo>
-                  <a:pt x="7669" y="1202"/>
-                </a:lnTo>
-                <a:lnTo>
-                  <a:pt x="7333" y="1325"/>
-                </a:lnTo>
-                <a:lnTo>
-                  <a:pt x="7000" y="1440"/>
-                </a:lnTo>
-                <a:lnTo>
-                  <a:pt x="6673" y="1538"/>
-                </a:lnTo>
-                <a:lnTo>
-                  <a:pt x="6340" y="1636"/>
-                </a:lnTo>
-                <a:lnTo>
-                  <a:pt x="6013" y="1719"/>
-                </a:lnTo>
-                <a:lnTo>
-                  <a:pt x="5686" y="1784"/>
-                </a:lnTo>
-                <a:lnTo>
-                  <a:pt x="5359" y="1850"/>
-                </a:lnTo>
-                <a:lnTo>
-                  <a:pt x="5036" y="1906"/>
-                </a:lnTo>
-                <a:lnTo>
-                  <a:pt x="4717" y="1948"/>
-                </a:lnTo>
-                <a:lnTo>
-                  <a:pt x="4396" y="1980"/>
-                </a:lnTo>
-                <a:lnTo>
-                  <a:pt x="4079" y="2013"/>
-                </a:lnTo>
-                <a:lnTo>
-                  <a:pt x="3766" y="2029"/>
-                </a:lnTo>
-                <a:lnTo>
-                  <a:pt x="3454" y="2046"/>
-                </a:lnTo>
-                <a:lnTo>
-                  <a:pt x="3145" y="2053"/>
-                </a:lnTo>
-                <a:lnTo>
-                  <a:pt x="2839" y="2046"/>
-                </a:lnTo>
-                <a:lnTo>
-                  <a:pt x="2537" y="2046"/>
-                </a:lnTo>
-                <a:lnTo>
-                  <a:pt x="2238" y="2029"/>
-                </a:lnTo>
-                <a:lnTo>
-                  <a:pt x="1943" y="2004"/>
-                </a:lnTo>
-                <a:lnTo>
-                  <a:pt x="1653" y="1980"/>
-                </a:lnTo>
-                <a:lnTo>
-                  <a:pt x="1368" y="1955"/>
-                </a:lnTo>
-                <a:lnTo>
-                  <a:pt x="1085" y="1915"/>
-                </a:lnTo>
-                <a:lnTo>
-                  <a:pt x="806" y="1873"/>
-                </a:lnTo>
-                <a:lnTo>
-                  <a:pt x="533" y="1833"/>
-                </a:lnTo>
-                <a:lnTo>
-                  <a:pt x="0" y="1726"/>
-                </a:lnTo>
-                <a:cubicBezTo>
-                  <a:pt x="28" y="1995"/>
-                  <a:pt x="57" y="2263"/>
-                  <a:pt x="85" y="2532"/>
-                </a:cubicBezTo>
-                <a:close/>
-              </a:path>
-            </a:pathLst>
-          </a:custGeom>
-          <a:solidFill>
-            <a:schemeClr val="bg1">
-              <a:alpha val="20000"/>
-            </a:schemeClr>
-          </a:solidFill>
-          <a:ln>
-            <a:noFill/>
-          </a:ln>
-        </p:spPr>
-      </p:sp>
-      <p:sp>
-        <p:nvSpPr>
-          <p:cNvPr id="23" name="Freeform 5"/>
-          <p:cNvSpPr>
-            <a:spLocks noGrp="1" noRot="1" noChangeAspect="1" noMove="1" noResize="1" noEditPoints="1" noAdjustHandles="1" noChangeArrowheads="1" noChangeShapeType="1" noTextEdit="1"/>
-          </p:cNvSpPr>
-          <p:nvPr>
-            <p:extLst>
-              <p:ext uri="{386F3935-93C4-4BCD-93E2-E3B085C9AB24}">
-                <p16:designElem xmlns:p16="http://schemas.microsoft.com/office/powerpoint/2015/main" val="1"/>
-              </p:ext>
-            </p:extLst>
-          </p:nvPr>
-        </p:nvSpPr>
-        <p:spPr bwMode="gray">
-          <a:xfrm>
-            <a:off x="0" y="1587"/>
-            <a:ext cx="12192000" cy="6856413"/>
-          </a:xfrm>
-          <a:custGeom>
-            <a:avLst/>
-            <a:gdLst/>
-            <a:ahLst/>
-            <a:cxnLst/>
-            <a:rect l="0" t="0" r="r" b="b"/>
-            <a:pathLst>
-              <a:path w="15356" h="8638">
-                <a:moveTo>
-                  <a:pt x="0" y="0"/>
-                </a:moveTo>
-                <a:lnTo>
-                  <a:pt x="0" y="8638"/>
-                </a:lnTo>
-                <a:lnTo>
-                  <a:pt x="15356" y="8638"/>
-                </a:lnTo>
-                <a:lnTo>
-                  <a:pt x="15356" y="0"/>
-                </a:lnTo>
-                <a:lnTo>
-                  <a:pt x="0" y="0"/>
-                </a:lnTo>
-                <a:close/>
-                <a:moveTo>
-                  <a:pt x="14748" y="8038"/>
-                </a:moveTo>
-                <a:lnTo>
-                  <a:pt x="600" y="8038"/>
-                </a:lnTo>
-                <a:lnTo>
-                  <a:pt x="600" y="592"/>
-                </a:lnTo>
-                <a:lnTo>
-                  <a:pt x="14748" y="592"/>
-                </a:lnTo>
-                <a:lnTo>
-                  <a:pt x="14748" y="8038"/>
-                </a:lnTo>
-                <a:close/>
-              </a:path>
-            </a:pathLst>
-          </a:custGeom>
-          <a:solidFill>
-            <a:schemeClr val="bg1"/>
-          </a:solidFill>
-          <a:ln>
-            <a:noFill/>
-          </a:ln>
-        </p:spPr>
-      </p:sp>
-      <p:sp>
-        <p:nvSpPr>
-          <p:cNvPr id="24" name="Rectangle 23"/>
-          <p:cNvSpPr>
-            <a:spLocks noGrp="1" noRot="1" noChangeAspect="1" noMove="1" noResize="1" noEditPoints="1" noAdjustHandles="1" noChangeArrowheads="1" noChangeShapeType="1" noTextEdit="1"/>
-          </p:cNvSpPr>
-          <p:nvPr>
-            <p:extLst>
-              <p:ext uri="{386F3935-93C4-4BCD-93E2-E3B085C9AB24}">
-                <p16:designElem xmlns:p16="http://schemas.microsoft.com/office/powerpoint/2015/main" val="1"/>
-              </p:ext>
-            </p:extLst>
-          </p:nvPr>
-        </p:nvSpPr>
-        <p:spPr>
-          <a:xfrm>
-            <a:off x="10437812" y="0"/>
-            <a:ext cx="685800" cy="1143000"/>
-          </a:xfrm>
-          <a:prstGeom prst="rect">
-            <a:avLst/>
-          </a:prstGeom>
-          <a:solidFill>
-            <a:schemeClr val="accent1"/>
-          </a:solidFill>
-          <a:ln>
-            <a:noFill/>
-          </a:ln>
-        </p:spPr>
-        <p:style>
-          <a:lnRef idx="1">
-            <a:schemeClr val="accent1"/>
-          </a:lnRef>
-          <a:fillRef idx="3">
-            <a:schemeClr val="accent1"/>
-          </a:fillRef>
-          <a:effectRef idx="2">
-            <a:schemeClr val="accent1"/>
-          </a:effectRef>
-          <a:fontRef idx="minor">
-            <a:schemeClr val="lt1"/>
-          </a:fontRef>
-        </p:style>
-      </p:sp>
-      <p:sp>
-        <p:nvSpPr>
-          <p:cNvPr id="2" name="Title 1"/>
-          <p:cNvSpPr>
-            <a:spLocks noGrp="1"/>
-          </p:cNvSpPr>
-          <p:nvPr>
-            <p:ph type="title"/>
-          </p:nvPr>
-        </p:nvSpPr>
-        <p:spPr>
-          <a:xfrm>
-            <a:off x="649976" y="4174067"/>
-            <a:ext cx="10893094" cy="1481440"/>
-          </a:xfrm>
-        </p:spPr>
-        <p:txBody>
-          <a:bodyPr vert="horz" lIns="91440" tIns="45720" rIns="91440" bIns="45720" rtlCol="0" anchor="b">
-            <a:normAutofit/>
-          </a:bodyPr>
-          <a:lstStyle/>
-          <a:p>
-            <a:pPr algn="ctr"/>
-            <a:r>
-              <a:rPr lang="en-US" sz="7200"/>
-              <a:t>Callback Hell Example</a:t>
-            </a:r>
-          </a:p>
-        </p:txBody>
-      </p:sp>
-      <p:pic>
-        <p:nvPicPr>
-          <p:cNvPr id="3" name="Picture 2"/>
-          <p:cNvPicPr>
-            <a:picLocks noChangeAspect="1"/>
-          </p:cNvPicPr>
-          <p:nvPr/>
-        </p:nvPicPr>
-        <p:blipFill>
-          <a:blip r:embed="rId3"/>
-          <a:stretch>
-            <a:fillRect/>
-          </a:stretch>
-        </p:blipFill>
-        <p:spPr>
-          <a:xfrm>
-            <a:off x="2710673" y="454574"/>
-            <a:ext cx="7154251" cy="3183829"/>
-          </a:xfrm>
-          <a:prstGeom prst="rect">
-            <a:avLst/>
-          </a:prstGeom>
-        </p:spPr>
-      </p:pic>
-    </p:spTree>
-    <p:extLst>
-      <p:ext uri="{BB962C8B-B14F-4D97-AF65-F5344CB8AC3E}">
-        <p14:creationId xmlns:p14="http://schemas.microsoft.com/office/powerpoint/2010/main" val="3837414639"/>
-      </p:ext>
-    </p:extLst>
-  </p:cSld>
-  <p:clrMapOvr>
-    <a:masterClrMapping/>
-  </p:clrMapOvr>
-</p:sld>
-</file>
-
 <file path=ppt/slides/slide8.xml><?xml version="1.0" encoding="utf-8"?>
 <p:sld xmlns:a="http://schemas.openxmlformats.org/drawingml/2006/main" xmlns:r="http://schemas.openxmlformats.org/officeDocument/2006/relationships" xmlns:p="http://schemas.openxmlformats.org/presentationml/2006/main">
   <p:cSld>
@@ -23188,8 +19554,12 @@
           <a:lstStyle/>
           <a:p>
             <a:r>
+              <a:rPr lang="en-US" dirty="0" smtClean="0"/>
+              <a:t>Callback hell non </a:t>
+            </a:r>
+            <a:r>
               <a:rPr lang="en-US" dirty="0"/>
-              <a:t>Non fixes</a:t>
+              <a:t>fixes</a:t>
             </a:r>
           </a:p>
         </p:txBody>
@@ -23256,22 +19626,28 @@
       </p:sp>
       <p:pic>
         <p:nvPicPr>
-          <p:cNvPr id="5" name="Picture 4"/>
+          <p:cNvPr id="7" name="Рисунок 6"/>
           <p:cNvPicPr>
             <a:picLocks noChangeAspect="1"/>
           </p:cNvPicPr>
           <p:nvPr/>
         </p:nvPicPr>
         <p:blipFill>
-          <a:blip r:embed="rId2"/>
+          <a:blip r:embed="rId2">
+            <a:extLst>
+              <a:ext uri="{28A0092B-C50C-407E-A947-70E740481C1C}">
+                <a14:useLocalDpi xmlns:a14="http://schemas.microsoft.com/office/drawing/2010/main" val="0"/>
+              </a:ext>
+            </a:extLst>
+          </a:blip>
           <a:stretch>
             <a:fillRect/>
           </a:stretch>
         </p:blipFill>
         <p:spPr>
           <a:xfrm>
-            <a:off x="369576" y="3973674"/>
-            <a:ext cx="5316914" cy="1842336"/>
+            <a:off x="356596" y="3915627"/>
+            <a:ext cx="5381303" cy="2377107"/>
           </a:xfrm>
           <a:prstGeom prst="rect">
             <a:avLst/>
@@ -23280,22 +19656,28 @@
       </p:pic>
       <p:pic>
         <p:nvPicPr>
-          <p:cNvPr id="6" name="Picture 5"/>
+          <p:cNvPr id="8" name="Рисунок 7"/>
           <p:cNvPicPr>
             <a:picLocks noChangeAspect="1"/>
           </p:cNvPicPr>
           <p:nvPr/>
         </p:nvPicPr>
         <p:blipFill>
-          <a:blip r:embed="rId3"/>
+          <a:blip r:embed="rId3">
+            <a:extLst>
+              <a:ext uri="{28A0092B-C50C-407E-A947-70E740481C1C}">
+                <a14:useLocalDpi xmlns:a14="http://schemas.microsoft.com/office/drawing/2010/main" val="0"/>
+              </a:ext>
+            </a:extLst>
+          </a:blip>
           <a:stretch>
             <a:fillRect/>
           </a:stretch>
         </p:blipFill>
         <p:spPr>
           <a:xfrm>
-            <a:off x="5980112" y="4101263"/>
-            <a:ext cx="5857068" cy="1417033"/>
+            <a:off x="5938370" y="3783763"/>
+            <a:ext cx="5940549" cy="2666580"/>
           </a:xfrm>
           <a:prstGeom prst="rect">
             <a:avLst/>
@@ -24218,30 +20600,6 @@
           </p:spPr>
         </p:sp>
       </p:grpSp>
-      <p:pic>
-        <p:nvPicPr>
-          <p:cNvPr id="6" name="Picture 5"/>
-          <p:cNvPicPr>
-            <a:picLocks noChangeAspect="1"/>
-          </p:cNvPicPr>
-          <p:nvPr/>
-        </p:nvPicPr>
-        <p:blipFill>
-          <a:blip r:embed="rId3"/>
-          <a:stretch>
-            <a:fillRect/>
-          </a:stretch>
-        </p:blipFill>
-        <p:spPr>
-          <a:xfrm>
-            <a:off x="5194607" y="1022921"/>
-            <a:ext cx="6391533" cy="4812158"/>
-          </a:xfrm>
-          <a:prstGeom prst="rect">
-            <a:avLst/>
-          </a:prstGeom>
-        </p:spPr>
-      </p:pic>
       <p:sp>
         <p:nvSpPr>
           <p:cNvPr id="19" name="Rectangle 18"/>
@@ -24368,6 +20726,36 @@
           </a:p>
         </p:txBody>
       </p:sp>
+      <p:pic>
+        <p:nvPicPr>
+          <p:cNvPr id="3" name="Рисунок 2"/>
+          <p:cNvPicPr>
+            <a:picLocks noChangeAspect="1"/>
+          </p:cNvPicPr>
+          <p:nvPr/>
+        </p:nvPicPr>
+        <p:blipFill>
+          <a:blip r:embed="rId3">
+            <a:extLst>
+              <a:ext uri="{28A0092B-C50C-407E-A947-70E740481C1C}">
+                <a14:useLocalDpi xmlns:a14="http://schemas.microsoft.com/office/drawing/2010/main" val="0"/>
+              </a:ext>
+            </a:extLst>
+          </a:blip>
+          <a:stretch>
+            <a:fillRect/>
+          </a:stretch>
+        </p:blipFill>
+        <p:spPr>
+          <a:xfrm>
+            <a:off x="5319124" y="1483784"/>
+            <a:ext cx="5510274" cy="4070653"/>
+          </a:xfrm>
+          <a:prstGeom prst="rect">
+            <a:avLst/>
+          </a:prstGeom>
+        </p:spPr>
+      </p:pic>
     </p:spTree>
     <p:extLst>
       <p:ext uri="{BB962C8B-B14F-4D97-AF65-F5344CB8AC3E}">

--- a/Asynchronous JavaScript.pptx
+++ b/Asynchronous JavaScript.pptx
@@ -22,8 +22,13 @@
     <p:sldId id="280" r:id="rId16"/>
     <p:sldId id="262" r:id="rId17"/>
     <p:sldId id="263" r:id="rId18"/>
-    <p:sldId id="266" r:id="rId19"/>
-    <p:sldId id="267" r:id="rId20"/>
+    <p:sldId id="281" r:id="rId19"/>
+    <p:sldId id="282" r:id="rId20"/>
+    <p:sldId id="266" r:id="rId21"/>
+    <p:sldId id="283" r:id="rId22"/>
+    <p:sldId id="284" r:id="rId23"/>
+    <p:sldId id="285" r:id="rId24"/>
+    <p:sldId id="267" r:id="rId25"/>
   </p:sldIdLst>
   <p:sldSz cx="12192000" cy="6858000"/>
   <p:notesSz cx="6858000" cy="9144000"/>
@@ -13817,6 +13822,13 @@
   <p:clrMapOvr>
     <a:masterClrMapping/>
   </p:clrMapOvr>
+  <p:timing>
+    <p:tnLst>
+      <p:par>
+        <p:cTn id="1" dur="indefinite" restart="never" nodeType="tmRoot"/>
+      </p:par>
+    </p:tnLst>
+  </p:timing>
 </p:sld>
 </file>
 
@@ -15822,6 +15834,13 @@
   <p:clrMapOvr>
     <a:masterClrMapping/>
   </p:clrMapOvr>
+  <p:timing>
+    <p:tnLst>
+      <p:par>
+        <p:cTn id="1" dur="indefinite" restart="never" nodeType="tmRoot"/>
+      </p:par>
+    </p:tnLst>
+  </p:timing>
 </p:sld>
 </file>
 
@@ -17832,6 +17851,13 @@
   <p:clrMapOvr>
     <a:masterClrMapping/>
   </p:clrMapOvr>
+  <p:timing>
+    <p:tnLst>
+      <p:par>
+        <p:cTn id="1" dur="indefinite" restart="never" nodeType="tmRoot"/>
+      </p:par>
+    </p:tnLst>
+  </p:timing>
 </p:sld>
 </file>
 
@@ -18065,6 +18091,13 @@
   <p:clrMapOvr>
     <a:masterClrMapping/>
   </p:clrMapOvr>
+  <p:timing>
+    <p:tnLst>
+      <p:par>
+        <p:cTn id="1" dur="indefinite" restart="never" nodeType="tmRoot"/>
+      </p:par>
+    </p:tnLst>
+  </p:timing>
 </p:sld>
 </file>
 
@@ -18178,6 +18211,13 @@
   <p:clrMapOvr>
     <a:masterClrMapping/>
   </p:clrMapOvr>
+  <p:timing>
+    <p:tnLst>
+      <p:par>
+        <p:cTn id="1" dur="indefinite" restart="never" nodeType="tmRoot"/>
+      </p:par>
+    </p:tnLst>
+  </p:timing>
 </p:sld>
 </file>
 
@@ -18294,6 +18334,13 @@
   <p:clrMapOvr>
     <a:masterClrMapping/>
   </p:clrMapOvr>
+  <p:timing>
+    <p:tnLst>
+      <p:par>
+        <p:cTn id="1" dur="indefinite" restart="never" nodeType="tmRoot"/>
+      </p:par>
+    </p:tnLst>
+  </p:timing>
 </p:sld>
 </file>
 
@@ -18440,6 +18487,13 @@
   <p:clrMapOvr>
     <a:masterClrMapping/>
   </p:clrMapOvr>
+  <p:timing>
+    <p:tnLst>
+      <p:par>
+        <p:cTn id="1" dur="indefinite" restart="never" nodeType="tmRoot"/>
+      </p:par>
+    </p:tnLst>
+  </p:timing>
 </p:sld>
 </file>
 
@@ -18497,7 +18551,7 @@
         </p:nvSpPr>
         <p:spPr>
           <a:xfrm>
-            <a:off x="1154955" y="2603500"/>
+            <a:off x="764257" y="2730975"/>
             <a:ext cx="3691365" cy="3416300"/>
           </a:xfrm>
         </p:spPr>
@@ -18530,7 +18584,7 @@
           <a:p>
             <a:r>
               <a:rPr lang="en-US" dirty="0" smtClean="0"/>
-              <a:t>Exceptions become error</a:t>
+              <a:t>Exceptions becomes errors</a:t>
             </a:r>
           </a:p>
           <a:p>
@@ -18582,6 +18636,13 @@
   <p:clrMapOvr>
     <a:masterClrMapping/>
   </p:clrMapOvr>
+  <p:timing>
+    <p:tnLst>
+      <p:par>
+        <p:cTn id="1" dur="indefinite" restart="never" nodeType="tmRoot"/>
+      </p:par>
+    </p:tnLst>
+  </p:timing>
 </p:sld>
 </file>
 
@@ -18620,12 +18681,73 @@
           <a:lstStyle/>
           <a:p>
             <a:r>
-              <a:rPr lang="en-US" dirty="0"/>
-              <a:t>Generators</a:t>
+              <a:rPr lang="en-US" dirty="0" smtClean="0"/>
+              <a:t>What is generator ?</a:t>
             </a:r>
+            <a:endParaRPr lang="en-US" dirty="0"/>
           </a:p>
         </p:txBody>
       </p:sp>
+      <p:pic>
+        <p:nvPicPr>
+          <p:cNvPr id="3" name="Рисунок 2"/>
+          <p:cNvPicPr>
+            <a:picLocks noChangeAspect="1"/>
+          </p:cNvPicPr>
+          <p:nvPr/>
+        </p:nvPicPr>
+        <p:blipFill>
+          <a:blip r:embed="rId2">
+            <a:extLst>
+              <a:ext uri="{28A0092B-C50C-407E-A947-70E740481C1C}">
+                <a14:useLocalDpi xmlns:a14="http://schemas.microsoft.com/office/drawing/2010/main" val="0"/>
+              </a:ext>
+            </a:extLst>
+          </a:blip>
+          <a:stretch>
+            <a:fillRect/>
+          </a:stretch>
+        </p:blipFill>
+        <p:spPr>
+          <a:xfrm>
+            <a:off x="6912818" y="2475937"/>
+            <a:ext cx="4866316" cy="4149175"/>
+          </a:xfrm>
+          <a:prstGeom prst="rect">
+            <a:avLst/>
+          </a:prstGeom>
+        </p:spPr>
+      </p:pic>
+      <p:pic>
+        <p:nvPicPr>
+          <p:cNvPr id="7" name="Рисунок 6"/>
+          <p:cNvPicPr>
+            <a:picLocks noChangeAspect="1"/>
+          </p:cNvPicPr>
+          <p:nvPr/>
+        </p:nvPicPr>
+        <p:blipFill>
+          <a:blip r:embed="rId3">
+            <a:extLst>
+              <a:ext uri="{28A0092B-C50C-407E-A947-70E740481C1C}">
+                <a14:useLocalDpi xmlns:a14="http://schemas.microsoft.com/office/drawing/2010/main" val="0"/>
+              </a:ext>
+            </a:extLst>
+          </a:blip>
+          <a:stretch>
+            <a:fillRect/>
+          </a:stretch>
+        </p:blipFill>
+        <p:spPr>
+          <a:xfrm>
+            <a:off x="306954" y="2777635"/>
+            <a:ext cx="6292512" cy="3545780"/>
+          </a:xfrm>
+          <a:prstGeom prst="rect">
+            <a:avLst/>
+          </a:prstGeom>
+        </p:spPr>
+      </p:pic>
     </p:spTree>
     <p:extLst>
       <p:ext uri="{BB962C8B-B14F-4D97-AF65-F5344CB8AC3E}">
@@ -18636,6 +18758,13 @@
   <p:clrMapOvr>
     <a:masterClrMapping/>
   </p:clrMapOvr>
+  <p:timing>
+    <p:tnLst>
+      <p:par>
+        <p:cTn id="1" dur="indefinite" restart="never" nodeType="tmRoot"/>
+      </p:par>
+    </p:tnLst>
+  </p:timing>
 </p:sld>
 </file>
 
@@ -18656,61 +18785,88 @@
           <a:chExt cx="0" cy="0"/>
         </a:xfrm>
       </p:grpSpPr>
+      <p:pic>
+        <p:nvPicPr>
+          <p:cNvPr id="4" name="Объект 3"/>
+          <p:cNvPicPr>
+            <a:picLocks noGrp="1" noChangeAspect="1"/>
+          </p:cNvPicPr>
+          <p:nvPr>
+            <p:ph idx="4294967295"/>
+          </p:nvPr>
+        </p:nvPicPr>
+        <p:blipFill>
+          <a:blip r:embed="rId2">
+            <a:extLst>
+              <a:ext uri="{28A0092B-C50C-407E-A947-70E740481C1C}">
+                <a14:useLocalDpi xmlns:a14="http://schemas.microsoft.com/office/drawing/2010/main" val="0"/>
+              </a:ext>
+            </a:extLst>
+          </a:blip>
+          <a:stretch>
+            <a:fillRect/>
+          </a:stretch>
+        </p:blipFill>
+        <p:spPr>
+          <a:xfrm>
+            <a:off x="2327562" y="708025"/>
+            <a:ext cx="7531332" cy="6067293"/>
+          </a:xfrm>
+        </p:spPr>
+      </p:pic>
       <p:sp>
         <p:nvSpPr>
-          <p:cNvPr id="2" name="Title 1"/>
+          <p:cNvPr id="2" name="Заголовок 1"/>
           <p:cNvSpPr>
             <a:spLocks noGrp="1"/>
           </p:cNvSpPr>
           <p:nvPr>
-            <p:ph type="title"/>
+            <p:ph type="title" idx="4294967295"/>
           </p:nvPr>
         </p:nvSpPr>
-        <p:spPr/>
+        <p:spPr>
+          <a:xfrm>
+            <a:off x="0" y="0"/>
+            <a:ext cx="8761413" cy="708025"/>
+          </a:xfrm>
+        </p:spPr>
         <p:txBody>
           <a:bodyPr/>
           <a:lstStyle/>
           <a:p>
             <a:r>
-              <a:rPr lang="en-US" dirty="0" err="1"/>
-              <a:t>Async</a:t>
+              <a:rPr lang="en-US" dirty="0" smtClean="0">
+                <a:solidFill>
+                  <a:schemeClr val="tx1"/>
+                </a:solidFill>
+              </a:rPr>
+              <a:t>Generator runner</a:t>
             </a:r>
-            <a:r>
-              <a:rPr lang="en-US" dirty="0"/>
-              <a:t>/await</a:t>
-            </a:r>
-          </a:p>
-        </p:txBody>
-      </p:sp>
-      <p:sp>
-        <p:nvSpPr>
-          <p:cNvPr id="3" name="Content Placeholder 2"/>
-          <p:cNvSpPr>
-            <a:spLocks noGrp="1"/>
-          </p:cNvSpPr>
-          <p:nvPr>
-            <p:ph idx="1"/>
-          </p:nvPr>
-        </p:nvSpPr>
-        <p:spPr/>
-        <p:txBody>
-          <a:bodyPr/>
-          <a:lstStyle/>
-          <a:p>
-            <a:endParaRPr lang="en-US" dirty="0"/>
+            <a:endParaRPr lang="ru-RU" dirty="0">
+              <a:solidFill>
+                <a:schemeClr val="tx1"/>
+              </a:solidFill>
+            </a:endParaRPr>
           </a:p>
         </p:txBody>
       </p:sp>
     </p:spTree>
     <p:extLst>
       <p:ext uri="{BB962C8B-B14F-4D97-AF65-F5344CB8AC3E}">
-        <p14:creationId xmlns:p14="http://schemas.microsoft.com/office/powerpoint/2010/main" val="934874800"/>
+        <p14:creationId xmlns:p14="http://schemas.microsoft.com/office/powerpoint/2010/main" val="3765615234"/>
       </p:ext>
     </p:extLst>
   </p:cSld>
   <p:clrMapOvr>
     <a:masterClrMapping/>
   </p:clrMapOvr>
+  <p:timing>
+    <p:tnLst>
+      <p:par>
+        <p:cTn id="1" dur="indefinite" restart="never" nodeType="tmRoot"/>
+      </p:par>
+    </p:tnLst>
+  </p:timing>
 </p:sld>
 </file>
 
@@ -18733,42 +18889,103 @@
       </p:grpSpPr>
       <p:sp>
         <p:nvSpPr>
-          <p:cNvPr id="2" name="Title 1"/>
+          <p:cNvPr id="2" name="Заголовок 1"/>
           <p:cNvSpPr>
             <a:spLocks noGrp="1"/>
           </p:cNvSpPr>
           <p:nvPr>
-            <p:ph type="ctrTitle"/>
+            <p:ph type="title"/>
           </p:nvPr>
         </p:nvSpPr>
-        <p:spPr>
-          <a:xfrm>
-            <a:off x="1133689" y="2977116"/>
-            <a:ext cx="9849743" cy="853967"/>
-          </a:xfrm>
-        </p:spPr>
+        <p:spPr/>
         <p:txBody>
           <a:bodyPr/>
           <a:lstStyle/>
           <a:p>
-            <a:pPr algn="ctr"/>
             <a:r>
-              <a:rPr lang="en-US" dirty="0"/>
-              <a:t>Questions ?</a:t>
+              <a:rPr lang="en-US" dirty="0" smtClean="0"/>
+              <a:t>Generator example</a:t>
             </a:r>
+            <a:endParaRPr lang="ru-RU" dirty="0"/>
           </a:p>
         </p:txBody>
       </p:sp>
+      <p:pic>
+        <p:nvPicPr>
+          <p:cNvPr id="4" name="Объект 3"/>
+          <p:cNvPicPr>
+            <a:picLocks noGrp="1" noChangeAspect="1"/>
+          </p:cNvPicPr>
+          <p:nvPr>
+            <p:ph idx="1"/>
+          </p:nvPr>
+        </p:nvPicPr>
+        <p:blipFill>
+          <a:blip r:embed="rId2">
+            <a:extLst>
+              <a:ext uri="{28A0092B-C50C-407E-A947-70E740481C1C}">
+                <a14:useLocalDpi xmlns:a14="http://schemas.microsoft.com/office/drawing/2010/main" val="0"/>
+              </a:ext>
+            </a:extLst>
+          </a:blip>
+          <a:stretch>
+            <a:fillRect/>
+          </a:stretch>
+        </p:blipFill>
+        <p:spPr>
+          <a:xfrm>
+            <a:off x="369568" y="2299631"/>
+            <a:ext cx="7811671" cy="1490972"/>
+          </a:xfrm>
+        </p:spPr>
+      </p:pic>
+      <p:pic>
+        <p:nvPicPr>
+          <p:cNvPr id="5" name="Рисунок 4"/>
+          <p:cNvPicPr>
+            <a:picLocks noChangeAspect="1"/>
+          </p:cNvPicPr>
+          <p:nvPr/>
+        </p:nvPicPr>
+        <p:blipFill>
+          <a:blip r:embed="rId3">
+            <a:extLst>
+              <a:ext uri="{28A0092B-C50C-407E-A947-70E740481C1C}">
+                <a14:useLocalDpi xmlns:a14="http://schemas.microsoft.com/office/drawing/2010/main" val="0"/>
+              </a:ext>
+            </a:extLst>
+          </a:blip>
+          <a:stretch>
+            <a:fillRect/>
+          </a:stretch>
+        </p:blipFill>
+        <p:spPr>
+          <a:xfrm>
+            <a:off x="4389119" y="3874442"/>
+            <a:ext cx="7556269" cy="2899973"/>
+          </a:xfrm>
+          <a:prstGeom prst="rect">
+            <a:avLst/>
+          </a:prstGeom>
+        </p:spPr>
+      </p:pic>
     </p:spTree>
     <p:extLst>
       <p:ext uri="{BB962C8B-B14F-4D97-AF65-F5344CB8AC3E}">
-        <p14:creationId xmlns:p14="http://schemas.microsoft.com/office/powerpoint/2010/main" val="3701209290"/>
+        <p14:creationId xmlns:p14="http://schemas.microsoft.com/office/powerpoint/2010/main" val="1308367201"/>
       </p:ext>
     </p:extLst>
   </p:cSld>
   <p:clrMapOvr>
     <a:masterClrMapping/>
   </p:clrMapOvr>
+  <p:timing>
+    <p:tnLst>
+      <p:par>
+        <p:cTn id="1" dur="indefinite" restart="never" nodeType="tmRoot"/>
+      </p:par>
+    </p:tnLst>
+  </p:timing>
 </p:sld>
 </file>
 
@@ -18921,6 +19138,835 @@
   <p:clrMapOvr>
     <a:masterClrMapping/>
   </p:clrMapOvr>
+  <p:timing>
+    <p:tnLst>
+      <p:par>
+        <p:cTn id="1" dur="indefinite" restart="never" nodeType="tmRoot"/>
+      </p:par>
+    </p:tnLst>
+  </p:timing>
+</p:sld>
+</file>
+
+<file path=ppt/slides/slide20.xml><?xml version="1.0" encoding="utf-8"?>
+<p:sld xmlns:a="http://schemas.openxmlformats.org/drawingml/2006/main" xmlns:r="http://schemas.openxmlformats.org/officeDocument/2006/relationships" xmlns:p="http://schemas.openxmlformats.org/presentationml/2006/main">
+  <p:cSld>
+    <p:spTree>
+      <p:nvGrpSpPr>
+        <p:cNvPr id="1" name=""/>
+        <p:cNvGrpSpPr/>
+        <p:nvPr/>
+      </p:nvGrpSpPr>
+      <p:grpSpPr>
+        <a:xfrm>
+          <a:off x="0" y="0"/>
+          <a:ext cx="0" cy="0"/>
+          <a:chOff x="0" y="0"/>
+          <a:chExt cx="0" cy="0"/>
+        </a:xfrm>
+      </p:grpSpPr>
+      <p:sp>
+        <p:nvSpPr>
+          <p:cNvPr id="2" name="Title 1"/>
+          <p:cNvSpPr>
+            <a:spLocks noGrp="1"/>
+          </p:cNvSpPr>
+          <p:nvPr>
+            <p:ph type="title"/>
+          </p:nvPr>
+        </p:nvSpPr>
+        <p:spPr/>
+        <p:txBody>
+          <a:bodyPr/>
+          <a:lstStyle/>
+          <a:p>
+            <a:r>
+              <a:rPr lang="en-US" dirty="0" err="1"/>
+              <a:t>Async</a:t>
+            </a:r>
+            <a:r>
+              <a:rPr lang="en-US" dirty="0"/>
+              <a:t>/await</a:t>
+            </a:r>
+          </a:p>
+        </p:txBody>
+      </p:sp>
+      <p:pic>
+        <p:nvPicPr>
+          <p:cNvPr id="4" name="Объект 3"/>
+          <p:cNvPicPr>
+            <a:picLocks noGrp="1" noChangeAspect="1"/>
+          </p:cNvPicPr>
+          <p:nvPr>
+            <p:ph idx="1"/>
+          </p:nvPr>
+        </p:nvPicPr>
+        <p:blipFill>
+          <a:blip r:embed="rId2">
+            <a:extLst>
+              <a:ext uri="{28A0092B-C50C-407E-A947-70E740481C1C}">
+                <a14:useLocalDpi xmlns:a14="http://schemas.microsoft.com/office/drawing/2010/main" val="0"/>
+              </a:ext>
+            </a:extLst>
+          </a:blip>
+          <a:stretch>
+            <a:fillRect/>
+          </a:stretch>
+        </p:blipFill>
+        <p:spPr>
+          <a:xfrm>
+            <a:off x="560770" y="3401403"/>
+            <a:ext cx="11091314" cy="2153654"/>
+          </a:xfrm>
+        </p:spPr>
+      </p:pic>
+    </p:spTree>
+    <p:extLst>
+      <p:ext uri="{BB962C8B-B14F-4D97-AF65-F5344CB8AC3E}">
+        <p14:creationId xmlns:p14="http://schemas.microsoft.com/office/powerpoint/2010/main" val="934874800"/>
+      </p:ext>
+    </p:extLst>
+  </p:cSld>
+  <p:clrMapOvr>
+    <a:masterClrMapping/>
+  </p:clrMapOvr>
+  <p:timing>
+    <p:tnLst>
+      <p:par>
+        <p:cTn id="1" dur="indefinite" restart="never" nodeType="tmRoot"/>
+      </p:par>
+    </p:tnLst>
+  </p:timing>
+</p:sld>
+</file>
+
+<file path=ppt/slides/slide21.xml><?xml version="1.0" encoding="utf-8"?>
+<p:sld xmlns:a="http://schemas.openxmlformats.org/drawingml/2006/main" xmlns:r="http://schemas.openxmlformats.org/officeDocument/2006/relationships" xmlns:p="http://schemas.openxmlformats.org/presentationml/2006/main">
+  <p:cSld>
+    <p:spTree>
+      <p:nvGrpSpPr>
+        <p:cNvPr id="1" name=""/>
+        <p:cNvGrpSpPr/>
+        <p:nvPr/>
+      </p:nvGrpSpPr>
+      <p:grpSpPr>
+        <a:xfrm>
+          <a:off x="0" y="0"/>
+          <a:ext cx="0" cy="0"/>
+          <a:chOff x="0" y="0"/>
+          <a:chExt cx="0" cy="0"/>
+        </a:xfrm>
+      </p:grpSpPr>
+      <p:sp>
+        <p:nvSpPr>
+          <p:cNvPr id="2" name="Заголовок 1"/>
+          <p:cNvSpPr>
+            <a:spLocks noGrp="1"/>
+          </p:cNvSpPr>
+          <p:nvPr>
+            <p:ph type="title"/>
+          </p:nvPr>
+        </p:nvSpPr>
+        <p:spPr/>
+        <p:txBody>
+          <a:bodyPr/>
+          <a:lstStyle/>
+          <a:p>
+            <a:r>
+              <a:rPr lang="en-US" dirty="0" smtClean="0"/>
+              <a:t>Compatibility of Promise</a:t>
+            </a:r>
+            <a:endParaRPr lang="ru-RU" dirty="0"/>
+          </a:p>
+        </p:txBody>
+      </p:sp>
+      <p:pic>
+        <p:nvPicPr>
+          <p:cNvPr id="4" name="Объект 3"/>
+          <p:cNvPicPr>
+            <a:picLocks noGrp="1" noChangeAspect="1"/>
+          </p:cNvPicPr>
+          <p:nvPr>
+            <p:ph idx="1"/>
+          </p:nvPr>
+        </p:nvPicPr>
+        <p:blipFill>
+          <a:blip r:embed="rId2">
+            <a:extLst>
+              <a:ext uri="{28A0092B-C50C-407E-A947-70E740481C1C}">
+                <a14:useLocalDpi xmlns:a14="http://schemas.microsoft.com/office/drawing/2010/main" val="0"/>
+              </a:ext>
+            </a:extLst>
+          </a:blip>
+          <a:stretch>
+            <a:fillRect/>
+          </a:stretch>
+        </p:blipFill>
+        <p:spPr>
+          <a:xfrm>
+            <a:off x="290947" y="2483326"/>
+            <a:ext cx="11740418" cy="2649845"/>
+          </a:xfrm>
+        </p:spPr>
+      </p:pic>
+      <p:sp>
+        <p:nvSpPr>
+          <p:cNvPr id="5" name="TextBox 4"/>
+          <p:cNvSpPr txBox="1"/>
+          <p:nvPr/>
+        </p:nvSpPr>
+        <p:spPr>
+          <a:xfrm>
+            <a:off x="3017520" y="5403273"/>
+            <a:ext cx="441146" cy="369332"/>
+          </a:xfrm>
+          <a:prstGeom prst="rect">
+            <a:avLst/>
+          </a:prstGeom>
+          <a:noFill/>
+        </p:spPr>
+        <p:txBody>
+          <a:bodyPr wrap="none" rtlCol="0">
+            <a:spAutoFit/>
+          </a:bodyPr>
+          <a:lstStyle/>
+          <a:p>
+            <a:r>
+              <a:rPr lang="en-US" dirty="0" smtClean="0"/>
+              <a:t>29</a:t>
+            </a:r>
+            <a:endParaRPr lang="ru-RU" dirty="0"/>
+          </a:p>
+        </p:txBody>
+      </p:sp>
+      <p:sp>
+        <p:nvSpPr>
+          <p:cNvPr id="6" name="TextBox 5"/>
+          <p:cNvSpPr txBox="1"/>
+          <p:nvPr/>
+        </p:nvSpPr>
+        <p:spPr>
+          <a:xfrm>
+            <a:off x="4139738" y="5403273"/>
+            <a:ext cx="441146" cy="369332"/>
+          </a:xfrm>
+          <a:prstGeom prst="rect">
+            <a:avLst/>
+          </a:prstGeom>
+          <a:noFill/>
+        </p:spPr>
+        <p:txBody>
+          <a:bodyPr wrap="none" rtlCol="0">
+            <a:spAutoFit/>
+          </a:bodyPr>
+          <a:lstStyle/>
+          <a:p>
+            <a:r>
+              <a:rPr lang="en-US" dirty="0" smtClean="0"/>
+              <a:t>33</a:t>
+            </a:r>
+            <a:endParaRPr lang="ru-RU" dirty="0"/>
+          </a:p>
+        </p:txBody>
+      </p:sp>
+      <p:sp>
+        <p:nvSpPr>
+          <p:cNvPr id="7" name="TextBox 6"/>
+          <p:cNvSpPr txBox="1"/>
+          <p:nvPr/>
+        </p:nvSpPr>
+        <p:spPr>
+          <a:xfrm>
+            <a:off x="1737359" y="5403273"/>
+            <a:ext cx="441146" cy="369332"/>
+          </a:xfrm>
+          <a:prstGeom prst="rect">
+            <a:avLst/>
+          </a:prstGeom>
+          <a:noFill/>
+        </p:spPr>
+        <p:txBody>
+          <a:bodyPr wrap="none" rtlCol="0">
+            <a:spAutoFit/>
+          </a:bodyPr>
+          <a:lstStyle/>
+          <a:p>
+            <a:r>
+              <a:rPr lang="en-US" dirty="0" smtClean="0"/>
+              <a:t>12</a:t>
+            </a:r>
+            <a:endParaRPr lang="ru-RU" dirty="0"/>
+          </a:p>
+        </p:txBody>
+      </p:sp>
+      <p:sp>
+        <p:nvSpPr>
+          <p:cNvPr id="8" name="TextBox 7"/>
+          <p:cNvSpPr txBox="1"/>
+          <p:nvPr/>
+        </p:nvSpPr>
+        <p:spPr>
+          <a:xfrm>
+            <a:off x="5352779" y="5403273"/>
+            <a:ext cx="505267" cy="369332"/>
+          </a:xfrm>
+          <a:prstGeom prst="rect">
+            <a:avLst/>
+          </a:prstGeom>
+          <a:noFill/>
+        </p:spPr>
+        <p:txBody>
+          <a:bodyPr wrap="none" rtlCol="0">
+            <a:spAutoFit/>
+          </a:bodyPr>
+          <a:lstStyle/>
+          <a:p>
+            <a:r>
+              <a:rPr lang="en-US" dirty="0" smtClean="0"/>
+              <a:t>7.1</a:t>
+            </a:r>
+            <a:endParaRPr lang="ru-RU" dirty="0"/>
+          </a:p>
+        </p:txBody>
+      </p:sp>
+      <p:sp>
+        <p:nvSpPr>
+          <p:cNvPr id="9" name="TextBox 8"/>
+          <p:cNvSpPr txBox="1"/>
+          <p:nvPr/>
+        </p:nvSpPr>
+        <p:spPr>
+          <a:xfrm>
+            <a:off x="6500553" y="5403273"/>
+            <a:ext cx="441146" cy="369332"/>
+          </a:xfrm>
+          <a:prstGeom prst="rect">
+            <a:avLst/>
+          </a:prstGeom>
+          <a:noFill/>
+        </p:spPr>
+        <p:txBody>
+          <a:bodyPr wrap="none" rtlCol="0">
+            <a:spAutoFit/>
+          </a:bodyPr>
+          <a:lstStyle/>
+          <a:p>
+            <a:r>
+              <a:rPr lang="en-US" dirty="0" smtClean="0"/>
+              <a:t>20</a:t>
+            </a:r>
+            <a:endParaRPr lang="ru-RU" dirty="0"/>
+          </a:p>
+        </p:txBody>
+      </p:sp>
+      <p:sp>
+        <p:nvSpPr>
+          <p:cNvPr id="10" name="TextBox 9"/>
+          <p:cNvSpPr txBox="1"/>
+          <p:nvPr/>
+        </p:nvSpPr>
+        <p:spPr>
+          <a:xfrm>
+            <a:off x="7780712" y="5403273"/>
+            <a:ext cx="312906" cy="369332"/>
+          </a:xfrm>
+          <a:prstGeom prst="rect">
+            <a:avLst/>
+          </a:prstGeom>
+          <a:noFill/>
+        </p:spPr>
+        <p:txBody>
+          <a:bodyPr wrap="none" rtlCol="0">
+            <a:spAutoFit/>
+          </a:bodyPr>
+          <a:lstStyle/>
+          <a:p>
+            <a:r>
+              <a:rPr lang="en-US" dirty="0"/>
+              <a:t>8</a:t>
+            </a:r>
+            <a:endParaRPr lang="ru-RU" dirty="0"/>
+          </a:p>
+        </p:txBody>
+      </p:sp>
+      <p:sp>
+        <p:nvSpPr>
+          <p:cNvPr id="11" name="TextBox 10"/>
+          <p:cNvSpPr txBox="1"/>
+          <p:nvPr/>
+        </p:nvSpPr>
+        <p:spPr>
+          <a:xfrm>
+            <a:off x="1154953" y="6042707"/>
+            <a:ext cx="1380506" cy="369332"/>
+          </a:xfrm>
+          <a:prstGeom prst="rect">
+            <a:avLst/>
+          </a:prstGeom>
+          <a:noFill/>
+        </p:spPr>
+        <p:txBody>
+          <a:bodyPr wrap="none" rtlCol="0">
+            <a:spAutoFit/>
+          </a:bodyPr>
+          <a:lstStyle/>
+          <a:p>
+            <a:r>
+              <a:rPr lang="en-US" dirty="0" smtClean="0"/>
+              <a:t>Jul 29 2015</a:t>
+            </a:r>
+            <a:endParaRPr lang="ru-RU" dirty="0"/>
+          </a:p>
+        </p:txBody>
+      </p:sp>
+      <p:sp>
+        <p:nvSpPr>
+          <p:cNvPr id="12" name="TextBox 11"/>
+          <p:cNvSpPr txBox="1"/>
+          <p:nvPr/>
+        </p:nvSpPr>
+        <p:spPr>
+          <a:xfrm>
+            <a:off x="3017520" y="6042707"/>
+            <a:ext cx="1863011" cy="369332"/>
+          </a:xfrm>
+          <a:prstGeom prst="rect">
+            <a:avLst/>
+          </a:prstGeom>
+          <a:noFill/>
+        </p:spPr>
+        <p:txBody>
+          <a:bodyPr wrap="none" rtlCol="0">
+            <a:spAutoFit/>
+          </a:bodyPr>
+          <a:lstStyle/>
+          <a:p>
+            <a:r>
+              <a:rPr lang="en-US" dirty="0" smtClean="0"/>
+              <a:t>Feb – Mar 2014</a:t>
+            </a:r>
+            <a:endParaRPr lang="ru-RU" dirty="0"/>
+          </a:p>
+        </p:txBody>
+      </p:sp>
+      <p:sp>
+        <p:nvSpPr>
+          <p:cNvPr id="13" name="TextBox 12"/>
+          <p:cNvSpPr txBox="1"/>
+          <p:nvPr/>
+        </p:nvSpPr>
+        <p:spPr>
+          <a:xfrm>
+            <a:off x="6128656" y="6042707"/>
+            <a:ext cx="1184940" cy="369332"/>
+          </a:xfrm>
+          <a:prstGeom prst="rect">
+            <a:avLst/>
+          </a:prstGeom>
+          <a:noFill/>
+        </p:spPr>
+        <p:txBody>
+          <a:bodyPr wrap="none" rtlCol="0">
+            <a:spAutoFit/>
+          </a:bodyPr>
+          <a:lstStyle/>
+          <a:p>
+            <a:r>
+              <a:rPr lang="en-US" dirty="0" smtClean="0"/>
+              <a:t>Sep 2014</a:t>
+            </a:r>
+            <a:endParaRPr lang="ru-RU" dirty="0"/>
+          </a:p>
+        </p:txBody>
+      </p:sp>
+    </p:spTree>
+    <p:extLst>
+      <p:ext uri="{BB962C8B-B14F-4D97-AF65-F5344CB8AC3E}">
+        <p14:creationId xmlns:p14="http://schemas.microsoft.com/office/powerpoint/2010/main" val="3366720710"/>
+      </p:ext>
+    </p:extLst>
+  </p:cSld>
+  <p:clrMapOvr>
+    <a:masterClrMapping/>
+  </p:clrMapOvr>
+  <p:timing>
+    <p:tnLst>
+      <p:par>
+        <p:cTn id="1" dur="indefinite" restart="never" nodeType="tmRoot"/>
+      </p:par>
+    </p:tnLst>
+  </p:timing>
+</p:sld>
+</file>
+
+<file path=ppt/slides/slide22.xml><?xml version="1.0" encoding="utf-8"?>
+<p:sld xmlns:a="http://schemas.openxmlformats.org/drawingml/2006/main" xmlns:r="http://schemas.openxmlformats.org/officeDocument/2006/relationships" xmlns:p="http://schemas.openxmlformats.org/presentationml/2006/main">
+  <p:cSld>
+    <p:spTree>
+      <p:nvGrpSpPr>
+        <p:cNvPr id="1" name=""/>
+        <p:cNvGrpSpPr/>
+        <p:nvPr/>
+      </p:nvGrpSpPr>
+      <p:grpSpPr>
+        <a:xfrm>
+          <a:off x="0" y="0"/>
+          <a:ext cx="0" cy="0"/>
+          <a:chOff x="0" y="0"/>
+          <a:chExt cx="0" cy="0"/>
+        </a:xfrm>
+      </p:grpSpPr>
+      <p:sp>
+        <p:nvSpPr>
+          <p:cNvPr id="2" name="Заголовок 1"/>
+          <p:cNvSpPr>
+            <a:spLocks noGrp="1"/>
+          </p:cNvSpPr>
+          <p:nvPr>
+            <p:ph type="title"/>
+          </p:nvPr>
+        </p:nvSpPr>
+        <p:spPr/>
+        <p:txBody>
+          <a:bodyPr/>
+          <a:lstStyle/>
+          <a:p>
+            <a:r>
+              <a:rPr lang="en-US" dirty="0" smtClean="0"/>
+              <a:t>Compatibility of Generators</a:t>
+            </a:r>
+            <a:endParaRPr lang="ru-RU" dirty="0"/>
+          </a:p>
+        </p:txBody>
+      </p:sp>
+      <p:pic>
+        <p:nvPicPr>
+          <p:cNvPr id="4" name="Объект 3"/>
+          <p:cNvPicPr>
+            <a:picLocks noGrp="1" noChangeAspect="1"/>
+          </p:cNvPicPr>
+          <p:nvPr>
+            <p:ph idx="1"/>
+          </p:nvPr>
+        </p:nvPicPr>
+        <p:blipFill>
+          <a:blip r:embed="rId2">
+            <a:extLst>
+              <a:ext uri="{28A0092B-C50C-407E-A947-70E740481C1C}">
+                <a14:useLocalDpi xmlns:a14="http://schemas.microsoft.com/office/drawing/2010/main" val="0"/>
+              </a:ext>
+            </a:extLst>
+          </a:blip>
+          <a:stretch>
+            <a:fillRect/>
+          </a:stretch>
+        </p:blipFill>
+        <p:spPr>
+          <a:xfrm>
+            <a:off x="531295" y="2726673"/>
+            <a:ext cx="11131461" cy="1924421"/>
+          </a:xfrm>
+        </p:spPr>
+      </p:pic>
+      <p:pic>
+        <p:nvPicPr>
+          <p:cNvPr id="5" name="Рисунок 4"/>
+          <p:cNvPicPr>
+            <a:picLocks noChangeAspect="1"/>
+          </p:cNvPicPr>
+          <p:nvPr/>
+        </p:nvPicPr>
+        <p:blipFill>
+          <a:blip r:embed="rId3">
+            <a:extLst>
+              <a:ext uri="{28A0092B-C50C-407E-A947-70E740481C1C}">
+                <a14:useLocalDpi xmlns:a14="http://schemas.microsoft.com/office/drawing/2010/main" val="0"/>
+              </a:ext>
+            </a:extLst>
+          </a:blip>
+          <a:stretch>
+            <a:fillRect/>
+          </a:stretch>
+        </p:blipFill>
+        <p:spPr>
+          <a:xfrm>
+            <a:off x="42132" y="4899115"/>
+            <a:ext cx="12116616" cy="1363459"/>
+          </a:xfrm>
+          <a:prstGeom prst="rect">
+            <a:avLst/>
+          </a:prstGeom>
+        </p:spPr>
+      </p:pic>
+      <p:sp>
+        <p:nvSpPr>
+          <p:cNvPr id="6" name="TextBox 5"/>
+          <p:cNvSpPr txBox="1"/>
+          <p:nvPr/>
+        </p:nvSpPr>
+        <p:spPr>
+          <a:xfrm>
+            <a:off x="2069869" y="6325929"/>
+            <a:ext cx="1895071" cy="369332"/>
+          </a:xfrm>
+          <a:prstGeom prst="rect">
+            <a:avLst/>
+          </a:prstGeom>
+          <a:noFill/>
+        </p:spPr>
+        <p:txBody>
+          <a:bodyPr wrap="none" rtlCol="0">
+            <a:spAutoFit/>
+          </a:bodyPr>
+          <a:lstStyle/>
+          <a:p>
+            <a:r>
+              <a:rPr lang="en-US" dirty="0" smtClean="0"/>
+              <a:t>Apr – May 2016</a:t>
+            </a:r>
+            <a:endParaRPr lang="ru-RU" dirty="0"/>
+          </a:p>
+        </p:txBody>
+      </p:sp>
+      <p:sp>
+        <p:nvSpPr>
+          <p:cNvPr id="7" name="TextBox 6"/>
+          <p:cNvSpPr txBox="1"/>
+          <p:nvPr/>
+        </p:nvSpPr>
+        <p:spPr>
+          <a:xfrm>
+            <a:off x="1404335" y="2233331"/>
+            <a:ext cx="1212191" cy="369332"/>
+          </a:xfrm>
+          <a:prstGeom prst="rect">
+            <a:avLst/>
+          </a:prstGeom>
+          <a:noFill/>
+        </p:spPr>
+        <p:txBody>
+          <a:bodyPr wrap="none" rtlCol="0">
+            <a:spAutoFit/>
+          </a:bodyPr>
+          <a:lstStyle/>
+          <a:p>
+            <a:r>
+              <a:rPr lang="en-US" dirty="0" smtClean="0"/>
+              <a:t>Nov 2015</a:t>
+            </a:r>
+            <a:endParaRPr lang="ru-RU" dirty="0"/>
+          </a:p>
+        </p:txBody>
+      </p:sp>
+    </p:spTree>
+    <p:extLst>
+      <p:ext uri="{BB962C8B-B14F-4D97-AF65-F5344CB8AC3E}">
+        <p14:creationId xmlns:p14="http://schemas.microsoft.com/office/powerpoint/2010/main" val="2456631440"/>
+      </p:ext>
+    </p:extLst>
+  </p:cSld>
+  <p:clrMapOvr>
+    <a:masterClrMapping/>
+  </p:clrMapOvr>
+  <p:timing>
+    <p:tnLst>
+      <p:par>
+        <p:cTn id="1" dur="indefinite" restart="never" nodeType="tmRoot"/>
+      </p:par>
+    </p:tnLst>
+  </p:timing>
+</p:sld>
+</file>
+
+<file path=ppt/slides/slide23.xml><?xml version="1.0" encoding="utf-8"?>
+<p:sld xmlns:a="http://schemas.openxmlformats.org/drawingml/2006/main" xmlns:r="http://schemas.openxmlformats.org/officeDocument/2006/relationships" xmlns:p="http://schemas.openxmlformats.org/presentationml/2006/main">
+  <p:cSld>
+    <p:spTree>
+      <p:nvGrpSpPr>
+        <p:cNvPr id="1" name=""/>
+        <p:cNvGrpSpPr/>
+        <p:nvPr/>
+      </p:nvGrpSpPr>
+      <p:grpSpPr>
+        <a:xfrm>
+          <a:off x="0" y="0"/>
+          <a:ext cx="0" cy="0"/>
+          <a:chOff x="0" y="0"/>
+          <a:chExt cx="0" cy="0"/>
+        </a:xfrm>
+      </p:grpSpPr>
+      <p:sp>
+        <p:nvSpPr>
+          <p:cNvPr id="2" name="Заголовок 1"/>
+          <p:cNvSpPr>
+            <a:spLocks noGrp="1"/>
+          </p:cNvSpPr>
+          <p:nvPr>
+            <p:ph type="title"/>
+          </p:nvPr>
+        </p:nvSpPr>
+        <p:spPr/>
+        <p:txBody>
+          <a:bodyPr/>
+          <a:lstStyle/>
+          <a:p>
+            <a:r>
+              <a:rPr lang="en-US" dirty="0" smtClean="0"/>
+              <a:t>Compatibility of </a:t>
+            </a:r>
+            <a:r>
+              <a:rPr lang="en-US" dirty="0" err="1" smtClean="0"/>
+              <a:t>async</a:t>
+            </a:r>
+            <a:r>
+              <a:rPr lang="en-US" dirty="0" smtClean="0"/>
+              <a:t>/await</a:t>
+            </a:r>
+            <a:endParaRPr lang="ru-RU" dirty="0"/>
+          </a:p>
+        </p:txBody>
+      </p:sp>
+      <p:pic>
+        <p:nvPicPr>
+          <p:cNvPr id="4" name="Объект 3"/>
+          <p:cNvPicPr>
+            <a:picLocks noGrp="1" noChangeAspect="1"/>
+          </p:cNvPicPr>
+          <p:nvPr>
+            <p:ph idx="1"/>
+          </p:nvPr>
+        </p:nvPicPr>
+        <p:blipFill>
+          <a:blip r:embed="rId2">
+            <a:extLst>
+              <a:ext uri="{28A0092B-C50C-407E-A947-70E740481C1C}">
+                <a14:useLocalDpi xmlns:a14="http://schemas.microsoft.com/office/drawing/2010/main" val="0"/>
+              </a:ext>
+            </a:extLst>
+          </a:blip>
+          <a:stretch>
+            <a:fillRect/>
+          </a:stretch>
+        </p:blipFill>
+        <p:spPr>
+          <a:xfrm>
+            <a:off x="174798" y="3205933"/>
+            <a:ext cx="11880100" cy="2637913"/>
+          </a:xfrm>
+        </p:spPr>
+      </p:pic>
+      <p:sp>
+        <p:nvSpPr>
+          <p:cNvPr id="5" name="TextBox 4"/>
+          <p:cNvSpPr txBox="1"/>
+          <p:nvPr/>
+        </p:nvSpPr>
+        <p:spPr>
+          <a:xfrm>
+            <a:off x="3682538" y="6234546"/>
+            <a:ext cx="1233030" cy="369332"/>
+          </a:xfrm>
+          <a:prstGeom prst="rect">
+            <a:avLst/>
+          </a:prstGeom>
+          <a:noFill/>
+        </p:spPr>
+        <p:txBody>
+          <a:bodyPr wrap="none" rtlCol="0">
+            <a:spAutoFit/>
+          </a:bodyPr>
+          <a:lstStyle/>
+          <a:p>
+            <a:r>
+              <a:rPr lang="en-US" dirty="0" smtClean="0"/>
+              <a:t>Dec 2016</a:t>
+            </a:r>
+            <a:endParaRPr lang="ru-RU" dirty="0"/>
+          </a:p>
+        </p:txBody>
+      </p:sp>
+    </p:spTree>
+    <p:extLst>
+      <p:ext uri="{BB962C8B-B14F-4D97-AF65-F5344CB8AC3E}">
+        <p14:creationId xmlns:p14="http://schemas.microsoft.com/office/powerpoint/2010/main" val="717348695"/>
+      </p:ext>
+    </p:extLst>
+  </p:cSld>
+  <p:clrMapOvr>
+    <a:masterClrMapping/>
+  </p:clrMapOvr>
+  <p:timing>
+    <p:tnLst>
+      <p:par>
+        <p:cTn id="1" dur="indefinite" restart="never" nodeType="tmRoot"/>
+      </p:par>
+    </p:tnLst>
+  </p:timing>
+</p:sld>
+</file>
+
+<file path=ppt/slides/slide24.xml><?xml version="1.0" encoding="utf-8"?>
+<p:sld xmlns:a="http://schemas.openxmlformats.org/drawingml/2006/main" xmlns:r="http://schemas.openxmlformats.org/officeDocument/2006/relationships" xmlns:p="http://schemas.openxmlformats.org/presentationml/2006/main">
+  <p:cSld>
+    <p:spTree>
+      <p:nvGrpSpPr>
+        <p:cNvPr id="1" name=""/>
+        <p:cNvGrpSpPr/>
+        <p:nvPr/>
+      </p:nvGrpSpPr>
+      <p:grpSpPr>
+        <a:xfrm>
+          <a:off x="0" y="0"/>
+          <a:ext cx="0" cy="0"/>
+          <a:chOff x="0" y="0"/>
+          <a:chExt cx="0" cy="0"/>
+        </a:xfrm>
+      </p:grpSpPr>
+      <p:sp>
+        <p:nvSpPr>
+          <p:cNvPr id="2" name="Title 1"/>
+          <p:cNvSpPr>
+            <a:spLocks noGrp="1"/>
+          </p:cNvSpPr>
+          <p:nvPr>
+            <p:ph type="ctrTitle"/>
+          </p:nvPr>
+        </p:nvSpPr>
+        <p:spPr>
+          <a:xfrm>
+            <a:off x="1133689" y="2977116"/>
+            <a:ext cx="9849743" cy="853967"/>
+          </a:xfrm>
+        </p:spPr>
+        <p:txBody>
+          <a:bodyPr/>
+          <a:lstStyle/>
+          <a:p>
+            <a:pPr algn="ctr"/>
+            <a:r>
+              <a:rPr lang="en-US" dirty="0"/>
+              <a:t>Questions ?</a:t>
+            </a:r>
+          </a:p>
+        </p:txBody>
+      </p:sp>
+    </p:spTree>
+    <p:extLst>
+      <p:ext uri="{BB962C8B-B14F-4D97-AF65-F5344CB8AC3E}">
+        <p14:creationId xmlns:p14="http://schemas.microsoft.com/office/powerpoint/2010/main" val="3701209290"/>
+      </p:ext>
+    </p:extLst>
+  </p:cSld>
+  <p:clrMapOvr>
+    <a:masterClrMapping/>
+  </p:clrMapOvr>
+  <p:timing>
+    <p:tnLst>
+      <p:par>
+        <p:cTn id="1" dur="indefinite" restart="never" nodeType="tmRoot"/>
+      </p:par>
+    </p:tnLst>
+  </p:timing>
 </p:sld>
 </file>
 
@@ -19033,6 +20079,13 @@
   <p:clrMapOvr>
     <a:masterClrMapping/>
   </p:clrMapOvr>
+  <p:timing>
+    <p:tnLst>
+      <p:par>
+        <p:cTn id="1" dur="indefinite" restart="never" nodeType="tmRoot"/>
+      </p:par>
+    </p:tnLst>
+  </p:timing>
 </p:sld>
 </file>
 
@@ -19145,6 +20198,13 @@
   <p:clrMapOvr>
     <a:masterClrMapping/>
   </p:clrMapOvr>
+  <p:timing>
+    <p:tnLst>
+      <p:par>
+        <p:cTn id="1" dur="indefinite" restart="never" nodeType="tmRoot"/>
+      </p:par>
+    </p:tnLst>
+  </p:timing>
 </p:sld>
 </file>
 
@@ -19227,6 +20287,13 @@
   <p:clrMapOvr>
     <a:masterClrMapping/>
   </p:clrMapOvr>
+  <p:timing>
+    <p:tnLst>
+      <p:par>
+        <p:cTn id="1" dur="indefinite" restart="never" nodeType="tmRoot"/>
+      </p:par>
+    </p:tnLst>
+  </p:timing>
 </p:sld>
 </file>
 
@@ -19309,6 +20376,13 @@
   <p:clrMapOvr>
     <a:masterClrMapping/>
   </p:clrMapOvr>
+  <p:timing>
+    <p:tnLst>
+      <p:par>
+        <p:cTn id="1" dur="indefinite" restart="never" nodeType="tmRoot"/>
+      </p:par>
+    </p:tnLst>
+  </p:timing>
 </p:sld>
 </file>
 
@@ -19402,15 +20476,23 @@
           <a:p>
             <a:pPr lvl="1"/>
             <a:r>
+              <a:rPr lang="en-US" dirty="0" smtClean="0"/>
+              <a:t>Too </a:t>
+            </a:r>
+            <a:r>
               <a:rPr lang="en-US" dirty="0"/>
-              <a:t>To early</a:t>
+              <a:t>early</a:t>
             </a:r>
           </a:p>
           <a:p>
             <a:pPr lvl="1"/>
             <a:r>
+              <a:rPr lang="en-US" dirty="0" smtClean="0"/>
+              <a:t>Too </a:t>
+            </a:r>
+            <a:r>
               <a:rPr lang="en-US" dirty="0"/>
-              <a:t>To late</a:t>
+              <a:t>late</a:t>
             </a:r>
           </a:p>
           <a:p>
@@ -19518,6 +20600,13 @@
   <p:clrMapOvr>
     <a:masterClrMapping/>
   </p:clrMapOvr>
+  <p:timing>
+    <p:tnLst>
+      <p:par>
+        <p:cTn id="1" dur="indefinite" restart="never" nodeType="tmRoot"/>
+      </p:par>
+    </p:tnLst>
+  </p:timing>
 </p:sld>
 </file>
 
@@ -19694,6 +20783,13 @@
   <p:clrMapOvr>
     <a:masterClrMapping/>
   </p:clrMapOvr>
+  <p:timing>
+    <p:tnLst>
+      <p:par>
+        <p:cTn id="1" dur="indefinite" restart="never" nodeType="tmRoot"/>
+      </p:par>
+    </p:tnLst>
+  </p:timing>
 </p:sld>
 </file>
 
@@ -20766,6 +21862,13 @@
   <p:clrMapOvr>
     <a:masterClrMapping/>
   </p:clrMapOvr>
+  <p:timing>
+    <p:tnLst>
+      <p:par>
+        <p:cTn id="1" dur="indefinite" restart="never" nodeType="tmRoot"/>
+      </p:par>
+    </p:tnLst>
+  </p:timing>
 </p:sld>
 </file>
 

--- a/Asynchronous JavaScript.pptx
+++ b/Asynchronous JavaScript.pptx
@@ -11,24 +11,29 @@
     <p:sldId id="274" r:id="rId5"/>
     <p:sldId id="275" r:id="rId6"/>
     <p:sldId id="276" r:id="rId7"/>
-    <p:sldId id="260" r:id="rId8"/>
-    <p:sldId id="270" r:id="rId9"/>
-    <p:sldId id="261" r:id="rId10"/>
-    <p:sldId id="268" r:id="rId11"/>
-    <p:sldId id="269" r:id="rId12"/>
-    <p:sldId id="277" r:id="rId13"/>
-    <p:sldId id="278" r:id="rId14"/>
-    <p:sldId id="279" r:id="rId15"/>
-    <p:sldId id="280" r:id="rId16"/>
-    <p:sldId id="262" r:id="rId17"/>
-    <p:sldId id="263" r:id="rId18"/>
-    <p:sldId id="281" r:id="rId19"/>
-    <p:sldId id="282" r:id="rId20"/>
-    <p:sldId id="266" r:id="rId21"/>
-    <p:sldId id="283" r:id="rId22"/>
-    <p:sldId id="284" r:id="rId23"/>
-    <p:sldId id="285" r:id="rId24"/>
-    <p:sldId id="267" r:id="rId25"/>
+    <p:sldId id="286" r:id="rId8"/>
+    <p:sldId id="260" r:id="rId9"/>
+    <p:sldId id="270" r:id="rId10"/>
+    <p:sldId id="277" r:id="rId11"/>
+    <p:sldId id="278" r:id="rId12"/>
+    <p:sldId id="262" r:id="rId13"/>
+    <p:sldId id="287" r:id="rId14"/>
+    <p:sldId id="288" r:id="rId15"/>
+    <p:sldId id="289" r:id="rId16"/>
+    <p:sldId id="290" r:id="rId17"/>
+    <p:sldId id="280" r:id="rId18"/>
+    <p:sldId id="263" r:id="rId19"/>
+    <p:sldId id="291" r:id="rId20"/>
+    <p:sldId id="282" r:id="rId21"/>
+    <p:sldId id="292" r:id="rId22"/>
+    <p:sldId id="293" r:id="rId23"/>
+    <p:sldId id="266" r:id="rId24"/>
+    <p:sldId id="283" r:id="rId25"/>
+    <p:sldId id="284" r:id="rId26"/>
+    <p:sldId id="285" r:id="rId27"/>
+    <p:sldId id="294" r:id="rId28"/>
+    <p:sldId id="267" r:id="rId29"/>
+    <p:sldId id="295" r:id="rId30"/>
   </p:sldIdLst>
   <p:sldSz cx="12192000" cy="6858000"/>
   <p:notesSz cx="6858000" cy="9144000"/>
@@ -782,7 +787,7 @@
             <a:fld id="{1E700B27-DE4C-4B9E-BB11-B9027034A00F}" type="datetimeFigureOut">
               <a:rPr lang="en-US" dirty="0"/>
               <a:pPr/>
-              <a:t>2/12/2017</a:t>
+              <a:t>2/15/2017</a:t>
             </a:fld>
             <a:endParaRPr lang="en-US" dirty="0"/>
           </a:p>
@@ -1902,7 +1907,7 @@
           <a:p>
             <a:fld id="{C40F4739-9812-4A9F-890D-2AD6BA5F6EE8}" type="datetimeFigureOut">
               <a:rPr lang="en-US" dirty="0"/>
-              <a:t>2/12/2017</a:t>
+              <a:t>2/15/2017</a:t>
             </a:fld>
             <a:endParaRPr lang="en-US" dirty="0"/>
           </a:p>
@@ -2913,7 +2918,7 @@
           <a:p>
             <a:fld id="{18845AC5-A3F8-44AA-BA8F-596CDCC976D3}" type="datetimeFigureOut">
               <a:rPr lang="en-US" dirty="0"/>
-              <a:t>2/12/2017</a:t>
+              <a:t>2/15/2017</a:t>
             </a:fld>
             <a:endParaRPr lang="en-US" dirty="0"/>
           </a:p>
@@ -4083,7 +4088,7 @@
           <a:p>
             <a:fld id="{C873B183-A821-4095-A363-9EC968635539}" type="datetimeFigureOut">
               <a:rPr lang="en-US" dirty="0"/>
-              <a:t>2/12/2017</a:t>
+              <a:t>2/15/2017</a:t>
             </a:fld>
             <a:endParaRPr lang="en-US" dirty="0"/>
           </a:p>
@@ -5144,7 +5149,7 @@
           <a:p>
             <a:fld id="{174D01B4-0AA5-45E6-B2E6-5FA4078AEBCF}" type="datetimeFigureOut">
               <a:rPr lang="en-US" dirty="0"/>
-              <a:t>2/12/2017</a:t>
+              <a:t>2/15/2017</a:t>
             </a:fld>
             <a:endParaRPr lang="en-US" dirty="0"/>
           </a:p>
@@ -5790,7 +5795,7 @@
           <a:p>
             <a:fld id="{4147335C-0450-40D7-8612-B3203BED4F28}" type="datetimeFigureOut">
               <a:rPr lang="en-US" dirty="0"/>
-              <a:t>2/12/2017</a:t>
+              <a:t>2/15/2017</a:t>
             </a:fld>
             <a:endParaRPr lang="en-US" dirty="0"/>
           </a:p>
@@ -6637,7 +6642,7 @@
           <a:p>
             <a:fld id="{D246A105-2A1C-4284-B4EA-07CF89B1A393}" type="datetimeFigureOut">
               <a:rPr lang="en-US" dirty="0"/>
-              <a:t>2/12/2017</a:t>
+              <a:t>2/15/2017</a:t>
             </a:fld>
             <a:endParaRPr lang="en-US" dirty="0"/>
           </a:p>
@@ -6812,7 +6817,7 @@
           <a:p>
             <a:fld id="{80DBE609-F3F2-45E6-BD6A-E03A8C86C1AE}" type="datetimeFigureOut">
               <a:rPr lang="en-US" dirty="0"/>
-              <a:t>2/12/2017</a:t>
+              <a:t>2/15/2017</a:t>
             </a:fld>
             <a:endParaRPr lang="en-US" dirty="0"/>
           </a:p>
@@ -7810,7 +7815,7 @@
           <a:p>
             <a:fld id="{7A24AD68-089C-4467-A8F3-EA2BBCA6B44E}" type="datetimeFigureOut">
               <a:rPr lang="en-US" dirty="0"/>
-              <a:t>2/12/2017</a:t>
+              <a:t>2/15/2017</a:t>
             </a:fld>
             <a:endParaRPr lang="en-US" dirty="0"/>
           </a:p>
@@ -8016,7 +8021,7 @@
           <a:p>
             <a:fld id="{75C51FCE-E4BB-4680-8E50-3C0E348D2609}" type="datetimeFigureOut">
               <a:rPr lang="en-US" dirty="0"/>
-              <a:t>2/12/2017</a:t>
+              <a:t>2/15/2017</a:t>
             </a:fld>
             <a:endParaRPr lang="en-US" dirty="0"/>
           </a:p>
@@ -9078,7 +9083,7 @@
           <a:p>
             <a:fld id="{8AAA073D-A903-47F8-8D16-77642FB0DF1F}" type="datetimeFigureOut">
               <a:rPr lang="en-US" dirty="0"/>
-              <a:t>2/12/2017</a:t>
+              <a:t>2/15/2017</a:t>
             </a:fld>
             <a:endParaRPr lang="en-US" dirty="0"/>
           </a:p>
@@ -9350,7 +9355,7 @@
           <a:p>
             <a:fld id="{AB91FA40-626B-4CA1-85D0-7A9016E395BA}" type="datetimeFigureOut">
               <a:rPr lang="en-US" dirty="0"/>
-              <a:t>2/12/2017</a:t>
+              <a:t>2/15/2017</a:t>
             </a:fld>
             <a:endParaRPr lang="en-US" dirty="0"/>
           </a:p>
@@ -9732,7 +9737,7 @@
           <a:p>
             <a:fld id="{C3F425EA-B9DC-48A7-991E-9A82573B1B21}" type="datetimeFigureOut">
               <a:rPr lang="en-US" dirty="0"/>
-              <a:t>2/12/2017</a:t>
+              <a:t>2/15/2017</a:t>
             </a:fld>
             <a:endParaRPr lang="en-US" dirty="0"/>
           </a:p>
@@ -9850,7 +9855,7 @@
           <a:p>
             <a:fld id="{66CB97F8-6CEB-469B-AFCC-889F2A2B1D5A}" type="datetimeFigureOut">
               <a:rPr lang="en-US" dirty="0"/>
-              <a:t>2/12/2017</a:t>
+              <a:t>2/15/2017</a:t>
             </a:fld>
             <a:endParaRPr lang="en-US" dirty="0"/>
           </a:p>
@@ -9945,7 +9950,7 @@
           <a:p>
             <a:fld id="{8FA9179F-009E-4FA5-B091-7EBB82A185BD}" type="datetimeFigureOut">
               <a:rPr lang="en-US" dirty="0"/>
-              <a:t>2/12/2017</a:t>
+              <a:t>2/15/2017</a:t>
             </a:fld>
             <a:endParaRPr lang="en-US" dirty="0"/>
           </a:p>
@@ -11054,7 +11059,7 @@
           <a:p>
             <a:fld id="{8E665CEB-0076-4E37-B880-BCEA9784DE0A}" type="datetimeFigureOut">
               <a:rPr lang="en-US" dirty="0"/>
-              <a:t>2/12/2017</a:t>
+              <a:t>2/15/2017</a:t>
             </a:fld>
             <a:endParaRPr lang="en-US" dirty="0"/>
           </a:p>
@@ -12187,7 +12192,7 @@
           <a:p>
             <a:fld id="{A6149E5E-3896-4118-99A7-7B85668F1C5E}" type="datetimeFigureOut">
               <a:rPr lang="en-US" dirty="0"/>
-              <a:t>2/12/2017</a:t>
+              <a:t>2/15/2017</a:t>
             </a:fld>
             <a:endParaRPr lang="en-US" dirty="0"/>
           </a:p>
@@ -13215,7 +13220,7 @@
           <a:p>
             <a:fld id="{7E0D914D-B099-4142-A885-11F276715148}" type="datetimeFigureOut">
               <a:rPr lang="en-US" dirty="0"/>
-              <a:t>2/12/2017</a:t>
+              <a:t>2/15/2017</a:t>
             </a:fld>
             <a:endParaRPr lang="en-US" dirty="0"/>
           </a:p>
@@ -13851,4035 +13856,6 @@
       </p:grpSpPr>
       <p:sp>
         <p:nvSpPr>
-          <p:cNvPr id="7" name="Rectangle 6"/>
-          <p:cNvSpPr>
-            <a:spLocks noGrp="1" noRot="1" noChangeAspect="1" noMove="1" noResize="1" noEditPoints="1" noAdjustHandles="1" noChangeArrowheads="1" noChangeShapeType="1" noTextEdit="1"/>
-          </p:cNvSpPr>
-          <p:nvPr>
-            <p:extLst>
-              <p:ext uri="{386F3935-93C4-4BCD-93E2-E3B085C9AB24}">
-                <p16:designElem xmlns:p16="http://schemas.microsoft.com/office/powerpoint/2015/main" val="1"/>
-              </p:ext>
-            </p:extLst>
-          </p:nvPr>
-        </p:nvSpPr>
-        <p:spPr bwMode="white">
-          <a:xfrm>
-            <a:off x="0" y="0"/>
-            <a:ext cx="12192000" cy="6858000"/>
-          </a:xfrm>
-          <a:prstGeom prst="rect">
-            <a:avLst/>
-          </a:prstGeom>
-          <a:solidFill>
-            <a:schemeClr val="bg1"/>
-          </a:solidFill>
-          <a:ln>
-            <a:noFill/>
-          </a:ln>
-          <a:effectLst/>
-        </p:spPr>
-      </p:sp>
-      <p:grpSp>
-        <p:nvGrpSpPr>
-          <p:cNvPr id="8" name="Group 7"/>
-          <p:cNvGrpSpPr>
-            <a:grpSpLocks noGrp="1" noUngrp="1" noRot="1" noChangeAspect="1" noMove="1" noResize="1"/>
-          </p:cNvGrpSpPr>
-          <p:nvPr>
-            <p:extLst>
-              <p:ext uri="{386F3935-93C4-4BCD-93E2-E3B085C9AB24}">
-                <p16:designElem xmlns:p16="http://schemas.microsoft.com/office/powerpoint/2015/main" val="1"/>
-              </p:ext>
-            </p:extLst>
-          </p:nvPr>
-        </p:nvGrpSpPr>
-        <p:grpSpPr>
-          <a:xfrm>
-            <a:off x="0" y="-2373"/>
-            <a:ext cx="12192000" cy="6867027"/>
-            <a:chOff x="0" y="-2373"/>
-            <a:chExt cx="12192000" cy="6867027"/>
-          </a:xfrm>
-        </p:grpSpPr>
-        <p:sp>
-          <p:nvSpPr>
-            <p:cNvPr id="9" name="Rectangle 8"/>
-            <p:cNvSpPr/>
-            <p:nvPr>
-              <p:extLst>
-                <p:ext uri="{386F3935-93C4-4BCD-93E2-E3B085C9AB24}">
-                  <p16:designElem xmlns:p16="http://schemas.microsoft.com/office/powerpoint/2015/main" val="1"/>
-                </p:ext>
-              </p:extLst>
-            </p:nvPr>
-          </p:nvSpPr>
-          <p:spPr>
-            <a:xfrm>
-              <a:off x="0" y="0"/>
-              <a:ext cx="12192000" cy="6858000"/>
-            </a:xfrm>
-            <a:prstGeom prst="rect">
-              <a:avLst/>
-            </a:prstGeom>
-            <a:blipFill>
-              <a:blip r:embed="rId2">
-                <a:duotone>
-                  <a:schemeClr val="dk2">
-                    <a:shade val="62000"/>
-                    <a:hueMod val="108000"/>
-                    <a:satMod val="164000"/>
-                    <a:lumMod val="69000"/>
-                  </a:schemeClr>
-                  <a:schemeClr val="dk2">
-                    <a:tint val="96000"/>
-                    <a:hueMod val="90000"/>
-                    <a:satMod val="130000"/>
-                    <a:lumMod val="134000"/>
-                  </a:schemeClr>
-                </a:duotone>
-              </a:blip>
-              <a:stretch>
-                <a:fillRect/>
-              </a:stretch>
-            </a:blipFill>
-            <a:ln>
-              <a:noFill/>
-            </a:ln>
-          </p:spPr>
-          <p:style>
-            <a:lnRef idx="2">
-              <a:schemeClr val="accent1">
-                <a:shade val="50000"/>
-              </a:schemeClr>
-            </a:lnRef>
-            <a:fillRef idx="1">
-              <a:schemeClr val="accent1"/>
-            </a:fillRef>
-            <a:effectRef idx="0">
-              <a:schemeClr val="accent1"/>
-            </a:effectRef>
-            <a:fontRef idx="minor">
-              <a:schemeClr val="lt1"/>
-            </a:fontRef>
-          </p:style>
-        </p:sp>
-        <p:sp>
-          <p:nvSpPr>
-            <p:cNvPr id="10" name="Oval 9"/>
-            <p:cNvSpPr/>
-            <p:nvPr>
-              <p:extLst>
-                <p:ext uri="{386F3935-93C4-4BCD-93E2-E3B085C9AB24}">
-                  <p16:designElem xmlns:p16="http://schemas.microsoft.com/office/powerpoint/2015/main" val="1"/>
-                </p:ext>
-              </p:extLst>
-            </p:nvPr>
-          </p:nvSpPr>
-          <p:spPr>
-            <a:xfrm>
-              <a:off x="3220" y="2667000"/>
-              <a:ext cx="4191000" cy="4191000"/>
-            </a:xfrm>
-            <a:prstGeom prst="ellipse">
-              <a:avLst/>
-            </a:prstGeom>
-            <a:gradFill flip="none" rotWithShape="1">
-              <a:gsLst>
-                <a:gs pos="0">
-                  <a:schemeClr val="bg2">
-                    <a:lumMod val="40000"/>
-                    <a:lumOff val="60000"/>
-                    <a:alpha val="11000"/>
-                  </a:schemeClr>
-                </a:gs>
-                <a:gs pos="75000">
-                  <a:schemeClr val="bg2">
-                    <a:lumMod val="40000"/>
-                    <a:lumOff val="60000"/>
-                    <a:alpha val="0"/>
-                  </a:schemeClr>
-                </a:gs>
-                <a:gs pos="36000">
-                  <a:schemeClr val="bg2">
-                    <a:lumMod val="40000"/>
-                    <a:lumOff val="60000"/>
-                    <a:alpha val="10000"/>
-                  </a:schemeClr>
-                </a:gs>
-              </a:gsLst>
-              <a:path path="circle">
-                <a:fillToRect l="50000" t="50000" r="50000" b="50000"/>
-              </a:path>
-              <a:tileRect/>
-            </a:gradFill>
-            <a:ln>
-              <a:noFill/>
-            </a:ln>
-            <a:effectLst/>
-          </p:spPr>
-          <p:style>
-            <a:lnRef idx="1">
-              <a:schemeClr val="accent1"/>
-            </a:lnRef>
-            <a:fillRef idx="3">
-              <a:schemeClr val="accent1"/>
-            </a:fillRef>
-            <a:effectRef idx="2">
-              <a:schemeClr val="accent1"/>
-            </a:effectRef>
-            <a:fontRef idx="minor">
-              <a:schemeClr val="lt1"/>
-            </a:fontRef>
-          </p:style>
-        </p:sp>
-        <p:sp>
-          <p:nvSpPr>
-            <p:cNvPr id="11" name="Oval 10"/>
-            <p:cNvSpPr/>
-            <p:nvPr>
-              <p:extLst>
-                <p:ext uri="{386F3935-93C4-4BCD-93E2-E3B085C9AB24}">
-                  <p16:designElem xmlns:p16="http://schemas.microsoft.com/office/powerpoint/2015/main" val="1"/>
-                </p:ext>
-              </p:extLst>
-            </p:nvPr>
-          </p:nvSpPr>
-          <p:spPr>
-            <a:xfrm>
-              <a:off x="1750" y="2895600"/>
-              <a:ext cx="2362200" cy="2362200"/>
-            </a:xfrm>
-            <a:prstGeom prst="ellipse">
-              <a:avLst/>
-            </a:prstGeom>
-            <a:gradFill flip="none" rotWithShape="1">
-              <a:gsLst>
-                <a:gs pos="0">
-                  <a:schemeClr val="bg2">
-                    <a:lumMod val="40000"/>
-                    <a:lumOff val="60000"/>
-                    <a:alpha val="8000"/>
-                  </a:schemeClr>
-                </a:gs>
-                <a:gs pos="72000">
-                  <a:schemeClr val="bg2">
-                    <a:lumMod val="40000"/>
-                    <a:lumOff val="60000"/>
-                    <a:alpha val="0"/>
-                  </a:schemeClr>
-                </a:gs>
-                <a:gs pos="36000">
-                  <a:schemeClr val="bg2">
-                    <a:lumMod val="40000"/>
-                    <a:lumOff val="60000"/>
-                    <a:alpha val="8000"/>
-                  </a:schemeClr>
-                </a:gs>
-              </a:gsLst>
-              <a:path path="circle">
-                <a:fillToRect l="50000" t="50000" r="50000" b="50000"/>
-              </a:path>
-              <a:tileRect/>
-            </a:gradFill>
-            <a:ln>
-              <a:noFill/>
-            </a:ln>
-            <a:effectLst/>
-          </p:spPr>
-          <p:style>
-            <a:lnRef idx="1">
-              <a:schemeClr val="accent1"/>
-            </a:lnRef>
-            <a:fillRef idx="3">
-              <a:schemeClr val="accent1"/>
-            </a:fillRef>
-            <a:effectRef idx="2">
-              <a:schemeClr val="accent1"/>
-            </a:effectRef>
-            <a:fontRef idx="minor">
-              <a:schemeClr val="lt1"/>
-            </a:fontRef>
-          </p:style>
-        </p:sp>
-        <p:sp>
-          <p:nvSpPr>
-            <p:cNvPr id="12" name="Oval 11"/>
-            <p:cNvSpPr/>
-            <p:nvPr>
-              <p:extLst>
-                <p:ext uri="{386F3935-93C4-4BCD-93E2-E3B085C9AB24}">
-                  <p16:designElem xmlns:p16="http://schemas.microsoft.com/office/powerpoint/2015/main" val="1"/>
-                </p:ext>
-              </p:extLst>
-            </p:nvPr>
-          </p:nvSpPr>
-          <p:spPr>
-            <a:xfrm>
-              <a:off x="8609012" y="1676400"/>
-              <a:ext cx="2819400" cy="2819400"/>
-            </a:xfrm>
-            <a:prstGeom prst="ellipse">
-              <a:avLst/>
-            </a:prstGeom>
-            <a:gradFill flip="none" rotWithShape="1">
-              <a:gsLst>
-                <a:gs pos="0">
-                  <a:schemeClr val="bg2">
-                    <a:lumMod val="40000"/>
-                    <a:lumOff val="60000"/>
-                    <a:alpha val="7000"/>
-                  </a:schemeClr>
-                </a:gs>
-                <a:gs pos="69000">
-                  <a:schemeClr val="bg2">
-                    <a:lumMod val="40000"/>
-                    <a:lumOff val="60000"/>
-                    <a:alpha val="0"/>
-                  </a:schemeClr>
-                </a:gs>
-                <a:gs pos="36000">
-                  <a:schemeClr val="bg2">
-                    <a:lumMod val="40000"/>
-                    <a:lumOff val="60000"/>
-                    <a:alpha val="6000"/>
-                  </a:schemeClr>
-                </a:gs>
-              </a:gsLst>
-              <a:path path="circle">
-                <a:fillToRect l="50000" t="50000" r="50000" b="50000"/>
-              </a:path>
-              <a:tileRect/>
-            </a:gradFill>
-            <a:ln>
-              <a:noFill/>
-            </a:ln>
-            <a:effectLst/>
-          </p:spPr>
-          <p:style>
-            <a:lnRef idx="1">
-              <a:schemeClr val="accent1"/>
-            </a:lnRef>
-            <a:fillRef idx="3">
-              <a:schemeClr val="accent1"/>
-            </a:fillRef>
-            <a:effectRef idx="2">
-              <a:schemeClr val="accent1"/>
-            </a:effectRef>
-            <a:fontRef idx="minor">
-              <a:schemeClr val="lt1"/>
-            </a:fontRef>
-          </p:style>
-        </p:sp>
-        <p:sp>
-          <p:nvSpPr>
-            <p:cNvPr id="13" name="Oval 12"/>
-            <p:cNvSpPr/>
-            <p:nvPr>
-              <p:extLst>
-                <p:ext uri="{386F3935-93C4-4BCD-93E2-E3B085C9AB24}">
-                  <p16:designElem xmlns:p16="http://schemas.microsoft.com/office/powerpoint/2015/main" val="1"/>
-                </p:ext>
-              </p:extLst>
-            </p:nvPr>
-          </p:nvSpPr>
-          <p:spPr>
-            <a:xfrm>
-              <a:off x="7999412" y="-2373"/>
-              <a:ext cx="1600200" cy="1600200"/>
-            </a:xfrm>
-            <a:prstGeom prst="ellipse">
-              <a:avLst/>
-            </a:prstGeom>
-            <a:gradFill flip="none" rotWithShape="1">
-              <a:gsLst>
-                <a:gs pos="0">
-                  <a:schemeClr val="bg2">
-                    <a:lumMod val="40000"/>
-                    <a:lumOff val="60000"/>
-                    <a:alpha val="14000"/>
-                  </a:schemeClr>
-                </a:gs>
-                <a:gs pos="73000">
-                  <a:schemeClr val="bg2">
-                    <a:lumMod val="40000"/>
-                    <a:lumOff val="60000"/>
-                    <a:alpha val="0"/>
-                  </a:schemeClr>
-                </a:gs>
-                <a:gs pos="36000">
-                  <a:schemeClr val="bg2">
-                    <a:lumMod val="40000"/>
-                    <a:lumOff val="60000"/>
-                    <a:alpha val="7000"/>
-                  </a:schemeClr>
-                </a:gs>
-              </a:gsLst>
-              <a:path path="circle">
-                <a:fillToRect l="50000" t="50000" r="50000" b="50000"/>
-              </a:path>
-              <a:tileRect/>
-            </a:gradFill>
-            <a:ln>
-              <a:noFill/>
-            </a:ln>
-            <a:effectLst/>
-          </p:spPr>
-          <p:style>
-            <a:lnRef idx="1">
-              <a:schemeClr val="accent1"/>
-            </a:lnRef>
-            <a:fillRef idx="3">
-              <a:schemeClr val="accent1"/>
-            </a:fillRef>
-            <a:effectRef idx="2">
-              <a:schemeClr val="accent1"/>
-            </a:effectRef>
-            <a:fontRef idx="minor">
-              <a:schemeClr val="lt1"/>
-            </a:fontRef>
-          </p:style>
-        </p:sp>
-        <p:sp>
-          <p:nvSpPr>
-            <p:cNvPr id="14" name="Oval 13"/>
-            <p:cNvSpPr/>
-            <p:nvPr>
-              <p:extLst>
-                <p:ext uri="{386F3935-93C4-4BCD-93E2-E3B085C9AB24}">
-                  <p16:designElem xmlns:p16="http://schemas.microsoft.com/office/powerpoint/2015/main" val="1"/>
-                </p:ext>
-              </p:extLst>
-            </p:nvPr>
-          </p:nvSpPr>
-          <p:spPr>
-            <a:xfrm>
-              <a:off x="8609012" y="5874054"/>
-              <a:ext cx="990600" cy="990600"/>
-            </a:xfrm>
-            <a:prstGeom prst="ellipse">
-              <a:avLst/>
-            </a:prstGeom>
-            <a:gradFill flip="none" rotWithShape="1">
-              <a:gsLst>
-                <a:gs pos="0">
-                  <a:schemeClr val="bg2">
-                    <a:lumMod val="40000"/>
-                    <a:lumOff val="60000"/>
-                    <a:alpha val="14000"/>
-                  </a:schemeClr>
-                </a:gs>
-                <a:gs pos="66000">
-                  <a:schemeClr val="bg2">
-                    <a:lumMod val="40000"/>
-                    <a:lumOff val="60000"/>
-                    <a:alpha val="0"/>
-                  </a:schemeClr>
-                </a:gs>
-                <a:gs pos="36000">
-                  <a:schemeClr val="bg2">
-                    <a:lumMod val="40000"/>
-                    <a:lumOff val="60000"/>
-                    <a:alpha val="7000"/>
-                  </a:schemeClr>
-                </a:gs>
-              </a:gsLst>
-              <a:path path="circle">
-                <a:fillToRect l="50000" t="50000" r="50000" b="50000"/>
-              </a:path>
-              <a:tileRect/>
-            </a:gradFill>
-            <a:ln>
-              <a:noFill/>
-            </a:ln>
-            <a:effectLst/>
-          </p:spPr>
-          <p:style>
-            <a:lnRef idx="1">
-              <a:schemeClr val="accent1"/>
-            </a:lnRef>
-            <a:fillRef idx="3">
-              <a:schemeClr val="accent1"/>
-            </a:fillRef>
-            <a:effectRef idx="2">
-              <a:schemeClr val="accent1"/>
-            </a:effectRef>
-            <a:fontRef idx="minor">
-              <a:schemeClr val="lt1"/>
-            </a:fontRef>
-          </p:style>
-        </p:sp>
-        <p:sp>
-          <p:nvSpPr>
-            <p:cNvPr id="15" name="Freeform 5"/>
-            <p:cNvSpPr/>
-            <p:nvPr>
-              <p:extLst>
-                <p:ext uri="{386F3935-93C4-4BCD-93E2-E3B085C9AB24}">
-                  <p16:designElem xmlns:p16="http://schemas.microsoft.com/office/powerpoint/2015/main" val="1"/>
-                </p:ext>
-              </p:extLst>
-            </p:nvPr>
-          </p:nvSpPr>
-          <p:spPr bwMode="gray">
-            <a:xfrm rot="21010068">
-              <a:off x="8490951" y="1797517"/>
-              <a:ext cx="3299407" cy="440924"/>
-            </a:xfrm>
-            <a:custGeom>
-              <a:avLst/>
-              <a:gdLst/>
-              <a:ahLst/>
-              <a:cxnLst/>
-              <a:rect l="l" t="t" r="r" b="b"/>
-              <a:pathLst>
-                <a:path w="10000" h="5291">
-                  <a:moveTo>
-                    <a:pt x="85" y="2532"/>
-                  </a:moveTo>
-                  <a:cubicBezTo>
-                    <a:pt x="1736" y="3911"/>
-                    <a:pt x="7524" y="5298"/>
-                    <a:pt x="9958" y="5291"/>
-                  </a:cubicBezTo>
-                  <a:cubicBezTo>
-                    <a:pt x="9989" y="1958"/>
-                    <a:pt x="9969" y="3333"/>
-                    <a:pt x="10000" y="0"/>
-                  </a:cubicBezTo>
-                  <a:lnTo>
-                    <a:pt x="10000" y="0"/>
-                  </a:lnTo>
-                  <a:lnTo>
-                    <a:pt x="9667" y="204"/>
-                  </a:lnTo>
-                  <a:lnTo>
-                    <a:pt x="9334" y="400"/>
-                  </a:lnTo>
-                  <a:lnTo>
-                    <a:pt x="9001" y="590"/>
-                  </a:lnTo>
-                  <a:lnTo>
-                    <a:pt x="8667" y="753"/>
-                  </a:lnTo>
-                  <a:lnTo>
-                    <a:pt x="8333" y="917"/>
-                  </a:lnTo>
-                  <a:lnTo>
-                    <a:pt x="7999" y="1071"/>
-                  </a:lnTo>
-                  <a:lnTo>
-                    <a:pt x="7669" y="1202"/>
-                  </a:lnTo>
-                  <a:lnTo>
-                    <a:pt x="7333" y="1325"/>
-                  </a:lnTo>
-                  <a:lnTo>
-                    <a:pt x="7000" y="1440"/>
-                  </a:lnTo>
-                  <a:lnTo>
-                    <a:pt x="6673" y="1538"/>
-                  </a:lnTo>
-                  <a:lnTo>
-                    <a:pt x="6340" y="1636"/>
-                  </a:lnTo>
-                  <a:lnTo>
-                    <a:pt x="6013" y="1719"/>
-                  </a:lnTo>
-                  <a:lnTo>
-                    <a:pt x="5686" y="1784"/>
-                  </a:lnTo>
-                  <a:lnTo>
-                    <a:pt x="5359" y="1850"/>
-                  </a:lnTo>
-                  <a:lnTo>
-                    <a:pt x="5036" y="1906"/>
-                  </a:lnTo>
-                  <a:lnTo>
-                    <a:pt x="4717" y="1948"/>
-                  </a:lnTo>
-                  <a:lnTo>
-                    <a:pt x="4396" y="1980"/>
-                  </a:lnTo>
-                  <a:lnTo>
-                    <a:pt x="4079" y="2013"/>
-                  </a:lnTo>
-                  <a:lnTo>
-                    <a:pt x="3766" y="2029"/>
-                  </a:lnTo>
-                  <a:lnTo>
-                    <a:pt x="3454" y="2046"/>
-                  </a:lnTo>
-                  <a:lnTo>
-                    <a:pt x="3145" y="2053"/>
-                  </a:lnTo>
-                  <a:lnTo>
-                    <a:pt x="2839" y="2046"/>
-                  </a:lnTo>
-                  <a:lnTo>
-                    <a:pt x="2537" y="2046"/>
-                  </a:lnTo>
-                  <a:lnTo>
-                    <a:pt x="2238" y="2029"/>
-                  </a:lnTo>
-                  <a:lnTo>
-                    <a:pt x="1943" y="2004"/>
-                  </a:lnTo>
-                  <a:lnTo>
-                    <a:pt x="1653" y="1980"/>
-                  </a:lnTo>
-                  <a:lnTo>
-                    <a:pt x="1368" y="1955"/>
-                  </a:lnTo>
-                  <a:lnTo>
-                    <a:pt x="1085" y="1915"/>
-                  </a:lnTo>
-                  <a:lnTo>
-                    <a:pt x="806" y="1873"/>
-                  </a:lnTo>
-                  <a:lnTo>
-                    <a:pt x="533" y="1833"/>
-                  </a:lnTo>
-                  <a:lnTo>
-                    <a:pt x="0" y="1726"/>
-                  </a:lnTo>
-                  <a:cubicBezTo>
-                    <a:pt x="28" y="1995"/>
-                    <a:pt x="57" y="2263"/>
-                    <a:pt x="85" y="2532"/>
-                  </a:cubicBezTo>
-                  <a:close/>
-                </a:path>
-              </a:pathLst>
-            </a:custGeom>
-            <a:solidFill>
-              <a:schemeClr val="bg1">
-                <a:alpha val="20000"/>
-              </a:schemeClr>
-            </a:solidFill>
-            <a:ln>
-              <a:noFill/>
-            </a:ln>
-          </p:spPr>
-        </p:sp>
-        <p:sp>
-          <p:nvSpPr>
-            <p:cNvPr id="16" name="Freeform 5"/>
-            <p:cNvSpPr/>
-            <p:nvPr>
-              <p:extLst>
-                <p:ext uri="{386F3935-93C4-4BCD-93E2-E3B085C9AB24}">
-                  <p16:designElem xmlns:p16="http://schemas.microsoft.com/office/powerpoint/2015/main" val="1"/>
-                </p:ext>
-              </p:extLst>
-            </p:nvPr>
-          </p:nvSpPr>
-          <p:spPr bwMode="gray">
-            <a:xfrm>
-              <a:off x="459506" y="1866405"/>
-              <a:ext cx="11277600" cy="4533900"/>
-            </a:xfrm>
-            <a:custGeom>
-              <a:avLst/>
-              <a:gdLst/>
-              <a:ahLst/>
-              <a:cxnLst/>
-              <a:rect l="0" t="0" r="r" b="b"/>
-              <a:pathLst>
-                <a:path w="7104" h="2856">
-                  <a:moveTo>
-                    <a:pt x="0" y="0"/>
-                  </a:moveTo>
-                  <a:lnTo>
-                    <a:pt x="0" y="2856"/>
-                  </a:lnTo>
-                  <a:lnTo>
-                    <a:pt x="7104" y="2856"/>
-                  </a:lnTo>
-                  <a:lnTo>
-                    <a:pt x="7104" y="1"/>
-                  </a:lnTo>
-                  <a:lnTo>
-                    <a:pt x="7104" y="1"/>
-                  </a:lnTo>
-                  <a:lnTo>
-                    <a:pt x="6943" y="26"/>
-                  </a:lnTo>
-                  <a:lnTo>
-                    <a:pt x="6782" y="50"/>
-                  </a:lnTo>
-                  <a:lnTo>
-                    <a:pt x="6621" y="73"/>
-                  </a:lnTo>
-                  <a:lnTo>
-                    <a:pt x="6459" y="93"/>
-                  </a:lnTo>
-                  <a:lnTo>
-                    <a:pt x="6298" y="113"/>
-                  </a:lnTo>
-                  <a:lnTo>
-                    <a:pt x="6136" y="132"/>
-                  </a:lnTo>
-                  <a:lnTo>
-                    <a:pt x="5976" y="148"/>
-                  </a:lnTo>
-                  <a:lnTo>
-                    <a:pt x="5814" y="163"/>
-                  </a:lnTo>
-                  <a:lnTo>
-                    <a:pt x="5653" y="177"/>
-                  </a:lnTo>
-                  <a:lnTo>
-                    <a:pt x="5494" y="189"/>
-                  </a:lnTo>
-                  <a:lnTo>
-                    <a:pt x="5334" y="201"/>
-                  </a:lnTo>
-                  <a:lnTo>
-                    <a:pt x="5175" y="211"/>
-                  </a:lnTo>
-                  <a:lnTo>
-                    <a:pt x="5017" y="219"/>
-                  </a:lnTo>
-                  <a:lnTo>
-                    <a:pt x="4859" y="227"/>
-                  </a:lnTo>
-                  <a:lnTo>
-                    <a:pt x="4703" y="234"/>
-                  </a:lnTo>
-                  <a:lnTo>
-                    <a:pt x="4548" y="239"/>
-                  </a:lnTo>
-                  <a:lnTo>
-                    <a:pt x="4393" y="243"/>
-                  </a:lnTo>
-                  <a:lnTo>
-                    <a:pt x="4240" y="247"/>
-                  </a:lnTo>
-                  <a:lnTo>
-                    <a:pt x="4088" y="249"/>
-                  </a:lnTo>
-                  <a:lnTo>
-                    <a:pt x="3937" y="251"/>
-                  </a:lnTo>
-                  <a:lnTo>
-                    <a:pt x="3788" y="252"/>
-                  </a:lnTo>
-                  <a:lnTo>
-                    <a:pt x="3640" y="251"/>
-                  </a:lnTo>
-                  <a:lnTo>
-                    <a:pt x="3494" y="251"/>
-                  </a:lnTo>
-                  <a:lnTo>
-                    <a:pt x="3349" y="249"/>
-                  </a:lnTo>
-                  <a:lnTo>
-                    <a:pt x="3207" y="246"/>
-                  </a:lnTo>
-                  <a:lnTo>
-                    <a:pt x="3066" y="243"/>
-                  </a:lnTo>
-                  <a:lnTo>
-                    <a:pt x="2928" y="240"/>
-                  </a:lnTo>
-                  <a:lnTo>
-                    <a:pt x="2791" y="235"/>
-                  </a:lnTo>
-                  <a:lnTo>
-                    <a:pt x="2656" y="230"/>
-                  </a:lnTo>
-                  <a:lnTo>
-                    <a:pt x="2524" y="225"/>
-                  </a:lnTo>
-                  <a:lnTo>
-                    <a:pt x="2266" y="212"/>
-                  </a:lnTo>
-                  <a:lnTo>
-                    <a:pt x="2019" y="198"/>
-                  </a:lnTo>
-                  <a:lnTo>
-                    <a:pt x="1782" y="183"/>
-                  </a:lnTo>
-                  <a:lnTo>
-                    <a:pt x="1557" y="167"/>
-                  </a:lnTo>
-                  <a:lnTo>
-                    <a:pt x="1343" y="150"/>
-                  </a:lnTo>
-                  <a:lnTo>
-                    <a:pt x="1144" y="132"/>
-                  </a:lnTo>
-                  <a:lnTo>
-                    <a:pt x="957" y="114"/>
-                  </a:lnTo>
-                  <a:lnTo>
-                    <a:pt x="785" y="96"/>
-                  </a:lnTo>
-                  <a:lnTo>
-                    <a:pt x="627" y="79"/>
-                  </a:lnTo>
-                  <a:lnTo>
-                    <a:pt x="487" y="63"/>
-                  </a:lnTo>
-                  <a:lnTo>
-                    <a:pt x="361" y="48"/>
-                  </a:lnTo>
-                  <a:lnTo>
-                    <a:pt x="254" y="35"/>
-                  </a:lnTo>
-                  <a:lnTo>
-                    <a:pt x="165" y="23"/>
-                  </a:lnTo>
-                  <a:lnTo>
-                    <a:pt x="42" y="6"/>
-                  </a:lnTo>
-                  <a:lnTo>
-                    <a:pt x="0" y="0"/>
-                  </a:lnTo>
-                  <a:lnTo>
-                    <a:pt x="0" y="0"/>
-                  </a:lnTo>
-                  <a:close/>
-                </a:path>
-              </a:pathLst>
-            </a:custGeom>
-            <a:solidFill>
-              <a:schemeClr val="bg1"/>
-            </a:solidFill>
-            <a:ln>
-              <a:noFill/>
-            </a:ln>
-          </p:spPr>
-        </p:sp>
-        <p:sp>
-          <p:nvSpPr>
-            <p:cNvPr id="17" name="Freeform 5"/>
-            <p:cNvSpPr>
-              <a:spLocks noEditPoints="1"/>
-            </p:cNvSpPr>
-            <p:nvPr>
-              <p:extLst>
-                <p:ext uri="{386F3935-93C4-4BCD-93E2-E3B085C9AB24}">
-                  <p16:designElem xmlns:p16="http://schemas.microsoft.com/office/powerpoint/2015/main" val="1"/>
-                </p:ext>
-              </p:extLst>
-            </p:nvPr>
-          </p:nvSpPr>
-          <p:spPr bwMode="gray">
-            <a:xfrm>
-              <a:off x="0" y="1587"/>
-              <a:ext cx="12192000" cy="6856413"/>
-            </a:xfrm>
-            <a:custGeom>
-              <a:avLst/>
-              <a:gdLst/>
-              <a:ahLst/>
-              <a:cxnLst/>
-              <a:rect l="0" t="0" r="r" b="b"/>
-              <a:pathLst>
-                <a:path w="15356" h="8638">
-                  <a:moveTo>
-                    <a:pt x="0" y="0"/>
-                  </a:moveTo>
-                  <a:lnTo>
-                    <a:pt x="0" y="8638"/>
-                  </a:lnTo>
-                  <a:lnTo>
-                    <a:pt x="15356" y="8638"/>
-                  </a:lnTo>
-                  <a:lnTo>
-                    <a:pt x="15356" y="0"/>
-                  </a:lnTo>
-                  <a:lnTo>
-                    <a:pt x="0" y="0"/>
-                  </a:lnTo>
-                  <a:close/>
-                  <a:moveTo>
-                    <a:pt x="14748" y="8038"/>
-                  </a:moveTo>
-                  <a:lnTo>
-                    <a:pt x="600" y="8038"/>
-                  </a:lnTo>
-                  <a:lnTo>
-                    <a:pt x="600" y="592"/>
-                  </a:lnTo>
-                  <a:lnTo>
-                    <a:pt x="14748" y="592"/>
-                  </a:lnTo>
-                  <a:lnTo>
-                    <a:pt x="14748" y="8038"/>
-                  </a:lnTo>
-                  <a:close/>
-                </a:path>
-              </a:pathLst>
-            </a:custGeom>
-            <a:solidFill>
-              <a:schemeClr val="bg1"/>
-            </a:solidFill>
-            <a:ln>
-              <a:noFill/>
-            </a:ln>
-          </p:spPr>
-        </p:sp>
-      </p:grpSp>
-      <p:sp>
-        <p:nvSpPr>
-          <p:cNvPr id="18" name="Rectangle 17"/>
-          <p:cNvSpPr>
-            <a:spLocks noGrp="1" noRot="1" noChangeAspect="1" noMove="1" noResize="1" noEditPoints="1" noAdjustHandles="1" noChangeArrowheads="1" noChangeShapeType="1" noTextEdit="1"/>
-          </p:cNvSpPr>
-          <p:nvPr>
-            <p:extLst>
-              <p:ext uri="{386F3935-93C4-4BCD-93E2-E3B085C9AB24}">
-                <p16:designElem xmlns:p16="http://schemas.microsoft.com/office/powerpoint/2015/main" val="1"/>
-              </p:ext>
-            </p:extLst>
-          </p:nvPr>
-        </p:nvSpPr>
-        <p:spPr>
-          <a:xfrm>
-            <a:off x="10437812" y="0"/>
-            <a:ext cx="685800" cy="1143000"/>
-          </a:xfrm>
-          <a:prstGeom prst="rect">
-            <a:avLst/>
-          </a:prstGeom>
-          <a:solidFill>
-            <a:schemeClr val="accent1"/>
-          </a:solidFill>
-          <a:ln>
-            <a:noFill/>
-          </a:ln>
-        </p:spPr>
-        <p:style>
-          <a:lnRef idx="1">
-            <a:schemeClr val="accent1"/>
-          </a:lnRef>
-          <a:fillRef idx="3">
-            <a:schemeClr val="accent1"/>
-          </a:fillRef>
-          <a:effectRef idx="2">
-            <a:schemeClr val="accent1"/>
-          </a:effectRef>
-          <a:fontRef idx="minor">
-            <a:schemeClr val="lt1"/>
-          </a:fontRef>
-        </p:style>
-      </p:sp>
-      <p:grpSp>
-        <p:nvGrpSpPr>
-          <p:cNvPr id="19" name="Group 18"/>
-          <p:cNvGrpSpPr>
-            <a:grpSpLocks noGrp="1" noUngrp="1" noRot="1" noChangeAspect="1" noMove="1" noResize="1"/>
-          </p:cNvGrpSpPr>
-          <p:nvPr>
-            <p:extLst>
-              <p:ext uri="{386F3935-93C4-4BCD-93E2-E3B085C9AB24}">
-                <p16:designElem xmlns:p16="http://schemas.microsoft.com/office/powerpoint/2015/main" val="1"/>
-              </p:ext>
-            </p:extLst>
-          </p:nvPr>
-        </p:nvGrpSpPr>
-        <p:grpSpPr>
-          <a:xfrm>
-            <a:off x="0" y="-9027"/>
-            <a:ext cx="12192000" cy="6867027"/>
-            <a:chOff x="0" y="-2373"/>
-            <a:chExt cx="12192000" cy="6867027"/>
-          </a:xfrm>
-        </p:grpSpPr>
-        <p:sp>
-          <p:nvSpPr>
-            <p:cNvPr id="20" name="Rectangle 19"/>
-            <p:cNvSpPr/>
-            <p:nvPr>
-              <p:extLst>
-                <p:ext uri="{386F3935-93C4-4BCD-93E2-E3B085C9AB24}">
-                  <p16:designElem xmlns:p16="http://schemas.microsoft.com/office/powerpoint/2015/main" val="1"/>
-                </p:ext>
-              </p:extLst>
-            </p:nvPr>
-          </p:nvSpPr>
-          <p:spPr>
-            <a:xfrm>
-              <a:off x="0" y="0"/>
-              <a:ext cx="12192000" cy="6858000"/>
-            </a:xfrm>
-            <a:prstGeom prst="rect">
-              <a:avLst/>
-            </a:prstGeom>
-            <a:blipFill>
-              <a:blip r:embed="rId2">
-                <a:duotone>
-                  <a:schemeClr val="dk2">
-                    <a:shade val="62000"/>
-                    <a:hueMod val="108000"/>
-                    <a:satMod val="164000"/>
-                    <a:lumMod val="69000"/>
-                  </a:schemeClr>
-                  <a:schemeClr val="dk2">
-                    <a:tint val="96000"/>
-                    <a:hueMod val="90000"/>
-                    <a:satMod val="130000"/>
-                    <a:lumMod val="134000"/>
-                  </a:schemeClr>
-                </a:duotone>
-              </a:blip>
-              <a:stretch>
-                <a:fillRect/>
-              </a:stretch>
-            </a:blipFill>
-            <a:ln>
-              <a:noFill/>
-            </a:ln>
-          </p:spPr>
-          <p:style>
-            <a:lnRef idx="2">
-              <a:schemeClr val="accent1">
-                <a:shade val="50000"/>
-              </a:schemeClr>
-            </a:lnRef>
-            <a:fillRef idx="1">
-              <a:schemeClr val="accent1"/>
-            </a:fillRef>
-            <a:effectRef idx="0">
-              <a:schemeClr val="accent1"/>
-            </a:effectRef>
-            <a:fontRef idx="minor">
-              <a:schemeClr val="lt1"/>
-            </a:fontRef>
-          </p:style>
-        </p:sp>
-        <p:sp>
-          <p:nvSpPr>
-            <p:cNvPr id="21" name="Oval 20"/>
-            <p:cNvSpPr/>
-            <p:nvPr>
-              <p:extLst>
-                <p:ext uri="{386F3935-93C4-4BCD-93E2-E3B085C9AB24}">
-                  <p16:designElem xmlns:p16="http://schemas.microsoft.com/office/powerpoint/2015/main" val="1"/>
-                </p:ext>
-              </p:extLst>
-            </p:nvPr>
-          </p:nvSpPr>
-          <p:spPr>
-            <a:xfrm>
-              <a:off x="3220" y="2667000"/>
-              <a:ext cx="4191000" cy="4191000"/>
-            </a:xfrm>
-            <a:prstGeom prst="ellipse">
-              <a:avLst/>
-            </a:prstGeom>
-            <a:gradFill flip="none" rotWithShape="1">
-              <a:gsLst>
-                <a:gs pos="0">
-                  <a:schemeClr val="bg2">
-                    <a:lumMod val="40000"/>
-                    <a:lumOff val="60000"/>
-                    <a:alpha val="11000"/>
-                  </a:schemeClr>
-                </a:gs>
-                <a:gs pos="75000">
-                  <a:schemeClr val="bg2">
-                    <a:lumMod val="40000"/>
-                    <a:lumOff val="60000"/>
-                    <a:alpha val="0"/>
-                  </a:schemeClr>
-                </a:gs>
-                <a:gs pos="36000">
-                  <a:schemeClr val="bg2">
-                    <a:lumMod val="40000"/>
-                    <a:lumOff val="60000"/>
-                    <a:alpha val="10000"/>
-                  </a:schemeClr>
-                </a:gs>
-              </a:gsLst>
-              <a:path path="circle">
-                <a:fillToRect l="50000" t="50000" r="50000" b="50000"/>
-              </a:path>
-              <a:tileRect/>
-            </a:gradFill>
-            <a:ln>
-              <a:noFill/>
-            </a:ln>
-            <a:effectLst/>
-          </p:spPr>
-          <p:style>
-            <a:lnRef idx="1">
-              <a:schemeClr val="accent1"/>
-            </a:lnRef>
-            <a:fillRef idx="3">
-              <a:schemeClr val="accent1"/>
-            </a:fillRef>
-            <a:effectRef idx="2">
-              <a:schemeClr val="accent1"/>
-            </a:effectRef>
-            <a:fontRef idx="minor">
-              <a:schemeClr val="lt1"/>
-            </a:fontRef>
-          </p:style>
-        </p:sp>
-        <p:sp>
-          <p:nvSpPr>
-            <p:cNvPr id="22" name="Oval 21"/>
-            <p:cNvSpPr/>
-            <p:nvPr>
-              <p:extLst>
-                <p:ext uri="{386F3935-93C4-4BCD-93E2-E3B085C9AB24}">
-                  <p16:designElem xmlns:p16="http://schemas.microsoft.com/office/powerpoint/2015/main" val="1"/>
-                </p:ext>
-              </p:extLst>
-            </p:nvPr>
-          </p:nvSpPr>
-          <p:spPr>
-            <a:xfrm>
-              <a:off x="1750" y="2895600"/>
-              <a:ext cx="2362200" cy="2362200"/>
-            </a:xfrm>
-            <a:prstGeom prst="ellipse">
-              <a:avLst/>
-            </a:prstGeom>
-            <a:gradFill flip="none" rotWithShape="1">
-              <a:gsLst>
-                <a:gs pos="0">
-                  <a:schemeClr val="bg2">
-                    <a:lumMod val="40000"/>
-                    <a:lumOff val="60000"/>
-                    <a:alpha val="8000"/>
-                  </a:schemeClr>
-                </a:gs>
-                <a:gs pos="72000">
-                  <a:schemeClr val="bg2">
-                    <a:lumMod val="40000"/>
-                    <a:lumOff val="60000"/>
-                    <a:alpha val="0"/>
-                  </a:schemeClr>
-                </a:gs>
-                <a:gs pos="36000">
-                  <a:schemeClr val="bg2">
-                    <a:lumMod val="40000"/>
-                    <a:lumOff val="60000"/>
-                    <a:alpha val="8000"/>
-                  </a:schemeClr>
-                </a:gs>
-              </a:gsLst>
-              <a:path path="circle">
-                <a:fillToRect l="50000" t="50000" r="50000" b="50000"/>
-              </a:path>
-              <a:tileRect/>
-            </a:gradFill>
-            <a:ln>
-              <a:noFill/>
-            </a:ln>
-            <a:effectLst/>
-          </p:spPr>
-          <p:style>
-            <a:lnRef idx="1">
-              <a:schemeClr val="accent1"/>
-            </a:lnRef>
-            <a:fillRef idx="3">
-              <a:schemeClr val="accent1"/>
-            </a:fillRef>
-            <a:effectRef idx="2">
-              <a:schemeClr val="accent1"/>
-            </a:effectRef>
-            <a:fontRef idx="minor">
-              <a:schemeClr val="lt1"/>
-            </a:fontRef>
-          </p:style>
-        </p:sp>
-        <p:sp>
-          <p:nvSpPr>
-            <p:cNvPr id="23" name="Oval 22"/>
-            <p:cNvSpPr/>
-            <p:nvPr>
-              <p:extLst>
-                <p:ext uri="{386F3935-93C4-4BCD-93E2-E3B085C9AB24}">
-                  <p16:designElem xmlns:p16="http://schemas.microsoft.com/office/powerpoint/2015/main" val="1"/>
-                </p:ext>
-              </p:extLst>
-            </p:nvPr>
-          </p:nvSpPr>
-          <p:spPr>
-            <a:xfrm>
-              <a:off x="8609012" y="1676400"/>
-              <a:ext cx="2819400" cy="2819400"/>
-            </a:xfrm>
-            <a:prstGeom prst="ellipse">
-              <a:avLst/>
-            </a:prstGeom>
-            <a:gradFill flip="none" rotWithShape="1">
-              <a:gsLst>
-                <a:gs pos="0">
-                  <a:schemeClr val="bg2">
-                    <a:lumMod val="40000"/>
-                    <a:lumOff val="60000"/>
-                    <a:alpha val="7000"/>
-                  </a:schemeClr>
-                </a:gs>
-                <a:gs pos="69000">
-                  <a:schemeClr val="bg2">
-                    <a:lumMod val="40000"/>
-                    <a:lumOff val="60000"/>
-                    <a:alpha val="0"/>
-                  </a:schemeClr>
-                </a:gs>
-                <a:gs pos="36000">
-                  <a:schemeClr val="bg2">
-                    <a:lumMod val="40000"/>
-                    <a:lumOff val="60000"/>
-                    <a:alpha val="6000"/>
-                  </a:schemeClr>
-                </a:gs>
-              </a:gsLst>
-              <a:path path="circle">
-                <a:fillToRect l="50000" t="50000" r="50000" b="50000"/>
-              </a:path>
-              <a:tileRect/>
-            </a:gradFill>
-            <a:ln>
-              <a:noFill/>
-            </a:ln>
-            <a:effectLst/>
-          </p:spPr>
-          <p:style>
-            <a:lnRef idx="1">
-              <a:schemeClr val="accent1"/>
-            </a:lnRef>
-            <a:fillRef idx="3">
-              <a:schemeClr val="accent1"/>
-            </a:fillRef>
-            <a:effectRef idx="2">
-              <a:schemeClr val="accent1"/>
-            </a:effectRef>
-            <a:fontRef idx="minor">
-              <a:schemeClr val="lt1"/>
-            </a:fontRef>
-          </p:style>
-        </p:sp>
-        <p:sp>
-          <p:nvSpPr>
-            <p:cNvPr id="24" name="Oval 23"/>
-            <p:cNvSpPr/>
-            <p:nvPr>
-              <p:extLst>
-                <p:ext uri="{386F3935-93C4-4BCD-93E2-E3B085C9AB24}">
-                  <p16:designElem xmlns:p16="http://schemas.microsoft.com/office/powerpoint/2015/main" val="1"/>
-                </p:ext>
-              </p:extLst>
-            </p:nvPr>
-          </p:nvSpPr>
-          <p:spPr>
-            <a:xfrm>
-              <a:off x="7999412" y="-2373"/>
-              <a:ext cx="1600200" cy="1600200"/>
-            </a:xfrm>
-            <a:prstGeom prst="ellipse">
-              <a:avLst/>
-            </a:prstGeom>
-            <a:gradFill flip="none" rotWithShape="1">
-              <a:gsLst>
-                <a:gs pos="0">
-                  <a:schemeClr val="bg2">
-                    <a:lumMod val="40000"/>
-                    <a:lumOff val="60000"/>
-                    <a:alpha val="14000"/>
-                  </a:schemeClr>
-                </a:gs>
-                <a:gs pos="73000">
-                  <a:schemeClr val="bg2">
-                    <a:lumMod val="40000"/>
-                    <a:lumOff val="60000"/>
-                    <a:alpha val="0"/>
-                  </a:schemeClr>
-                </a:gs>
-                <a:gs pos="36000">
-                  <a:schemeClr val="bg2">
-                    <a:lumMod val="40000"/>
-                    <a:lumOff val="60000"/>
-                    <a:alpha val="7000"/>
-                  </a:schemeClr>
-                </a:gs>
-              </a:gsLst>
-              <a:path path="circle">
-                <a:fillToRect l="50000" t="50000" r="50000" b="50000"/>
-              </a:path>
-              <a:tileRect/>
-            </a:gradFill>
-            <a:ln>
-              <a:noFill/>
-            </a:ln>
-            <a:effectLst/>
-          </p:spPr>
-          <p:style>
-            <a:lnRef idx="1">
-              <a:schemeClr val="accent1"/>
-            </a:lnRef>
-            <a:fillRef idx="3">
-              <a:schemeClr val="accent1"/>
-            </a:fillRef>
-            <a:effectRef idx="2">
-              <a:schemeClr val="accent1"/>
-            </a:effectRef>
-            <a:fontRef idx="minor">
-              <a:schemeClr val="lt1"/>
-            </a:fontRef>
-          </p:style>
-        </p:sp>
-        <p:sp>
-          <p:nvSpPr>
-            <p:cNvPr id="25" name="Oval 24"/>
-            <p:cNvSpPr/>
-            <p:nvPr>
-              <p:extLst>
-                <p:ext uri="{386F3935-93C4-4BCD-93E2-E3B085C9AB24}">
-                  <p16:designElem xmlns:p16="http://schemas.microsoft.com/office/powerpoint/2015/main" val="1"/>
-                </p:ext>
-              </p:extLst>
-            </p:nvPr>
-          </p:nvSpPr>
-          <p:spPr>
-            <a:xfrm>
-              <a:off x="8609012" y="5874054"/>
-              <a:ext cx="990600" cy="990600"/>
-            </a:xfrm>
-            <a:prstGeom prst="ellipse">
-              <a:avLst/>
-            </a:prstGeom>
-            <a:gradFill flip="none" rotWithShape="1">
-              <a:gsLst>
-                <a:gs pos="0">
-                  <a:schemeClr val="bg2">
-                    <a:lumMod val="40000"/>
-                    <a:lumOff val="60000"/>
-                    <a:alpha val="14000"/>
-                  </a:schemeClr>
-                </a:gs>
-                <a:gs pos="66000">
-                  <a:schemeClr val="bg2">
-                    <a:lumMod val="40000"/>
-                    <a:lumOff val="60000"/>
-                    <a:alpha val="0"/>
-                  </a:schemeClr>
-                </a:gs>
-                <a:gs pos="36000">
-                  <a:schemeClr val="bg2">
-                    <a:lumMod val="40000"/>
-                    <a:lumOff val="60000"/>
-                    <a:alpha val="7000"/>
-                  </a:schemeClr>
-                </a:gs>
-              </a:gsLst>
-              <a:path path="circle">
-                <a:fillToRect l="50000" t="50000" r="50000" b="50000"/>
-              </a:path>
-              <a:tileRect/>
-            </a:gradFill>
-            <a:ln>
-              <a:noFill/>
-            </a:ln>
-            <a:effectLst/>
-          </p:spPr>
-          <p:style>
-            <a:lnRef idx="1">
-              <a:schemeClr val="accent1"/>
-            </a:lnRef>
-            <a:fillRef idx="3">
-              <a:schemeClr val="accent1"/>
-            </a:fillRef>
-            <a:effectRef idx="2">
-              <a:schemeClr val="accent1"/>
-            </a:effectRef>
-            <a:fontRef idx="minor">
-              <a:schemeClr val="lt1"/>
-            </a:fontRef>
-          </p:style>
-        </p:sp>
-        <p:sp>
-          <p:nvSpPr>
-            <p:cNvPr id="26" name="Rectangle 25"/>
-            <p:cNvSpPr/>
-            <p:nvPr>
-              <p:extLst>
-                <p:ext uri="{386F3935-93C4-4BCD-93E2-E3B085C9AB24}">
-                  <p16:designElem xmlns:p16="http://schemas.microsoft.com/office/powerpoint/2015/main" val="1"/>
-                </p:ext>
-              </p:extLst>
-            </p:nvPr>
-          </p:nvSpPr>
-          <p:spPr>
-            <a:xfrm>
-              <a:off x="5194608" y="402165"/>
-              <a:ext cx="6574058" cy="6053670"/>
-            </a:xfrm>
-            <a:prstGeom prst="rect">
-              <a:avLst/>
-            </a:prstGeom>
-            <a:solidFill>
-              <a:schemeClr val="bg1"/>
-            </a:solidFill>
-            <a:ln>
-              <a:noFill/>
-            </a:ln>
-            <a:effectLst/>
-          </p:spPr>
-          <p:style>
-            <a:lnRef idx="1">
-              <a:schemeClr val="accent1"/>
-            </a:lnRef>
-            <a:fillRef idx="3">
-              <a:schemeClr val="accent1"/>
-            </a:fillRef>
-            <a:effectRef idx="2">
-              <a:schemeClr val="accent1"/>
-            </a:effectRef>
-            <a:fontRef idx="minor">
-              <a:schemeClr val="lt1"/>
-            </a:fontRef>
-          </p:style>
-        </p:sp>
-        <p:sp>
-          <p:nvSpPr>
-            <p:cNvPr id="27" name="Freeform 5"/>
-            <p:cNvSpPr/>
-            <p:nvPr>
-              <p:extLst>
-                <p:ext uri="{386F3935-93C4-4BCD-93E2-E3B085C9AB24}">
-                  <p16:designElem xmlns:p16="http://schemas.microsoft.com/office/powerpoint/2015/main" val="1"/>
-                </p:ext>
-              </p:extLst>
-            </p:nvPr>
-          </p:nvSpPr>
-          <p:spPr bwMode="gray">
-            <a:xfrm rot="15922489">
-              <a:off x="3140485" y="1826078"/>
-              <a:ext cx="3299407" cy="440924"/>
-            </a:xfrm>
-            <a:custGeom>
-              <a:avLst/>
-              <a:gdLst/>
-              <a:ahLst/>
-              <a:cxnLst/>
-              <a:rect l="l" t="t" r="r" b="b"/>
-              <a:pathLst>
-                <a:path w="10000" h="5291">
-                  <a:moveTo>
-                    <a:pt x="85" y="2532"/>
-                  </a:moveTo>
-                  <a:cubicBezTo>
-                    <a:pt x="1736" y="3911"/>
-                    <a:pt x="7524" y="5298"/>
-                    <a:pt x="9958" y="5291"/>
-                  </a:cubicBezTo>
-                  <a:cubicBezTo>
-                    <a:pt x="9989" y="1958"/>
-                    <a:pt x="9969" y="3333"/>
-                    <a:pt x="10000" y="0"/>
-                  </a:cubicBezTo>
-                  <a:lnTo>
-                    <a:pt x="10000" y="0"/>
-                  </a:lnTo>
-                  <a:lnTo>
-                    <a:pt x="9667" y="204"/>
-                  </a:lnTo>
-                  <a:lnTo>
-                    <a:pt x="9334" y="400"/>
-                  </a:lnTo>
-                  <a:lnTo>
-                    <a:pt x="9001" y="590"/>
-                  </a:lnTo>
-                  <a:lnTo>
-                    <a:pt x="8667" y="753"/>
-                  </a:lnTo>
-                  <a:lnTo>
-                    <a:pt x="8333" y="917"/>
-                  </a:lnTo>
-                  <a:lnTo>
-                    <a:pt x="7999" y="1071"/>
-                  </a:lnTo>
-                  <a:lnTo>
-                    <a:pt x="7669" y="1202"/>
-                  </a:lnTo>
-                  <a:lnTo>
-                    <a:pt x="7333" y="1325"/>
-                  </a:lnTo>
-                  <a:lnTo>
-                    <a:pt x="7000" y="1440"/>
-                  </a:lnTo>
-                  <a:lnTo>
-                    <a:pt x="6673" y="1538"/>
-                  </a:lnTo>
-                  <a:lnTo>
-                    <a:pt x="6340" y="1636"/>
-                  </a:lnTo>
-                  <a:lnTo>
-                    <a:pt x="6013" y="1719"/>
-                  </a:lnTo>
-                  <a:lnTo>
-                    <a:pt x="5686" y="1784"/>
-                  </a:lnTo>
-                  <a:lnTo>
-                    <a:pt x="5359" y="1850"/>
-                  </a:lnTo>
-                  <a:lnTo>
-                    <a:pt x="5036" y="1906"/>
-                  </a:lnTo>
-                  <a:lnTo>
-                    <a:pt x="4717" y="1948"/>
-                  </a:lnTo>
-                  <a:lnTo>
-                    <a:pt x="4396" y="1980"/>
-                  </a:lnTo>
-                  <a:lnTo>
-                    <a:pt x="4079" y="2013"/>
-                  </a:lnTo>
-                  <a:lnTo>
-                    <a:pt x="3766" y="2029"/>
-                  </a:lnTo>
-                  <a:lnTo>
-                    <a:pt x="3454" y="2046"/>
-                  </a:lnTo>
-                  <a:lnTo>
-                    <a:pt x="3145" y="2053"/>
-                  </a:lnTo>
-                  <a:lnTo>
-                    <a:pt x="2839" y="2046"/>
-                  </a:lnTo>
-                  <a:lnTo>
-                    <a:pt x="2537" y="2046"/>
-                  </a:lnTo>
-                  <a:lnTo>
-                    <a:pt x="2238" y="2029"/>
-                  </a:lnTo>
-                  <a:lnTo>
-                    <a:pt x="1943" y="2004"/>
-                  </a:lnTo>
-                  <a:lnTo>
-                    <a:pt x="1653" y="1980"/>
-                  </a:lnTo>
-                  <a:lnTo>
-                    <a:pt x="1368" y="1955"/>
-                  </a:lnTo>
-                  <a:lnTo>
-                    <a:pt x="1085" y="1915"/>
-                  </a:lnTo>
-                  <a:lnTo>
-                    <a:pt x="806" y="1873"/>
-                  </a:lnTo>
-                  <a:lnTo>
-                    <a:pt x="533" y="1833"/>
-                  </a:lnTo>
-                  <a:lnTo>
-                    <a:pt x="0" y="1726"/>
-                  </a:lnTo>
-                  <a:cubicBezTo>
-                    <a:pt x="28" y="1995"/>
-                    <a:pt x="57" y="2263"/>
-                    <a:pt x="85" y="2532"/>
-                  </a:cubicBezTo>
-                  <a:close/>
-                </a:path>
-              </a:pathLst>
-            </a:custGeom>
-            <a:solidFill>
-              <a:schemeClr val="bg1">
-                <a:alpha val="20000"/>
-              </a:schemeClr>
-            </a:solidFill>
-            <a:ln>
-              <a:noFill/>
-            </a:ln>
-          </p:spPr>
-        </p:sp>
-        <p:sp>
-          <p:nvSpPr>
-            <p:cNvPr id="28" name="Freeform 5"/>
-            <p:cNvSpPr/>
-            <p:nvPr>
-              <p:extLst>
-                <p:ext uri="{386F3935-93C4-4BCD-93E2-E3B085C9AB24}">
-                  <p16:designElem xmlns:p16="http://schemas.microsoft.com/office/powerpoint/2015/main" val="1"/>
-                </p:ext>
-              </p:extLst>
-            </p:nvPr>
-          </p:nvSpPr>
-          <p:spPr bwMode="gray">
-            <a:xfrm rot="16200000">
-              <a:off x="2229377" y="2801721"/>
-              <a:ext cx="6053670" cy="1254558"/>
-            </a:xfrm>
-            <a:custGeom>
-              <a:avLst/>
-              <a:gdLst/>
-              <a:ahLst/>
-              <a:cxnLst/>
-              <a:rect l="l" t="t" r="r" b="b"/>
-              <a:pathLst>
-                <a:path w="10000" h="8000">
-                  <a:moveTo>
-                    <a:pt x="0" y="0"/>
-                  </a:moveTo>
-                  <a:lnTo>
-                    <a:pt x="0" y="7970"/>
-                  </a:lnTo>
-                  <a:lnTo>
-                    <a:pt x="10000" y="8000"/>
-                  </a:lnTo>
-                  <a:lnTo>
-                    <a:pt x="10000" y="7"/>
-                  </a:lnTo>
-                  <a:lnTo>
-                    <a:pt x="10000" y="7"/>
-                  </a:lnTo>
-                  <a:lnTo>
-                    <a:pt x="9773" y="156"/>
-                  </a:lnTo>
-                  <a:lnTo>
-                    <a:pt x="9547" y="298"/>
-                  </a:lnTo>
-                  <a:lnTo>
-                    <a:pt x="9320" y="437"/>
-                  </a:lnTo>
-                  <a:lnTo>
-                    <a:pt x="9092" y="556"/>
-                  </a:lnTo>
-                  <a:lnTo>
-                    <a:pt x="8865" y="676"/>
-                  </a:lnTo>
-                  <a:lnTo>
-                    <a:pt x="8637" y="788"/>
-                  </a:lnTo>
-                  <a:lnTo>
-                    <a:pt x="8412" y="884"/>
-                  </a:lnTo>
-                  <a:lnTo>
-                    <a:pt x="8184" y="975"/>
-                  </a:lnTo>
-                  <a:lnTo>
-                    <a:pt x="7957" y="1058"/>
-                  </a:lnTo>
-                  <a:lnTo>
-                    <a:pt x="7734" y="1130"/>
-                  </a:lnTo>
-                  <a:lnTo>
-                    <a:pt x="7508" y="1202"/>
-                  </a:lnTo>
-                  <a:lnTo>
-                    <a:pt x="7285" y="1262"/>
-                  </a:lnTo>
-                  <a:lnTo>
-                    <a:pt x="7062" y="1309"/>
-                  </a:lnTo>
-                  <a:lnTo>
-                    <a:pt x="6840" y="1358"/>
-                  </a:lnTo>
-                  <a:lnTo>
-                    <a:pt x="6620" y="1399"/>
-                  </a:lnTo>
-                  <a:lnTo>
-                    <a:pt x="6402" y="1428"/>
-                  </a:lnTo>
-                  <a:lnTo>
-                    <a:pt x="6184" y="1453"/>
-                  </a:lnTo>
-                  <a:lnTo>
-                    <a:pt x="5968" y="1477"/>
-                  </a:lnTo>
-                  <a:lnTo>
-                    <a:pt x="5755" y="1488"/>
-                  </a:lnTo>
-                  <a:lnTo>
-                    <a:pt x="5542" y="1500"/>
-                  </a:lnTo>
-                  <a:lnTo>
-                    <a:pt x="5332" y="1506"/>
-                  </a:lnTo>
-                  <a:lnTo>
-                    <a:pt x="5124" y="1500"/>
-                  </a:lnTo>
-                  <a:lnTo>
-                    <a:pt x="4918" y="1500"/>
-                  </a:lnTo>
-                  <a:lnTo>
-                    <a:pt x="4714" y="1488"/>
-                  </a:lnTo>
-                  <a:lnTo>
-                    <a:pt x="4514" y="1470"/>
-                  </a:lnTo>
-                  <a:lnTo>
-                    <a:pt x="4316" y="1453"/>
-                  </a:lnTo>
-                  <a:lnTo>
-                    <a:pt x="4122" y="1434"/>
-                  </a:lnTo>
-                  <a:lnTo>
-                    <a:pt x="3929" y="1405"/>
-                  </a:lnTo>
-                  <a:lnTo>
-                    <a:pt x="3739" y="1374"/>
-                  </a:lnTo>
-                  <a:lnTo>
-                    <a:pt x="3553" y="1346"/>
-                  </a:lnTo>
-                  <a:lnTo>
-                    <a:pt x="3190" y="1267"/>
-                  </a:lnTo>
-                  <a:lnTo>
-                    <a:pt x="2842" y="1183"/>
-                  </a:lnTo>
-                  <a:lnTo>
-                    <a:pt x="2508" y="1095"/>
-                  </a:lnTo>
-                  <a:lnTo>
-                    <a:pt x="2192" y="998"/>
-                  </a:lnTo>
-                  <a:lnTo>
-                    <a:pt x="1890" y="897"/>
-                  </a:lnTo>
-                  <a:lnTo>
-                    <a:pt x="1610" y="788"/>
-                  </a:lnTo>
-                  <a:lnTo>
-                    <a:pt x="1347" y="681"/>
-                  </a:lnTo>
-                  <a:lnTo>
-                    <a:pt x="1105" y="574"/>
-                  </a:lnTo>
-                  <a:lnTo>
-                    <a:pt x="883" y="473"/>
-                  </a:lnTo>
-                  <a:lnTo>
-                    <a:pt x="686" y="377"/>
-                  </a:lnTo>
-                  <a:lnTo>
-                    <a:pt x="508" y="286"/>
-                  </a:lnTo>
-                  <a:lnTo>
-                    <a:pt x="358" y="210"/>
-                  </a:lnTo>
-                  <a:lnTo>
-                    <a:pt x="232" y="138"/>
-                  </a:lnTo>
-                  <a:lnTo>
-                    <a:pt x="59" y="35"/>
-                  </a:lnTo>
-                  <a:lnTo>
-                    <a:pt x="0" y="0"/>
-                  </a:lnTo>
-                  <a:lnTo>
-                    <a:pt x="0" y="0"/>
-                  </a:lnTo>
-                  <a:close/>
-                </a:path>
-              </a:pathLst>
-            </a:custGeom>
-            <a:solidFill>
-              <a:schemeClr val="bg1"/>
-            </a:solidFill>
-            <a:ln>
-              <a:noFill/>
-            </a:ln>
-          </p:spPr>
-        </p:sp>
-        <p:sp>
-          <p:nvSpPr>
-            <p:cNvPr id="29" name="Freeform 5"/>
-            <p:cNvSpPr>
-              <a:spLocks noEditPoints="1"/>
-            </p:cNvSpPr>
-            <p:nvPr>
-              <p:extLst>
-                <p:ext uri="{386F3935-93C4-4BCD-93E2-E3B085C9AB24}">
-                  <p16:designElem xmlns:p16="http://schemas.microsoft.com/office/powerpoint/2015/main" val="1"/>
-                </p:ext>
-              </p:extLst>
-            </p:nvPr>
-          </p:nvSpPr>
-          <p:spPr bwMode="gray">
-            <a:xfrm>
-              <a:off x="0" y="1587"/>
-              <a:ext cx="12192000" cy="6856413"/>
-            </a:xfrm>
-            <a:custGeom>
-              <a:avLst/>
-              <a:gdLst/>
-              <a:ahLst/>
-              <a:cxnLst/>
-              <a:rect l="0" t="0" r="r" b="b"/>
-              <a:pathLst>
-                <a:path w="15356" h="8638">
-                  <a:moveTo>
-                    <a:pt x="0" y="0"/>
-                  </a:moveTo>
-                  <a:lnTo>
-                    <a:pt x="0" y="8638"/>
-                  </a:lnTo>
-                  <a:lnTo>
-                    <a:pt x="15356" y="8638"/>
-                  </a:lnTo>
-                  <a:lnTo>
-                    <a:pt x="15356" y="0"/>
-                  </a:lnTo>
-                  <a:lnTo>
-                    <a:pt x="0" y="0"/>
-                  </a:lnTo>
-                  <a:close/>
-                  <a:moveTo>
-                    <a:pt x="14748" y="8038"/>
-                  </a:moveTo>
-                  <a:lnTo>
-                    <a:pt x="600" y="8038"/>
-                  </a:lnTo>
-                  <a:lnTo>
-                    <a:pt x="600" y="592"/>
-                  </a:lnTo>
-                  <a:lnTo>
-                    <a:pt x="14748" y="592"/>
-                  </a:lnTo>
-                  <a:lnTo>
-                    <a:pt x="14748" y="8038"/>
-                  </a:lnTo>
-                  <a:close/>
-                </a:path>
-              </a:pathLst>
-            </a:custGeom>
-            <a:solidFill>
-              <a:schemeClr val="bg1"/>
-            </a:solidFill>
-            <a:ln>
-              <a:noFill/>
-            </a:ln>
-          </p:spPr>
-        </p:sp>
-      </p:grpSp>
-      <p:sp>
-        <p:nvSpPr>
-          <p:cNvPr id="30" name="Rectangle 29"/>
-          <p:cNvSpPr>
-            <a:spLocks noGrp="1" noRot="1" noChangeAspect="1" noMove="1" noResize="1" noEditPoints="1" noAdjustHandles="1" noChangeArrowheads="1" noChangeShapeType="1" noTextEdit="1"/>
-          </p:cNvSpPr>
-          <p:nvPr>
-            <p:extLst>
-              <p:ext uri="{386F3935-93C4-4BCD-93E2-E3B085C9AB24}">
-                <p16:designElem xmlns:p16="http://schemas.microsoft.com/office/powerpoint/2015/main" val="1"/>
-              </p:ext>
-            </p:extLst>
-          </p:nvPr>
-        </p:nvSpPr>
-        <p:spPr>
-          <a:xfrm>
-            <a:off x="10437812" y="0"/>
-            <a:ext cx="685800" cy="1143000"/>
-          </a:xfrm>
-          <a:prstGeom prst="rect">
-            <a:avLst/>
-          </a:prstGeom>
-          <a:solidFill>
-            <a:schemeClr val="accent1"/>
-          </a:solidFill>
-          <a:ln>
-            <a:noFill/>
-          </a:ln>
-        </p:spPr>
-        <p:style>
-          <a:lnRef idx="1">
-            <a:schemeClr val="accent1"/>
-          </a:lnRef>
-          <a:fillRef idx="3">
-            <a:schemeClr val="accent1"/>
-          </a:fillRef>
-          <a:effectRef idx="2">
-            <a:schemeClr val="accent1"/>
-          </a:effectRef>
-          <a:fontRef idx="minor">
-            <a:schemeClr val="lt1"/>
-          </a:fontRef>
-        </p:style>
-      </p:sp>
-      <p:sp>
-        <p:nvSpPr>
-          <p:cNvPr id="2" name="Title 1"/>
-          <p:cNvSpPr>
-            <a:spLocks noGrp="1"/>
-          </p:cNvSpPr>
-          <p:nvPr>
-            <p:ph type="title"/>
-          </p:nvPr>
-        </p:nvSpPr>
-        <p:spPr>
-          <a:xfrm>
-            <a:off x="1154955" y="973668"/>
-            <a:ext cx="3133726" cy="1020232"/>
-          </a:xfrm>
-        </p:spPr>
-        <p:txBody>
-          <a:bodyPr vert="horz" lIns="91440" tIns="45720" rIns="91440" bIns="45720" rtlCol="0" anchor="ctr">
-            <a:normAutofit/>
-          </a:bodyPr>
-          <a:lstStyle/>
-          <a:p>
-            <a:r>
-              <a:rPr lang="en-US" dirty="0" err="1"/>
-              <a:t>Thunks</a:t>
-            </a:r>
-            <a:endParaRPr lang="en-US" dirty="0"/>
-          </a:p>
-        </p:txBody>
-      </p:sp>
-      <p:sp>
-        <p:nvSpPr>
-          <p:cNvPr id="3" name="Content Placeholder 2"/>
-          <p:cNvSpPr>
-            <a:spLocks noGrp="1"/>
-          </p:cNvSpPr>
-          <p:nvPr>
-            <p:ph sz="half" idx="1"/>
-          </p:nvPr>
-        </p:nvSpPr>
-        <p:spPr>
-          <a:xfrm>
-            <a:off x="1040284" y="2820670"/>
-            <a:ext cx="3133726" cy="1581095"/>
-          </a:xfrm>
-        </p:spPr>
-        <p:txBody>
-          <a:bodyPr vert="horz" lIns="91440" tIns="45720" rIns="91440" bIns="45720" rtlCol="0">
-            <a:normAutofit/>
-          </a:bodyPr>
-          <a:lstStyle/>
-          <a:p>
-            <a:pPr marL="0" indent="0">
-              <a:buNone/>
-            </a:pPr>
-            <a:r>
-              <a:rPr lang="en-US" dirty="0">
-                <a:solidFill>
-                  <a:schemeClr val="bg1"/>
-                </a:solidFill>
-              </a:rPr>
-              <a:t>In a </a:t>
-            </a:r>
-            <a:r>
-              <a:rPr lang="en-US" dirty="0" err="1">
-                <a:solidFill>
-                  <a:schemeClr val="bg1"/>
-                </a:solidFill>
-              </a:rPr>
-              <a:t>async</a:t>
-            </a:r>
-            <a:r>
-              <a:rPr lang="en-US" dirty="0">
-                <a:solidFill>
-                  <a:schemeClr val="bg1"/>
-                </a:solidFill>
-              </a:rPr>
-              <a:t> flow </a:t>
-            </a:r>
-            <a:r>
-              <a:rPr lang="en-US" dirty="0" err="1">
-                <a:solidFill>
-                  <a:schemeClr val="bg1"/>
-                </a:solidFill>
-              </a:rPr>
-              <a:t>thunk</a:t>
-            </a:r>
-            <a:r>
-              <a:rPr lang="en-US" dirty="0">
-                <a:solidFill>
-                  <a:schemeClr val="bg1"/>
-                </a:solidFill>
-              </a:rPr>
-              <a:t> is a pure function that needs no parameters, except callback, to be passed to give you result</a:t>
-            </a:r>
-          </a:p>
-        </p:txBody>
-      </p:sp>
-      <p:pic>
-        <p:nvPicPr>
-          <p:cNvPr id="6" name="Объект 5"/>
-          <p:cNvPicPr>
-            <a:picLocks noGrp="1" noChangeAspect="1"/>
-          </p:cNvPicPr>
-          <p:nvPr>
-            <p:ph sz="half" idx="2"/>
-          </p:nvPr>
-        </p:nvPicPr>
-        <p:blipFill>
-          <a:blip r:embed="rId3">
-            <a:extLst>
-              <a:ext uri="{28A0092B-C50C-407E-A947-70E740481C1C}">
-                <a14:useLocalDpi xmlns:a14="http://schemas.microsoft.com/office/drawing/2010/main" val="0"/>
-              </a:ext>
-            </a:extLst>
-          </a:blip>
-          <a:stretch>
-            <a:fillRect/>
-          </a:stretch>
-        </p:blipFill>
-        <p:spPr>
-          <a:xfrm>
-            <a:off x="5328965" y="1243924"/>
-            <a:ext cx="5678019" cy="4574600"/>
-          </a:xfrm>
-        </p:spPr>
-      </p:pic>
-    </p:spTree>
-    <p:extLst>
-      <p:ext uri="{BB962C8B-B14F-4D97-AF65-F5344CB8AC3E}">
-        <p14:creationId xmlns:p14="http://schemas.microsoft.com/office/powerpoint/2010/main" val="3986905918"/>
-      </p:ext>
-    </p:extLst>
-  </p:cSld>
-  <p:clrMapOvr>
-    <a:masterClrMapping/>
-  </p:clrMapOvr>
-  <p:timing>
-    <p:tnLst>
-      <p:par>
-        <p:cTn id="1" dur="indefinite" restart="never" nodeType="tmRoot"/>
-      </p:par>
-    </p:tnLst>
-  </p:timing>
-</p:sld>
-</file>
-
-<file path=ppt/slides/slide11.xml><?xml version="1.0" encoding="utf-8"?>
-<p:sld xmlns:a="http://schemas.openxmlformats.org/drawingml/2006/main" xmlns:r="http://schemas.openxmlformats.org/officeDocument/2006/relationships" xmlns:p="http://schemas.openxmlformats.org/presentationml/2006/main">
-  <p:cSld>
-    <p:spTree>
-      <p:nvGrpSpPr>
-        <p:cNvPr id="1" name=""/>
-        <p:cNvGrpSpPr/>
-        <p:nvPr/>
-      </p:nvGrpSpPr>
-      <p:grpSpPr>
-        <a:xfrm>
-          <a:off x="0" y="0"/>
-          <a:ext cx="0" cy="0"/>
-          <a:chOff x="0" y="0"/>
-          <a:chExt cx="0" cy="0"/>
-        </a:xfrm>
-      </p:grpSpPr>
-      <p:sp>
-        <p:nvSpPr>
-          <p:cNvPr id="8" name="Rectangle 7"/>
-          <p:cNvSpPr>
-            <a:spLocks noGrp="1" noRot="1" noChangeAspect="1" noMove="1" noResize="1" noEditPoints="1" noAdjustHandles="1" noChangeArrowheads="1" noChangeShapeType="1" noTextEdit="1"/>
-          </p:cNvSpPr>
-          <p:nvPr>
-            <p:extLst>
-              <p:ext uri="{386F3935-93C4-4BCD-93E2-E3B085C9AB24}">
-                <p16:designElem xmlns:p16="http://schemas.microsoft.com/office/powerpoint/2015/main" val="1"/>
-              </p:ext>
-            </p:extLst>
-          </p:nvPr>
-        </p:nvSpPr>
-        <p:spPr bwMode="white">
-          <a:xfrm>
-            <a:off x="0" y="0"/>
-            <a:ext cx="12192000" cy="6858000"/>
-          </a:xfrm>
-          <a:prstGeom prst="rect">
-            <a:avLst/>
-          </a:prstGeom>
-          <a:solidFill>
-            <a:schemeClr val="bg1"/>
-          </a:solidFill>
-          <a:ln>
-            <a:noFill/>
-          </a:ln>
-          <a:effectLst/>
-        </p:spPr>
-      </p:sp>
-      <p:grpSp>
-        <p:nvGrpSpPr>
-          <p:cNvPr id="9" name="Group 8"/>
-          <p:cNvGrpSpPr>
-            <a:grpSpLocks noGrp="1" noUngrp="1" noRot="1" noChangeAspect="1" noMove="1" noResize="1"/>
-          </p:cNvGrpSpPr>
-          <p:nvPr>
-            <p:extLst>
-              <p:ext uri="{386F3935-93C4-4BCD-93E2-E3B085C9AB24}">
-                <p16:designElem xmlns:p16="http://schemas.microsoft.com/office/powerpoint/2015/main" val="1"/>
-              </p:ext>
-            </p:extLst>
-          </p:nvPr>
-        </p:nvGrpSpPr>
-        <p:grpSpPr>
-          <a:xfrm>
-            <a:off x="0" y="-2373"/>
-            <a:ext cx="12192000" cy="6867027"/>
-            <a:chOff x="0" y="-2373"/>
-            <a:chExt cx="12192000" cy="6867027"/>
-          </a:xfrm>
-        </p:grpSpPr>
-        <p:sp>
-          <p:nvSpPr>
-            <p:cNvPr id="10" name="Rectangle 9"/>
-            <p:cNvSpPr/>
-            <p:nvPr>
-              <p:extLst>
-                <p:ext uri="{386F3935-93C4-4BCD-93E2-E3B085C9AB24}">
-                  <p16:designElem xmlns:p16="http://schemas.microsoft.com/office/powerpoint/2015/main" val="1"/>
-                </p:ext>
-              </p:extLst>
-            </p:nvPr>
-          </p:nvSpPr>
-          <p:spPr>
-            <a:xfrm>
-              <a:off x="0" y="0"/>
-              <a:ext cx="12192000" cy="6858000"/>
-            </a:xfrm>
-            <a:prstGeom prst="rect">
-              <a:avLst/>
-            </a:prstGeom>
-            <a:blipFill>
-              <a:blip r:embed="rId2">
-                <a:duotone>
-                  <a:schemeClr val="dk2">
-                    <a:shade val="62000"/>
-                    <a:hueMod val="108000"/>
-                    <a:satMod val="164000"/>
-                    <a:lumMod val="69000"/>
-                  </a:schemeClr>
-                  <a:schemeClr val="dk2">
-                    <a:tint val="96000"/>
-                    <a:hueMod val="90000"/>
-                    <a:satMod val="130000"/>
-                    <a:lumMod val="134000"/>
-                  </a:schemeClr>
-                </a:duotone>
-              </a:blip>
-              <a:stretch>
-                <a:fillRect/>
-              </a:stretch>
-            </a:blipFill>
-            <a:ln>
-              <a:noFill/>
-            </a:ln>
-          </p:spPr>
-          <p:style>
-            <a:lnRef idx="2">
-              <a:schemeClr val="accent1">
-                <a:shade val="50000"/>
-              </a:schemeClr>
-            </a:lnRef>
-            <a:fillRef idx="1">
-              <a:schemeClr val="accent1"/>
-            </a:fillRef>
-            <a:effectRef idx="0">
-              <a:schemeClr val="accent1"/>
-            </a:effectRef>
-            <a:fontRef idx="minor">
-              <a:schemeClr val="lt1"/>
-            </a:fontRef>
-          </p:style>
-        </p:sp>
-        <p:sp>
-          <p:nvSpPr>
-            <p:cNvPr id="11" name="Oval 10"/>
-            <p:cNvSpPr/>
-            <p:nvPr>
-              <p:extLst>
-                <p:ext uri="{386F3935-93C4-4BCD-93E2-E3B085C9AB24}">
-                  <p16:designElem xmlns:p16="http://schemas.microsoft.com/office/powerpoint/2015/main" val="1"/>
-                </p:ext>
-              </p:extLst>
-            </p:nvPr>
-          </p:nvSpPr>
-          <p:spPr>
-            <a:xfrm>
-              <a:off x="3220" y="2667000"/>
-              <a:ext cx="4191000" cy="4191000"/>
-            </a:xfrm>
-            <a:prstGeom prst="ellipse">
-              <a:avLst/>
-            </a:prstGeom>
-            <a:gradFill flip="none" rotWithShape="1">
-              <a:gsLst>
-                <a:gs pos="0">
-                  <a:schemeClr val="bg2">
-                    <a:lumMod val="40000"/>
-                    <a:lumOff val="60000"/>
-                    <a:alpha val="11000"/>
-                  </a:schemeClr>
-                </a:gs>
-                <a:gs pos="75000">
-                  <a:schemeClr val="bg2">
-                    <a:lumMod val="40000"/>
-                    <a:lumOff val="60000"/>
-                    <a:alpha val="0"/>
-                  </a:schemeClr>
-                </a:gs>
-                <a:gs pos="36000">
-                  <a:schemeClr val="bg2">
-                    <a:lumMod val="40000"/>
-                    <a:lumOff val="60000"/>
-                    <a:alpha val="10000"/>
-                  </a:schemeClr>
-                </a:gs>
-              </a:gsLst>
-              <a:path path="circle">
-                <a:fillToRect l="50000" t="50000" r="50000" b="50000"/>
-              </a:path>
-              <a:tileRect/>
-            </a:gradFill>
-            <a:ln>
-              <a:noFill/>
-            </a:ln>
-            <a:effectLst/>
-          </p:spPr>
-          <p:style>
-            <a:lnRef idx="1">
-              <a:schemeClr val="accent1"/>
-            </a:lnRef>
-            <a:fillRef idx="3">
-              <a:schemeClr val="accent1"/>
-            </a:fillRef>
-            <a:effectRef idx="2">
-              <a:schemeClr val="accent1"/>
-            </a:effectRef>
-            <a:fontRef idx="minor">
-              <a:schemeClr val="lt1"/>
-            </a:fontRef>
-          </p:style>
-        </p:sp>
-        <p:sp>
-          <p:nvSpPr>
-            <p:cNvPr id="12" name="Oval 11"/>
-            <p:cNvSpPr/>
-            <p:nvPr>
-              <p:extLst>
-                <p:ext uri="{386F3935-93C4-4BCD-93E2-E3B085C9AB24}">
-                  <p16:designElem xmlns:p16="http://schemas.microsoft.com/office/powerpoint/2015/main" val="1"/>
-                </p:ext>
-              </p:extLst>
-            </p:nvPr>
-          </p:nvSpPr>
-          <p:spPr>
-            <a:xfrm>
-              <a:off x="1750" y="2895600"/>
-              <a:ext cx="2362200" cy="2362200"/>
-            </a:xfrm>
-            <a:prstGeom prst="ellipse">
-              <a:avLst/>
-            </a:prstGeom>
-            <a:gradFill flip="none" rotWithShape="1">
-              <a:gsLst>
-                <a:gs pos="0">
-                  <a:schemeClr val="bg2">
-                    <a:lumMod val="40000"/>
-                    <a:lumOff val="60000"/>
-                    <a:alpha val="8000"/>
-                  </a:schemeClr>
-                </a:gs>
-                <a:gs pos="72000">
-                  <a:schemeClr val="bg2">
-                    <a:lumMod val="40000"/>
-                    <a:lumOff val="60000"/>
-                    <a:alpha val="0"/>
-                  </a:schemeClr>
-                </a:gs>
-                <a:gs pos="36000">
-                  <a:schemeClr val="bg2">
-                    <a:lumMod val="40000"/>
-                    <a:lumOff val="60000"/>
-                    <a:alpha val="8000"/>
-                  </a:schemeClr>
-                </a:gs>
-              </a:gsLst>
-              <a:path path="circle">
-                <a:fillToRect l="50000" t="50000" r="50000" b="50000"/>
-              </a:path>
-              <a:tileRect/>
-            </a:gradFill>
-            <a:ln>
-              <a:noFill/>
-            </a:ln>
-            <a:effectLst/>
-          </p:spPr>
-          <p:style>
-            <a:lnRef idx="1">
-              <a:schemeClr val="accent1"/>
-            </a:lnRef>
-            <a:fillRef idx="3">
-              <a:schemeClr val="accent1"/>
-            </a:fillRef>
-            <a:effectRef idx="2">
-              <a:schemeClr val="accent1"/>
-            </a:effectRef>
-            <a:fontRef idx="minor">
-              <a:schemeClr val="lt1"/>
-            </a:fontRef>
-          </p:style>
-        </p:sp>
-        <p:sp>
-          <p:nvSpPr>
-            <p:cNvPr id="13" name="Oval 12"/>
-            <p:cNvSpPr/>
-            <p:nvPr>
-              <p:extLst>
-                <p:ext uri="{386F3935-93C4-4BCD-93E2-E3B085C9AB24}">
-                  <p16:designElem xmlns:p16="http://schemas.microsoft.com/office/powerpoint/2015/main" val="1"/>
-                </p:ext>
-              </p:extLst>
-            </p:nvPr>
-          </p:nvSpPr>
-          <p:spPr>
-            <a:xfrm>
-              <a:off x="8609012" y="1676400"/>
-              <a:ext cx="2819400" cy="2819400"/>
-            </a:xfrm>
-            <a:prstGeom prst="ellipse">
-              <a:avLst/>
-            </a:prstGeom>
-            <a:gradFill flip="none" rotWithShape="1">
-              <a:gsLst>
-                <a:gs pos="0">
-                  <a:schemeClr val="bg2">
-                    <a:lumMod val="40000"/>
-                    <a:lumOff val="60000"/>
-                    <a:alpha val="7000"/>
-                  </a:schemeClr>
-                </a:gs>
-                <a:gs pos="69000">
-                  <a:schemeClr val="bg2">
-                    <a:lumMod val="40000"/>
-                    <a:lumOff val="60000"/>
-                    <a:alpha val="0"/>
-                  </a:schemeClr>
-                </a:gs>
-                <a:gs pos="36000">
-                  <a:schemeClr val="bg2">
-                    <a:lumMod val="40000"/>
-                    <a:lumOff val="60000"/>
-                    <a:alpha val="6000"/>
-                  </a:schemeClr>
-                </a:gs>
-              </a:gsLst>
-              <a:path path="circle">
-                <a:fillToRect l="50000" t="50000" r="50000" b="50000"/>
-              </a:path>
-              <a:tileRect/>
-            </a:gradFill>
-            <a:ln>
-              <a:noFill/>
-            </a:ln>
-            <a:effectLst/>
-          </p:spPr>
-          <p:style>
-            <a:lnRef idx="1">
-              <a:schemeClr val="accent1"/>
-            </a:lnRef>
-            <a:fillRef idx="3">
-              <a:schemeClr val="accent1"/>
-            </a:fillRef>
-            <a:effectRef idx="2">
-              <a:schemeClr val="accent1"/>
-            </a:effectRef>
-            <a:fontRef idx="minor">
-              <a:schemeClr val="lt1"/>
-            </a:fontRef>
-          </p:style>
-        </p:sp>
-        <p:sp>
-          <p:nvSpPr>
-            <p:cNvPr id="14" name="Oval 13"/>
-            <p:cNvSpPr/>
-            <p:nvPr>
-              <p:extLst>
-                <p:ext uri="{386F3935-93C4-4BCD-93E2-E3B085C9AB24}">
-                  <p16:designElem xmlns:p16="http://schemas.microsoft.com/office/powerpoint/2015/main" val="1"/>
-                </p:ext>
-              </p:extLst>
-            </p:nvPr>
-          </p:nvSpPr>
-          <p:spPr>
-            <a:xfrm>
-              <a:off x="7999412" y="-2373"/>
-              <a:ext cx="1600200" cy="1600200"/>
-            </a:xfrm>
-            <a:prstGeom prst="ellipse">
-              <a:avLst/>
-            </a:prstGeom>
-            <a:gradFill flip="none" rotWithShape="1">
-              <a:gsLst>
-                <a:gs pos="0">
-                  <a:schemeClr val="bg2">
-                    <a:lumMod val="40000"/>
-                    <a:lumOff val="60000"/>
-                    <a:alpha val="14000"/>
-                  </a:schemeClr>
-                </a:gs>
-                <a:gs pos="73000">
-                  <a:schemeClr val="bg2">
-                    <a:lumMod val="40000"/>
-                    <a:lumOff val="60000"/>
-                    <a:alpha val="0"/>
-                  </a:schemeClr>
-                </a:gs>
-                <a:gs pos="36000">
-                  <a:schemeClr val="bg2">
-                    <a:lumMod val="40000"/>
-                    <a:lumOff val="60000"/>
-                    <a:alpha val="7000"/>
-                  </a:schemeClr>
-                </a:gs>
-              </a:gsLst>
-              <a:path path="circle">
-                <a:fillToRect l="50000" t="50000" r="50000" b="50000"/>
-              </a:path>
-              <a:tileRect/>
-            </a:gradFill>
-            <a:ln>
-              <a:noFill/>
-            </a:ln>
-            <a:effectLst/>
-          </p:spPr>
-          <p:style>
-            <a:lnRef idx="1">
-              <a:schemeClr val="accent1"/>
-            </a:lnRef>
-            <a:fillRef idx="3">
-              <a:schemeClr val="accent1"/>
-            </a:fillRef>
-            <a:effectRef idx="2">
-              <a:schemeClr val="accent1"/>
-            </a:effectRef>
-            <a:fontRef idx="minor">
-              <a:schemeClr val="lt1"/>
-            </a:fontRef>
-          </p:style>
-        </p:sp>
-        <p:sp>
-          <p:nvSpPr>
-            <p:cNvPr id="15" name="Oval 14"/>
-            <p:cNvSpPr/>
-            <p:nvPr>
-              <p:extLst>
-                <p:ext uri="{386F3935-93C4-4BCD-93E2-E3B085C9AB24}">
-                  <p16:designElem xmlns:p16="http://schemas.microsoft.com/office/powerpoint/2015/main" val="1"/>
-                </p:ext>
-              </p:extLst>
-            </p:nvPr>
-          </p:nvSpPr>
-          <p:spPr>
-            <a:xfrm>
-              <a:off x="8609012" y="5874054"/>
-              <a:ext cx="990600" cy="990600"/>
-            </a:xfrm>
-            <a:prstGeom prst="ellipse">
-              <a:avLst/>
-            </a:prstGeom>
-            <a:gradFill flip="none" rotWithShape="1">
-              <a:gsLst>
-                <a:gs pos="0">
-                  <a:schemeClr val="bg2">
-                    <a:lumMod val="40000"/>
-                    <a:lumOff val="60000"/>
-                    <a:alpha val="14000"/>
-                  </a:schemeClr>
-                </a:gs>
-                <a:gs pos="66000">
-                  <a:schemeClr val="bg2">
-                    <a:lumMod val="40000"/>
-                    <a:lumOff val="60000"/>
-                    <a:alpha val="0"/>
-                  </a:schemeClr>
-                </a:gs>
-                <a:gs pos="36000">
-                  <a:schemeClr val="bg2">
-                    <a:lumMod val="40000"/>
-                    <a:lumOff val="60000"/>
-                    <a:alpha val="7000"/>
-                  </a:schemeClr>
-                </a:gs>
-              </a:gsLst>
-              <a:path path="circle">
-                <a:fillToRect l="50000" t="50000" r="50000" b="50000"/>
-              </a:path>
-              <a:tileRect/>
-            </a:gradFill>
-            <a:ln>
-              <a:noFill/>
-            </a:ln>
-            <a:effectLst/>
-          </p:spPr>
-          <p:style>
-            <a:lnRef idx="1">
-              <a:schemeClr val="accent1"/>
-            </a:lnRef>
-            <a:fillRef idx="3">
-              <a:schemeClr val="accent1"/>
-            </a:fillRef>
-            <a:effectRef idx="2">
-              <a:schemeClr val="accent1"/>
-            </a:effectRef>
-            <a:fontRef idx="minor">
-              <a:schemeClr val="lt1"/>
-            </a:fontRef>
-          </p:style>
-        </p:sp>
-        <p:sp>
-          <p:nvSpPr>
-            <p:cNvPr id="16" name="Freeform 5"/>
-            <p:cNvSpPr/>
-            <p:nvPr>
-              <p:extLst>
-                <p:ext uri="{386F3935-93C4-4BCD-93E2-E3B085C9AB24}">
-                  <p16:designElem xmlns:p16="http://schemas.microsoft.com/office/powerpoint/2015/main" val="1"/>
-                </p:ext>
-              </p:extLst>
-            </p:nvPr>
-          </p:nvSpPr>
-          <p:spPr bwMode="gray">
-            <a:xfrm rot="21010068">
-              <a:off x="8490951" y="1797517"/>
-              <a:ext cx="3299407" cy="440924"/>
-            </a:xfrm>
-            <a:custGeom>
-              <a:avLst/>
-              <a:gdLst/>
-              <a:ahLst/>
-              <a:cxnLst/>
-              <a:rect l="l" t="t" r="r" b="b"/>
-              <a:pathLst>
-                <a:path w="10000" h="5291">
-                  <a:moveTo>
-                    <a:pt x="85" y="2532"/>
-                  </a:moveTo>
-                  <a:cubicBezTo>
-                    <a:pt x="1736" y="3911"/>
-                    <a:pt x="7524" y="5298"/>
-                    <a:pt x="9958" y="5291"/>
-                  </a:cubicBezTo>
-                  <a:cubicBezTo>
-                    <a:pt x="9989" y="1958"/>
-                    <a:pt x="9969" y="3333"/>
-                    <a:pt x="10000" y="0"/>
-                  </a:cubicBezTo>
-                  <a:lnTo>
-                    <a:pt x="10000" y="0"/>
-                  </a:lnTo>
-                  <a:lnTo>
-                    <a:pt x="9667" y="204"/>
-                  </a:lnTo>
-                  <a:lnTo>
-                    <a:pt x="9334" y="400"/>
-                  </a:lnTo>
-                  <a:lnTo>
-                    <a:pt x="9001" y="590"/>
-                  </a:lnTo>
-                  <a:lnTo>
-                    <a:pt x="8667" y="753"/>
-                  </a:lnTo>
-                  <a:lnTo>
-                    <a:pt x="8333" y="917"/>
-                  </a:lnTo>
-                  <a:lnTo>
-                    <a:pt x="7999" y="1071"/>
-                  </a:lnTo>
-                  <a:lnTo>
-                    <a:pt x="7669" y="1202"/>
-                  </a:lnTo>
-                  <a:lnTo>
-                    <a:pt x="7333" y="1325"/>
-                  </a:lnTo>
-                  <a:lnTo>
-                    <a:pt x="7000" y="1440"/>
-                  </a:lnTo>
-                  <a:lnTo>
-                    <a:pt x="6673" y="1538"/>
-                  </a:lnTo>
-                  <a:lnTo>
-                    <a:pt x="6340" y="1636"/>
-                  </a:lnTo>
-                  <a:lnTo>
-                    <a:pt x="6013" y="1719"/>
-                  </a:lnTo>
-                  <a:lnTo>
-                    <a:pt x="5686" y="1784"/>
-                  </a:lnTo>
-                  <a:lnTo>
-                    <a:pt x="5359" y="1850"/>
-                  </a:lnTo>
-                  <a:lnTo>
-                    <a:pt x="5036" y="1906"/>
-                  </a:lnTo>
-                  <a:lnTo>
-                    <a:pt x="4717" y="1948"/>
-                  </a:lnTo>
-                  <a:lnTo>
-                    <a:pt x="4396" y="1980"/>
-                  </a:lnTo>
-                  <a:lnTo>
-                    <a:pt x="4079" y="2013"/>
-                  </a:lnTo>
-                  <a:lnTo>
-                    <a:pt x="3766" y="2029"/>
-                  </a:lnTo>
-                  <a:lnTo>
-                    <a:pt x="3454" y="2046"/>
-                  </a:lnTo>
-                  <a:lnTo>
-                    <a:pt x="3145" y="2053"/>
-                  </a:lnTo>
-                  <a:lnTo>
-                    <a:pt x="2839" y="2046"/>
-                  </a:lnTo>
-                  <a:lnTo>
-                    <a:pt x="2537" y="2046"/>
-                  </a:lnTo>
-                  <a:lnTo>
-                    <a:pt x="2238" y="2029"/>
-                  </a:lnTo>
-                  <a:lnTo>
-                    <a:pt x="1943" y="2004"/>
-                  </a:lnTo>
-                  <a:lnTo>
-                    <a:pt x="1653" y="1980"/>
-                  </a:lnTo>
-                  <a:lnTo>
-                    <a:pt x="1368" y="1955"/>
-                  </a:lnTo>
-                  <a:lnTo>
-                    <a:pt x="1085" y="1915"/>
-                  </a:lnTo>
-                  <a:lnTo>
-                    <a:pt x="806" y="1873"/>
-                  </a:lnTo>
-                  <a:lnTo>
-                    <a:pt x="533" y="1833"/>
-                  </a:lnTo>
-                  <a:lnTo>
-                    <a:pt x="0" y="1726"/>
-                  </a:lnTo>
-                  <a:cubicBezTo>
-                    <a:pt x="28" y="1995"/>
-                    <a:pt x="57" y="2263"/>
-                    <a:pt x="85" y="2532"/>
-                  </a:cubicBezTo>
-                  <a:close/>
-                </a:path>
-              </a:pathLst>
-            </a:custGeom>
-            <a:solidFill>
-              <a:schemeClr val="bg1">
-                <a:alpha val="20000"/>
-              </a:schemeClr>
-            </a:solidFill>
-            <a:ln>
-              <a:noFill/>
-            </a:ln>
-          </p:spPr>
-        </p:sp>
-        <p:sp>
-          <p:nvSpPr>
-            <p:cNvPr id="17" name="Freeform 5"/>
-            <p:cNvSpPr/>
-            <p:nvPr>
-              <p:extLst>
-                <p:ext uri="{386F3935-93C4-4BCD-93E2-E3B085C9AB24}">
-                  <p16:designElem xmlns:p16="http://schemas.microsoft.com/office/powerpoint/2015/main" val="1"/>
-                </p:ext>
-              </p:extLst>
-            </p:nvPr>
-          </p:nvSpPr>
-          <p:spPr bwMode="gray">
-            <a:xfrm>
-              <a:off x="459506" y="1866405"/>
-              <a:ext cx="11277600" cy="4533900"/>
-            </a:xfrm>
-            <a:custGeom>
-              <a:avLst/>
-              <a:gdLst/>
-              <a:ahLst/>
-              <a:cxnLst/>
-              <a:rect l="0" t="0" r="r" b="b"/>
-              <a:pathLst>
-                <a:path w="7104" h="2856">
-                  <a:moveTo>
-                    <a:pt x="0" y="0"/>
-                  </a:moveTo>
-                  <a:lnTo>
-                    <a:pt x="0" y="2856"/>
-                  </a:lnTo>
-                  <a:lnTo>
-                    <a:pt x="7104" y="2856"/>
-                  </a:lnTo>
-                  <a:lnTo>
-                    <a:pt x="7104" y="1"/>
-                  </a:lnTo>
-                  <a:lnTo>
-                    <a:pt x="7104" y="1"/>
-                  </a:lnTo>
-                  <a:lnTo>
-                    <a:pt x="6943" y="26"/>
-                  </a:lnTo>
-                  <a:lnTo>
-                    <a:pt x="6782" y="50"/>
-                  </a:lnTo>
-                  <a:lnTo>
-                    <a:pt x="6621" y="73"/>
-                  </a:lnTo>
-                  <a:lnTo>
-                    <a:pt x="6459" y="93"/>
-                  </a:lnTo>
-                  <a:lnTo>
-                    <a:pt x="6298" y="113"/>
-                  </a:lnTo>
-                  <a:lnTo>
-                    <a:pt x="6136" y="132"/>
-                  </a:lnTo>
-                  <a:lnTo>
-                    <a:pt x="5976" y="148"/>
-                  </a:lnTo>
-                  <a:lnTo>
-                    <a:pt x="5814" y="163"/>
-                  </a:lnTo>
-                  <a:lnTo>
-                    <a:pt x="5653" y="177"/>
-                  </a:lnTo>
-                  <a:lnTo>
-                    <a:pt x="5494" y="189"/>
-                  </a:lnTo>
-                  <a:lnTo>
-                    <a:pt x="5334" y="201"/>
-                  </a:lnTo>
-                  <a:lnTo>
-                    <a:pt x="5175" y="211"/>
-                  </a:lnTo>
-                  <a:lnTo>
-                    <a:pt x="5017" y="219"/>
-                  </a:lnTo>
-                  <a:lnTo>
-                    <a:pt x="4859" y="227"/>
-                  </a:lnTo>
-                  <a:lnTo>
-                    <a:pt x="4703" y="234"/>
-                  </a:lnTo>
-                  <a:lnTo>
-                    <a:pt x="4548" y="239"/>
-                  </a:lnTo>
-                  <a:lnTo>
-                    <a:pt x="4393" y="243"/>
-                  </a:lnTo>
-                  <a:lnTo>
-                    <a:pt x="4240" y="247"/>
-                  </a:lnTo>
-                  <a:lnTo>
-                    <a:pt x="4088" y="249"/>
-                  </a:lnTo>
-                  <a:lnTo>
-                    <a:pt x="3937" y="251"/>
-                  </a:lnTo>
-                  <a:lnTo>
-                    <a:pt x="3788" y="252"/>
-                  </a:lnTo>
-                  <a:lnTo>
-                    <a:pt x="3640" y="251"/>
-                  </a:lnTo>
-                  <a:lnTo>
-                    <a:pt x="3494" y="251"/>
-                  </a:lnTo>
-                  <a:lnTo>
-                    <a:pt x="3349" y="249"/>
-                  </a:lnTo>
-                  <a:lnTo>
-                    <a:pt x="3207" y="246"/>
-                  </a:lnTo>
-                  <a:lnTo>
-                    <a:pt x="3066" y="243"/>
-                  </a:lnTo>
-                  <a:lnTo>
-                    <a:pt x="2928" y="240"/>
-                  </a:lnTo>
-                  <a:lnTo>
-                    <a:pt x="2791" y="235"/>
-                  </a:lnTo>
-                  <a:lnTo>
-                    <a:pt x="2656" y="230"/>
-                  </a:lnTo>
-                  <a:lnTo>
-                    <a:pt x="2524" y="225"/>
-                  </a:lnTo>
-                  <a:lnTo>
-                    <a:pt x="2266" y="212"/>
-                  </a:lnTo>
-                  <a:lnTo>
-                    <a:pt x="2019" y="198"/>
-                  </a:lnTo>
-                  <a:lnTo>
-                    <a:pt x="1782" y="183"/>
-                  </a:lnTo>
-                  <a:lnTo>
-                    <a:pt x="1557" y="167"/>
-                  </a:lnTo>
-                  <a:lnTo>
-                    <a:pt x="1343" y="150"/>
-                  </a:lnTo>
-                  <a:lnTo>
-                    <a:pt x="1144" y="132"/>
-                  </a:lnTo>
-                  <a:lnTo>
-                    <a:pt x="957" y="114"/>
-                  </a:lnTo>
-                  <a:lnTo>
-                    <a:pt x="785" y="96"/>
-                  </a:lnTo>
-                  <a:lnTo>
-                    <a:pt x="627" y="79"/>
-                  </a:lnTo>
-                  <a:lnTo>
-                    <a:pt x="487" y="63"/>
-                  </a:lnTo>
-                  <a:lnTo>
-                    <a:pt x="361" y="48"/>
-                  </a:lnTo>
-                  <a:lnTo>
-                    <a:pt x="254" y="35"/>
-                  </a:lnTo>
-                  <a:lnTo>
-                    <a:pt x="165" y="23"/>
-                  </a:lnTo>
-                  <a:lnTo>
-                    <a:pt x="42" y="6"/>
-                  </a:lnTo>
-                  <a:lnTo>
-                    <a:pt x="0" y="0"/>
-                  </a:lnTo>
-                  <a:lnTo>
-                    <a:pt x="0" y="0"/>
-                  </a:lnTo>
-                  <a:close/>
-                </a:path>
-              </a:pathLst>
-            </a:custGeom>
-            <a:solidFill>
-              <a:schemeClr val="bg1"/>
-            </a:solidFill>
-            <a:ln>
-              <a:noFill/>
-            </a:ln>
-          </p:spPr>
-        </p:sp>
-        <p:sp>
-          <p:nvSpPr>
-            <p:cNvPr id="18" name="Freeform 5"/>
-            <p:cNvSpPr>
-              <a:spLocks noEditPoints="1"/>
-            </p:cNvSpPr>
-            <p:nvPr>
-              <p:extLst>
-                <p:ext uri="{386F3935-93C4-4BCD-93E2-E3B085C9AB24}">
-                  <p16:designElem xmlns:p16="http://schemas.microsoft.com/office/powerpoint/2015/main" val="1"/>
-                </p:ext>
-              </p:extLst>
-            </p:nvPr>
-          </p:nvSpPr>
-          <p:spPr bwMode="gray">
-            <a:xfrm>
-              <a:off x="0" y="1587"/>
-              <a:ext cx="12192000" cy="6856413"/>
-            </a:xfrm>
-            <a:custGeom>
-              <a:avLst/>
-              <a:gdLst/>
-              <a:ahLst/>
-              <a:cxnLst/>
-              <a:rect l="0" t="0" r="r" b="b"/>
-              <a:pathLst>
-                <a:path w="15356" h="8638">
-                  <a:moveTo>
-                    <a:pt x="0" y="0"/>
-                  </a:moveTo>
-                  <a:lnTo>
-                    <a:pt x="0" y="8638"/>
-                  </a:lnTo>
-                  <a:lnTo>
-                    <a:pt x="15356" y="8638"/>
-                  </a:lnTo>
-                  <a:lnTo>
-                    <a:pt x="15356" y="0"/>
-                  </a:lnTo>
-                  <a:lnTo>
-                    <a:pt x="0" y="0"/>
-                  </a:lnTo>
-                  <a:close/>
-                  <a:moveTo>
-                    <a:pt x="14748" y="8038"/>
-                  </a:moveTo>
-                  <a:lnTo>
-                    <a:pt x="600" y="8038"/>
-                  </a:lnTo>
-                  <a:lnTo>
-                    <a:pt x="600" y="592"/>
-                  </a:lnTo>
-                  <a:lnTo>
-                    <a:pt x="14748" y="592"/>
-                  </a:lnTo>
-                  <a:lnTo>
-                    <a:pt x="14748" y="8038"/>
-                  </a:lnTo>
-                  <a:close/>
-                </a:path>
-              </a:pathLst>
-            </a:custGeom>
-            <a:solidFill>
-              <a:schemeClr val="bg1"/>
-            </a:solidFill>
-            <a:ln>
-              <a:noFill/>
-            </a:ln>
-          </p:spPr>
-        </p:sp>
-      </p:grpSp>
-      <p:sp>
-        <p:nvSpPr>
-          <p:cNvPr id="19" name="Rectangle 18"/>
-          <p:cNvSpPr>
-            <a:spLocks noGrp="1" noRot="1" noChangeAspect="1" noMove="1" noResize="1" noEditPoints="1" noAdjustHandles="1" noChangeArrowheads="1" noChangeShapeType="1" noTextEdit="1"/>
-          </p:cNvSpPr>
-          <p:nvPr>
-            <p:extLst>
-              <p:ext uri="{386F3935-93C4-4BCD-93E2-E3B085C9AB24}">
-                <p16:designElem xmlns:p16="http://schemas.microsoft.com/office/powerpoint/2015/main" val="1"/>
-              </p:ext>
-            </p:extLst>
-          </p:nvPr>
-        </p:nvSpPr>
-        <p:spPr>
-          <a:xfrm>
-            <a:off x="10437812" y="0"/>
-            <a:ext cx="685800" cy="1143000"/>
-          </a:xfrm>
-          <a:prstGeom prst="rect">
-            <a:avLst/>
-          </a:prstGeom>
-          <a:solidFill>
-            <a:schemeClr val="accent1"/>
-          </a:solidFill>
-          <a:ln>
-            <a:noFill/>
-          </a:ln>
-        </p:spPr>
-        <p:style>
-          <a:lnRef idx="1">
-            <a:schemeClr val="accent1"/>
-          </a:lnRef>
-          <a:fillRef idx="3">
-            <a:schemeClr val="accent1"/>
-          </a:fillRef>
-          <a:effectRef idx="2">
-            <a:schemeClr val="accent1"/>
-          </a:effectRef>
-          <a:fontRef idx="minor">
-            <a:schemeClr val="lt1"/>
-          </a:fontRef>
-        </p:style>
-      </p:sp>
-      <p:grpSp>
-        <p:nvGrpSpPr>
-          <p:cNvPr id="20" name="Group 19"/>
-          <p:cNvGrpSpPr>
-            <a:grpSpLocks noGrp="1" noUngrp="1" noRot="1" noChangeAspect="1" noMove="1" noResize="1"/>
-          </p:cNvGrpSpPr>
-          <p:nvPr>
-            <p:extLst>
-              <p:ext uri="{386F3935-93C4-4BCD-93E2-E3B085C9AB24}">
-                <p16:designElem xmlns:p16="http://schemas.microsoft.com/office/powerpoint/2015/main" val="1"/>
-              </p:ext>
-            </p:extLst>
-          </p:nvPr>
-        </p:nvGrpSpPr>
-        <p:grpSpPr>
-          <a:xfrm>
-            <a:off x="0" y="-9027"/>
-            <a:ext cx="12192000" cy="6867027"/>
-            <a:chOff x="0" y="-2373"/>
-            <a:chExt cx="12192000" cy="6867027"/>
-          </a:xfrm>
-        </p:grpSpPr>
-        <p:sp>
-          <p:nvSpPr>
-            <p:cNvPr id="21" name="Rectangle 20"/>
-            <p:cNvSpPr/>
-            <p:nvPr>
-              <p:extLst>
-                <p:ext uri="{386F3935-93C4-4BCD-93E2-E3B085C9AB24}">
-                  <p16:designElem xmlns:p16="http://schemas.microsoft.com/office/powerpoint/2015/main" val="1"/>
-                </p:ext>
-              </p:extLst>
-            </p:nvPr>
-          </p:nvSpPr>
-          <p:spPr>
-            <a:xfrm>
-              <a:off x="0" y="0"/>
-              <a:ext cx="12192000" cy="6858000"/>
-            </a:xfrm>
-            <a:prstGeom prst="rect">
-              <a:avLst/>
-            </a:prstGeom>
-            <a:blipFill>
-              <a:blip r:embed="rId2">
-                <a:duotone>
-                  <a:schemeClr val="dk2">
-                    <a:shade val="62000"/>
-                    <a:hueMod val="108000"/>
-                    <a:satMod val="164000"/>
-                    <a:lumMod val="69000"/>
-                  </a:schemeClr>
-                  <a:schemeClr val="dk2">
-                    <a:tint val="96000"/>
-                    <a:hueMod val="90000"/>
-                    <a:satMod val="130000"/>
-                    <a:lumMod val="134000"/>
-                  </a:schemeClr>
-                </a:duotone>
-              </a:blip>
-              <a:stretch>
-                <a:fillRect/>
-              </a:stretch>
-            </a:blipFill>
-            <a:ln>
-              <a:noFill/>
-            </a:ln>
-          </p:spPr>
-          <p:style>
-            <a:lnRef idx="2">
-              <a:schemeClr val="accent1">
-                <a:shade val="50000"/>
-              </a:schemeClr>
-            </a:lnRef>
-            <a:fillRef idx="1">
-              <a:schemeClr val="accent1"/>
-            </a:fillRef>
-            <a:effectRef idx="0">
-              <a:schemeClr val="accent1"/>
-            </a:effectRef>
-            <a:fontRef idx="minor">
-              <a:schemeClr val="lt1"/>
-            </a:fontRef>
-          </p:style>
-        </p:sp>
-        <p:sp>
-          <p:nvSpPr>
-            <p:cNvPr id="22" name="Oval 21"/>
-            <p:cNvSpPr/>
-            <p:nvPr>
-              <p:extLst>
-                <p:ext uri="{386F3935-93C4-4BCD-93E2-E3B085C9AB24}">
-                  <p16:designElem xmlns:p16="http://schemas.microsoft.com/office/powerpoint/2015/main" val="1"/>
-                </p:ext>
-              </p:extLst>
-            </p:nvPr>
-          </p:nvSpPr>
-          <p:spPr>
-            <a:xfrm>
-              <a:off x="3220" y="2667000"/>
-              <a:ext cx="4191000" cy="4191000"/>
-            </a:xfrm>
-            <a:prstGeom prst="ellipse">
-              <a:avLst/>
-            </a:prstGeom>
-            <a:gradFill flip="none" rotWithShape="1">
-              <a:gsLst>
-                <a:gs pos="0">
-                  <a:schemeClr val="bg2">
-                    <a:lumMod val="40000"/>
-                    <a:lumOff val="60000"/>
-                    <a:alpha val="11000"/>
-                  </a:schemeClr>
-                </a:gs>
-                <a:gs pos="75000">
-                  <a:schemeClr val="bg2">
-                    <a:lumMod val="40000"/>
-                    <a:lumOff val="60000"/>
-                    <a:alpha val="0"/>
-                  </a:schemeClr>
-                </a:gs>
-                <a:gs pos="36000">
-                  <a:schemeClr val="bg2">
-                    <a:lumMod val="40000"/>
-                    <a:lumOff val="60000"/>
-                    <a:alpha val="10000"/>
-                  </a:schemeClr>
-                </a:gs>
-              </a:gsLst>
-              <a:path path="circle">
-                <a:fillToRect l="50000" t="50000" r="50000" b="50000"/>
-              </a:path>
-              <a:tileRect/>
-            </a:gradFill>
-            <a:ln>
-              <a:noFill/>
-            </a:ln>
-            <a:effectLst/>
-          </p:spPr>
-          <p:style>
-            <a:lnRef idx="1">
-              <a:schemeClr val="accent1"/>
-            </a:lnRef>
-            <a:fillRef idx="3">
-              <a:schemeClr val="accent1"/>
-            </a:fillRef>
-            <a:effectRef idx="2">
-              <a:schemeClr val="accent1"/>
-            </a:effectRef>
-            <a:fontRef idx="minor">
-              <a:schemeClr val="lt1"/>
-            </a:fontRef>
-          </p:style>
-        </p:sp>
-        <p:sp>
-          <p:nvSpPr>
-            <p:cNvPr id="23" name="Oval 22"/>
-            <p:cNvSpPr/>
-            <p:nvPr>
-              <p:extLst>
-                <p:ext uri="{386F3935-93C4-4BCD-93E2-E3B085C9AB24}">
-                  <p16:designElem xmlns:p16="http://schemas.microsoft.com/office/powerpoint/2015/main" val="1"/>
-                </p:ext>
-              </p:extLst>
-            </p:nvPr>
-          </p:nvSpPr>
-          <p:spPr>
-            <a:xfrm>
-              <a:off x="1750" y="2895600"/>
-              <a:ext cx="2362200" cy="2362200"/>
-            </a:xfrm>
-            <a:prstGeom prst="ellipse">
-              <a:avLst/>
-            </a:prstGeom>
-            <a:gradFill flip="none" rotWithShape="1">
-              <a:gsLst>
-                <a:gs pos="0">
-                  <a:schemeClr val="bg2">
-                    <a:lumMod val="40000"/>
-                    <a:lumOff val="60000"/>
-                    <a:alpha val="8000"/>
-                  </a:schemeClr>
-                </a:gs>
-                <a:gs pos="72000">
-                  <a:schemeClr val="bg2">
-                    <a:lumMod val="40000"/>
-                    <a:lumOff val="60000"/>
-                    <a:alpha val="0"/>
-                  </a:schemeClr>
-                </a:gs>
-                <a:gs pos="36000">
-                  <a:schemeClr val="bg2">
-                    <a:lumMod val="40000"/>
-                    <a:lumOff val="60000"/>
-                    <a:alpha val="8000"/>
-                  </a:schemeClr>
-                </a:gs>
-              </a:gsLst>
-              <a:path path="circle">
-                <a:fillToRect l="50000" t="50000" r="50000" b="50000"/>
-              </a:path>
-              <a:tileRect/>
-            </a:gradFill>
-            <a:ln>
-              <a:noFill/>
-            </a:ln>
-            <a:effectLst/>
-          </p:spPr>
-          <p:style>
-            <a:lnRef idx="1">
-              <a:schemeClr val="accent1"/>
-            </a:lnRef>
-            <a:fillRef idx="3">
-              <a:schemeClr val="accent1"/>
-            </a:fillRef>
-            <a:effectRef idx="2">
-              <a:schemeClr val="accent1"/>
-            </a:effectRef>
-            <a:fontRef idx="minor">
-              <a:schemeClr val="lt1"/>
-            </a:fontRef>
-          </p:style>
-        </p:sp>
-        <p:sp>
-          <p:nvSpPr>
-            <p:cNvPr id="24" name="Oval 23"/>
-            <p:cNvSpPr/>
-            <p:nvPr>
-              <p:extLst>
-                <p:ext uri="{386F3935-93C4-4BCD-93E2-E3B085C9AB24}">
-                  <p16:designElem xmlns:p16="http://schemas.microsoft.com/office/powerpoint/2015/main" val="1"/>
-                </p:ext>
-              </p:extLst>
-            </p:nvPr>
-          </p:nvSpPr>
-          <p:spPr>
-            <a:xfrm>
-              <a:off x="8609012" y="1676400"/>
-              <a:ext cx="2819400" cy="2819400"/>
-            </a:xfrm>
-            <a:prstGeom prst="ellipse">
-              <a:avLst/>
-            </a:prstGeom>
-            <a:gradFill flip="none" rotWithShape="1">
-              <a:gsLst>
-                <a:gs pos="0">
-                  <a:schemeClr val="bg2">
-                    <a:lumMod val="40000"/>
-                    <a:lumOff val="60000"/>
-                    <a:alpha val="7000"/>
-                  </a:schemeClr>
-                </a:gs>
-                <a:gs pos="69000">
-                  <a:schemeClr val="bg2">
-                    <a:lumMod val="40000"/>
-                    <a:lumOff val="60000"/>
-                    <a:alpha val="0"/>
-                  </a:schemeClr>
-                </a:gs>
-                <a:gs pos="36000">
-                  <a:schemeClr val="bg2">
-                    <a:lumMod val="40000"/>
-                    <a:lumOff val="60000"/>
-                    <a:alpha val="6000"/>
-                  </a:schemeClr>
-                </a:gs>
-              </a:gsLst>
-              <a:path path="circle">
-                <a:fillToRect l="50000" t="50000" r="50000" b="50000"/>
-              </a:path>
-              <a:tileRect/>
-            </a:gradFill>
-            <a:ln>
-              <a:noFill/>
-            </a:ln>
-            <a:effectLst/>
-          </p:spPr>
-          <p:style>
-            <a:lnRef idx="1">
-              <a:schemeClr val="accent1"/>
-            </a:lnRef>
-            <a:fillRef idx="3">
-              <a:schemeClr val="accent1"/>
-            </a:fillRef>
-            <a:effectRef idx="2">
-              <a:schemeClr val="accent1"/>
-            </a:effectRef>
-            <a:fontRef idx="minor">
-              <a:schemeClr val="lt1"/>
-            </a:fontRef>
-          </p:style>
-        </p:sp>
-        <p:sp>
-          <p:nvSpPr>
-            <p:cNvPr id="25" name="Oval 24"/>
-            <p:cNvSpPr/>
-            <p:nvPr>
-              <p:extLst>
-                <p:ext uri="{386F3935-93C4-4BCD-93E2-E3B085C9AB24}">
-                  <p16:designElem xmlns:p16="http://schemas.microsoft.com/office/powerpoint/2015/main" val="1"/>
-                </p:ext>
-              </p:extLst>
-            </p:nvPr>
-          </p:nvSpPr>
-          <p:spPr>
-            <a:xfrm>
-              <a:off x="7999412" y="-2373"/>
-              <a:ext cx="1600200" cy="1600200"/>
-            </a:xfrm>
-            <a:prstGeom prst="ellipse">
-              <a:avLst/>
-            </a:prstGeom>
-            <a:gradFill flip="none" rotWithShape="1">
-              <a:gsLst>
-                <a:gs pos="0">
-                  <a:schemeClr val="bg2">
-                    <a:lumMod val="40000"/>
-                    <a:lumOff val="60000"/>
-                    <a:alpha val="14000"/>
-                  </a:schemeClr>
-                </a:gs>
-                <a:gs pos="73000">
-                  <a:schemeClr val="bg2">
-                    <a:lumMod val="40000"/>
-                    <a:lumOff val="60000"/>
-                    <a:alpha val="0"/>
-                  </a:schemeClr>
-                </a:gs>
-                <a:gs pos="36000">
-                  <a:schemeClr val="bg2">
-                    <a:lumMod val="40000"/>
-                    <a:lumOff val="60000"/>
-                    <a:alpha val="7000"/>
-                  </a:schemeClr>
-                </a:gs>
-              </a:gsLst>
-              <a:path path="circle">
-                <a:fillToRect l="50000" t="50000" r="50000" b="50000"/>
-              </a:path>
-              <a:tileRect/>
-            </a:gradFill>
-            <a:ln>
-              <a:noFill/>
-            </a:ln>
-            <a:effectLst/>
-          </p:spPr>
-          <p:style>
-            <a:lnRef idx="1">
-              <a:schemeClr val="accent1"/>
-            </a:lnRef>
-            <a:fillRef idx="3">
-              <a:schemeClr val="accent1"/>
-            </a:fillRef>
-            <a:effectRef idx="2">
-              <a:schemeClr val="accent1"/>
-            </a:effectRef>
-            <a:fontRef idx="minor">
-              <a:schemeClr val="lt1"/>
-            </a:fontRef>
-          </p:style>
-        </p:sp>
-        <p:sp>
-          <p:nvSpPr>
-            <p:cNvPr id="26" name="Oval 25"/>
-            <p:cNvSpPr/>
-            <p:nvPr>
-              <p:extLst>
-                <p:ext uri="{386F3935-93C4-4BCD-93E2-E3B085C9AB24}">
-                  <p16:designElem xmlns:p16="http://schemas.microsoft.com/office/powerpoint/2015/main" val="1"/>
-                </p:ext>
-              </p:extLst>
-            </p:nvPr>
-          </p:nvSpPr>
-          <p:spPr>
-            <a:xfrm>
-              <a:off x="8609012" y="5874054"/>
-              <a:ext cx="990600" cy="990600"/>
-            </a:xfrm>
-            <a:prstGeom prst="ellipse">
-              <a:avLst/>
-            </a:prstGeom>
-            <a:gradFill flip="none" rotWithShape="1">
-              <a:gsLst>
-                <a:gs pos="0">
-                  <a:schemeClr val="bg2">
-                    <a:lumMod val="40000"/>
-                    <a:lumOff val="60000"/>
-                    <a:alpha val="14000"/>
-                  </a:schemeClr>
-                </a:gs>
-                <a:gs pos="66000">
-                  <a:schemeClr val="bg2">
-                    <a:lumMod val="40000"/>
-                    <a:lumOff val="60000"/>
-                    <a:alpha val="0"/>
-                  </a:schemeClr>
-                </a:gs>
-                <a:gs pos="36000">
-                  <a:schemeClr val="bg2">
-                    <a:lumMod val="40000"/>
-                    <a:lumOff val="60000"/>
-                    <a:alpha val="7000"/>
-                  </a:schemeClr>
-                </a:gs>
-              </a:gsLst>
-              <a:path path="circle">
-                <a:fillToRect l="50000" t="50000" r="50000" b="50000"/>
-              </a:path>
-              <a:tileRect/>
-            </a:gradFill>
-            <a:ln>
-              <a:noFill/>
-            </a:ln>
-            <a:effectLst/>
-          </p:spPr>
-          <p:style>
-            <a:lnRef idx="1">
-              <a:schemeClr val="accent1"/>
-            </a:lnRef>
-            <a:fillRef idx="3">
-              <a:schemeClr val="accent1"/>
-            </a:fillRef>
-            <a:effectRef idx="2">
-              <a:schemeClr val="accent1"/>
-            </a:effectRef>
-            <a:fontRef idx="minor">
-              <a:schemeClr val="lt1"/>
-            </a:fontRef>
-          </p:style>
-        </p:sp>
-        <p:sp>
-          <p:nvSpPr>
-            <p:cNvPr id="27" name="Rectangle 26"/>
-            <p:cNvSpPr/>
-            <p:nvPr>
-              <p:extLst>
-                <p:ext uri="{386F3935-93C4-4BCD-93E2-E3B085C9AB24}">
-                  <p16:designElem xmlns:p16="http://schemas.microsoft.com/office/powerpoint/2015/main" val="1"/>
-                </p:ext>
-              </p:extLst>
-            </p:nvPr>
-          </p:nvSpPr>
-          <p:spPr>
-            <a:xfrm>
-              <a:off x="5194608" y="402165"/>
-              <a:ext cx="6574058" cy="6053670"/>
-            </a:xfrm>
-            <a:prstGeom prst="rect">
-              <a:avLst/>
-            </a:prstGeom>
-            <a:solidFill>
-              <a:schemeClr val="bg1"/>
-            </a:solidFill>
-            <a:ln>
-              <a:noFill/>
-            </a:ln>
-            <a:effectLst/>
-          </p:spPr>
-          <p:style>
-            <a:lnRef idx="1">
-              <a:schemeClr val="accent1"/>
-            </a:lnRef>
-            <a:fillRef idx="3">
-              <a:schemeClr val="accent1"/>
-            </a:fillRef>
-            <a:effectRef idx="2">
-              <a:schemeClr val="accent1"/>
-            </a:effectRef>
-            <a:fontRef idx="minor">
-              <a:schemeClr val="lt1"/>
-            </a:fontRef>
-          </p:style>
-        </p:sp>
-        <p:sp>
-          <p:nvSpPr>
-            <p:cNvPr id="28" name="Freeform 5"/>
-            <p:cNvSpPr/>
-            <p:nvPr>
-              <p:extLst>
-                <p:ext uri="{386F3935-93C4-4BCD-93E2-E3B085C9AB24}">
-                  <p16:designElem xmlns:p16="http://schemas.microsoft.com/office/powerpoint/2015/main" val="1"/>
-                </p:ext>
-              </p:extLst>
-            </p:nvPr>
-          </p:nvSpPr>
-          <p:spPr bwMode="gray">
-            <a:xfrm rot="15922489">
-              <a:off x="3140485" y="1826078"/>
-              <a:ext cx="3299407" cy="440924"/>
-            </a:xfrm>
-            <a:custGeom>
-              <a:avLst/>
-              <a:gdLst/>
-              <a:ahLst/>
-              <a:cxnLst/>
-              <a:rect l="l" t="t" r="r" b="b"/>
-              <a:pathLst>
-                <a:path w="10000" h="5291">
-                  <a:moveTo>
-                    <a:pt x="85" y="2532"/>
-                  </a:moveTo>
-                  <a:cubicBezTo>
-                    <a:pt x="1736" y="3911"/>
-                    <a:pt x="7524" y="5298"/>
-                    <a:pt x="9958" y="5291"/>
-                  </a:cubicBezTo>
-                  <a:cubicBezTo>
-                    <a:pt x="9989" y="1958"/>
-                    <a:pt x="9969" y="3333"/>
-                    <a:pt x="10000" y="0"/>
-                  </a:cubicBezTo>
-                  <a:lnTo>
-                    <a:pt x="10000" y="0"/>
-                  </a:lnTo>
-                  <a:lnTo>
-                    <a:pt x="9667" y="204"/>
-                  </a:lnTo>
-                  <a:lnTo>
-                    <a:pt x="9334" y="400"/>
-                  </a:lnTo>
-                  <a:lnTo>
-                    <a:pt x="9001" y="590"/>
-                  </a:lnTo>
-                  <a:lnTo>
-                    <a:pt x="8667" y="753"/>
-                  </a:lnTo>
-                  <a:lnTo>
-                    <a:pt x="8333" y="917"/>
-                  </a:lnTo>
-                  <a:lnTo>
-                    <a:pt x="7999" y="1071"/>
-                  </a:lnTo>
-                  <a:lnTo>
-                    <a:pt x="7669" y="1202"/>
-                  </a:lnTo>
-                  <a:lnTo>
-                    <a:pt x="7333" y="1325"/>
-                  </a:lnTo>
-                  <a:lnTo>
-                    <a:pt x="7000" y="1440"/>
-                  </a:lnTo>
-                  <a:lnTo>
-                    <a:pt x="6673" y="1538"/>
-                  </a:lnTo>
-                  <a:lnTo>
-                    <a:pt x="6340" y="1636"/>
-                  </a:lnTo>
-                  <a:lnTo>
-                    <a:pt x="6013" y="1719"/>
-                  </a:lnTo>
-                  <a:lnTo>
-                    <a:pt x="5686" y="1784"/>
-                  </a:lnTo>
-                  <a:lnTo>
-                    <a:pt x="5359" y="1850"/>
-                  </a:lnTo>
-                  <a:lnTo>
-                    <a:pt x="5036" y="1906"/>
-                  </a:lnTo>
-                  <a:lnTo>
-                    <a:pt x="4717" y="1948"/>
-                  </a:lnTo>
-                  <a:lnTo>
-                    <a:pt x="4396" y="1980"/>
-                  </a:lnTo>
-                  <a:lnTo>
-                    <a:pt x="4079" y="2013"/>
-                  </a:lnTo>
-                  <a:lnTo>
-                    <a:pt x="3766" y="2029"/>
-                  </a:lnTo>
-                  <a:lnTo>
-                    <a:pt x="3454" y="2046"/>
-                  </a:lnTo>
-                  <a:lnTo>
-                    <a:pt x="3145" y="2053"/>
-                  </a:lnTo>
-                  <a:lnTo>
-                    <a:pt x="2839" y="2046"/>
-                  </a:lnTo>
-                  <a:lnTo>
-                    <a:pt x="2537" y="2046"/>
-                  </a:lnTo>
-                  <a:lnTo>
-                    <a:pt x="2238" y="2029"/>
-                  </a:lnTo>
-                  <a:lnTo>
-                    <a:pt x="1943" y="2004"/>
-                  </a:lnTo>
-                  <a:lnTo>
-                    <a:pt x="1653" y="1980"/>
-                  </a:lnTo>
-                  <a:lnTo>
-                    <a:pt x="1368" y="1955"/>
-                  </a:lnTo>
-                  <a:lnTo>
-                    <a:pt x="1085" y="1915"/>
-                  </a:lnTo>
-                  <a:lnTo>
-                    <a:pt x="806" y="1873"/>
-                  </a:lnTo>
-                  <a:lnTo>
-                    <a:pt x="533" y="1833"/>
-                  </a:lnTo>
-                  <a:lnTo>
-                    <a:pt x="0" y="1726"/>
-                  </a:lnTo>
-                  <a:cubicBezTo>
-                    <a:pt x="28" y="1995"/>
-                    <a:pt x="57" y="2263"/>
-                    <a:pt x="85" y="2532"/>
-                  </a:cubicBezTo>
-                  <a:close/>
-                </a:path>
-              </a:pathLst>
-            </a:custGeom>
-            <a:solidFill>
-              <a:schemeClr val="bg1">
-                <a:alpha val="20000"/>
-              </a:schemeClr>
-            </a:solidFill>
-            <a:ln>
-              <a:noFill/>
-            </a:ln>
-          </p:spPr>
-        </p:sp>
-        <p:sp>
-          <p:nvSpPr>
-            <p:cNvPr id="29" name="Freeform 5"/>
-            <p:cNvSpPr/>
-            <p:nvPr>
-              <p:extLst>
-                <p:ext uri="{386F3935-93C4-4BCD-93E2-E3B085C9AB24}">
-                  <p16:designElem xmlns:p16="http://schemas.microsoft.com/office/powerpoint/2015/main" val="1"/>
-                </p:ext>
-              </p:extLst>
-            </p:nvPr>
-          </p:nvSpPr>
-          <p:spPr bwMode="gray">
-            <a:xfrm rot="16200000">
-              <a:off x="2229377" y="2801721"/>
-              <a:ext cx="6053670" cy="1254558"/>
-            </a:xfrm>
-            <a:custGeom>
-              <a:avLst/>
-              <a:gdLst/>
-              <a:ahLst/>
-              <a:cxnLst/>
-              <a:rect l="l" t="t" r="r" b="b"/>
-              <a:pathLst>
-                <a:path w="10000" h="8000">
-                  <a:moveTo>
-                    <a:pt x="0" y="0"/>
-                  </a:moveTo>
-                  <a:lnTo>
-                    <a:pt x="0" y="7970"/>
-                  </a:lnTo>
-                  <a:lnTo>
-                    <a:pt x="10000" y="8000"/>
-                  </a:lnTo>
-                  <a:lnTo>
-                    <a:pt x="10000" y="7"/>
-                  </a:lnTo>
-                  <a:lnTo>
-                    <a:pt x="10000" y="7"/>
-                  </a:lnTo>
-                  <a:lnTo>
-                    <a:pt x="9773" y="156"/>
-                  </a:lnTo>
-                  <a:lnTo>
-                    <a:pt x="9547" y="298"/>
-                  </a:lnTo>
-                  <a:lnTo>
-                    <a:pt x="9320" y="437"/>
-                  </a:lnTo>
-                  <a:lnTo>
-                    <a:pt x="9092" y="556"/>
-                  </a:lnTo>
-                  <a:lnTo>
-                    <a:pt x="8865" y="676"/>
-                  </a:lnTo>
-                  <a:lnTo>
-                    <a:pt x="8637" y="788"/>
-                  </a:lnTo>
-                  <a:lnTo>
-                    <a:pt x="8412" y="884"/>
-                  </a:lnTo>
-                  <a:lnTo>
-                    <a:pt x="8184" y="975"/>
-                  </a:lnTo>
-                  <a:lnTo>
-                    <a:pt x="7957" y="1058"/>
-                  </a:lnTo>
-                  <a:lnTo>
-                    <a:pt x="7734" y="1130"/>
-                  </a:lnTo>
-                  <a:lnTo>
-                    <a:pt x="7508" y="1202"/>
-                  </a:lnTo>
-                  <a:lnTo>
-                    <a:pt x="7285" y="1262"/>
-                  </a:lnTo>
-                  <a:lnTo>
-                    <a:pt x="7062" y="1309"/>
-                  </a:lnTo>
-                  <a:lnTo>
-                    <a:pt x="6840" y="1358"/>
-                  </a:lnTo>
-                  <a:lnTo>
-                    <a:pt x="6620" y="1399"/>
-                  </a:lnTo>
-                  <a:lnTo>
-                    <a:pt x="6402" y="1428"/>
-                  </a:lnTo>
-                  <a:lnTo>
-                    <a:pt x="6184" y="1453"/>
-                  </a:lnTo>
-                  <a:lnTo>
-                    <a:pt x="5968" y="1477"/>
-                  </a:lnTo>
-                  <a:lnTo>
-                    <a:pt x="5755" y="1488"/>
-                  </a:lnTo>
-                  <a:lnTo>
-                    <a:pt x="5542" y="1500"/>
-                  </a:lnTo>
-                  <a:lnTo>
-                    <a:pt x="5332" y="1506"/>
-                  </a:lnTo>
-                  <a:lnTo>
-                    <a:pt x="5124" y="1500"/>
-                  </a:lnTo>
-                  <a:lnTo>
-                    <a:pt x="4918" y="1500"/>
-                  </a:lnTo>
-                  <a:lnTo>
-                    <a:pt x="4714" y="1488"/>
-                  </a:lnTo>
-                  <a:lnTo>
-                    <a:pt x="4514" y="1470"/>
-                  </a:lnTo>
-                  <a:lnTo>
-                    <a:pt x="4316" y="1453"/>
-                  </a:lnTo>
-                  <a:lnTo>
-                    <a:pt x="4122" y="1434"/>
-                  </a:lnTo>
-                  <a:lnTo>
-                    <a:pt x="3929" y="1405"/>
-                  </a:lnTo>
-                  <a:lnTo>
-                    <a:pt x="3739" y="1374"/>
-                  </a:lnTo>
-                  <a:lnTo>
-                    <a:pt x="3553" y="1346"/>
-                  </a:lnTo>
-                  <a:lnTo>
-                    <a:pt x="3190" y="1267"/>
-                  </a:lnTo>
-                  <a:lnTo>
-                    <a:pt x="2842" y="1183"/>
-                  </a:lnTo>
-                  <a:lnTo>
-                    <a:pt x="2508" y="1095"/>
-                  </a:lnTo>
-                  <a:lnTo>
-                    <a:pt x="2192" y="998"/>
-                  </a:lnTo>
-                  <a:lnTo>
-                    <a:pt x="1890" y="897"/>
-                  </a:lnTo>
-                  <a:lnTo>
-                    <a:pt x="1610" y="788"/>
-                  </a:lnTo>
-                  <a:lnTo>
-                    <a:pt x="1347" y="681"/>
-                  </a:lnTo>
-                  <a:lnTo>
-                    <a:pt x="1105" y="574"/>
-                  </a:lnTo>
-                  <a:lnTo>
-                    <a:pt x="883" y="473"/>
-                  </a:lnTo>
-                  <a:lnTo>
-                    <a:pt x="686" y="377"/>
-                  </a:lnTo>
-                  <a:lnTo>
-                    <a:pt x="508" y="286"/>
-                  </a:lnTo>
-                  <a:lnTo>
-                    <a:pt x="358" y="210"/>
-                  </a:lnTo>
-                  <a:lnTo>
-                    <a:pt x="232" y="138"/>
-                  </a:lnTo>
-                  <a:lnTo>
-                    <a:pt x="59" y="35"/>
-                  </a:lnTo>
-                  <a:lnTo>
-                    <a:pt x="0" y="0"/>
-                  </a:lnTo>
-                  <a:lnTo>
-                    <a:pt x="0" y="0"/>
-                  </a:lnTo>
-                  <a:close/>
-                </a:path>
-              </a:pathLst>
-            </a:custGeom>
-            <a:solidFill>
-              <a:schemeClr val="bg1"/>
-            </a:solidFill>
-            <a:ln>
-              <a:noFill/>
-            </a:ln>
-          </p:spPr>
-        </p:sp>
-        <p:sp>
-          <p:nvSpPr>
-            <p:cNvPr id="30" name="Freeform 5"/>
-            <p:cNvSpPr>
-              <a:spLocks noEditPoints="1"/>
-            </p:cNvSpPr>
-            <p:nvPr>
-              <p:extLst>
-                <p:ext uri="{386F3935-93C4-4BCD-93E2-E3B085C9AB24}">
-                  <p16:designElem xmlns:p16="http://schemas.microsoft.com/office/powerpoint/2015/main" val="1"/>
-                </p:ext>
-              </p:extLst>
-            </p:nvPr>
-          </p:nvSpPr>
-          <p:spPr bwMode="gray">
-            <a:xfrm>
-              <a:off x="0" y="1587"/>
-              <a:ext cx="12192000" cy="6856413"/>
-            </a:xfrm>
-            <a:custGeom>
-              <a:avLst/>
-              <a:gdLst/>
-              <a:ahLst/>
-              <a:cxnLst/>
-              <a:rect l="0" t="0" r="r" b="b"/>
-              <a:pathLst>
-                <a:path w="15356" h="8638">
-                  <a:moveTo>
-                    <a:pt x="0" y="0"/>
-                  </a:moveTo>
-                  <a:lnTo>
-                    <a:pt x="0" y="8638"/>
-                  </a:lnTo>
-                  <a:lnTo>
-                    <a:pt x="15356" y="8638"/>
-                  </a:lnTo>
-                  <a:lnTo>
-                    <a:pt x="15356" y="0"/>
-                  </a:lnTo>
-                  <a:lnTo>
-                    <a:pt x="0" y="0"/>
-                  </a:lnTo>
-                  <a:close/>
-                  <a:moveTo>
-                    <a:pt x="14748" y="8038"/>
-                  </a:moveTo>
-                  <a:lnTo>
-                    <a:pt x="600" y="8038"/>
-                  </a:lnTo>
-                  <a:lnTo>
-                    <a:pt x="600" y="592"/>
-                  </a:lnTo>
-                  <a:lnTo>
-                    <a:pt x="14748" y="592"/>
-                  </a:lnTo>
-                  <a:lnTo>
-                    <a:pt x="14748" y="8038"/>
-                  </a:lnTo>
-                  <a:close/>
-                </a:path>
-              </a:pathLst>
-            </a:custGeom>
-            <a:solidFill>
-              <a:schemeClr val="bg1"/>
-            </a:solidFill>
-            <a:ln>
-              <a:noFill/>
-            </a:ln>
-          </p:spPr>
-        </p:sp>
-      </p:grpSp>
-      <p:sp>
-        <p:nvSpPr>
-          <p:cNvPr id="31" name="Rectangle 30"/>
-          <p:cNvSpPr>
-            <a:spLocks noGrp="1" noRot="1" noChangeAspect="1" noMove="1" noResize="1" noEditPoints="1" noAdjustHandles="1" noChangeArrowheads="1" noChangeShapeType="1" noTextEdit="1"/>
-          </p:cNvSpPr>
-          <p:nvPr>
-            <p:extLst>
-              <p:ext uri="{386F3935-93C4-4BCD-93E2-E3B085C9AB24}">
-                <p16:designElem xmlns:p16="http://schemas.microsoft.com/office/powerpoint/2015/main" val="1"/>
-              </p:ext>
-            </p:extLst>
-          </p:nvPr>
-        </p:nvSpPr>
-        <p:spPr>
-          <a:xfrm>
-            <a:off x="10437812" y="0"/>
-            <a:ext cx="685800" cy="1143000"/>
-          </a:xfrm>
-          <a:prstGeom prst="rect">
-            <a:avLst/>
-          </a:prstGeom>
-          <a:solidFill>
-            <a:schemeClr val="accent1"/>
-          </a:solidFill>
-          <a:ln>
-            <a:noFill/>
-          </a:ln>
-        </p:spPr>
-        <p:style>
-          <a:lnRef idx="1">
-            <a:schemeClr val="accent1"/>
-          </a:lnRef>
-          <a:fillRef idx="3">
-            <a:schemeClr val="accent1"/>
-          </a:fillRef>
-          <a:effectRef idx="2">
-            <a:schemeClr val="accent1"/>
-          </a:effectRef>
-          <a:fontRef idx="minor">
-            <a:schemeClr val="lt1"/>
-          </a:fontRef>
-        </p:style>
-      </p:sp>
-      <p:sp>
-        <p:nvSpPr>
-          <p:cNvPr id="2" name="Title 1"/>
-          <p:cNvSpPr>
-            <a:spLocks noGrp="1"/>
-          </p:cNvSpPr>
-          <p:nvPr>
-            <p:ph type="title"/>
-          </p:nvPr>
-        </p:nvSpPr>
-        <p:spPr>
-          <a:xfrm>
-            <a:off x="1154955" y="973668"/>
-            <a:ext cx="3133726" cy="1020232"/>
-          </a:xfrm>
-        </p:spPr>
-        <p:txBody>
-          <a:bodyPr vert="horz" lIns="91440" tIns="45720" rIns="91440" bIns="45720" rtlCol="0" anchor="ctr">
-            <a:normAutofit/>
-          </a:bodyPr>
-          <a:lstStyle/>
-          <a:p>
-            <a:r>
-              <a:rPr lang="en-US" dirty="0" err="1"/>
-              <a:t>Thunks</a:t>
-            </a:r>
-            <a:endParaRPr lang="en-US" dirty="0"/>
-          </a:p>
-        </p:txBody>
-      </p:sp>
-      <p:sp>
-        <p:nvSpPr>
-          <p:cNvPr id="4" name="Content Placeholder 3"/>
-          <p:cNvSpPr>
-            <a:spLocks noGrp="1"/>
-          </p:cNvSpPr>
-          <p:nvPr>
-            <p:ph sz="half" idx="1"/>
-          </p:nvPr>
-        </p:nvSpPr>
-        <p:spPr>
-          <a:xfrm>
-            <a:off x="1020854" y="2667000"/>
-            <a:ext cx="3133726" cy="1993900"/>
-          </a:xfrm>
-        </p:spPr>
-        <p:txBody>
-          <a:bodyPr vert="horz" lIns="91440" tIns="45720" rIns="91440" bIns="45720" rtlCol="0">
-            <a:normAutofit/>
-          </a:bodyPr>
-          <a:lstStyle/>
-          <a:p>
-            <a:r>
-              <a:rPr lang="en-US" dirty="0">
-                <a:solidFill>
-                  <a:schemeClr val="bg1"/>
-                </a:solidFill>
-              </a:rPr>
-              <a:t>Are not solving “Callback Hell” in any way</a:t>
-            </a:r>
-          </a:p>
-          <a:p>
-            <a:r>
-              <a:rPr lang="en-US" dirty="0">
-                <a:solidFill>
-                  <a:schemeClr val="bg1"/>
-                </a:solidFill>
-              </a:rPr>
-              <a:t>Understanding </a:t>
-            </a:r>
-            <a:r>
-              <a:rPr lang="en-US" dirty="0" err="1">
-                <a:solidFill>
-                  <a:schemeClr val="bg1"/>
-                </a:solidFill>
-              </a:rPr>
-              <a:t>thunks</a:t>
-            </a:r>
-            <a:r>
-              <a:rPr lang="en-US" dirty="0">
-                <a:solidFill>
-                  <a:schemeClr val="bg1"/>
-                </a:solidFill>
-              </a:rPr>
-              <a:t> you’ll understand Promises</a:t>
-            </a:r>
-          </a:p>
-          <a:p>
-            <a:endParaRPr lang="en-US" dirty="0">
-              <a:solidFill>
-                <a:schemeClr val="bg1"/>
-              </a:solidFill>
-            </a:endParaRPr>
-          </a:p>
-          <a:p>
-            <a:endParaRPr lang="en-US" dirty="0">
-              <a:solidFill>
-                <a:schemeClr val="bg1"/>
-              </a:solidFill>
-            </a:endParaRPr>
-          </a:p>
-        </p:txBody>
-      </p:sp>
-      <p:pic>
-        <p:nvPicPr>
-          <p:cNvPr id="32" name="Объект 31"/>
-          <p:cNvPicPr>
-            <a:picLocks noGrp="1" noChangeAspect="1"/>
-          </p:cNvPicPr>
-          <p:nvPr>
-            <p:ph sz="half" idx="2"/>
-          </p:nvPr>
-        </p:nvPicPr>
-        <p:blipFill>
-          <a:blip r:embed="rId3">
-            <a:extLst>
-              <a:ext uri="{28A0092B-C50C-407E-A947-70E740481C1C}">
-                <a14:useLocalDpi xmlns:a14="http://schemas.microsoft.com/office/drawing/2010/main" val="0"/>
-              </a:ext>
-            </a:extLst>
-          </a:blip>
-          <a:stretch>
-            <a:fillRect/>
-          </a:stretch>
-        </p:blipFill>
-        <p:spPr>
-          <a:xfrm>
-            <a:off x="5708635" y="150834"/>
-            <a:ext cx="4281967" cy="6620856"/>
-          </a:xfrm>
-        </p:spPr>
-      </p:pic>
-    </p:spTree>
-    <p:extLst>
-      <p:ext uri="{BB962C8B-B14F-4D97-AF65-F5344CB8AC3E}">
-        <p14:creationId xmlns:p14="http://schemas.microsoft.com/office/powerpoint/2010/main" val="1863192355"/>
-      </p:ext>
-    </p:extLst>
-  </p:cSld>
-  <p:clrMapOvr>
-    <a:masterClrMapping/>
-  </p:clrMapOvr>
-  <p:timing>
-    <p:tnLst>
-      <p:par>
-        <p:cTn id="1" dur="indefinite" restart="never" nodeType="tmRoot"/>
-      </p:par>
-    </p:tnLst>
-  </p:timing>
-</p:sld>
-</file>
-
-<file path=ppt/slides/slide12.xml><?xml version="1.0" encoding="utf-8"?>
-<p:sld xmlns:a="http://schemas.openxmlformats.org/drawingml/2006/main" xmlns:r="http://schemas.openxmlformats.org/officeDocument/2006/relationships" xmlns:p="http://schemas.openxmlformats.org/presentationml/2006/main">
-  <p:cSld>
-    <p:spTree>
-      <p:nvGrpSpPr>
-        <p:cNvPr id="1" name=""/>
-        <p:cNvGrpSpPr/>
-        <p:nvPr/>
-      </p:nvGrpSpPr>
-      <p:grpSpPr>
-        <a:xfrm>
-          <a:off x="0" y="0"/>
-          <a:ext cx="0" cy="0"/>
-          <a:chOff x="0" y="0"/>
-          <a:chExt cx="0" cy="0"/>
-        </a:xfrm>
-      </p:grpSpPr>
-      <p:sp>
-        <p:nvSpPr>
           <p:cNvPr id="2" name="Заголовок 1"/>
           <p:cNvSpPr>
             <a:spLocks noGrp="1"/>
@@ -18101,6 +14077,245 @@
 </p:sld>
 </file>
 
+<file path=ppt/slides/slide11.xml><?xml version="1.0" encoding="utf-8"?>
+<p:sld xmlns:a="http://schemas.openxmlformats.org/drawingml/2006/main" xmlns:r="http://schemas.openxmlformats.org/officeDocument/2006/relationships" xmlns:p="http://schemas.openxmlformats.org/presentationml/2006/main">
+  <p:cSld>
+    <p:spTree>
+      <p:nvGrpSpPr>
+        <p:cNvPr id="1" name=""/>
+        <p:cNvGrpSpPr/>
+        <p:nvPr/>
+      </p:nvGrpSpPr>
+      <p:grpSpPr>
+        <a:xfrm>
+          <a:off x="0" y="0"/>
+          <a:ext cx="0" cy="0"/>
+          <a:chOff x="0" y="0"/>
+          <a:chExt cx="0" cy="0"/>
+        </a:xfrm>
+      </p:grpSpPr>
+      <p:sp>
+        <p:nvSpPr>
+          <p:cNvPr id="2" name="Заголовок 1"/>
+          <p:cNvSpPr>
+            <a:spLocks noGrp="1"/>
+          </p:cNvSpPr>
+          <p:nvPr>
+            <p:ph type="title"/>
+          </p:nvPr>
+        </p:nvSpPr>
+        <p:spPr/>
+        <p:txBody>
+          <a:bodyPr/>
+          <a:lstStyle/>
+          <a:p>
+            <a:r>
+              <a:rPr lang="en-US" dirty="0" smtClean="0"/>
+              <a:t>What is Promise ?</a:t>
+            </a:r>
+            <a:endParaRPr lang="ru-RU" dirty="0"/>
+          </a:p>
+        </p:txBody>
+      </p:sp>
+      <p:pic>
+        <p:nvPicPr>
+          <p:cNvPr id="5" name="Рисунок 4"/>
+          <p:cNvPicPr>
+            <a:picLocks noChangeAspect="1"/>
+          </p:cNvPicPr>
+          <p:nvPr/>
+        </p:nvPicPr>
+        <p:blipFill>
+          <a:blip r:embed="rId2">
+            <a:extLst>
+              <a:ext uri="{28A0092B-C50C-407E-A947-70E740481C1C}">
+                <a14:useLocalDpi xmlns:a14="http://schemas.microsoft.com/office/drawing/2010/main" val="0"/>
+              </a:ext>
+            </a:extLst>
+          </a:blip>
+          <a:stretch>
+            <a:fillRect/>
+          </a:stretch>
+        </p:blipFill>
+        <p:spPr>
+          <a:xfrm>
+            <a:off x="214855" y="2653544"/>
+            <a:ext cx="5320804" cy="3738944"/>
+          </a:xfrm>
+          <a:prstGeom prst="rect">
+            <a:avLst/>
+          </a:prstGeom>
+        </p:spPr>
+      </p:pic>
+      <p:pic>
+        <p:nvPicPr>
+          <p:cNvPr id="6" name="Рисунок 5"/>
+          <p:cNvPicPr>
+            <a:picLocks noChangeAspect="1"/>
+          </p:cNvPicPr>
+          <p:nvPr/>
+        </p:nvPicPr>
+        <p:blipFill>
+          <a:blip r:embed="rId3">
+            <a:extLst>
+              <a:ext uri="{28A0092B-C50C-407E-A947-70E740481C1C}">
+                <a14:useLocalDpi xmlns:a14="http://schemas.microsoft.com/office/drawing/2010/main" val="0"/>
+              </a:ext>
+            </a:extLst>
+          </a:blip>
+          <a:stretch>
+            <a:fillRect/>
+          </a:stretch>
+        </p:blipFill>
+        <p:spPr>
+          <a:xfrm>
+            <a:off x="5389509" y="2715890"/>
+            <a:ext cx="6802491" cy="3464623"/>
+          </a:xfrm>
+          <a:prstGeom prst="rect">
+            <a:avLst/>
+          </a:prstGeom>
+        </p:spPr>
+      </p:pic>
+    </p:spTree>
+    <p:extLst>
+      <p:ext uri="{BB962C8B-B14F-4D97-AF65-F5344CB8AC3E}">
+        <p14:creationId xmlns:p14="http://schemas.microsoft.com/office/powerpoint/2010/main" val="2697495530"/>
+      </p:ext>
+    </p:extLst>
+  </p:cSld>
+  <p:clrMapOvr>
+    <a:masterClrMapping/>
+  </p:clrMapOvr>
+  <p:timing>
+    <p:tnLst>
+      <p:par>
+        <p:cTn id="1" dur="indefinite" restart="never" nodeType="tmRoot"/>
+      </p:par>
+    </p:tnLst>
+  </p:timing>
+</p:sld>
+</file>
+
+<file path=ppt/slides/slide12.xml><?xml version="1.0" encoding="utf-8"?>
+<p:sld xmlns:a="http://schemas.openxmlformats.org/drawingml/2006/main" xmlns:r="http://schemas.openxmlformats.org/officeDocument/2006/relationships" xmlns:p="http://schemas.openxmlformats.org/presentationml/2006/main">
+  <p:cSld>
+    <p:spTree>
+      <p:nvGrpSpPr>
+        <p:cNvPr id="1" name=""/>
+        <p:cNvGrpSpPr/>
+        <p:nvPr/>
+      </p:nvGrpSpPr>
+      <p:grpSpPr>
+        <a:xfrm>
+          <a:off x="0" y="0"/>
+          <a:ext cx="0" cy="0"/>
+          <a:chOff x="0" y="0"/>
+          <a:chExt cx="0" cy="0"/>
+        </a:xfrm>
+      </p:grpSpPr>
+      <p:sp>
+        <p:nvSpPr>
+          <p:cNvPr id="2" name="Title 1"/>
+          <p:cNvSpPr>
+            <a:spLocks noGrp="1"/>
+          </p:cNvSpPr>
+          <p:nvPr>
+            <p:ph type="title"/>
+          </p:nvPr>
+        </p:nvSpPr>
+        <p:spPr/>
+        <p:txBody>
+          <a:bodyPr>
+            <a:normAutofit/>
+          </a:bodyPr>
+          <a:lstStyle/>
+          <a:p>
+            <a:r>
+              <a:rPr lang="en-US" dirty="0" smtClean="0"/>
+              <a:t>Promises Trust</a:t>
+            </a:r>
+            <a:endParaRPr lang="en-US" dirty="0"/>
+          </a:p>
+        </p:txBody>
+      </p:sp>
+      <p:sp>
+        <p:nvSpPr>
+          <p:cNvPr id="3" name="Content Placeholder 2"/>
+          <p:cNvSpPr>
+            <a:spLocks noGrp="1"/>
+          </p:cNvSpPr>
+          <p:nvPr>
+            <p:ph idx="1"/>
+          </p:nvPr>
+        </p:nvSpPr>
+        <p:spPr>
+          <a:xfrm>
+            <a:off x="4347043" y="2830728"/>
+            <a:ext cx="3691365" cy="3416300"/>
+          </a:xfrm>
+        </p:spPr>
+        <p:txBody>
+          <a:bodyPr anchor="ctr">
+            <a:normAutofit/>
+          </a:bodyPr>
+          <a:lstStyle/>
+          <a:p>
+            <a:r>
+              <a:rPr lang="en-US" dirty="0" smtClean="0"/>
+              <a:t>Only resolved once</a:t>
+            </a:r>
+            <a:endParaRPr lang="en-US" dirty="0"/>
+          </a:p>
+          <a:p>
+            <a:r>
+              <a:rPr lang="en-US" dirty="0" smtClean="0"/>
+              <a:t>Either success or error</a:t>
+            </a:r>
+            <a:endParaRPr lang="en-US" dirty="0"/>
+          </a:p>
+          <a:p>
+            <a:r>
+              <a:rPr lang="en-US" dirty="0" smtClean="0"/>
+              <a:t>Messages passed/kept</a:t>
+            </a:r>
+            <a:endParaRPr lang="en-US" dirty="0"/>
+          </a:p>
+          <a:p>
+            <a:r>
+              <a:rPr lang="en-US" dirty="0" smtClean="0"/>
+              <a:t>Exceptions becomes errors</a:t>
+            </a:r>
+          </a:p>
+          <a:p>
+            <a:r>
+              <a:rPr lang="en-US" dirty="0" smtClean="0"/>
+              <a:t>Immutable once resolved</a:t>
+            </a:r>
+            <a:endParaRPr lang="en-US" dirty="0"/>
+          </a:p>
+        </p:txBody>
+      </p:sp>
+    </p:spTree>
+    <p:extLst>
+      <p:ext uri="{BB962C8B-B14F-4D97-AF65-F5344CB8AC3E}">
+        <p14:creationId xmlns:p14="http://schemas.microsoft.com/office/powerpoint/2010/main" val="3564850535"/>
+      </p:ext>
+    </p:extLst>
+  </p:cSld>
+  <p:clrMapOvr>
+    <a:masterClrMapping/>
+  </p:clrMapOvr>
+  <p:timing>
+    <p:tnLst>
+      <p:par>
+        <p:cTn id="1" dur="indefinite" restart="never" nodeType="tmRoot"/>
+      </p:par>
+    </p:tnLst>
+  </p:timing>
+</p:sld>
+</file>
+
 <file path=ppt/slides/slide13.xml><?xml version="1.0" encoding="utf-8"?>
 <p:sld xmlns:a="http://schemas.openxmlformats.org/drawingml/2006/main" xmlns:r="http://schemas.openxmlformats.org/officeDocument/2006/relationships" xmlns:p="http://schemas.openxmlformats.org/presentationml/2006/main">
   <p:cSld>
@@ -18135,7 +14350,11 @@
           <a:p>
             <a:r>
               <a:rPr lang="en-US" dirty="0" smtClean="0"/>
-              <a:t>What is Promise ?</a:t>
+              <a:t>Promises </a:t>
+            </a:r>
+            <a:r>
+              <a:rPr lang="en-US" dirty="0" err="1" smtClean="0"/>
+              <a:t>api</a:t>
             </a:r>
             <a:endParaRPr lang="ru-RU" dirty="0"/>
           </a:p>
@@ -18143,11 +14362,13 @@
       </p:sp>
       <p:pic>
         <p:nvPicPr>
-          <p:cNvPr id="3" name="Рисунок 2"/>
+          <p:cNvPr id="7" name="Объект 6"/>
           <p:cNvPicPr>
-            <a:picLocks noChangeAspect="1"/>
+            <a:picLocks noGrp="1" noChangeAspect="1"/>
           </p:cNvPicPr>
-          <p:nvPr/>
+          <p:nvPr>
+            <p:ph idx="1"/>
+          </p:nvPr>
         </p:nvPicPr>
         <p:blipFill>
           <a:blip r:embed="rId2">
@@ -18163,48 +14384,15 @@
         </p:blipFill>
         <p:spPr>
           <a:xfrm>
-            <a:off x="397192" y="2647657"/>
-            <a:ext cx="5596283" cy="3816623"/>
+            <a:off x="1698959" y="2542464"/>
+            <a:ext cx="8525696" cy="3882236"/>
           </a:xfrm>
-          <a:prstGeom prst="rect">
-            <a:avLst/>
-          </a:prstGeom>
-        </p:spPr>
-      </p:pic>
-      <p:pic>
-        <p:nvPicPr>
-          <p:cNvPr id="4" name="Рисунок 3"/>
-          <p:cNvPicPr>
-            <a:picLocks noChangeAspect="1"/>
-          </p:cNvPicPr>
-          <p:nvPr/>
-        </p:nvPicPr>
-        <p:blipFill>
-          <a:blip r:embed="rId3">
-            <a:extLst>
-              <a:ext uri="{28A0092B-C50C-407E-A947-70E740481C1C}">
-                <a14:useLocalDpi xmlns:a14="http://schemas.microsoft.com/office/drawing/2010/main" val="0"/>
-              </a:ext>
-            </a:extLst>
-          </a:blip>
-          <a:stretch>
-            <a:fillRect/>
-          </a:stretch>
-        </p:blipFill>
-        <p:spPr>
-          <a:xfrm>
-            <a:off x="6282511" y="2647657"/>
-            <a:ext cx="5130864" cy="3829004"/>
-          </a:xfrm>
-          <a:prstGeom prst="rect">
-            <a:avLst/>
-          </a:prstGeom>
         </p:spPr>
       </p:pic>
     </p:spTree>
     <p:extLst>
       <p:ext uri="{BB962C8B-B14F-4D97-AF65-F5344CB8AC3E}">
-        <p14:creationId xmlns:p14="http://schemas.microsoft.com/office/powerpoint/2010/main" val="2697495530"/>
+        <p14:creationId xmlns:p14="http://schemas.microsoft.com/office/powerpoint/2010/main" val="1796050135"/>
       </p:ext>
     </p:extLst>
   </p:cSld>
@@ -18255,7 +14443,7 @@
           <a:p>
             <a:r>
               <a:rPr lang="en-US" dirty="0" smtClean="0"/>
-              <a:t>Promise </a:t>
+              <a:t>Promises </a:t>
             </a:r>
             <a:r>
               <a:rPr lang="en-US" dirty="0" err="1" smtClean="0"/>
@@ -18267,7 +14455,7 @@
       </p:sp>
       <p:pic>
         <p:nvPicPr>
-          <p:cNvPr id="6" name="Объект 5"/>
+          <p:cNvPr id="4" name="Объект 3"/>
           <p:cNvPicPr>
             <a:picLocks noGrp="1" noChangeAspect="1"/>
           </p:cNvPicPr>
@@ -18289,45 +14477,15 @@
         </p:blipFill>
         <p:spPr>
           <a:xfrm>
-            <a:off x="515709" y="2343558"/>
-            <a:ext cx="7931185" cy="2660703"/>
+            <a:off x="2805845" y="2320045"/>
+            <a:ext cx="6279966" cy="4460833"/>
           </a:xfrm>
-        </p:spPr>
-      </p:pic>
-      <p:pic>
-        <p:nvPicPr>
-          <p:cNvPr id="7" name="Рисунок 6"/>
-          <p:cNvPicPr>
-            <a:picLocks noChangeAspect="1"/>
-          </p:cNvPicPr>
-          <p:nvPr/>
-        </p:nvPicPr>
-        <p:blipFill>
-          <a:blip r:embed="rId3">
-            <a:extLst>
-              <a:ext uri="{28A0092B-C50C-407E-A947-70E740481C1C}">
-                <a14:useLocalDpi xmlns:a14="http://schemas.microsoft.com/office/drawing/2010/main" val="0"/>
-              </a:ext>
-            </a:extLst>
-          </a:blip>
-          <a:stretch>
-            <a:fillRect/>
-          </a:stretch>
-        </p:blipFill>
-        <p:spPr>
-          <a:xfrm>
-            <a:off x="2759825" y="5145661"/>
-            <a:ext cx="9180497" cy="1543205"/>
-          </a:xfrm>
-          <a:prstGeom prst="rect">
-            <a:avLst/>
-          </a:prstGeom>
         </p:spPr>
       </p:pic>
     </p:spTree>
     <p:extLst>
       <p:ext uri="{BB962C8B-B14F-4D97-AF65-F5344CB8AC3E}">
-        <p14:creationId xmlns:p14="http://schemas.microsoft.com/office/powerpoint/2010/main" val="2948571012"/>
+        <p14:creationId xmlns:p14="http://schemas.microsoft.com/office/powerpoint/2010/main" val="3550650473"/>
       </p:ext>
     </p:extLst>
   </p:cSld>
@@ -18378,7 +14536,7 @@
           <a:p>
             <a:r>
               <a:rPr lang="en-US" dirty="0" smtClean="0"/>
-              <a:t>Promise </a:t>
+              <a:t>Promises </a:t>
             </a:r>
             <a:r>
               <a:rPr lang="en-US" dirty="0" err="1" smtClean="0"/>
@@ -18390,7 +14548,7 @@
       </p:sp>
       <p:pic>
         <p:nvPicPr>
-          <p:cNvPr id="4" name="Объект 3"/>
+          <p:cNvPr id="5" name="Объект 4"/>
           <p:cNvPicPr>
             <a:picLocks noGrp="1" noChangeAspect="1"/>
           </p:cNvPicPr>
@@ -18412,75 +14570,15 @@
         </p:blipFill>
         <p:spPr>
           <a:xfrm>
-            <a:off x="750318" y="2552865"/>
-            <a:ext cx="8280057" cy="2692466"/>
+            <a:off x="1590214" y="3260632"/>
+            <a:ext cx="8639118" cy="2242393"/>
           </a:xfrm>
         </p:spPr>
       </p:pic>
-      <p:sp>
-        <p:nvSpPr>
-          <p:cNvPr id="5" name="TextBox 4"/>
-          <p:cNvSpPr txBox="1"/>
-          <p:nvPr/>
-        </p:nvSpPr>
-        <p:spPr>
-          <a:xfrm>
-            <a:off x="1562792" y="5932596"/>
-            <a:ext cx="1113905" cy="369935"/>
-          </a:xfrm>
-          <a:prstGeom prst="rect">
-            <a:avLst/>
-          </a:prstGeom>
-          <a:noFill/>
-        </p:spPr>
-        <p:txBody>
-          <a:bodyPr wrap="square" rtlCol="0">
-            <a:spAutoFit/>
-          </a:bodyPr>
-          <a:lstStyle/>
-          <a:p>
-            <a:r>
-              <a:rPr lang="en-US" dirty="0"/>
-              <a:t>Bluebird</a:t>
-            </a:r>
-            <a:endParaRPr lang="ru-RU" dirty="0"/>
-          </a:p>
-        </p:txBody>
-      </p:sp>
-      <p:sp>
-        <p:nvSpPr>
-          <p:cNvPr id="6" name="TextBox 5"/>
-          <p:cNvSpPr txBox="1"/>
-          <p:nvPr/>
-        </p:nvSpPr>
-        <p:spPr>
-          <a:xfrm>
-            <a:off x="3574473" y="5933199"/>
-            <a:ext cx="1585690" cy="369332"/>
-          </a:xfrm>
-          <a:prstGeom prst="rect">
-            <a:avLst/>
-          </a:prstGeom>
-          <a:noFill/>
-        </p:spPr>
-        <p:txBody>
-          <a:bodyPr wrap="none" rtlCol="0">
-            <a:spAutoFit/>
-          </a:bodyPr>
-          <a:lstStyle/>
-          <a:p>
-            <a:r>
-              <a:rPr lang="en-US" dirty="0" err="1" smtClean="0"/>
-              <a:t>Asynquence</a:t>
-            </a:r>
-            <a:endParaRPr lang="ru-RU" dirty="0"/>
-          </a:p>
-        </p:txBody>
-      </p:sp>
     </p:spTree>
     <p:extLst>
       <p:ext uri="{BB962C8B-B14F-4D97-AF65-F5344CB8AC3E}">
-        <p14:creationId xmlns:p14="http://schemas.microsoft.com/office/powerpoint/2010/main" val="1974376782"/>
+        <p14:creationId xmlns:p14="http://schemas.microsoft.com/office/powerpoint/2010/main" val="680095149"/>
       </p:ext>
     </p:extLst>
   </p:cSld>
@@ -18516,7 +14614,7 @@
       </p:grpSpPr>
       <p:sp>
         <p:nvSpPr>
-          <p:cNvPr id="2" name="Title 1"/>
+          <p:cNvPr id="2" name="Заголовок 1"/>
           <p:cNvSpPr>
             <a:spLocks noGrp="1"/>
           </p:cNvSpPr>
@@ -18526,83 +14624,30 @@
         </p:nvSpPr>
         <p:spPr/>
         <p:txBody>
-          <a:bodyPr>
-            <a:normAutofit/>
-          </a:bodyPr>
+          <a:bodyPr/>
           <a:lstStyle/>
           <a:p>
             <a:r>
               <a:rPr lang="en-US" dirty="0" smtClean="0"/>
-              <a:t>Promises Trust</a:t>
-            </a:r>
-            <a:endParaRPr lang="en-US" dirty="0"/>
-          </a:p>
-        </p:txBody>
-      </p:sp>
-      <p:sp>
-        <p:nvSpPr>
-          <p:cNvPr id="3" name="Content Placeholder 2"/>
-          <p:cNvSpPr>
-            <a:spLocks noGrp="1"/>
-          </p:cNvSpPr>
-          <p:nvPr>
-            <p:ph idx="1"/>
-          </p:nvPr>
-        </p:nvSpPr>
-        <p:spPr>
-          <a:xfrm>
-            <a:off x="764257" y="2730975"/>
-            <a:ext cx="3691365" cy="3416300"/>
-          </a:xfrm>
-        </p:spPr>
-        <p:txBody>
-          <a:bodyPr anchor="ctr">
-            <a:normAutofit/>
-          </a:bodyPr>
-          <a:lstStyle/>
-          <a:p>
-            <a:r>
-              <a:rPr lang="en-US" dirty="0" smtClean="0"/>
-              <a:t>Only resolved once</a:t>
-            </a:r>
-            <a:endParaRPr lang="en-US" dirty="0"/>
-          </a:p>
-          <a:p>
-            <a:r>
-              <a:rPr lang="en-US" dirty="0" smtClean="0"/>
-              <a:t>Either success or error</a:t>
-            </a:r>
-            <a:endParaRPr lang="en-US" dirty="0"/>
-          </a:p>
-          <a:p>
-            <a:r>
-              <a:rPr lang="en-US" dirty="0" smtClean="0"/>
-              <a:t>Messages passed/kept</a:t>
-            </a:r>
-            <a:endParaRPr lang="en-US" dirty="0"/>
-          </a:p>
-          <a:p>
-            <a:r>
-              <a:rPr lang="en-US" dirty="0" smtClean="0"/>
-              <a:t>Exceptions becomes errors</a:t>
-            </a:r>
-          </a:p>
-          <a:p>
-            <a:r>
-              <a:rPr lang="en-US" dirty="0" smtClean="0"/>
-              <a:t>Immutable once resolved</a:t>
-            </a:r>
-            <a:endParaRPr lang="en-US" dirty="0"/>
+              <a:t>Promises </a:t>
+            </a:r>
+            <a:r>
+              <a:rPr lang="en-US" dirty="0" err="1" smtClean="0"/>
+              <a:t>api</a:t>
+            </a:r>
+            <a:endParaRPr lang="ru-RU" dirty="0"/>
           </a:p>
         </p:txBody>
       </p:sp>
       <p:pic>
         <p:nvPicPr>
-          <p:cNvPr id="4" name="Рисунок 3"/>
+          <p:cNvPr id="7" name="Объект 6"/>
           <p:cNvPicPr>
-            <a:picLocks noChangeAspect="1"/>
+            <a:picLocks noGrp="1" noChangeAspect="1"/>
           </p:cNvPicPr>
-          <p:nvPr/>
+          <p:nvPr>
+            <p:ph idx="1"/>
+          </p:nvPr>
         </p:nvPicPr>
         <p:blipFill>
           <a:blip r:embed="rId2">
@@ -18618,8 +14663,35 @@
         </p:blipFill>
         <p:spPr>
           <a:xfrm>
-            <a:off x="5089187" y="2770554"/>
-            <a:ext cx="6407315" cy="3337142"/>
+            <a:off x="341203" y="3521237"/>
+            <a:ext cx="6017730" cy="2048289"/>
+          </a:xfrm>
+        </p:spPr>
+      </p:pic>
+      <p:pic>
+        <p:nvPicPr>
+          <p:cNvPr id="10" name="Рисунок 9"/>
+          <p:cNvPicPr>
+            <a:picLocks noChangeAspect="1"/>
+          </p:cNvPicPr>
+          <p:nvPr/>
+        </p:nvPicPr>
+        <p:blipFill>
+          <a:blip r:embed="rId3">
+            <a:extLst>
+              <a:ext uri="{28A0092B-C50C-407E-A947-70E740481C1C}">
+                <a14:useLocalDpi xmlns:a14="http://schemas.microsoft.com/office/drawing/2010/main" val="0"/>
+              </a:ext>
+            </a:extLst>
+          </a:blip>
+          <a:stretch>
+            <a:fillRect/>
+          </a:stretch>
+        </p:blipFill>
+        <p:spPr>
+          <a:xfrm>
+            <a:off x="6124887" y="2467232"/>
+            <a:ext cx="6028177" cy="3983444"/>
           </a:xfrm>
           <a:prstGeom prst="rect">
             <a:avLst/>
@@ -18629,7 +14701,7 @@
     </p:spTree>
     <p:extLst>
       <p:ext uri="{BB962C8B-B14F-4D97-AF65-F5344CB8AC3E}">
-        <p14:creationId xmlns:p14="http://schemas.microsoft.com/office/powerpoint/2010/main" val="3564850535"/>
+        <p14:creationId xmlns:p14="http://schemas.microsoft.com/office/powerpoint/2010/main" val="545453220"/>
       </p:ext>
     </p:extLst>
   </p:cSld>
@@ -18665,7 +14737,7 @@
       </p:grpSpPr>
       <p:sp>
         <p:nvSpPr>
-          <p:cNvPr id="2" name="Title 1"/>
+          <p:cNvPr id="2" name="Заголовок 1"/>
           <p:cNvSpPr>
             <a:spLocks noGrp="1"/>
           </p:cNvSpPr>
@@ -18675,26 +14747,90 @@
         </p:nvSpPr>
         <p:spPr/>
         <p:txBody>
-          <a:bodyPr>
-            <a:normAutofit/>
+          <a:bodyPr/>
+          <a:lstStyle/>
+          <a:p>
+            <a:r>
+              <a:rPr lang="en-US" dirty="0" smtClean="0"/>
+              <a:t>Promise </a:t>
+            </a:r>
+            <a:r>
+              <a:rPr lang="en-US" dirty="0" err="1" smtClean="0"/>
+              <a:t>api</a:t>
+            </a:r>
+            <a:endParaRPr lang="ru-RU" dirty="0"/>
+          </a:p>
+        </p:txBody>
+      </p:sp>
+      <p:sp>
+        <p:nvSpPr>
+          <p:cNvPr id="5" name="TextBox 4"/>
+          <p:cNvSpPr txBox="1"/>
+          <p:nvPr/>
+        </p:nvSpPr>
+        <p:spPr>
+          <a:xfrm>
+            <a:off x="5577841" y="5933199"/>
+            <a:ext cx="1679170" cy="523220"/>
+          </a:xfrm>
+          <a:prstGeom prst="rect">
+            <a:avLst/>
+          </a:prstGeom>
+          <a:noFill/>
+        </p:spPr>
+        <p:txBody>
+          <a:bodyPr wrap="square" rtlCol="0">
+            <a:spAutoFit/>
           </a:bodyPr>
           <a:lstStyle/>
           <a:p>
             <a:r>
-              <a:rPr lang="en-US" dirty="0" smtClean="0"/>
-              <a:t>What is generator ?</a:t>
-            </a:r>
-            <a:endParaRPr lang="en-US" dirty="0"/>
+              <a:rPr lang="en-US" sz="2800" dirty="0"/>
+              <a:t>Bluebird</a:t>
+            </a:r>
+            <a:endParaRPr lang="ru-RU" sz="2800" dirty="0"/>
+          </a:p>
+        </p:txBody>
+      </p:sp>
+      <p:sp>
+        <p:nvSpPr>
+          <p:cNvPr id="6" name="TextBox 5"/>
+          <p:cNvSpPr txBox="1"/>
+          <p:nvPr/>
+        </p:nvSpPr>
+        <p:spPr>
+          <a:xfrm>
+            <a:off x="8321040" y="5933199"/>
+            <a:ext cx="2385589" cy="523220"/>
+          </a:xfrm>
+          <a:prstGeom prst="rect">
+            <a:avLst/>
+          </a:prstGeom>
+          <a:noFill/>
+        </p:spPr>
+        <p:txBody>
+          <a:bodyPr wrap="none" rtlCol="0">
+            <a:spAutoFit/>
+          </a:bodyPr>
+          <a:lstStyle/>
+          <a:p>
+            <a:r>
+              <a:rPr lang="en-US" sz="2800" dirty="0" err="1" smtClean="0"/>
+              <a:t>Asynquence</a:t>
+            </a:r>
+            <a:endParaRPr lang="ru-RU" sz="2800" dirty="0"/>
           </a:p>
         </p:txBody>
       </p:sp>
       <p:pic>
         <p:nvPicPr>
-          <p:cNvPr id="3" name="Рисунок 2"/>
+          <p:cNvPr id="7" name="Объект 6"/>
           <p:cNvPicPr>
-            <a:picLocks noChangeAspect="1"/>
+            <a:picLocks noGrp="1" noChangeAspect="1"/>
           </p:cNvPicPr>
-          <p:nvPr/>
+          <p:nvPr>
+            <p:ph idx="1"/>
+          </p:nvPr>
         </p:nvPicPr>
         <p:blipFill>
           <a:blip r:embed="rId2">
@@ -18710,48 +14846,15 @@
         </p:blipFill>
         <p:spPr>
           <a:xfrm>
-            <a:off x="6912818" y="2475937"/>
-            <a:ext cx="4866316" cy="4149175"/>
+            <a:off x="579275" y="2497376"/>
+            <a:ext cx="9460444" cy="3146966"/>
           </a:xfrm>
-          <a:prstGeom prst="rect">
-            <a:avLst/>
-          </a:prstGeom>
-        </p:spPr>
-      </p:pic>
-      <p:pic>
-        <p:nvPicPr>
-          <p:cNvPr id="7" name="Рисунок 6"/>
-          <p:cNvPicPr>
-            <a:picLocks noChangeAspect="1"/>
-          </p:cNvPicPr>
-          <p:nvPr/>
-        </p:nvPicPr>
-        <p:blipFill>
-          <a:blip r:embed="rId3">
-            <a:extLst>
-              <a:ext uri="{28A0092B-C50C-407E-A947-70E740481C1C}">
-                <a14:useLocalDpi xmlns:a14="http://schemas.microsoft.com/office/drawing/2010/main" val="0"/>
-              </a:ext>
-            </a:extLst>
-          </a:blip>
-          <a:stretch>
-            <a:fillRect/>
-          </a:stretch>
-        </p:blipFill>
-        <p:spPr>
-          <a:xfrm>
-            <a:off x="306954" y="2777635"/>
-            <a:ext cx="6292512" cy="3545780"/>
-          </a:xfrm>
-          <a:prstGeom prst="rect">
-            <a:avLst/>
-          </a:prstGeom>
         </p:spPr>
       </p:pic>
     </p:spTree>
     <p:extLst>
       <p:ext uri="{BB962C8B-B14F-4D97-AF65-F5344CB8AC3E}">
-        <p14:creationId xmlns:p14="http://schemas.microsoft.com/office/powerpoint/2010/main" val="3190135688"/>
+        <p14:creationId xmlns:p14="http://schemas.microsoft.com/office/powerpoint/2010/main" val="1974376782"/>
       </p:ext>
     </p:extLst>
   </p:cSld>
@@ -18785,15 +14888,38 @@
           <a:chExt cx="0" cy="0"/>
         </a:xfrm>
       </p:grpSpPr>
+      <p:sp>
+        <p:nvSpPr>
+          <p:cNvPr id="2" name="Title 1"/>
+          <p:cNvSpPr>
+            <a:spLocks noGrp="1"/>
+          </p:cNvSpPr>
+          <p:nvPr>
+            <p:ph type="title"/>
+          </p:nvPr>
+        </p:nvSpPr>
+        <p:spPr/>
+        <p:txBody>
+          <a:bodyPr>
+            <a:normAutofit/>
+          </a:bodyPr>
+          <a:lstStyle/>
+          <a:p>
+            <a:r>
+              <a:rPr lang="en-US" dirty="0" smtClean="0"/>
+              <a:t>What is generator ?</a:t>
+            </a:r>
+            <a:endParaRPr lang="en-US" dirty="0"/>
+          </a:p>
+        </p:txBody>
+      </p:sp>
       <p:pic>
         <p:nvPicPr>
-          <p:cNvPr id="4" name="Объект 3"/>
+          <p:cNvPr id="4" name="Рисунок 3"/>
           <p:cNvPicPr>
-            <a:picLocks noGrp="1" noChangeAspect="1"/>
+            <a:picLocks noChangeAspect="1"/>
           </p:cNvPicPr>
-          <p:nvPr>
-            <p:ph idx="4294967295"/>
-          </p:nvPr>
+          <p:nvPr/>
         </p:nvPicPr>
         <p:blipFill>
           <a:blip r:embed="rId2">
@@ -18809,51 +14935,18 @@
         </p:blipFill>
         <p:spPr>
           <a:xfrm>
-            <a:off x="2327562" y="708025"/>
-            <a:ext cx="7531332" cy="6067293"/>
+            <a:off x="2937091" y="2555672"/>
+            <a:ext cx="6830364" cy="4061296"/>
           </a:xfrm>
+          <a:prstGeom prst="rect">
+            <a:avLst/>
+          </a:prstGeom>
         </p:spPr>
       </p:pic>
-      <p:sp>
-        <p:nvSpPr>
-          <p:cNvPr id="2" name="Заголовок 1"/>
-          <p:cNvSpPr>
-            <a:spLocks noGrp="1"/>
-          </p:cNvSpPr>
-          <p:nvPr>
-            <p:ph type="title" idx="4294967295"/>
-          </p:nvPr>
-        </p:nvSpPr>
-        <p:spPr>
-          <a:xfrm>
-            <a:off x="0" y="0"/>
-            <a:ext cx="8761413" cy="708025"/>
-          </a:xfrm>
-        </p:spPr>
-        <p:txBody>
-          <a:bodyPr/>
-          <a:lstStyle/>
-          <a:p>
-            <a:r>
-              <a:rPr lang="en-US" dirty="0" smtClean="0">
-                <a:solidFill>
-                  <a:schemeClr val="tx1"/>
-                </a:solidFill>
-              </a:rPr>
-              <a:t>Generator runner</a:t>
-            </a:r>
-            <a:endParaRPr lang="ru-RU" dirty="0">
-              <a:solidFill>
-                <a:schemeClr val="tx1"/>
-              </a:solidFill>
-            </a:endParaRPr>
-          </a:p>
-        </p:txBody>
-      </p:sp>
     </p:spTree>
     <p:extLst>
       <p:ext uri="{BB962C8B-B14F-4D97-AF65-F5344CB8AC3E}">
-        <p14:creationId xmlns:p14="http://schemas.microsoft.com/office/powerpoint/2010/main" val="3765615234"/>
+        <p14:creationId xmlns:p14="http://schemas.microsoft.com/office/powerpoint/2010/main" val="3190135688"/>
       </p:ext>
     </p:extLst>
   </p:cSld>
@@ -18889,7 +14982,7 @@
       </p:grpSpPr>
       <p:sp>
         <p:nvSpPr>
-          <p:cNvPr id="2" name="Заголовок 1"/>
+          <p:cNvPr id="2" name="Title 1"/>
           <p:cNvSpPr>
             <a:spLocks noGrp="1"/>
           </p:cNvSpPr>
@@ -18899,26 +14992,26 @@
         </p:nvSpPr>
         <p:spPr/>
         <p:txBody>
-          <a:bodyPr/>
+          <a:bodyPr>
+            <a:normAutofit/>
+          </a:bodyPr>
           <a:lstStyle/>
           <a:p>
             <a:r>
               <a:rPr lang="en-US" dirty="0" smtClean="0"/>
-              <a:t>Generator example</a:t>
-            </a:r>
-            <a:endParaRPr lang="ru-RU" dirty="0"/>
+              <a:t>Generator run function</a:t>
+            </a:r>
+            <a:endParaRPr lang="en-US" dirty="0"/>
           </a:p>
         </p:txBody>
       </p:sp>
       <p:pic>
         <p:nvPicPr>
-          <p:cNvPr id="4" name="Объект 3"/>
+          <p:cNvPr id="3" name="Рисунок 2"/>
           <p:cNvPicPr>
-            <a:picLocks noGrp="1" noChangeAspect="1"/>
+            <a:picLocks noChangeAspect="1"/>
           </p:cNvPicPr>
-          <p:nvPr>
-            <p:ph idx="1"/>
-          </p:nvPr>
+          <p:nvPr/>
         </p:nvPicPr>
         <p:blipFill>
           <a:blip r:embed="rId2">
@@ -18934,35 +15027,8 @@
         </p:blipFill>
         <p:spPr>
           <a:xfrm>
-            <a:off x="369568" y="2299631"/>
-            <a:ext cx="7811671" cy="1490972"/>
-          </a:xfrm>
-        </p:spPr>
-      </p:pic>
-      <p:pic>
-        <p:nvPicPr>
-          <p:cNvPr id="5" name="Рисунок 4"/>
-          <p:cNvPicPr>
-            <a:picLocks noChangeAspect="1"/>
-          </p:cNvPicPr>
-          <p:nvPr/>
-        </p:nvPicPr>
-        <p:blipFill>
-          <a:blip r:embed="rId3">
-            <a:extLst>
-              <a:ext uri="{28A0092B-C50C-407E-A947-70E740481C1C}">
-                <a14:useLocalDpi xmlns:a14="http://schemas.microsoft.com/office/drawing/2010/main" val="0"/>
-              </a:ext>
-            </a:extLst>
-          </a:blip>
-          <a:stretch>
-            <a:fillRect/>
-          </a:stretch>
-        </p:blipFill>
-        <p:spPr>
-          <a:xfrm>
-            <a:off x="4389119" y="3874442"/>
-            <a:ext cx="7556269" cy="2899973"/>
+            <a:off x="2057392" y="2548963"/>
+            <a:ext cx="7598330" cy="3984839"/>
           </a:xfrm>
           <a:prstGeom prst="rect">
             <a:avLst/>
@@ -18972,7 +15038,7 @@
     </p:spTree>
     <p:extLst>
       <p:ext uri="{BB962C8B-B14F-4D97-AF65-F5344CB8AC3E}">
-        <p14:creationId xmlns:p14="http://schemas.microsoft.com/office/powerpoint/2010/main" val="1308367201"/>
+        <p14:creationId xmlns:p14="http://schemas.microsoft.com/office/powerpoint/2010/main" val="2077507202"/>
       </p:ext>
     </p:extLst>
   </p:cSld>
@@ -19081,8 +15147,8 @@
         </p:nvSpPr>
         <p:spPr>
           <a:xfrm>
-            <a:off x="4641336" y="2603500"/>
-            <a:ext cx="6695531" cy="3416300"/>
+            <a:off x="4572000" y="2603500"/>
+            <a:ext cx="6764867" cy="3416300"/>
           </a:xfrm>
         </p:spPr>
         <p:txBody>
@@ -19093,26 +15159,22 @@
           <a:p>
             <a:r>
               <a:rPr lang="en-US" dirty="0" smtClean="0"/>
-              <a:t>Currently working in “Accenture” as node/</a:t>
-            </a:r>
-            <a:r>
-              <a:rPr lang="en-US" dirty="0" err="1" smtClean="0"/>
-              <a:t>js</a:t>
+              <a:t>Currently working in “Accenture” as </a:t>
             </a:r>
             <a:r>
               <a:rPr lang="en-US" dirty="0" smtClean="0"/>
-              <a:t> developer</a:t>
+              <a:t>JS/Node </a:t>
+            </a:r>
+            <a:r>
+              <a:rPr lang="en-US" dirty="0" smtClean="0"/>
+              <a:t>developer</a:t>
             </a:r>
             <a:endParaRPr lang="en-US" dirty="0"/>
           </a:p>
           <a:p>
             <a:r>
               <a:rPr lang="en-US" dirty="0"/>
-              <a:t>Overall </a:t>
-            </a:r>
-            <a:r>
-              <a:rPr lang="en-US" dirty="0"/>
-              <a:t>work experience </a:t>
+              <a:t>Overall work experience </a:t>
             </a:r>
             <a:r>
               <a:rPr lang="en-US" dirty="0" smtClean="0"/>
@@ -19167,7 +15229,7 @@
       </p:grpSpPr>
       <p:sp>
         <p:nvSpPr>
-          <p:cNvPr id="2" name="Title 1"/>
+          <p:cNvPr id="2" name="Заголовок 1"/>
           <p:cNvSpPr>
             <a:spLocks noGrp="1"/>
           </p:cNvSpPr>
@@ -19181,13 +15243,99 @@
           <a:lstStyle/>
           <a:p>
             <a:r>
-              <a:rPr lang="en-US" dirty="0" err="1"/>
-              <a:t>Async</a:t>
-            </a:r>
-            <a:r>
-              <a:rPr lang="en-US" dirty="0"/>
-              <a:t>/await</a:t>
-            </a:r>
+              <a:rPr lang="en-US" dirty="0" smtClean="0"/>
+              <a:t>Generator example</a:t>
+            </a:r>
+            <a:endParaRPr lang="ru-RU" dirty="0"/>
+          </a:p>
+        </p:txBody>
+      </p:sp>
+      <p:pic>
+        <p:nvPicPr>
+          <p:cNvPr id="6" name="Объект 5"/>
+          <p:cNvPicPr>
+            <a:picLocks noGrp="1" noChangeAspect="1"/>
+          </p:cNvPicPr>
+          <p:nvPr>
+            <p:ph idx="1"/>
+          </p:nvPr>
+        </p:nvPicPr>
+        <p:blipFill>
+          <a:blip r:embed="rId2">
+            <a:extLst>
+              <a:ext uri="{28A0092B-C50C-407E-A947-70E740481C1C}">
+                <a14:useLocalDpi xmlns:a14="http://schemas.microsoft.com/office/drawing/2010/main" val="0"/>
+              </a:ext>
+            </a:extLst>
+          </a:blip>
+          <a:stretch>
+            <a:fillRect/>
+          </a:stretch>
+        </p:blipFill>
+        <p:spPr>
+          <a:xfrm>
+            <a:off x="1769847" y="2731165"/>
+            <a:ext cx="8371680" cy="3344805"/>
+          </a:xfrm>
+        </p:spPr>
+      </p:pic>
+    </p:spTree>
+    <p:extLst>
+      <p:ext uri="{BB962C8B-B14F-4D97-AF65-F5344CB8AC3E}">
+        <p14:creationId xmlns:p14="http://schemas.microsoft.com/office/powerpoint/2010/main" val="1308367201"/>
+      </p:ext>
+    </p:extLst>
+  </p:cSld>
+  <p:clrMapOvr>
+    <a:masterClrMapping/>
+  </p:clrMapOvr>
+  <p:timing>
+    <p:tnLst>
+      <p:par>
+        <p:cTn id="1" dur="indefinite" restart="never" nodeType="tmRoot"/>
+      </p:par>
+    </p:tnLst>
+  </p:timing>
+</p:sld>
+</file>
+
+<file path=ppt/slides/slide21.xml><?xml version="1.0" encoding="utf-8"?>
+<p:sld xmlns:a="http://schemas.openxmlformats.org/drawingml/2006/main" xmlns:r="http://schemas.openxmlformats.org/officeDocument/2006/relationships" xmlns:p="http://schemas.openxmlformats.org/presentationml/2006/main">
+  <p:cSld>
+    <p:spTree>
+      <p:nvGrpSpPr>
+        <p:cNvPr id="1" name=""/>
+        <p:cNvGrpSpPr/>
+        <p:nvPr/>
+      </p:nvGrpSpPr>
+      <p:grpSpPr>
+        <a:xfrm>
+          <a:off x="0" y="0"/>
+          <a:ext cx="0" cy="0"/>
+          <a:chOff x="0" y="0"/>
+          <a:chExt cx="0" cy="0"/>
+        </a:xfrm>
+      </p:grpSpPr>
+      <p:sp>
+        <p:nvSpPr>
+          <p:cNvPr id="2" name="Заголовок 1"/>
+          <p:cNvSpPr>
+            <a:spLocks noGrp="1"/>
+          </p:cNvSpPr>
+          <p:nvPr>
+            <p:ph type="title"/>
+          </p:nvPr>
+        </p:nvSpPr>
+        <p:spPr/>
+        <p:txBody>
+          <a:bodyPr/>
+          <a:lstStyle/>
+          <a:p>
+            <a:r>
+              <a:rPr lang="en-US" dirty="0" smtClean="0"/>
+              <a:t>Generator example</a:t>
+            </a:r>
+            <a:endParaRPr lang="ru-RU" dirty="0"/>
           </a:p>
         </p:txBody>
       </p:sp>
@@ -19215,8 +15363,189 @@
         </p:blipFill>
         <p:spPr>
           <a:xfrm>
-            <a:off x="560770" y="3401403"/>
-            <a:ext cx="11091314" cy="2153654"/>
+            <a:off x="2441689" y="2537663"/>
+            <a:ext cx="7101322" cy="4033426"/>
+          </a:xfrm>
+        </p:spPr>
+      </p:pic>
+    </p:spTree>
+    <p:extLst>
+      <p:ext uri="{BB962C8B-B14F-4D97-AF65-F5344CB8AC3E}">
+        <p14:creationId xmlns:p14="http://schemas.microsoft.com/office/powerpoint/2010/main" val="586151405"/>
+      </p:ext>
+    </p:extLst>
+  </p:cSld>
+  <p:clrMapOvr>
+    <a:masterClrMapping/>
+  </p:clrMapOvr>
+  <p:timing>
+    <p:tnLst>
+      <p:par>
+        <p:cTn id="1" dur="indefinite" restart="never" nodeType="tmRoot"/>
+      </p:par>
+    </p:tnLst>
+  </p:timing>
+</p:sld>
+</file>
+
+<file path=ppt/slides/slide22.xml><?xml version="1.0" encoding="utf-8"?>
+<p:sld xmlns:a="http://schemas.openxmlformats.org/drawingml/2006/main" xmlns:r="http://schemas.openxmlformats.org/officeDocument/2006/relationships" xmlns:p="http://schemas.openxmlformats.org/presentationml/2006/main">
+  <p:cSld>
+    <p:spTree>
+      <p:nvGrpSpPr>
+        <p:cNvPr id="1" name=""/>
+        <p:cNvGrpSpPr/>
+        <p:nvPr/>
+      </p:nvGrpSpPr>
+      <p:grpSpPr>
+        <a:xfrm>
+          <a:off x="0" y="0"/>
+          <a:ext cx="0" cy="0"/>
+          <a:chOff x="0" y="0"/>
+          <a:chExt cx="0" cy="0"/>
+        </a:xfrm>
+      </p:grpSpPr>
+      <p:sp>
+        <p:nvSpPr>
+          <p:cNvPr id="2" name="Заголовок 1"/>
+          <p:cNvSpPr>
+            <a:spLocks noGrp="1"/>
+          </p:cNvSpPr>
+          <p:nvPr>
+            <p:ph type="title"/>
+          </p:nvPr>
+        </p:nvSpPr>
+        <p:spPr/>
+        <p:txBody>
+          <a:bodyPr/>
+          <a:lstStyle/>
+          <a:p>
+            <a:r>
+              <a:rPr lang="en-US" dirty="0" smtClean="0"/>
+              <a:t>Generator example</a:t>
+            </a:r>
+            <a:endParaRPr lang="ru-RU" dirty="0"/>
+          </a:p>
+        </p:txBody>
+      </p:sp>
+      <p:pic>
+        <p:nvPicPr>
+          <p:cNvPr id="5" name="Объект 4"/>
+          <p:cNvPicPr>
+            <a:picLocks noGrp="1" noChangeAspect="1"/>
+          </p:cNvPicPr>
+          <p:nvPr>
+            <p:ph idx="1"/>
+          </p:nvPr>
+        </p:nvPicPr>
+        <p:blipFill>
+          <a:blip r:embed="rId2">
+            <a:extLst>
+              <a:ext uri="{28A0092B-C50C-407E-A947-70E740481C1C}">
+                <a14:useLocalDpi xmlns:a14="http://schemas.microsoft.com/office/drawing/2010/main" val="0"/>
+              </a:ext>
+            </a:extLst>
+          </a:blip>
+          <a:stretch>
+            <a:fillRect/>
+          </a:stretch>
+        </p:blipFill>
+        <p:spPr>
+          <a:xfrm>
+            <a:off x="1791929" y="2671121"/>
+            <a:ext cx="8889925" cy="3549631"/>
+          </a:xfrm>
+        </p:spPr>
+      </p:pic>
+    </p:spTree>
+    <p:extLst>
+      <p:ext uri="{BB962C8B-B14F-4D97-AF65-F5344CB8AC3E}">
+        <p14:creationId xmlns:p14="http://schemas.microsoft.com/office/powerpoint/2010/main" val="2907923570"/>
+      </p:ext>
+    </p:extLst>
+  </p:cSld>
+  <p:clrMapOvr>
+    <a:masterClrMapping/>
+  </p:clrMapOvr>
+  <p:timing>
+    <p:tnLst>
+      <p:par>
+        <p:cTn id="1" dur="indefinite" restart="never" nodeType="tmRoot"/>
+      </p:par>
+    </p:tnLst>
+  </p:timing>
+</p:sld>
+</file>
+
+<file path=ppt/slides/slide23.xml><?xml version="1.0" encoding="utf-8"?>
+<p:sld xmlns:a="http://schemas.openxmlformats.org/drawingml/2006/main" xmlns:r="http://schemas.openxmlformats.org/officeDocument/2006/relationships" xmlns:p="http://schemas.openxmlformats.org/presentationml/2006/main">
+  <p:cSld>
+    <p:spTree>
+      <p:nvGrpSpPr>
+        <p:cNvPr id="1" name=""/>
+        <p:cNvGrpSpPr/>
+        <p:nvPr/>
+      </p:nvGrpSpPr>
+      <p:grpSpPr>
+        <a:xfrm>
+          <a:off x="0" y="0"/>
+          <a:ext cx="0" cy="0"/>
+          <a:chOff x="0" y="0"/>
+          <a:chExt cx="0" cy="0"/>
+        </a:xfrm>
+      </p:grpSpPr>
+      <p:sp>
+        <p:nvSpPr>
+          <p:cNvPr id="2" name="Title 1"/>
+          <p:cNvSpPr>
+            <a:spLocks noGrp="1"/>
+          </p:cNvSpPr>
+          <p:nvPr>
+            <p:ph type="title"/>
+          </p:nvPr>
+        </p:nvSpPr>
+        <p:spPr/>
+        <p:txBody>
+          <a:bodyPr/>
+          <a:lstStyle/>
+          <a:p>
+            <a:r>
+              <a:rPr lang="en-US" dirty="0" err="1"/>
+              <a:t>Async</a:t>
+            </a:r>
+            <a:r>
+              <a:rPr lang="en-US" dirty="0"/>
+              <a:t>/await</a:t>
+            </a:r>
+          </a:p>
+        </p:txBody>
+      </p:sp>
+      <p:pic>
+        <p:nvPicPr>
+          <p:cNvPr id="5" name="Объект 4"/>
+          <p:cNvPicPr>
+            <a:picLocks noGrp="1" noChangeAspect="1"/>
+          </p:cNvPicPr>
+          <p:nvPr>
+            <p:ph idx="1"/>
+          </p:nvPr>
+        </p:nvPicPr>
+        <p:blipFill>
+          <a:blip r:embed="rId2">
+            <a:extLst>
+              <a:ext uri="{28A0092B-C50C-407E-A947-70E740481C1C}">
+                <a14:useLocalDpi xmlns:a14="http://schemas.microsoft.com/office/drawing/2010/main" val="0"/>
+              </a:ext>
+            </a:extLst>
+          </a:blip>
+          <a:stretch>
+            <a:fillRect/>
+          </a:stretch>
+        </p:blipFill>
+        <p:spPr>
+          <a:xfrm>
+            <a:off x="1745157" y="2876576"/>
+            <a:ext cx="8708588" cy="3017147"/>
           </a:xfrm>
         </p:spPr>
       </p:pic>
@@ -19240,7 +15569,7 @@
 </p:sld>
 </file>
 
-<file path=ppt/slides/slide21.xml><?xml version="1.0" encoding="utf-8"?>
+<file path=ppt/slides/slide24.xml><?xml version="1.0" encoding="utf-8"?>
 <p:sld xmlns:a="http://schemas.openxmlformats.org/drawingml/2006/main" xmlns:r="http://schemas.openxmlformats.org/officeDocument/2006/relationships" xmlns:p="http://schemas.openxmlformats.org/presentationml/2006/main">
   <p:cSld>
     <p:spTree>
@@ -19599,7 +15928,7 @@
 </p:sld>
 </file>
 
-<file path=ppt/slides/slide22.xml><?xml version="1.0" encoding="utf-8"?>
+<file path=ppt/slides/slide25.xml><?xml version="1.0" encoding="utf-8"?>
 <p:sld xmlns:a="http://schemas.openxmlformats.org/drawingml/2006/main" xmlns:r="http://schemas.openxmlformats.org/officeDocument/2006/relationships" xmlns:p="http://schemas.openxmlformats.org/presentationml/2006/main">
   <p:cSld>
     <p:spTree>
@@ -19758,6 +16087,36 @@
           </a:p>
         </p:txBody>
       </p:sp>
+      <p:sp>
+        <p:nvSpPr>
+          <p:cNvPr id="3" name="TextBox 2"/>
+          <p:cNvSpPr txBox="1"/>
+          <p:nvPr/>
+        </p:nvSpPr>
+        <p:spPr>
+          <a:xfrm>
+            <a:off x="9085810" y="6218207"/>
+            <a:ext cx="1329210" cy="584775"/>
+          </a:xfrm>
+          <a:prstGeom prst="rect">
+            <a:avLst/>
+          </a:prstGeom>
+          <a:noFill/>
+        </p:spPr>
+        <p:txBody>
+          <a:bodyPr wrap="none" rtlCol="0">
+            <a:spAutoFit/>
+          </a:bodyPr>
+          <a:lstStyle/>
+          <a:p>
+            <a:r>
+              <a:rPr lang="en-US" sz="3200" dirty="0" smtClean="0"/>
+              <a:t>Babel</a:t>
+            </a:r>
+            <a:endParaRPr lang="ru-RU" sz="3200" dirty="0"/>
+          </a:p>
+        </p:txBody>
+      </p:sp>
     </p:spTree>
     <p:extLst>
       <p:ext uri="{BB962C8B-B14F-4D97-AF65-F5344CB8AC3E}">
@@ -19778,7 +16137,7 @@
 </p:sld>
 </file>
 
-<file path=ppt/slides/slide23.xml><?xml version="1.0" encoding="utf-8"?>
+<file path=ppt/slides/slide26.xml><?xml version="1.0" encoding="utf-8"?>
 <p:sld xmlns:a="http://schemas.openxmlformats.org/drawingml/2006/main" xmlns:r="http://schemas.openxmlformats.org/officeDocument/2006/relationships" xmlns:p="http://schemas.openxmlformats.org/presentationml/2006/main">
   <p:cSld>
     <p:spTree>
@@ -19905,7 +16264,139 @@
 </p:sld>
 </file>
 
-<file path=ppt/slides/slide24.xml><?xml version="1.0" encoding="utf-8"?>
+<file path=ppt/slides/slide27.xml><?xml version="1.0" encoding="utf-8"?>
+<p:sld xmlns:a="http://schemas.openxmlformats.org/drawingml/2006/main" xmlns:r="http://schemas.openxmlformats.org/officeDocument/2006/relationships" xmlns:p="http://schemas.openxmlformats.org/presentationml/2006/main">
+  <p:cSld>
+    <p:spTree>
+      <p:nvGrpSpPr>
+        <p:cNvPr id="1" name=""/>
+        <p:cNvGrpSpPr/>
+        <p:nvPr/>
+      </p:nvGrpSpPr>
+      <p:grpSpPr>
+        <a:xfrm>
+          <a:off x="0" y="0"/>
+          <a:ext cx="0" cy="0"/>
+          <a:chOff x="0" y="0"/>
+          <a:chExt cx="0" cy="0"/>
+        </a:xfrm>
+      </p:grpSpPr>
+      <p:sp>
+        <p:nvSpPr>
+          <p:cNvPr id="2" name="Заголовок 1"/>
+          <p:cNvSpPr>
+            <a:spLocks noGrp="1"/>
+          </p:cNvSpPr>
+          <p:nvPr>
+            <p:ph type="title"/>
+          </p:nvPr>
+        </p:nvSpPr>
+        <p:spPr/>
+        <p:txBody>
+          <a:bodyPr/>
+          <a:lstStyle/>
+          <a:p>
+            <a:r>
+              <a:rPr lang="en-US" dirty="0" smtClean="0"/>
+              <a:t>Untold solutions</a:t>
+            </a:r>
+            <a:endParaRPr lang="ru-RU" dirty="0"/>
+          </a:p>
+        </p:txBody>
+      </p:sp>
+      <p:sp>
+        <p:nvSpPr>
+          <p:cNvPr id="3" name="Объект 2"/>
+          <p:cNvSpPr>
+            <a:spLocks noGrp="1"/>
+          </p:cNvSpPr>
+          <p:nvPr>
+            <p:ph idx="1"/>
+          </p:nvPr>
+        </p:nvSpPr>
+        <p:spPr>
+          <a:xfrm>
+            <a:off x="4005502" y="3725718"/>
+            <a:ext cx="4781050" cy="1594427"/>
+          </a:xfrm>
+        </p:spPr>
+        <p:txBody>
+          <a:bodyPr>
+            <a:normAutofit fontScale="85000" lnSpcReduction="20000"/>
+          </a:bodyPr>
+          <a:lstStyle/>
+          <a:p>
+            <a:r>
+              <a:rPr lang="en-US" dirty="0" err="1" smtClean="0"/>
+              <a:t>Thunks</a:t>
+            </a:r>
+            <a:endParaRPr lang="en-US" dirty="0" smtClean="0"/>
+          </a:p>
+          <a:p>
+            <a:r>
+              <a:rPr lang="en-US" dirty="0" err="1" smtClean="0"/>
+              <a:t>Rx.Observable</a:t>
+            </a:r>
+            <a:endParaRPr lang="en-US" dirty="0" smtClean="0"/>
+          </a:p>
+          <a:p>
+            <a:r>
+              <a:rPr lang="en-US" dirty="0" smtClean="0"/>
+              <a:t>Communicating </a:t>
+            </a:r>
+            <a:r>
+              <a:rPr lang="en-US" dirty="0"/>
+              <a:t>Sequential </a:t>
+            </a:r>
+            <a:r>
+              <a:rPr lang="en-US" dirty="0" smtClean="0"/>
+              <a:t>Processes pattern </a:t>
+            </a:r>
+          </a:p>
+          <a:p>
+            <a:r>
+              <a:rPr lang="en-US" dirty="0" smtClean="0"/>
+              <a:t>Native Observables ( future )</a:t>
+            </a:r>
+          </a:p>
+          <a:p>
+            <a:r>
+              <a:rPr lang="en-US" dirty="0" err="1" smtClean="0"/>
+              <a:t>Async</a:t>
+            </a:r>
+            <a:r>
+              <a:rPr lang="en-US" dirty="0" smtClean="0"/>
+              <a:t>  generators </a:t>
+            </a:r>
+            <a:r>
+              <a:rPr lang="en-US" dirty="0"/>
+              <a:t>( future )</a:t>
+            </a:r>
+            <a:endParaRPr lang="ru-RU" dirty="0"/>
+          </a:p>
+        </p:txBody>
+      </p:sp>
+    </p:spTree>
+    <p:extLst>
+      <p:ext uri="{BB962C8B-B14F-4D97-AF65-F5344CB8AC3E}">
+        <p14:creationId xmlns:p14="http://schemas.microsoft.com/office/powerpoint/2010/main" val="575001872"/>
+      </p:ext>
+    </p:extLst>
+  </p:cSld>
+  <p:clrMapOvr>
+    <a:masterClrMapping/>
+  </p:clrMapOvr>
+  <p:timing>
+    <p:tnLst>
+      <p:par>
+        <p:cTn id="1" dur="indefinite" restart="never" nodeType="tmRoot"/>
+      </p:par>
+    </p:tnLst>
+  </p:timing>
+</p:sld>
+</file>
+
+<file path=ppt/slides/slide28.xml><?xml version="1.0" encoding="utf-8"?>
 <p:sld xmlns:a="http://schemas.openxmlformats.org/drawingml/2006/main" xmlns:r="http://schemas.openxmlformats.org/officeDocument/2006/relationships" xmlns:p="http://schemas.openxmlformats.org/presentationml/2006/main">
   <p:cSld>
     <p:spTree>
@@ -19954,6 +16445,72 @@
     <p:extLst>
       <p:ext uri="{BB962C8B-B14F-4D97-AF65-F5344CB8AC3E}">
         <p14:creationId xmlns:p14="http://schemas.microsoft.com/office/powerpoint/2010/main" val="3701209290"/>
+      </p:ext>
+    </p:extLst>
+  </p:cSld>
+  <p:clrMapOvr>
+    <a:masterClrMapping/>
+  </p:clrMapOvr>
+  <p:timing>
+    <p:tnLst>
+      <p:par>
+        <p:cTn id="1" dur="indefinite" restart="never" nodeType="tmRoot"/>
+      </p:par>
+    </p:tnLst>
+  </p:timing>
+</p:sld>
+</file>
+
+<file path=ppt/slides/slide29.xml><?xml version="1.0" encoding="utf-8"?>
+<p:sld xmlns:a="http://schemas.openxmlformats.org/drawingml/2006/main" xmlns:r="http://schemas.openxmlformats.org/officeDocument/2006/relationships" xmlns:p="http://schemas.openxmlformats.org/presentationml/2006/main">
+  <p:cSld>
+    <p:spTree>
+      <p:nvGrpSpPr>
+        <p:cNvPr id="1" name=""/>
+        <p:cNvGrpSpPr/>
+        <p:nvPr/>
+      </p:nvGrpSpPr>
+      <p:grpSpPr>
+        <a:xfrm>
+          <a:off x="0" y="0"/>
+          <a:ext cx="0" cy="0"/>
+          <a:chOff x="0" y="0"/>
+          <a:chExt cx="0" cy="0"/>
+        </a:xfrm>
+      </p:grpSpPr>
+      <p:sp>
+        <p:nvSpPr>
+          <p:cNvPr id="2" name="Title 1"/>
+          <p:cNvSpPr>
+            <a:spLocks noGrp="1"/>
+          </p:cNvSpPr>
+          <p:nvPr>
+            <p:ph type="ctrTitle"/>
+          </p:nvPr>
+        </p:nvSpPr>
+        <p:spPr>
+          <a:xfrm>
+            <a:off x="1133689" y="2977116"/>
+            <a:ext cx="9849743" cy="853967"/>
+          </a:xfrm>
+        </p:spPr>
+        <p:txBody>
+          <a:bodyPr/>
+          <a:lstStyle/>
+          <a:p>
+            <a:pPr algn="ctr"/>
+            <a:r>
+              <a:rPr lang="en-US" dirty="0" smtClean="0"/>
+              <a:t>Thanks!</a:t>
+            </a:r>
+            <a:endParaRPr lang="en-US" dirty="0"/>
+          </a:p>
+        </p:txBody>
+      </p:sp>
+    </p:spTree>
+    <p:extLst>
+      <p:ext uri="{BB962C8B-B14F-4D97-AF65-F5344CB8AC3E}">
+        <p14:creationId xmlns:p14="http://schemas.microsoft.com/office/powerpoint/2010/main" val="720218528"/>
       </p:ext>
     </p:extLst>
   </p:cSld>
@@ -20012,7 +16569,7 @@
       </p:sp>
       <p:pic>
         <p:nvPicPr>
-          <p:cNvPr id="10" name="Объект 9"/>
+          <p:cNvPr id="4" name="Объект 3"/>
           <p:cNvPicPr>
             <a:picLocks noGrp="1" noChangeAspect="1"/>
           </p:cNvPicPr>
@@ -20034,14 +16591,14 @@
         </p:blipFill>
         <p:spPr>
           <a:xfrm>
-            <a:off x="7030105" y="3175993"/>
-            <a:ext cx="4945355" cy="2318874"/>
+            <a:off x="250415" y="3283142"/>
+            <a:ext cx="4968274" cy="2411075"/>
           </a:xfrm>
         </p:spPr>
       </p:pic>
       <p:pic>
         <p:nvPicPr>
-          <p:cNvPr id="11" name="Рисунок 10"/>
+          <p:cNvPr id="5" name="Рисунок 4"/>
           <p:cNvPicPr>
             <a:picLocks noChangeAspect="1"/>
           </p:cNvPicPr>
@@ -20061,8 +16618,8 @@
         </p:blipFill>
         <p:spPr>
           <a:xfrm>
-            <a:off x="304800" y="3047418"/>
-            <a:ext cx="6359559" cy="2576025"/>
+            <a:off x="5519813" y="3001436"/>
+            <a:ext cx="6672187" cy="2842411"/>
           </a:xfrm>
           <a:prstGeom prst="rect">
             <a:avLst/>
@@ -20131,7 +16688,7 @@
       </p:sp>
       <p:pic>
         <p:nvPicPr>
-          <p:cNvPr id="4" name="Объект 3"/>
+          <p:cNvPr id="6" name="Объект 5"/>
           <p:cNvPicPr>
             <a:picLocks noGrp="1" noChangeAspect="1"/>
           </p:cNvPicPr>
@@ -20153,14 +16710,14 @@
         </p:blipFill>
         <p:spPr>
           <a:xfrm>
-            <a:off x="564698" y="2720322"/>
-            <a:ext cx="5351241" cy="3460343"/>
+            <a:off x="293403" y="2457966"/>
+            <a:ext cx="6135757" cy="3942834"/>
           </a:xfrm>
         </p:spPr>
       </p:pic>
       <p:pic>
         <p:nvPicPr>
-          <p:cNvPr id="5" name="Рисунок 4"/>
+          <p:cNvPr id="7" name="Рисунок 6"/>
           <p:cNvPicPr>
             <a:picLocks noChangeAspect="1"/>
           </p:cNvPicPr>
@@ -20180,14 +16737,54 @@
         </p:blipFill>
         <p:spPr>
           <a:xfrm>
-            <a:off x="6365137" y="1852937"/>
-            <a:ext cx="4997130" cy="4854354"/>
+            <a:off x="6244890" y="2257744"/>
+            <a:ext cx="4977292" cy="4524811"/>
           </a:xfrm>
           <a:prstGeom prst="rect">
             <a:avLst/>
           </a:prstGeom>
         </p:spPr>
       </p:pic>
+      <p:sp>
+        <p:nvSpPr>
+          <p:cNvPr id="8" name="Блок-схема: извлечение 7"/>
+          <p:cNvSpPr/>
+          <p:nvPr/>
+        </p:nvSpPr>
+        <p:spPr>
+          <a:xfrm rot="5400000">
+            <a:off x="357448" y="4284896"/>
+            <a:ext cx="1770611" cy="1288473"/>
+          </a:xfrm>
+          <a:prstGeom prst="flowChartExtract">
+            <a:avLst/>
+          </a:prstGeom>
+        </p:spPr>
+        <p:style>
+          <a:lnRef idx="2">
+            <a:schemeClr val="accent3">
+              <a:shade val="50000"/>
+            </a:schemeClr>
+          </a:lnRef>
+          <a:fillRef idx="1">
+            <a:schemeClr val="accent3"/>
+          </a:fillRef>
+          <a:effectRef idx="0">
+            <a:schemeClr val="accent3"/>
+          </a:effectRef>
+          <a:fontRef idx="minor">
+            <a:schemeClr val="lt1"/>
+          </a:fontRef>
+        </p:style>
+        <p:txBody>
+          <a:bodyPr rtlCol="0" anchor="ctr"/>
+          <a:lstStyle/>
+          <a:p>
+            <a:pPr algn="ctr"/>
+            <a:endParaRPr lang="ru-RU"/>
+          </a:p>
+        </p:txBody>
+      </p:sp>
     </p:spTree>
     <p:extLst>
       <p:ext uri="{BB962C8B-B14F-4D97-AF65-F5344CB8AC3E}">
@@ -20250,7 +16847,7 @@
       </p:sp>
       <p:pic>
         <p:nvPicPr>
-          <p:cNvPr id="4" name="Объект 3"/>
+          <p:cNvPr id="7" name="Объект 6"/>
           <p:cNvPicPr>
             <a:picLocks noGrp="1" noChangeAspect="1"/>
           </p:cNvPicPr>
@@ -20272,8 +16869,8 @@
         </p:blipFill>
         <p:spPr>
           <a:xfrm>
-            <a:off x="1544161" y="3345066"/>
-            <a:ext cx="9217133" cy="2290963"/>
+            <a:off x="1154953" y="3379619"/>
+            <a:ext cx="9527521" cy="2189907"/>
           </a:xfrm>
         </p:spPr>
       </p:pic>
@@ -20339,7 +16936,7 @@
       </p:sp>
       <p:pic>
         <p:nvPicPr>
-          <p:cNvPr id="5" name="Объект 4"/>
+          <p:cNvPr id="4" name="Объект 3"/>
           <p:cNvPicPr>
             <a:picLocks noGrp="1" noChangeAspect="1"/>
           </p:cNvPicPr>
@@ -20361,8 +16958,8 @@
         </p:blipFill>
         <p:spPr>
           <a:xfrm>
-            <a:off x="2290430" y="2866672"/>
-            <a:ext cx="7435461" cy="3089232"/>
+            <a:off x="1886784" y="2789718"/>
+            <a:ext cx="8029582" cy="3475491"/>
           </a:xfrm>
         </p:spPr>
       </p:pic>
@@ -20405,7 +17002,7 @@
       </p:grpSpPr>
       <p:sp>
         <p:nvSpPr>
-          <p:cNvPr id="6" name="Title 5"/>
+          <p:cNvPr id="2" name="Заголовок 1"/>
           <p:cNvSpPr>
             <a:spLocks noGrp="1"/>
           </p:cNvSpPr>
@@ -20419,181 +17016,46 @@
           <a:lstStyle/>
           <a:p>
             <a:r>
-              <a:rPr lang="en-US" dirty="0"/>
-              <a:t>2 Major Callback Problems:</a:t>
-            </a:r>
+              <a:rPr lang="en-US" dirty="0" smtClean="0"/>
+              <a:t>Callback hell example</a:t>
+            </a:r>
+            <a:endParaRPr lang="ru-RU" dirty="0"/>
           </a:p>
         </p:txBody>
       </p:sp>
-      <p:sp>
-        <p:nvSpPr>
-          <p:cNvPr id="7" name="Text Placeholder 6"/>
-          <p:cNvSpPr>
-            <a:spLocks noGrp="1"/>
-          </p:cNvSpPr>
+      <p:pic>
+        <p:nvPicPr>
+          <p:cNvPr id="5" name="Объект 4"/>
+          <p:cNvPicPr>
+            <a:picLocks noGrp="1" noChangeAspect="1"/>
+          </p:cNvPicPr>
           <p:nvPr>
-            <p:ph type="body" idx="1"/>
+            <p:ph idx="1"/>
           </p:nvPr>
-        </p:nvSpPr>
-        <p:spPr/>
-        <p:txBody>
-          <a:bodyPr/>
-          <a:lstStyle/>
-          <a:p>
-            <a:r>
-              <a:rPr lang="en-US" dirty="0"/>
-              <a:t>Inversion of control </a:t>
-            </a:r>
-            <a:r>
-              <a:rPr lang="en-US" sz="1400" dirty="0"/>
-              <a:t>( lack of it )</a:t>
-            </a:r>
-          </a:p>
-        </p:txBody>
-      </p:sp>
-      <p:sp>
-        <p:nvSpPr>
-          <p:cNvPr id="8" name="Content Placeholder 7"/>
-          <p:cNvSpPr>
-            <a:spLocks noGrp="1"/>
-          </p:cNvSpPr>
-          <p:nvPr>
-            <p:ph sz="half" idx="2"/>
-          </p:nvPr>
-        </p:nvSpPr>
-        <p:spPr/>
-        <p:txBody>
-          <a:bodyPr>
-            <a:normAutofit lnSpcReduction="10000"/>
-          </a:bodyPr>
-          <a:lstStyle/>
-          <a:p>
-            <a:r>
-              <a:rPr lang="en-US" dirty="0"/>
-              <a:t>We can’t trust resources</a:t>
-            </a:r>
-          </a:p>
-          <a:p>
-            <a:pPr lvl="1"/>
-            <a:r>
-              <a:rPr lang="en-US" dirty="0" smtClean="0"/>
-              <a:t>Too </a:t>
-            </a:r>
-            <a:r>
-              <a:rPr lang="en-US" dirty="0"/>
-              <a:t>early</a:t>
-            </a:r>
-          </a:p>
-          <a:p>
-            <a:pPr lvl="1"/>
-            <a:r>
-              <a:rPr lang="en-US" dirty="0" smtClean="0"/>
-              <a:t>Too </a:t>
-            </a:r>
-            <a:r>
-              <a:rPr lang="en-US" dirty="0"/>
-              <a:t>late</a:t>
-            </a:r>
-          </a:p>
-          <a:p>
-            <a:pPr lvl="1"/>
-            <a:r>
-              <a:rPr lang="en-US" dirty="0"/>
-              <a:t>Multiple times</a:t>
-            </a:r>
-          </a:p>
-          <a:p>
-            <a:pPr lvl="1"/>
-            <a:r>
-              <a:rPr lang="en-US" dirty="0"/>
-              <a:t>Not a single time</a:t>
-            </a:r>
-          </a:p>
-          <a:p>
-            <a:pPr lvl="1"/>
-            <a:r>
-              <a:rPr lang="en-US" dirty="0"/>
-              <a:t>Lost context</a:t>
-            </a:r>
-          </a:p>
-          <a:p>
-            <a:pPr lvl="1"/>
-            <a:r>
-              <a:rPr lang="en-US" dirty="0"/>
-              <a:t>Swallow errors</a:t>
-            </a:r>
-          </a:p>
-          <a:p>
-            <a:pPr lvl="1"/>
-            <a:r>
-              <a:rPr lang="en-US" dirty="0"/>
-              <a:t>…</a:t>
-            </a:r>
-          </a:p>
-        </p:txBody>
-      </p:sp>
-      <p:sp>
-        <p:nvSpPr>
-          <p:cNvPr id="9" name="Text Placeholder 8"/>
-          <p:cNvSpPr>
-            <a:spLocks noGrp="1"/>
-          </p:cNvSpPr>
-          <p:nvPr>
-            <p:ph type="body" sz="quarter" idx="3"/>
-          </p:nvPr>
-        </p:nvSpPr>
-        <p:spPr/>
-        <p:txBody>
-          <a:bodyPr/>
-          <a:lstStyle/>
-          <a:p>
-            <a:r>
-              <a:rPr lang="en-US" dirty="0"/>
-              <a:t>Not mind </a:t>
-            </a:r>
-            <a:r>
-              <a:rPr lang="en-US" dirty="0" err="1"/>
-              <a:t>setted</a:t>
-            </a:r>
-            <a:r>
-              <a:rPr lang="en-US" dirty="0"/>
-              <a:t> / designed</a:t>
-            </a:r>
-          </a:p>
-        </p:txBody>
-      </p:sp>
-      <p:sp>
-        <p:nvSpPr>
-          <p:cNvPr id="10" name="Content Placeholder 9"/>
-          <p:cNvSpPr>
-            <a:spLocks noGrp="1"/>
-          </p:cNvSpPr>
-          <p:nvPr>
-            <p:ph sz="quarter" idx="4"/>
-          </p:nvPr>
-        </p:nvSpPr>
-        <p:spPr/>
-        <p:txBody>
-          <a:bodyPr/>
-          <a:lstStyle/>
-          <a:p>
-            <a:r>
-              <a:rPr lang="en-US" dirty="0"/>
-              <a:t>We need to switch to different parts of our code to find how it works</a:t>
-            </a:r>
-          </a:p>
-          <a:p>
-            <a:r>
-              <a:rPr lang="en-US" dirty="0"/>
-              <a:t>We have to remember what’s happened before</a:t>
-            </a:r>
-          </a:p>
-        </p:txBody>
-      </p:sp>
+        </p:nvPicPr>
+        <p:blipFill>
+          <a:blip r:embed="rId2">
+            <a:extLst>
+              <a:ext uri="{28A0092B-C50C-407E-A947-70E740481C1C}">
+                <a14:useLocalDpi xmlns:a14="http://schemas.microsoft.com/office/drawing/2010/main" val="0"/>
+              </a:ext>
+            </a:extLst>
+          </a:blip>
+          <a:stretch>
+            <a:fillRect/>
+          </a:stretch>
+        </p:blipFill>
+        <p:spPr>
+          <a:xfrm>
+            <a:off x="2749507" y="2179367"/>
+            <a:ext cx="6793504" cy="4574817"/>
+          </a:xfrm>
+        </p:spPr>
+      </p:pic>
     </p:spTree>
     <p:extLst>
       <p:ext uri="{BB962C8B-B14F-4D97-AF65-F5344CB8AC3E}">
-        <p14:creationId xmlns:p14="http://schemas.microsoft.com/office/powerpoint/2010/main" val="2703480779"/>
+        <p14:creationId xmlns:p14="http://schemas.microsoft.com/office/powerpoint/2010/main" val="730178745"/>
       </p:ext>
     </p:extLst>
   </p:cSld>
@@ -20629,7 +17091,7 @@
       </p:grpSpPr>
       <p:sp>
         <p:nvSpPr>
-          <p:cNvPr id="2" name="Title 1"/>
+          <p:cNvPr id="6" name="Title 5"/>
           <p:cNvSpPr>
             <a:spLocks noGrp="1"/>
           </p:cNvSpPr>
@@ -20643,49 +17105,41 @@
           <a:lstStyle/>
           <a:p>
             <a:r>
-              <a:rPr lang="en-US" dirty="0" smtClean="0"/>
-              <a:t>Callback hell non </a:t>
-            </a:r>
-            <a:r>
               <a:rPr lang="en-US" dirty="0"/>
-              <a:t>fixes</a:t>
+              <a:t>2 Major Callback Problems:</a:t>
             </a:r>
           </a:p>
         </p:txBody>
       </p:sp>
       <p:sp>
         <p:nvSpPr>
-          <p:cNvPr id="3" name="Content Placeholder 2"/>
+          <p:cNvPr id="7" name="Text Placeholder 6"/>
           <p:cNvSpPr>
             <a:spLocks noGrp="1"/>
           </p:cNvSpPr>
           <p:nvPr>
-            <p:ph sz="half" idx="1"/>
+            <p:ph type="body" idx="1"/>
           </p:nvPr>
         </p:nvSpPr>
-        <p:spPr>
-          <a:xfrm>
-            <a:off x="710501" y="3069905"/>
-            <a:ext cx="4825158" cy="713858"/>
-          </a:xfrm>
-        </p:spPr>
+        <p:spPr/>
         <p:txBody>
           <a:bodyPr/>
           <a:lstStyle/>
           <a:p>
-            <a:pPr marL="0" indent="0" algn="ctr">
-              <a:buNone/>
-            </a:pPr>
             <a:r>
               <a:rPr lang="en-US" dirty="0"/>
-              <a:t>Multiple callbacks – one for response one for error</a:t>
+              <a:t>Inversion of control </a:t>
+            </a:r>
+            <a:r>
+              <a:rPr lang="en-US" sz="1400" dirty="0"/>
+              <a:t>( lack of it )</a:t>
             </a:r>
           </a:p>
         </p:txBody>
       </p:sp>
       <p:sp>
         <p:nvSpPr>
-          <p:cNvPr id="4" name="Content Placeholder 3"/>
+          <p:cNvPr id="8" name="Content Placeholder 7"/>
           <p:cNvSpPr>
             <a:spLocks noGrp="1"/>
           </p:cNvSpPr>
@@ -20693,90 +17147,151 @@
             <p:ph sz="half" idx="2"/>
           </p:nvPr>
         </p:nvSpPr>
-        <p:spPr>
-          <a:xfrm>
-            <a:off x="6496066" y="3299219"/>
-            <a:ext cx="4825159" cy="426779"/>
-          </a:xfrm>
-        </p:spPr>
+        <p:spPr/>
+        <p:txBody>
+          <a:bodyPr>
+            <a:normAutofit fontScale="92500" lnSpcReduction="20000"/>
+          </a:bodyPr>
+          <a:lstStyle/>
+          <a:p>
+            <a:r>
+              <a:rPr lang="en-US" dirty="0"/>
+              <a:t>We can’t trust </a:t>
+            </a:r>
+            <a:r>
+              <a:rPr lang="en-US" dirty="0" smtClean="0"/>
+              <a:t>resources as they could call our callback wrong:</a:t>
+            </a:r>
+            <a:endParaRPr lang="en-US" dirty="0"/>
+          </a:p>
+          <a:p>
+            <a:pPr lvl="1"/>
+            <a:r>
+              <a:rPr lang="en-US" dirty="0" smtClean="0"/>
+              <a:t>Too </a:t>
+            </a:r>
+            <a:r>
+              <a:rPr lang="en-US" dirty="0"/>
+              <a:t>early</a:t>
+            </a:r>
+          </a:p>
+          <a:p>
+            <a:pPr lvl="1"/>
+            <a:r>
+              <a:rPr lang="en-US" dirty="0" smtClean="0"/>
+              <a:t>Too </a:t>
+            </a:r>
+            <a:r>
+              <a:rPr lang="en-US" dirty="0"/>
+              <a:t>late</a:t>
+            </a:r>
+          </a:p>
+          <a:p>
+            <a:pPr lvl="1"/>
+            <a:r>
+              <a:rPr lang="en-US" dirty="0"/>
+              <a:t>Multiple times</a:t>
+            </a:r>
+          </a:p>
+          <a:p>
+            <a:pPr lvl="1"/>
+            <a:r>
+              <a:rPr lang="en-US" dirty="0"/>
+              <a:t>Not a single time</a:t>
+            </a:r>
+          </a:p>
+          <a:p>
+            <a:pPr lvl="1"/>
+            <a:r>
+              <a:rPr lang="en-US" dirty="0" smtClean="0"/>
+              <a:t>Context could be lost</a:t>
+            </a:r>
+            <a:endParaRPr lang="en-US" dirty="0"/>
+          </a:p>
+          <a:p>
+            <a:pPr lvl="1"/>
+            <a:r>
+              <a:rPr lang="en-US" dirty="0" smtClean="0"/>
+              <a:t>Errors could be lost</a:t>
+            </a:r>
+            <a:endParaRPr lang="en-US" dirty="0" smtClean="0"/>
+          </a:p>
+          <a:p>
+            <a:pPr lvl="1"/>
+            <a:r>
+              <a:rPr lang="en-US" dirty="0" smtClean="0"/>
+              <a:t>…</a:t>
+            </a:r>
+            <a:endParaRPr lang="en-US" dirty="0"/>
+          </a:p>
+        </p:txBody>
+      </p:sp>
+      <p:sp>
+        <p:nvSpPr>
+          <p:cNvPr id="9" name="Text Placeholder 8"/>
+          <p:cNvSpPr>
+            <a:spLocks noGrp="1"/>
+          </p:cNvSpPr>
+          <p:nvPr>
+            <p:ph type="body" sz="quarter" idx="3"/>
+          </p:nvPr>
+        </p:nvSpPr>
+        <p:spPr/>
         <p:txBody>
           <a:bodyPr/>
           <a:lstStyle/>
           <a:p>
-            <a:pPr marL="0" indent="0" algn="ctr">
-              <a:buNone/>
-            </a:pPr>
-            <a:r>
-              <a:rPr lang="en-US" dirty="0"/>
-              <a:t>Error first ( node style ) error callbacks</a:t>
-            </a:r>
+            <a:r>
+              <a:rPr lang="en-US" dirty="0" smtClean="0"/>
+              <a:t>Mind is not designed</a:t>
+            </a:r>
+            <a:endParaRPr lang="en-US" dirty="0"/>
           </a:p>
         </p:txBody>
       </p:sp>
-      <p:pic>
-        <p:nvPicPr>
-          <p:cNvPr id="7" name="Рисунок 6"/>
-          <p:cNvPicPr>
-            <a:picLocks noChangeAspect="1"/>
-          </p:cNvPicPr>
-          <p:nvPr/>
-        </p:nvPicPr>
-        <p:blipFill>
-          <a:blip r:embed="rId2">
-            <a:extLst>
-              <a:ext uri="{28A0092B-C50C-407E-A947-70E740481C1C}">
-                <a14:useLocalDpi xmlns:a14="http://schemas.microsoft.com/office/drawing/2010/main" val="0"/>
-              </a:ext>
-            </a:extLst>
-          </a:blip>
-          <a:stretch>
-            <a:fillRect/>
-          </a:stretch>
-        </p:blipFill>
-        <p:spPr>
-          <a:xfrm>
-            <a:off x="356596" y="3915627"/>
-            <a:ext cx="5381303" cy="2377107"/>
-          </a:xfrm>
-          <a:prstGeom prst="rect">
-            <a:avLst/>
-          </a:prstGeom>
-        </p:spPr>
-      </p:pic>
-      <p:pic>
-        <p:nvPicPr>
-          <p:cNvPr id="8" name="Рисунок 7"/>
-          <p:cNvPicPr>
-            <a:picLocks noChangeAspect="1"/>
-          </p:cNvPicPr>
-          <p:nvPr/>
-        </p:nvPicPr>
-        <p:blipFill>
-          <a:blip r:embed="rId3">
-            <a:extLst>
-              <a:ext uri="{28A0092B-C50C-407E-A947-70E740481C1C}">
-                <a14:useLocalDpi xmlns:a14="http://schemas.microsoft.com/office/drawing/2010/main" val="0"/>
-              </a:ext>
-            </a:extLst>
-          </a:blip>
-          <a:stretch>
-            <a:fillRect/>
-          </a:stretch>
-        </p:blipFill>
-        <p:spPr>
-          <a:xfrm>
-            <a:off x="5938370" y="3783763"/>
-            <a:ext cx="5940549" cy="2666580"/>
-          </a:xfrm>
-          <a:prstGeom prst="rect">
-            <a:avLst/>
-          </a:prstGeom>
-        </p:spPr>
-      </p:pic>
+      <p:sp>
+        <p:nvSpPr>
+          <p:cNvPr id="10" name="Content Placeholder 9"/>
+          <p:cNvSpPr>
+            <a:spLocks noGrp="1"/>
+          </p:cNvSpPr>
+          <p:nvPr>
+            <p:ph sz="quarter" idx="4"/>
+          </p:nvPr>
+        </p:nvSpPr>
+        <p:spPr/>
+        <p:txBody>
+          <a:bodyPr/>
+          <a:lstStyle/>
+          <a:p>
+            <a:r>
+              <a:rPr lang="en-US" dirty="0"/>
+              <a:t>We need to switch to different parts of our code to find how it works</a:t>
+            </a:r>
+          </a:p>
+          <a:p>
+            <a:r>
+              <a:rPr lang="en-US" dirty="0"/>
+              <a:t>We have to remember what’s happened </a:t>
+            </a:r>
+            <a:r>
+              <a:rPr lang="en-US" dirty="0" smtClean="0"/>
+              <a:t>before</a:t>
+            </a:r>
+          </a:p>
+          <a:p>
+            <a:r>
+              <a:rPr lang="en-US" dirty="0" smtClean="0"/>
+              <a:t>Our brain would make a map of all callbacks and place them in synchronous fashion in order for us to understand them</a:t>
+            </a:r>
+            <a:endParaRPr lang="en-US" dirty="0"/>
+          </a:p>
+        </p:txBody>
+      </p:sp>
     </p:spTree>
     <p:extLst>
       <p:ext uri="{BB962C8B-B14F-4D97-AF65-F5344CB8AC3E}">
-        <p14:creationId xmlns:p14="http://schemas.microsoft.com/office/powerpoint/2010/main" val="2517738420"/>
+        <p14:creationId xmlns:p14="http://schemas.microsoft.com/office/powerpoint/2010/main" val="2703480779"/>
       </p:ext>
     </p:extLst>
   </p:cSld>
@@ -20810,936 +17325,6 @@
           <a:chExt cx="0" cy="0"/>
         </a:xfrm>
       </p:grpSpPr>
-      <p:grpSp>
-        <p:nvGrpSpPr>
-          <p:cNvPr id="8" name="Group 7"/>
-          <p:cNvGrpSpPr>
-            <a:grpSpLocks noGrp="1" noUngrp="1" noRot="1" noChangeAspect="1" noMove="1" noResize="1"/>
-          </p:cNvGrpSpPr>
-          <p:nvPr>
-            <p:extLst>
-              <p:ext uri="{386F3935-93C4-4BCD-93E2-E3B085C9AB24}">
-                <p16:designElem xmlns:p16="http://schemas.microsoft.com/office/powerpoint/2015/main" val="1"/>
-              </p:ext>
-            </p:extLst>
-          </p:nvPr>
-        </p:nvGrpSpPr>
-        <p:grpSpPr>
-          <a:xfrm>
-            <a:off x="0" y="-9027"/>
-            <a:ext cx="12192000" cy="6867027"/>
-            <a:chOff x="0" y="-2373"/>
-            <a:chExt cx="12192000" cy="6867027"/>
-          </a:xfrm>
-        </p:grpSpPr>
-        <p:sp>
-          <p:nvSpPr>
-            <p:cNvPr id="9" name="Rectangle 8"/>
-            <p:cNvSpPr/>
-            <p:nvPr>
-              <p:extLst>
-                <p:ext uri="{386F3935-93C4-4BCD-93E2-E3B085C9AB24}">
-                  <p16:designElem xmlns:p16="http://schemas.microsoft.com/office/powerpoint/2015/main" val="1"/>
-                </p:ext>
-              </p:extLst>
-            </p:nvPr>
-          </p:nvSpPr>
-          <p:spPr>
-            <a:xfrm>
-              <a:off x="0" y="0"/>
-              <a:ext cx="12192000" cy="6858000"/>
-            </a:xfrm>
-            <a:prstGeom prst="rect">
-              <a:avLst/>
-            </a:prstGeom>
-            <a:blipFill>
-              <a:blip r:embed="rId2">
-                <a:duotone>
-                  <a:schemeClr val="dk2">
-                    <a:shade val="62000"/>
-                    <a:hueMod val="108000"/>
-                    <a:satMod val="164000"/>
-                    <a:lumMod val="69000"/>
-                  </a:schemeClr>
-                  <a:schemeClr val="dk2">
-                    <a:tint val="96000"/>
-                    <a:hueMod val="90000"/>
-                    <a:satMod val="130000"/>
-                    <a:lumMod val="134000"/>
-                  </a:schemeClr>
-                </a:duotone>
-              </a:blip>
-              <a:stretch>
-                <a:fillRect/>
-              </a:stretch>
-            </a:blipFill>
-            <a:ln>
-              <a:noFill/>
-            </a:ln>
-          </p:spPr>
-          <p:style>
-            <a:lnRef idx="2">
-              <a:schemeClr val="accent1">
-                <a:shade val="50000"/>
-              </a:schemeClr>
-            </a:lnRef>
-            <a:fillRef idx="1">
-              <a:schemeClr val="accent1"/>
-            </a:fillRef>
-            <a:effectRef idx="0">
-              <a:schemeClr val="accent1"/>
-            </a:effectRef>
-            <a:fontRef idx="minor">
-              <a:schemeClr val="lt1"/>
-            </a:fontRef>
-          </p:style>
-        </p:sp>
-        <p:sp>
-          <p:nvSpPr>
-            <p:cNvPr id="10" name="Oval 9"/>
-            <p:cNvSpPr/>
-            <p:nvPr>
-              <p:extLst>
-                <p:ext uri="{386F3935-93C4-4BCD-93E2-E3B085C9AB24}">
-                  <p16:designElem xmlns:p16="http://schemas.microsoft.com/office/powerpoint/2015/main" val="1"/>
-                </p:ext>
-              </p:extLst>
-            </p:nvPr>
-          </p:nvSpPr>
-          <p:spPr>
-            <a:xfrm>
-              <a:off x="3220" y="2667000"/>
-              <a:ext cx="4191000" cy="4191000"/>
-            </a:xfrm>
-            <a:prstGeom prst="ellipse">
-              <a:avLst/>
-            </a:prstGeom>
-            <a:gradFill flip="none" rotWithShape="1">
-              <a:gsLst>
-                <a:gs pos="0">
-                  <a:schemeClr val="bg2">
-                    <a:lumMod val="40000"/>
-                    <a:lumOff val="60000"/>
-                    <a:alpha val="11000"/>
-                  </a:schemeClr>
-                </a:gs>
-                <a:gs pos="75000">
-                  <a:schemeClr val="bg2">
-                    <a:lumMod val="40000"/>
-                    <a:lumOff val="60000"/>
-                    <a:alpha val="0"/>
-                  </a:schemeClr>
-                </a:gs>
-                <a:gs pos="36000">
-                  <a:schemeClr val="bg2">
-                    <a:lumMod val="40000"/>
-                    <a:lumOff val="60000"/>
-                    <a:alpha val="10000"/>
-                  </a:schemeClr>
-                </a:gs>
-              </a:gsLst>
-              <a:path path="circle">
-                <a:fillToRect l="50000" t="50000" r="50000" b="50000"/>
-              </a:path>
-              <a:tileRect/>
-            </a:gradFill>
-            <a:ln>
-              <a:noFill/>
-            </a:ln>
-            <a:effectLst/>
-          </p:spPr>
-          <p:style>
-            <a:lnRef idx="1">
-              <a:schemeClr val="accent1"/>
-            </a:lnRef>
-            <a:fillRef idx="3">
-              <a:schemeClr val="accent1"/>
-            </a:fillRef>
-            <a:effectRef idx="2">
-              <a:schemeClr val="accent1"/>
-            </a:effectRef>
-            <a:fontRef idx="minor">
-              <a:schemeClr val="lt1"/>
-            </a:fontRef>
-          </p:style>
-        </p:sp>
-        <p:sp>
-          <p:nvSpPr>
-            <p:cNvPr id="11" name="Oval 10"/>
-            <p:cNvSpPr/>
-            <p:nvPr>
-              <p:extLst>
-                <p:ext uri="{386F3935-93C4-4BCD-93E2-E3B085C9AB24}">
-                  <p16:designElem xmlns:p16="http://schemas.microsoft.com/office/powerpoint/2015/main" val="1"/>
-                </p:ext>
-              </p:extLst>
-            </p:nvPr>
-          </p:nvSpPr>
-          <p:spPr>
-            <a:xfrm>
-              <a:off x="1750" y="2895600"/>
-              <a:ext cx="2362200" cy="2362200"/>
-            </a:xfrm>
-            <a:prstGeom prst="ellipse">
-              <a:avLst/>
-            </a:prstGeom>
-            <a:gradFill flip="none" rotWithShape="1">
-              <a:gsLst>
-                <a:gs pos="0">
-                  <a:schemeClr val="bg2">
-                    <a:lumMod val="40000"/>
-                    <a:lumOff val="60000"/>
-                    <a:alpha val="8000"/>
-                  </a:schemeClr>
-                </a:gs>
-                <a:gs pos="72000">
-                  <a:schemeClr val="bg2">
-                    <a:lumMod val="40000"/>
-                    <a:lumOff val="60000"/>
-                    <a:alpha val="0"/>
-                  </a:schemeClr>
-                </a:gs>
-                <a:gs pos="36000">
-                  <a:schemeClr val="bg2">
-                    <a:lumMod val="40000"/>
-                    <a:lumOff val="60000"/>
-                    <a:alpha val="8000"/>
-                  </a:schemeClr>
-                </a:gs>
-              </a:gsLst>
-              <a:path path="circle">
-                <a:fillToRect l="50000" t="50000" r="50000" b="50000"/>
-              </a:path>
-              <a:tileRect/>
-            </a:gradFill>
-            <a:ln>
-              <a:noFill/>
-            </a:ln>
-            <a:effectLst/>
-          </p:spPr>
-          <p:style>
-            <a:lnRef idx="1">
-              <a:schemeClr val="accent1"/>
-            </a:lnRef>
-            <a:fillRef idx="3">
-              <a:schemeClr val="accent1"/>
-            </a:fillRef>
-            <a:effectRef idx="2">
-              <a:schemeClr val="accent1"/>
-            </a:effectRef>
-            <a:fontRef idx="minor">
-              <a:schemeClr val="lt1"/>
-            </a:fontRef>
-          </p:style>
-        </p:sp>
-        <p:sp>
-          <p:nvSpPr>
-            <p:cNvPr id="12" name="Oval 11"/>
-            <p:cNvSpPr/>
-            <p:nvPr>
-              <p:extLst>
-                <p:ext uri="{386F3935-93C4-4BCD-93E2-E3B085C9AB24}">
-                  <p16:designElem xmlns:p16="http://schemas.microsoft.com/office/powerpoint/2015/main" val="1"/>
-                </p:ext>
-              </p:extLst>
-            </p:nvPr>
-          </p:nvSpPr>
-          <p:spPr>
-            <a:xfrm>
-              <a:off x="8609012" y="1676400"/>
-              <a:ext cx="2819400" cy="2819400"/>
-            </a:xfrm>
-            <a:prstGeom prst="ellipse">
-              <a:avLst/>
-            </a:prstGeom>
-            <a:gradFill flip="none" rotWithShape="1">
-              <a:gsLst>
-                <a:gs pos="0">
-                  <a:schemeClr val="bg2">
-                    <a:lumMod val="40000"/>
-                    <a:lumOff val="60000"/>
-                    <a:alpha val="7000"/>
-                  </a:schemeClr>
-                </a:gs>
-                <a:gs pos="69000">
-                  <a:schemeClr val="bg2">
-                    <a:lumMod val="40000"/>
-                    <a:lumOff val="60000"/>
-                    <a:alpha val="0"/>
-                  </a:schemeClr>
-                </a:gs>
-                <a:gs pos="36000">
-                  <a:schemeClr val="bg2">
-                    <a:lumMod val="40000"/>
-                    <a:lumOff val="60000"/>
-                    <a:alpha val="6000"/>
-                  </a:schemeClr>
-                </a:gs>
-              </a:gsLst>
-              <a:path path="circle">
-                <a:fillToRect l="50000" t="50000" r="50000" b="50000"/>
-              </a:path>
-              <a:tileRect/>
-            </a:gradFill>
-            <a:ln>
-              <a:noFill/>
-            </a:ln>
-            <a:effectLst/>
-          </p:spPr>
-          <p:style>
-            <a:lnRef idx="1">
-              <a:schemeClr val="accent1"/>
-            </a:lnRef>
-            <a:fillRef idx="3">
-              <a:schemeClr val="accent1"/>
-            </a:fillRef>
-            <a:effectRef idx="2">
-              <a:schemeClr val="accent1"/>
-            </a:effectRef>
-            <a:fontRef idx="minor">
-              <a:schemeClr val="lt1"/>
-            </a:fontRef>
-          </p:style>
-        </p:sp>
-        <p:sp>
-          <p:nvSpPr>
-            <p:cNvPr id="13" name="Oval 12"/>
-            <p:cNvSpPr/>
-            <p:nvPr>
-              <p:extLst>
-                <p:ext uri="{386F3935-93C4-4BCD-93E2-E3B085C9AB24}">
-                  <p16:designElem xmlns:p16="http://schemas.microsoft.com/office/powerpoint/2015/main" val="1"/>
-                </p:ext>
-              </p:extLst>
-            </p:nvPr>
-          </p:nvSpPr>
-          <p:spPr>
-            <a:xfrm>
-              <a:off x="7999412" y="-2373"/>
-              <a:ext cx="1600200" cy="1600200"/>
-            </a:xfrm>
-            <a:prstGeom prst="ellipse">
-              <a:avLst/>
-            </a:prstGeom>
-            <a:gradFill flip="none" rotWithShape="1">
-              <a:gsLst>
-                <a:gs pos="0">
-                  <a:schemeClr val="bg2">
-                    <a:lumMod val="40000"/>
-                    <a:lumOff val="60000"/>
-                    <a:alpha val="14000"/>
-                  </a:schemeClr>
-                </a:gs>
-                <a:gs pos="73000">
-                  <a:schemeClr val="bg2">
-                    <a:lumMod val="40000"/>
-                    <a:lumOff val="60000"/>
-                    <a:alpha val="0"/>
-                  </a:schemeClr>
-                </a:gs>
-                <a:gs pos="36000">
-                  <a:schemeClr val="bg2">
-                    <a:lumMod val="40000"/>
-                    <a:lumOff val="60000"/>
-                    <a:alpha val="7000"/>
-                  </a:schemeClr>
-                </a:gs>
-              </a:gsLst>
-              <a:path path="circle">
-                <a:fillToRect l="50000" t="50000" r="50000" b="50000"/>
-              </a:path>
-              <a:tileRect/>
-            </a:gradFill>
-            <a:ln>
-              <a:noFill/>
-            </a:ln>
-            <a:effectLst/>
-          </p:spPr>
-          <p:style>
-            <a:lnRef idx="1">
-              <a:schemeClr val="accent1"/>
-            </a:lnRef>
-            <a:fillRef idx="3">
-              <a:schemeClr val="accent1"/>
-            </a:fillRef>
-            <a:effectRef idx="2">
-              <a:schemeClr val="accent1"/>
-            </a:effectRef>
-            <a:fontRef idx="minor">
-              <a:schemeClr val="lt1"/>
-            </a:fontRef>
-          </p:style>
-        </p:sp>
-        <p:sp>
-          <p:nvSpPr>
-            <p:cNvPr id="14" name="Oval 13"/>
-            <p:cNvSpPr/>
-            <p:nvPr>
-              <p:extLst>
-                <p:ext uri="{386F3935-93C4-4BCD-93E2-E3B085C9AB24}">
-                  <p16:designElem xmlns:p16="http://schemas.microsoft.com/office/powerpoint/2015/main" val="1"/>
-                </p:ext>
-              </p:extLst>
-            </p:nvPr>
-          </p:nvSpPr>
-          <p:spPr>
-            <a:xfrm>
-              <a:off x="8609012" y="5874054"/>
-              <a:ext cx="990600" cy="990600"/>
-            </a:xfrm>
-            <a:prstGeom prst="ellipse">
-              <a:avLst/>
-            </a:prstGeom>
-            <a:gradFill flip="none" rotWithShape="1">
-              <a:gsLst>
-                <a:gs pos="0">
-                  <a:schemeClr val="bg2">
-                    <a:lumMod val="40000"/>
-                    <a:lumOff val="60000"/>
-                    <a:alpha val="14000"/>
-                  </a:schemeClr>
-                </a:gs>
-                <a:gs pos="66000">
-                  <a:schemeClr val="bg2">
-                    <a:lumMod val="40000"/>
-                    <a:lumOff val="60000"/>
-                    <a:alpha val="0"/>
-                  </a:schemeClr>
-                </a:gs>
-                <a:gs pos="36000">
-                  <a:schemeClr val="bg2">
-                    <a:lumMod val="40000"/>
-                    <a:lumOff val="60000"/>
-                    <a:alpha val="7000"/>
-                  </a:schemeClr>
-                </a:gs>
-              </a:gsLst>
-              <a:path path="circle">
-                <a:fillToRect l="50000" t="50000" r="50000" b="50000"/>
-              </a:path>
-              <a:tileRect/>
-            </a:gradFill>
-            <a:ln>
-              <a:noFill/>
-            </a:ln>
-            <a:effectLst/>
-          </p:spPr>
-          <p:style>
-            <a:lnRef idx="1">
-              <a:schemeClr val="accent1"/>
-            </a:lnRef>
-            <a:fillRef idx="3">
-              <a:schemeClr val="accent1"/>
-            </a:fillRef>
-            <a:effectRef idx="2">
-              <a:schemeClr val="accent1"/>
-            </a:effectRef>
-            <a:fontRef idx="minor">
-              <a:schemeClr val="lt1"/>
-            </a:fontRef>
-          </p:style>
-        </p:sp>
-        <p:sp>
-          <p:nvSpPr>
-            <p:cNvPr id="15" name="Rectangle 14"/>
-            <p:cNvSpPr/>
-            <p:nvPr>
-              <p:extLst>
-                <p:ext uri="{386F3935-93C4-4BCD-93E2-E3B085C9AB24}">
-                  <p16:designElem xmlns:p16="http://schemas.microsoft.com/office/powerpoint/2015/main" val="1"/>
-                </p:ext>
-              </p:extLst>
-            </p:nvPr>
-          </p:nvSpPr>
-          <p:spPr>
-            <a:xfrm>
-              <a:off x="5194608" y="402165"/>
-              <a:ext cx="6574058" cy="6053670"/>
-            </a:xfrm>
-            <a:prstGeom prst="rect">
-              <a:avLst/>
-            </a:prstGeom>
-            <a:solidFill>
-              <a:schemeClr val="bg1"/>
-            </a:solidFill>
-            <a:ln>
-              <a:noFill/>
-            </a:ln>
-            <a:effectLst/>
-          </p:spPr>
-          <p:style>
-            <a:lnRef idx="1">
-              <a:schemeClr val="accent1"/>
-            </a:lnRef>
-            <a:fillRef idx="3">
-              <a:schemeClr val="accent1"/>
-            </a:fillRef>
-            <a:effectRef idx="2">
-              <a:schemeClr val="accent1"/>
-            </a:effectRef>
-            <a:fontRef idx="minor">
-              <a:schemeClr val="lt1"/>
-            </a:fontRef>
-          </p:style>
-        </p:sp>
-        <p:sp>
-          <p:nvSpPr>
-            <p:cNvPr id="16" name="Freeform 5"/>
-            <p:cNvSpPr/>
-            <p:nvPr>
-              <p:extLst>
-                <p:ext uri="{386F3935-93C4-4BCD-93E2-E3B085C9AB24}">
-                  <p16:designElem xmlns:p16="http://schemas.microsoft.com/office/powerpoint/2015/main" val="1"/>
-                </p:ext>
-              </p:extLst>
-            </p:nvPr>
-          </p:nvSpPr>
-          <p:spPr bwMode="gray">
-            <a:xfrm rot="15922489">
-              <a:off x="3140485" y="1826078"/>
-              <a:ext cx="3299407" cy="440924"/>
-            </a:xfrm>
-            <a:custGeom>
-              <a:avLst/>
-              <a:gdLst/>
-              <a:ahLst/>
-              <a:cxnLst/>
-              <a:rect l="l" t="t" r="r" b="b"/>
-              <a:pathLst>
-                <a:path w="10000" h="5291">
-                  <a:moveTo>
-                    <a:pt x="85" y="2532"/>
-                  </a:moveTo>
-                  <a:cubicBezTo>
-                    <a:pt x="1736" y="3911"/>
-                    <a:pt x="7524" y="5298"/>
-                    <a:pt x="9958" y="5291"/>
-                  </a:cubicBezTo>
-                  <a:cubicBezTo>
-                    <a:pt x="9989" y="1958"/>
-                    <a:pt x="9969" y="3333"/>
-                    <a:pt x="10000" y="0"/>
-                  </a:cubicBezTo>
-                  <a:lnTo>
-                    <a:pt x="10000" y="0"/>
-                  </a:lnTo>
-                  <a:lnTo>
-                    <a:pt x="9667" y="204"/>
-                  </a:lnTo>
-                  <a:lnTo>
-                    <a:pt x="9334" y="400"/>
-                  </a:lnTo>
-                  <a:lnTo>
-                    <a:pt x="9001" y="590"/>
-                  </a:lnTo>
-                  <a:lnTo>
-                    <a:pt x="8667" y="753"/>
-                  </a:lnTo>
-                  <a:lnTo>
-                    <a:pt x="8333" y="917"/>
-                  </a:lnTo>
-                  <a:lnTo>
-                    <a:pt x="7999" y="1071"/>
-                  </a:lnTo>
-                  <a:lnTo>
-                    <a:pt x="7669" y="1202"/>
-                  </a:lnTo>
-                  <a:lnTo>
-                    <a:pt x="7333" y="1325"/>
-                  </a:lnTo>
-                  <a:lnTo>
-                    <a:pt x="7000" y="1440"/>
-                  </a:lnTo>
-                  <a:lnTo>
-                    <a:pt x="6673" y="1538"/>
-                  </a:lnTo>
-                  <a:lnTo>
-                    <a:pt x="6340" y="1636"/>
-                  </a:lnTo>
-                  <a:lnTo>
-                    <a:pt x="6013" y="1719"/>
-                  </a:lnTo>
-                  <a:lnTo>
-                    <a:pt x="5686" y="1784"/>
-                  </a:lnTo>
-                  <a:lnTo>
-                    <a:pt x="5359" y="1850"/>
-                  </a:lnTo>
-                  <a:lnTo>
-                    <a:pt x="5036" y="1906"/>
-                  </a:lnTo>
-                  <a:lnTo>
-                    <a:pt x="4717" y="1948"/>
-                  </a:lnTo>
-                  <a:lnTo>
-                    <a:pt x="4396" y="1980"/>
-                  </a:lnTo>
-                  <a:lnTo>
-                    <a:pt x="4079" y="2013"/>
-                  </a:lnTo>
-                  <a:lnTo>
-                    <a:pt x="3766" y="2029"/>
-                  </a:lnTo>
-                  <a:lnTo>
-                    <a:pt x="3454" y="2046"/>
-                  </a:lnTo>
-                  <a:lnTo>
-                    <a:pt x="3145" y="2053"/>
-                  </a:lnTo>
-                  <a:lnTo>
-                    <a:pt x="2839" y="2046"/>
-                  </a:lnTo>
-                  <a:lnTo>
-                    <a:pt x="2537" y="2046"/>
-                  </a:lnTo>
-                  <a:lnTo>
-                    <a:pt x="2238" y="2029"/>
-                  </a:lnTo>
-                  <a:lnTo>
-                    <a:pt x="1943" y="2004"/>
-                  </a:lnTo>
-                  <a:lnTo>
-                    <a:pt x="1653" y="1980"/>
-                  </a:lnTo>
-                  <a:lnTo>
-                    <a:pt x="1368" y="1955"/>
-                  </a:lnTo>
-                  <a:lnTo>
-                    <a:pt x="1085" y="1915"/>
-                  </a:lnTo>
-                  <a:lnTo>
-                    <a:pt x="806" y="1873"/>
-                  </a:lnTo>
-                  <a:lnTo>
-                    <a:pt x="533" y="1833"/>
-                  </a:lnTo>
-                  <a:lnTo>
-                    <a:pt x="0" y="1726"/>
-                  </a:lnTo>
-                  <a:cubicBezTo>
-                    <a:pt x="28" y="1995"/>
-                    <a:pt x="57" y="2263"/>
-                    <a:pt x="85" y="2532"/>
-                  </a:cubicBezTo>
-                  <a:close/>
-                </a:path>
-              </a:pathLst>
-            </a:custGeom>
-            <a:solidFill>
-              <a:schemeClr val="bg1">
-                <a:alpha val="20000"/>
-              </a:schemeClr>
-            </a:solidFill>
-            <a:ln>
-              <a:noFill/>
-            </a:ln>
-          </p:spPr>
-        </p:sp>
-        <p:sp>
-          <p:nvSpPr>
-            <p:cNvPr id="17" name="Freeform 5"/>
-            <p:cNvSpPr/>
-            <p:nvPr>
-              <p:extLst>
-                <p:ext uri="{386F3935-93C4-4BCD-93E2-E3B085C9AB24}">
-                  <p16:designElem xmlns:p16="http://schemas.microsoft.com/office/powerpoint/2015/main" val="1"/>
-                </p:ext>
-              </p:extLst>
-            </p:nvPr>
-          </p:nvSpPr>
-          <p:spPr bwMode="gray">
-            <a:xfrm rot="16200000">
-              <a:off x="2229377" y="2801721"/>
-              <a:ext cx="6053670" cy="1254558"/>
-            </a:xfrm>
-            <a:custGeom>
-              <a:avLst/>
-              <a:gdLst/>
-              <a:ahLst/>
-              <a:cxnLst/>
-              <a:rect l="l" t="t" r="r" b="b"/>
-              <a:pathLst>
-                <a:path w="10000" h="8000">
-                  <a:moveTo>
-                    <a:pt x="0" y="0"/>
-                  </a:moveTo>
-                  <a:lnTo>
-                    <a:pt x="0" y="7970"/>
-                  </a:lnTo>
-                  <a:lnTo>
-                    <a:pt x="10000" y="8000"/>
-                  </a:lnTo>
-                  <a:lnTo>
-                    <a:pt x="10000" y="7"/>
-                  </a:lnTo>
-                  <a:lnTo>
-                    <a:pt x="10000" y="7"/>
-                  </a:lnTo>
-                  <a:lnTo>
-                    <a:pt x="9773" y="156"/>
-                  </a:lnTo>
-                  <a:lnTo>
-                    <a:pt x="9547" y="298"/>
-                  </a:lnTo>
-                  <a:lnTo>
-                    <a:pt x="9320" y="437"/>
-                  </a:lnTo>
-                  <a:lnTo>
-                    <a:pt x="9092" y="556"/>
-                  </a:lnTo>
-                  <a:lnTo>
-                    <a:pt x="8865" y="676"/>
-                  </a:lnTo>
-                  <a:lnTo>
-                    <a:pt x="8637" y="788"/>
-                  </a:lnTo>
-                  <a:lnTo>
-                    <a:pt x="8412" y="884"/>
-                  </a:lnTo>
-                  <a:lnTo>
-                    <a:pt x="8184" y="975"/>
-                  </a:lnTo>
-                  <a:lnTo>
-                    <a:pt x="7957" y="1058"/>
-                  </a:lnTo>
-                  <a:lnTo>
-                    <a:pt x="7734" y="1130"/>
-                  </a:lnTo>
-                  <a:lnTo>
-                    <a:pt x="7508" y="1202"/>
-                  </a:lnTo>
-                  <a:lnTo>
-                    <a:pt x="7285" y="1262"/>
-                  </a:lnTo>
-                  <a:lnTo>
-                    <a:pt x="7062" y="1309"/>
-                  </a:lnTo>
-                  <a:lnTo>
-                    <a:pt x="6840" y="1358"/>
-                  </a:lnTo>
-                  <a:lnTo>
-                    <a:pt x="6620" y="1399"/>
-                  </a:lnTo>
-                  <a:lnTo>
-                    <a:pt x="6402" y="1428"/>
-                  </a:lnTo>
-                  <a:lnTo>
-                    <a:pt x="6184" y="1453"/>
-                  </a:lnTo>
-                  <a:lnTo>
-                    <a:pt x="5968" y="1477"/>
-                  </a:lnTo>
-                  <a:lnTo>
-                    <a:pt x="5755" y="1488"/>
-                  </a:lnTo>
-                  <a:lnTo>
-                    <a:pt x="5542" y="1500"/>
-                  </a:lnTo>
-                  <a:lnTo>
-                    <a:pt x="5332" y="1506"/>
-                  </a:lnTo>
-                  <a:lnTo>
-                    <a:pt x="5124" y="1500"/>
-                  </a:lnTo>
-                  <a:lnTo>
-                    <a:pt x="4918" y="1500"/>
-                  </a:lnTo>
-                  <a:lnTo>
-                    <a:pt x="4714" y="1488"/>
-                  </a:lnTo>
-                  <a:lnTo>
-                    <a:pt x="4514" y="1470"/>
-                  </a:lnTo>
-                  <a:lnTo>
-                    <a:pt x="4316" y="1453"/>
-                  </a:lnTo>
-                  <a:lnTo>
-                    <a:pt x="4122" y="1434"/>
-                  </a:lnTo>
-                  <a:lnTo>
-                    <a:pt x="3929" y="1405"/>
-                  </a:lnTo>
-                  <a:lnTo>
-                    <a:pt x="3739" y="1374"/>
-                  </a:lnTo>
-                  <a:lnTo>
-                    <a:pt x="3553" y="1346"/>
-                  </a:lnTo>
-                  <a:lnTo>
-                    <a:pt x="3190" y="1267"/>
-                  </a:lnTo>
-                  <a:lnTo>
-                    <a:pt x="2842" y="1183"/>
-                  </a:lnTo>
-                  <a:lnTo>
-                    <a:pt x="2508" y="1095"/>
-                  </a:lnTo>
-                  <a:lnTo>
-                    <a:pt x="2192" y="998"/>
-                  </a:lnTo>
-                  <a:lnTo>
-                    <a:pt x="1890" y="897"/>
-                  </a:lnTo>
-                  <a:lnTo>
-                    <a:pt x="1610" y="788"/>
-                  </a:lnTo>
-                  <a:lnTo>
-                    <a:pt x="1347" y="681"/>
-                  </a:lnTo>
-                  <a:lnTo>
-                    <a:pt x="1105" y="574"/>
-                  </a:lnTo>
-                  <a:lnTo>
-                    <a:pt x="883" y="473"/>
-                  </a:lnTo>
-                  <a:lnTo>
-                    <a:pt x="686" y="377"/>
-                  </a:lnTo>
-                  <a:lnTo>
-                    <a:pt x="508" y="286"/>
-                  </a:lnTo>
-                  <a:lnTo>
-                    <a:pt x="358" y="210"/>
-                  </a:lnTo>
-                  <a:lnTo>
-                    <a:pt x="232" y="138"/>
-                  </a:lnTo>
-                  <a:lnTo>
-                    <a:pt x="59" y="35"/>
-                  </a:lnTo>
-                  <a:lnTo>
-                    <a:pt x="0" y="0"/>
-                  </a:lnTo>
-                  <a:lnTo>
-                    <a:pt x="0" y="0"/>
-                  </a:lnTo>
-                  <a:close/>
-                </a:path>
-              </a:pathLst>
-            </a:custGeom>
-            <a:solidFill>
-              <a:schemeClr val="bg1"/>
-            </a:solidFill>
-            <a:ln>
-              <a:noFill/>
-            </a:ln>
-          </p:spPr>
-        </p:sp>
-        <p:sp>
-          <p:nvSpPr>
-            <p:cNvPr id="18" name="Freeform 5"/>
-            <p:cNvSpPr>
-              <a:spLocks noEditPoints="1"/>
-            </p:cNvSpPr>
-            <p:nvPr>
-              <p:extLst>
-                <p:ext uri="{386F3935-93C4-4BCD-93E2-E3B085C9AB24}">
-                  <p16:designElem xmlns:p16="http://schemas.microsoft.com/office/powerpoint/2015/main" val="1"/>
-                </p:ext>
-              </p:extLst>
-            </p:nvPr>
-          </p:nvSpPr>
-          <p:spPr bwMode="gray">
-            <a:xfrm>
-              <a:off x="0" y="1587"/>
-              <a:ext cx="12192000" cy="6856413"/>
-            </a:xfrm>
-            <a:custGeom>
-              <a:avLst/>
-              <a:gdLst/>
-              <a:ahLst/>
-              <a:cxnLst/>
-              <a:rect l="0" t="0" r="r" b="b"/>
-              <a:pathLst>
-                <a:path w="15356" h="8638">
-                  <a:moveTo>
-                    <a:pt x="0" y="0"/>
-                  </a:moveTo>
-                  <a:lnTo>
-                    <a:pt x="0" y="8638"/>
-                  </a:lnTo>
-                  <a:lnTo>
-                    <a:pt x="15356" y="8638"/>
-                  </a:lnTo>
-                  <a:lnTo>
-                    <a:pt x="15356" y="0"/>
-                  </a:lnTo>
-                  <a:lnTo>
-                    <a:pt x="0" y="0"/>
-                  </a:lnTo>
-                  <a:close/>
-                  <a:moveTo>
-                    <a:pt x="14748" y="8038"/>
-                  </a:moveTo>
-                  <a:lnTo>
-                    <a:pt x="600" y="8038"/>
-                  </a:lnTo>
-                  <a:lnTo>
-                    <a:pt x="600" y="592"/>
-                  </a:lnTo>
-                  <a:lnTo>
-                    <a:pt x="14748" y="592"/>
-                  </a:lnTo>
-                  <a:lnTo>
-                    <a:pt x="14748" y="8038"/>
-                  </a:lnTo>
-                  <a:close/>
-                </a:path>
-              </a:pathLst>
-            </a:custGeom>
-            <a:solidFill>
-              <a:schemeClr val="bg1"/>
-            </a:solidFill>
-            <a:ln>
-              <a:noFill/>
-            </a:ln>
-          </p:spPr>
-        </p:sp>
-      </p:grpSp>
-      <p:sp>
-        <p:nvSpPr>
-          <p:cNvPr id="19" name="Rectangle 18"/>
-          <p:cNvSpPr>
-            <a:spLocks noGrp="1" noRot="1" noChangeAspect="1" noMove="1" noResize="1" noEditPoints="1" noAdjustHandles="1" noChangeArrowheads="1" noChangeShapeType="1" noTextEdit="1"/>
-          </p:cNvSpPr>
-          <p:nvPr>
-            <p:extLst>
-              <p:ext uri="{386F3935-93C4-4BCD-93E2-E3B085C9AB24}">
-                <p16:designElem xmlns:p16="http://schemas.microsoft.com/office/powerpoint/2015/main" val="1"/>
-              </p:ext>
-            </p:extLst>
-          </p:nvPr>
-        </p:nvSpPr>
-        <p:spPr>
-          <a:xfrm>
-            <a:off x="10437812" y="0"/>
-            <a:ext cx="685800" cy="1143000"/>
-          </a:xfrm>
-          <a:prstGeom prst="rect">
-            <a:avLst/>
-          </a:prstGeom>
-          <a:solidFill>
-            <a:schemeClr val="accent1"/>
-          </a:solidFill>
-          <a:ln>
-            <a:noFill/>
-          </a:ln>
-        </p:spPr>
-        <p:style>
-          <a:lnRef idx="1">
-            <a:schemeClr val="accent1"/>
-          </a:lnRef>
-          <a:fillRef idx="3">
-            <a:schemeClr val="accent1"/>
-          </a:fillRef>
-          <a:effectRef idx="2">
-            <a:schemeClr val="accent1"/>
-          </a:effectRef>
-          <a:fontRef idx="minor">
-            <a:schemeClr val="lt1"/>
-          </a:fontRef>
-        </p:style>
-      </p:sp>
       <p:sp>
         <p:nvSpPr>
           <p:cNvPr id="2" name="Title 1"/>
@@ -21750,23 +17335,49 @@
             <p:ph type="title"/>
           </p:nvPr>
         </p:nvSpPr>
+        <p:spPr/>
+        <p:txBody>
+          <a:bodyPr/>
+          <a:lstStyle/>
+          <a:p>
+            <a:r>
+              <a:rPr lang="en-US" dirty="0" smtClean="0"/>
+              <a:t>Callback hell non </a:t>
+            </a:r>
+            <a:r>
+              <a:rPr lang="en-US" dirty="0"/>
+              <a:t>fixes</a:t>
+            </a:r>
+          </a:p>
+        </p:txBody>
+      </p:sp>
+      <p:sp>
+        <p:nvSpPr>
+          <p:cNvPr id="3" name="Content Placeholder 2"/>
+          <p:cNvSpPr>
+            <a:spLocks noGrp="1"/>
+          </p:cNvSpPr>
+          <p:nvPr>
+            <p:ph sz="half" idx="1"/>
+          </p:nvPr>
+        </p:nvSpPr>
         <p:spPr>
           <a:xfrm>
-            <a:off x="1154955" y="973668"/>
-            <a:ext cx="3133726" cy="1020232"/>
+            <a:off x="635686" y="2585361"/>
+            <a:ext cx="4825158" cy="713858"/>
           </a:xfrm>
         </p:spPr>
         <p:txBody>
-          <a:bodyPr>
-            <a:normAutofit/>
-          </a:bodyPr>
+          <a:bodyPr/>
           <a:lstStyle/>
           <a:p>
-            <a:r>
-              <a:rPr lang="en-US"/>
-              <a:t>Thunks</a:t>
-            </a:r>
-            <a:endParaRPr lang="en-US" dirty="0"/>
+            <a:pPr marL="0" indent="0" algn="ctr">
+              <a:buNone/>
+            </a:pPr>
+            <a:r>
+              <a:rPr lang="en-US" dirty="0"/>
+              <a:t>Multiple callbacks – one for response one for error</a:t>
+            </a:r>
           </a:p>
         </p:txBody>
       </p:sp>
@@ -21777,54 +17388,62 @@
             <a:spLocks noGrp="1"/>
           </p:cNvSpPr>
           <p:nvPr>
-            <p:ph idx="1"/>
+            <p:ph sz="half" idx="2"/>
           </p:nvPr>
         </p:nvSpPr>
         <p:spPr>
           <a:xfrm>
-            <a:off x="1154955" y="2888946"/>
-            <a:ext cx="3133726" cy="1189459"/>
+            <a:off x="6412939" y="2728900"/>
+            <a:ext cx="4825159" cy="426779"/>
           </a:xfrm>
         </p:spPr>
         <p:txBody>
-          <a:bodyPr>
-            <a:normAutofit/>
-          </a:bodyPr>
+          <a:bodyPr/>
           <a:lstStyle/>
           <a:p>
-            <a:pPr marL="0" indent="0">
+            <a:pPr marL="0" indent="0" algn="ctr">
               <a:buNone/>
             </a:pPr>
             <a:r>
-              <a:rPr lang="en-US" dirty="0">
-                <a:solidFill>
-                  <a:schemeClr val="bg1"/>
-                </a:solidFill>
-              </a:rPr>
-              <a:t>In a sync flow </a:t>
-            </a:r>
-            <a:r>
-              <a:rPr lang="en-US" dirty="0" err="1">
-                <a:solidFill>
-                  <a:schemeClr val="bg1"/>
-                </a:solidFill>
-              </a:rPr>
-              <a:t>thunk</a:t>
-            </a:r>
-            <a:r>
-              <a:rPr lang="en-US" dirty="0">
-                <a:solidFill>
-                  <a:schemeClr val="bg1"/>
-                </a:solidFill>
-              </a:rPr>
-              <a:t> is a pure function that needs no parameters to be passed to give you result</a:t>
+              <a:rPr lang="en-US" dirty="0"/>
+              <a:t>Error first ( node style ) error callbacks</a:t>
             </a:r>
           </a:p>
         </p:txBody>
       </p:sp>
       <p:pic>
         <p:nvPicPr>
-          <p:cNvPr id="3" name="Рисунок 2"/>
+          <p:cNvPr id="5" name="Рисунок 4"/>
+          <p:cNvPicPr>
+            <a:picLocks noChangeAspect="1"/>
+          </p:cNvPicPr>
+          <p:nvPr/>
+        </p:nvPicPr>
+        <p:blipFill>
+          <a:blip r:embed="rId2">
+            <a:extLst>
+              <a:ext uri="{28A0092B-C50C-407E-A947-70E740481C1C}">
+                <a14:useLocalDpi xmlns:a14="http://schemas.microsoft.com/office/drawing/2010/main" val="0"/>
+              </a:ext>
+            </a:extLst>
+          </a:blip>
+          <a:stretch>
+            <a:fillRect/>
+          </a:stretch>
+        </p:blipFill>
+        <p:spPr>
+          <a:xfrm>
+            <a:off x="216851" y="3588883"/>
+            <a:ext cx="5675114" cy="2487722"/>
+          </a:xfrm>
+          <a:prstGeom prst="rect">
+            <a:avLst/>
+          </a:prstGeom>
+        </p:spPr>
+      </p:pic>
+      <p:pic>
+        <p:nvPicPr>
+          <p:cNvPr id="9" name="Рисунок 8"/>
           <p:cNvPicPr>
             <a:picLocks noChangeAspect="1"/>
           </p:cNvPicPr>
@@ -21844,8 +17463,8 @@
         </p:blipFill>
         <p:spPr>
           <a:xfrm>
-            <a:off x="5319124" y="1483784"/>
-            <a:ext cx="5510274" cy="4070653"/>
+            <a:off x="5891965" y="3486130"/>
+            <a:ext cx="5885797" cy="2690226"/>
           </a:xfrm>
           <a:prstGeom prst="rect">
             <a:avLst/>
@@ -21855,7 +17474,7 @@
     </p:spTree>
     <p:extLst>
       <p:ext uri="{BB962C8B-B14F-4D97-AF65-F5344CB8AC3E}">
-        <p14:creationId xmlns:p14="http://schemas.microsoft.com/office/powerpoint/2010/main" val="3265203957"/>
+        <p14:creationId xmlns:p14="http://schemas.microsoft.com/office/powerpoint/2010/main" val="2517738420"/>
       </p:ext>
     </p:extLst>
   </p:cSld>
